--- a/Documents/VR játék fejlesztés Rehabilitációs célra.pptx
+++ b/Documents/VR játék fejlesztés Rehabilitációs célra.pptx
@@ -5,7 +5,7 @@
     <p:sldMasterId id="2147483648" r:id="rId1"/>
   </p:sldMasterIdLst>
   <p:notesMasterIdLst>
-    <p:notesMasterId r:id="rId9"/>
+    <p:notesMasterId r:id="rId14"/>
   </p:notesMasterIdLst>
   <p:sldIdLst>
     <p:sldId id="256" r:id="rId2"/>
@@ -14,7 +14,12 @@
     <p:sldId id="259" r:id="rId5"/>
     <p:sldId id="261" r:id="rId6"/>
     <p:sldId id="260" r:id="rId7"/>
-    <p:sldId id="262" r:id="rId8"/>
+    <p:sldId id="265" r:id="rId8"/>
+    <p:sldId id="262" r:id="rId9"/>
+    <p:sldId id="263" r:id="rId10"/>
+    <p:sldId id="264" r:id="rId11"/>
+    <p:sldId id="267" r:id="rId12"/>
+    <p:sldId id="266" r:id="rId13"/>
   </p:sldIdLst>
   <p:sldSz cx="12192000" cy="6858000"/>
   <p:notesSz cx="6858000" cy="9144000"/>
@@ -113,6 +118,14 @@
       </a:defRPr>
     </a:lvl9pPr>
   </p:defaultTextStyle>
+  <p:extLst>
+    <p:ext uri="{EFAFB233-063F-42B5-8137-9DF3F51BA10A}">
+      <p15:sldGuideLst xmlns:p15="http://schemas.microsoft.com/office/powerpoint/2012/main"/>
+    </p:ext>
+    <p:ext uri="{2D200454-40CA-4A62-9FC3-DE9A4176ACB9}">
+      <p15:notesGuideLst xmlns:p15="http://schemas.microsoft.com/office/powerpoint/2012/main"/>
+    </p:ext>
+  </p:extLst>
 </p:presentation>
 </file>
 
@@ -1314,6 +1327,266 @@
           <a:bodyPr/>
           <a:lstStyle/>
           <a:p>
+            <a:r>
+              <a:rPr lang="en-US" dirty="0" err="1"/>
+              <a:t>Minimális</a:t>
+            </a:r>
+            <a:r>
+              <a:rPr lang="en-US" dirty="0"/>
+              <a:t> </a:t>
+            </a:r>
+            <a:r>
+              <a:rPr lang="en-US" dirty="0" err="1"/>
+              <a:t>mennyiségű</a:t>
+            </a:r>
+            <a:r>
+              <a:rPr lang="en-US" dirty="0"/>
+              <a:t> </a:t>
+            </a:r>
+            <a:r>
+              <a:rPr lang="en-US" dirty="0" err="1"/>
+              <a:t>elemet</a:t>
+            </a:r>
+            <a:r>
+              <a:rPr lang="en-US" dirty="0"/>
+              <a:t> </a:t>
+            </a:r>
+            <a:r>
+              <a:rPr lang="en-US" dirty="0" err="1"/>
+              <a:t>tratalmaz</a:t>
+            </a:r>
+            <a:r>
+              <a:rPr lang="en-US" dirty="0"/>
+              <a:t> a </a:t>
+            </a:r>
+            <a:r>
+              <a:rPr lang="en-US" dirty="0" err="1"/>
+              <a:t>tér</a:t>
+            </a:r>
+            <a:r>
+              <a:rPr lang="en-US" dirty="0"/>
+              <a:t> a </a:t>
+            </a:r>
+            <a:r>
+              <a:rPr lang="en-US" dirty="0" err="1"/>
+              <a:t>teljesítmény</a:t>
+            </a:r>
+            <a:r>
+              <a:rPr lang="en-US" dirty="0"/>
+              <a:t> </a:t>
+            </a:r>
+            <a:r>
+              <a:rPr lang="en-US" dirty="0" err="1"/>
+              <a:t>növelése</a:t>
+            </a:r>
+            <a:r>
+              <a:rPr lang="en-US" dirty="0"/>
+              <a:t> </a:t>
+            </a:r>
+            <a:r>
+              <a:rPr lang="en-US" dirty="0" err="1"/>
+              <a:t>miatt</a:t>
+            </a:r>
+            <a:r>
+              <a:rPr lang="en-US" dirty="0"/>
+              <a:t>.</a:t>
+            </a:r>
+          </a:p>
+          <a:p>
+            <a:r>
+              <a:rPr lang="en-US" dirty="0" err="1"/>
+              <a:t>Akadozás</a:t>
+            </a:r>
+            <a:r>
+              <a:rPr lang="en-US" dirty="0"/>
+              <a:t> </a:t>
+            </a:r>
+            <a:r>
+              <a:rPr lang="en-US" dirty="0" err="1"/>
+              <a:t>rosszullétheze</a:t>
+            </a:r>
+            <a:r>
+              <a:rPr lang="en-US" dirty="0"/>
+              <a:t> </a:t>
+            </a:r>
+            <a:r>
+              <a:rPr lang="en-US" dirty="0" err="1"/>
+              <a:t>vezethet</a:t>
+            </a:r>
+            <a:r>
+              <a:rPr lang="en-US" dirty="0"/>
+              <a:t> VR </a:t>
+            </a:r>
+            <a:r>
+              <a:rPr lang="en-US" dirty="0" err="1"/>
+              <a:t>szemüveg</a:t>
+            </a:r>
+            <a:r>
+              <a:rPr lang="en-US" dirty="0"/>
+              <a:t> </a:t>
+            </a:r>
+            <a:r>
+              <a:rPr lang="en-US" dirty="0" err="1"/>
+              <a:t>használata</a:t>
+            </a:r>
+            <a:r>
+              <a:rPr lang="en-US" dirty="0"/>
+              <a:t> </a:t>
+            </a:r>
+            <a:r>
+              <a:rPr lang="en-US" dirty="0" err="1"/>
+              <a:t>közben</a:t>
+            </a:r>
+            <a:r>
+              <a:rPr lang="en-US" dirty="0"/>
+              <a:t>.</a:t>
+            </a:r>
+          </a:p>
+          <a:p>
+            <a:r>
+              <a:rPr lang="en-US" dirty="0" err="1"/>
+              <a:t>Midne</a:t>
+            </a:r>
+            <a:r>
+              <a:rPr lang="en-US" dirty="0"/>
+              <a:t> </a:t>
+            </a:r>
+            <a:r>
+              <a:rPr lang="en-US" dirty="0" err="1"/>
+              <a:t>objektumot</a:t>
+            </a:r>
+            <a:r>
+              <a:rPr lang="en-US" dirty="0"/>
+              <a:t> </a:t>
+            </a:r>
+            <a:r>
+              <a:rPr lang="en-US" dirty="0" err="1"/>
+              <a:t>kódbol</a:t>
+            </a:r>
+            <a:r>
+              <a:rPr lang="en-US" dirty="0"/>
+              <a:t> </a:t>
+            </a:r>
+            <a:r>
+              <a:rPr lang="en-US" dirty="0" err="1"/>
+              <a:t>hotunk</a:t>
+            </a:r>
+            <a:r>
+              <a:rPr lang="en-US" dirty="0"/>
+              <a:t> </a:t>
+            </a:r>
+            <a:r>
+              <a:rPr lang="en-US" dirty="0" err="1"/>
+              <a:t>létre</a:t>
+            </a:r>
+            <a:r>
+              <a:rPr lang="en-US" dirty="0"/>
+              <a:t> </a:t>
+            </a:r>
+            <a:r>
+              <a:rPr lang="en-US" dirty="0" err="1"/>
+              <a:t>és</a:t>
+            </a:r>
+            <a:r>
+              <a:rPr lang="en-US" dirty="0"/>
+              <a:t> </a:t>
+            </a:r>
+            <a:r>
+              <a:rPr lang="en-US" dirty="0" err="1"/>
+              <a:t>kódból</a:t>
+            </a:r>
+            <a:r>
+              <a:rPr lang="en-US" dirty="0"/>
+              <a:t> </a:t>
+            </a:r>
+            <a:r>
+              <a:rPr lang="en-US" dirty="0" err="1"/>
+              <a:t>törülnk</a:t>
+            </a:r>
+            <a:r>
+              <a:rPr lang="en-US" dirty="0"/>
+              <a:t>, cask </a:t>
+            </a:r>
+            <a:r>
+              <a:rPr lang="en-US" dirty="0" err="1"/>
+              <a:t>addig</a:t>
+            </a:r>
+            <a:r>
+              <a:rPr lang="en-US" dirty="0"/>
+              <a:t> </a:t>
+            </a:r>
+            <a:r>
+              <a:rPr lang="en-US" dirty="0" err="1"/>
+              <a:t>élnek</a:t>
+            </a:r>
+            <a:r>
+              <a:rPr lang="en-US" dirty="0"/>
+              <a:t> </a:t>
+            </a:r>
+            <a:r>
+              <a:rPr lang="en-US" dirty="0" err="1"/>
+              <a:t>az</a:t>
+            </a:r>
+            <a:r>
+              <a:rPr lang="en-US" dirty="0"/>
+              <a:t> </a:t>
+            </a:r>
+            <a:r>
+              <a:rPr lang="en-US" dirty="0" err="1"/>
+              <a:t>objektumok</a:t>
+            </a:r>
+            <a:r>
+              <a:rPr lang="en-US" dirty="0"/>
+              <a:t> </a:t>
+            </a:r>
+            <a:r>
+              <a:rPr lang="en-US" dirty="0" err="1"/>
+              <a:t>amíg</a:t>
+            </a:r>
+            <a:r>
+              <a:rPr lang="en-US" dirty="0"/>
+              <a:t> </a:t>
+            </a:r>
+            <a:r>
+              <a:rPr lang="en-US" dirty="0" err="1"/>
+              <a:t>szükség</a:t>
+            </a:r>
+            <a:r>
+              <a:rPr lang="en-US" dirty="0"/>
+              <a:t> van </a:t>
+            </a:r>
+            <a:r>
+              <a:rPr lang="en-US" dirty="0" err="1"/>
+              <a:t>rájuk</a:t>
+            </a:r>
+            <a:r>
+              <a:rPr lang="en-US" dirty="0"/>
+              <a:t>, </a:t>
+            </a:r>
+            <a:r>
+              <a:rPr lang="en-US" dirty="0" err="1"/>
+              <a:t>szintén</a:t>
+            </a:r>
+            <a:r>
+              <a:rPr lang="en-US" dirty="0"/>
+              <a:t> a </a:t>
+            </a:r>
+            <a:r>
+              <a:rPr lang="en-US" dirty="0" err="1"/>
+              <a:t>teljesítmény</a:t>
+            </a:r>
+            <a:r>
+              <a:rPr lang="en-US" dirty="0"/>
+              <a:t> </a:t>
+            </a:r>
+            <a:r>
+              <a:rPr lang="en-US" dirty="0" err="1"/>
+              <a:t>miatt</a:t>
+            </a:r>
+            <a:r>
+              <a:rPr lang="en-US" dirty="0"/>
+              <a:t>.</a:t>
+            </a:r>
             <a:endParaRPr lang="hu-HU" dirty="0"/>
           </a:p>
         </p:txBody>
@@ -1398,7 +1671,7 @@
           <a:bodyPr/>
           <a:lstStyle/>
           <a:p>
-            <a:endParaRPr lang="hu-HU"/>
+            <a:endParaRPr lang="hu-HU" dirty="0"/>
           </a:p>
         </p:txBody>
       </p:sp>
@@ -1482,6 +1755,185 @@
           <a:bodyPr/>
           <a:lstStyle/>
           <a:p>
+            <a:r>
+              <a:rPr lang="en-US" dirty="0" err="1"/>
+              <a:t>Torna</a:t>
+            </a:r>
+            <a:r>
+              <a:rPr lang="en-US" dirty="0"/>
+              <a:t> </a:t>
+            </a:r>
+            <a:r>
+              <a:rPr lang="en-US" dirty="0" err="1"/>
+              <a:t>készítő</a:t>
+            </a:r>
+            <a:r>
+              <a:rPr lang="en-US" dirty="0"/>
+              <a:t> </a:t>
+            </a:r>
+            <a:r>
+              <a:rPr lang="en-US" dirty="0" err="1"/>
+              <a:t>módban</a:t>
+            </a:r>
+            <a:r>
+              <a:rPr lang="en-US" dirty="0"/>
+              <a:t> le </a:t>
+            </a:r>
+            <a:r>
+              <a:rPr lang="en-US" dirty="0" err="1"/>
+              <a:t>tudunk</a:t>
+            </a:r>
+            <a:r>
+              <a:rPr lang="en-US" dirty="0"/>
+              <a:t> </a:t>
+            </a:r>
+            <a:r>
+              <a:rPr lang="en-US" dirty="0" err="1"/>
+              <a:t>rakni</a:t>
+            </a:r>
+            <a:r>
+              <a:rPr lang="en-US" dirty="0"/>
+              <a:t> </a:t>
+            </a:r>
+            <a:r>
+              <a:rPr lang="en-US" dirty="0" err="1"/>
+              <a:t>sárga</a:t>
+            </a:r>
+            <a:r>
+              <a:rPr lang="en-US" dirty="0"/>
+              <a:t> </a:t>
+            </a:r>
+            <a:r>
+              <a:rPr lang="en-US" dirty="0" err="1"/>
+              <a:t>gömböket</a:t>
+            </a:r>
+            <a:r>
+              <a:rPr lang="en-US" dirty="0"/>
+              <a:t>, </a:t>
+            </a:r>
+            <a:r>
+              <a:rPr lang="en-US" dirty="0" err="1"/>
+              <a:t>amilyen</a:t>
+            </a:r>
+            <a:r>
+              <a:rPr lang="en-US" dirty="0"/>
+              <a:t> </a:t>
+            </a:r>
+            <a:r>
+              <a:rPr lang="en-US" dirty="0" err="1"/>
+              <a:t>sorrendben</a:t>
+            </a:r>
+            <a:r>
+              <a:rPr lang="en-US" dirty="0"/>
+              <a:t> </a:t>
+            </a:r>
+            <a:r>
+              <a:rPr lang="en-US" dirty="0" err="1"/>
+              <a:t>tesszük</a:t>
+            </a:r>
+            <a:r>
+              <a:rPr lang="en-US" dirty="0"/>
+              <a:t> le </a:t>
+            </a:r>
+            <a:r>
+              <a:rPr lang="en-US" dirty="0" err="1"/>
+              <a:t>őket</a:t>
+            </a:r>
+            <a:r>
+              <a:rPr lang="en-US" dirty="0"/>
+              <a:t> </a:t>
+            </a:r>
+            <a:r>
+              <a:rPr lang="en-US" dirty="0" err="1"/>
+              <a:t>olyan</a:t>
+            </a:r>
+            <a:r>
+              <a:rPr lang="en-US" dirty="0"/>
+              <a:t> </a:t>
+            </a:r>
+            <a:r>
+              <a:rPr lang="en-US" dirty="0" err="1"/>
+              <a:t>sorrendben</a:t>
+            </a:r>
+            <a:r>
+              <a:rPr lang="en-US" dirty="0"/>
+              <a:t> </a:t>
+            </a:r>
+            <a:r>
+              <a:rPr lang="en-US" dirty="0" err="1"/>
+              <a:t>fognak</a:t>
+            </a:r>
+            <a:r>
+              <a:rPr lang="en-US" dirty="0"/>
+              <a:t> </a:t>
+            </a:r>
+            <a:r>
+              <a:rPr lang="en-US" dirty="0" err="1"/>
+              <a:t>megjelenni</a:t>
+            </a:r>
+            <a:r>
+              <a:rPr lang="en-US" dirty="0"/>
+              <a:t> </a:t>
+            </a:r>
+            <a:r>
+              <a:rPr lang="en-US" dirty="0" err="1"/>
+              <a:t>torna</a:t>
+            </a:r>
+            <a:r>
+              <a:rPr lang="en-US" dirty="0"/>
+              <a:t> </a:t>
+            </a:r>
+            <a:r>
+              <a:rPr lang="en-US" dirty="0" err="1"/>
+              <a:t>közben</a:t>
+            </a:r>
+            <a:endParaRPr lang="en-US" dirty="0"/>
+          </a:p>
+          <a:p>
+            <a:r>
+              <a:rPr lang="en-US" dirty="0" err="1"/>
+              <a:t>Raycast</a:t>
+            </a:r>
+            <a:r>
+              <a:rPr lang="en-US" dirty="0"/>
+              <a:t> </a:t>
+            </a:r>
+            <a:r>
+              <a:rPr lang="en-US" dirty="0" err="1"/>
+              <a:t>segítségével</a:t>
+            </a:r>
+            <a:r>
+              <a:rPr lang="en-US" dirty="0"/>
+              <a:t> </a:t>
+            </a:r>
+            <a:r>
+              <a:rPr lang="en-US" dirty="0" err="1"/>
+              <a:t>működik</a:t>
+            </a:r>
+            <a:r>
+              <a:rPr lang="en-US" dirty="0"/>
+              <a:t> a </a:t>
+            </a:r>
+            <a:r>
+              <a:rPr lang="en-US" dirty="0" err="1"/>
+              <a:t>kilépés</a:t>
+            </a:r>
+            <a:r>
+              <a:rPr lang="en-US" dirty="0"/>
+              <a:t> </a:t>
+            </a:r>
+            <a:r>
+              <a:rPr lang="en-US" dirty="0" err="1"/>
+              <a:t>és</a:t>
+            </a:r>
+            <a:r>
+              <a:rPr lang="en-US" dirty="0"/>
+              <a:t> </a:t>
+            </a:r>
+            <a:r>
+              <a:rPr lang="en-US" dirty="0" err="1"/>
+              <a:t>mentés</a:t>
+            </a:r>
             <a:endParaRPr lang="hu-HU" dirty="0"/>
           </a:p>
         </p:txBody>
@@ -1513,6 +1965,174 @@
     <p:extLst>
       <p:ext uri="{BB962C8B-B14F-4D97-AF65-F5344CB8AC3E}">
         <p14:creationId xmlns:p14="http://schemas.microsoft.com/office/powerpoint/2010/main" val="36915051"/>
+      </p:ext>
+    </p:extLst>
+  </p:cSld>
+  <p:clrMapOvr>
+    <a:masterClrMapping/>
+  </p:clrMapOvr>
+</p:notes>
+</file>
+
+<file path=ppt/notesSlides/notesSlide7.xml><?xml version="1.0" encoding="utf-8"?>
+<p:notes xmlns:a="http://schemas.openxmlformats.org/drawingml/2006/main" xmlns:r="http://schemas.openxmlformats.org/officeDocument/2006/relationships" xmlns:p="http://schemas.openxmlformats.org/presentationml/2006/main">
+  <p:cSld>
+    <p:spTree>
+      <p:nvGrpSpPr>
+        <p:cNvPr id="1" name=""/>
+        <p:cNvGrpSpPr/>
+        <p:nvPr/>
+      </p:nvGrpSpPr>
+      <p:grpSpPr>
+        <a:xfrm>
+          <a:off x="0" y="0"/>
+          <a:ext cx="0" cy="0"/>
+          <a:chOff x="0" y="0"/>
+          <a:chExt cx="0" cy="0"/>
+        </a:xfrm>
+      </p:grpSpPr>
+      <p:sp>
+        <p:nvSpPr>
+          <p:cNvPr id="2" name="Slide Image Placeholder 1"/>
+          <p:cNvSpPr>
+            <a:spLocks noGrp="1" noRot="1" noChangeAspect="1"/>
+          </p:cNvSpPr>
+          <p:nvPr>
+            <p:ph type="sldImg"/>
+          </p:nvPr>
+        </p:nvSpPr>
+        <p:spPr/>
+      </p:sp>
+      <p:sp>
+        <p:nvSpPr>
+          <p:cNvPr id="3" name="Notes Placeholder 2"/>
+          <p:cNvSpPr>
+            <a:spLocks noGrp="1"/>
+          </p:cNvSpPr>
+          <p:nvPr>
+            <p:ph type="body" idx="1"/>
+          </p:nvPr>
+        </p:nvSpPr>
+        <p:spPr/>
+        <p:txBody>
+          <a:bodyPr/>
+          <a:lstStyle/>
+          <a:p>
+            <a:endParaRPr lang="hu-HU" dirty="0"/>
+          </a:p>
+        </p:txBody>
+      </p:sp>
+      <p:sp>
+        <p:nvSpPr>
+          <p:cNvPr id="4" name="Slide Number Placeholder 3"/>
+          <p:cNvSpPr>
+            <a:spLocks noGrp="1"/>
+          </p:cNvSpPr>
+          <p:nvPr>
+            <p:ph type="sldNum" sz="quarter" idx="5"/>
+          </p:nvPr>
+        </p:nvSpPr>
+        <p:spPr/>
+        <p:txBody>
+          <a:bodyPr/>
+          <a:lstStyle/>
+          <a:p>
+            <a:fld id="{649CD952-E1BE-4584-8273-46BA2869E6E0}" type="slidenum">
+              <a:rPr lang="hu-HU" smtClean="0"/>
+              <a:t>8</a:t>
+            </a:fld>
+            <a:endParaRPr lang="hu-HU"/>
+          </a:p>
+        </p:txBody>
+      </p:sp>
+    </p:spTree>
+    <p:extLst>
+      <p:ext uri="{BB962C8B-B14F-4D97-AF65-F5344CB8AC3E}">
+        <p14:creationId xmlns:p14="http://schemas.microsoft.com/office/powerpoint/2010/main" val="206988656"/>
+      </p:ext>
+    </p:extLst>
+  </p:cSld>
+  <p:clrMapOvr>
+    <a:masterClrMapping/>
+  </p:clrMapOvr>
+</p:notes>
+</file>
+
+<file path=ppt/notesSlides/notesSlide8.xml><?xml version="1.0" encoding="utf-8"?>
+<p:notes xmlns:a="http://schemas.openxmlformats.org/drawingml/2006/main" xmlns:r="http://schemas.openxmlformats.org/officeDocument/2006/relationships" xmlns:p="http://schemas.openxmlformats.org/presentationml/2006/main">
+  <p:cSld>
+    <p:spTree>
+      <p:nvGrpSpPr>
+        <p:cNvPr id="1" name=""/>
+        <p:cNvGrpSpPr/>
+        <p:nvPr/>
+      </p:nvGrpSpPr>
+      <p:grpSpPr>
+        <a:xfrm>
+          <a:off x="0" y="0"/>
+          <a:ext cx="0" cy="0"/>
+          <a:chOff x="0" y="0"/>
+          <a:chExt cx="0" cy="0"/>
+        </a:xfrm>
+      </p:grpSpPr>
+      <p:sp>
+        <p:nvSpPr>
+          <p:cNvPr id="2" name="Slide Image Placeholder 1"/>
+          <p:cNvSpPr>
+            <a:spLocks noGrp="1" noRot="1" noChangeAspect="1"/>
+          </p:cNvSpPr>
+          <p:nvPr>
+            <p:ph type="sldImg"/>
+          </p:nvPr>
+        </p:nvSpPr>
+        <p:spPr/>
+      </p:sp>
+      <p:sp>
+        <p:nvSpPr>
+          <p:cNvPr id="3" name="Notes Placeholder 2"/>
+          <p:cNvSpPr>
+            <a:spLocks noGrp="1"/>
+          </p:cNvSpPr>
+          <p:nvPr>
+            <p:ph type="body" idx="1"/>
+          </p:nvPr>
+        </p:nvSpPr>
+        <p:spPr/>
+        <p:txBody>
+          <a:bodyPr/>
+          <a:lstStyle/>
+          <a:p>
+            <a:endParaRPr lang="hu-HU" dirty="0"/>
+          </a:p>
+        </p:txBody>
+      </p:sp>
+      <p:sp>
+        <p:nvSpPr>
+          <p:cNvPr id="4" name="Slide Number Placeholder 3"/>
+          <p:cNvSpPr>
+            <a:spLocks noGrp="1"/>
+          </p:cNvSpPr>
+          <p:nvPr>
+            <p:ph type="sldNum" sz="quarter" idx="5"/>
+          </p:nvPr>
+        </p:nvSpPr>
+        <p:spPr/>
+        <p:txBody>
+          <a:bodyPr/>
+          <a:lstStyle/>
+          <a:p>
+            <a:fld id="{649CD952-E1BE-4584-8273-46BA2869E6E0}" type="slidenum">
+              <a:rPr lang="hu-HU" smtClean="0"/>
+              <a:t>9</a:t>
+            </a:fld>
+            <a:endParaRPr lang="hu-HU"/>
+          </a:p>
+        </p:txBody>
+      </p:sp>
+    </p:spTree>
+    <p:extLst>
+      <p:ext uri="{BB962C8B-B14F-4D97-AF65-F5344CB8AC3E}">
+        <p14:creationId xmlns:p14="http://schemas.microsoft.com/office/powerpoint/2010/main" val="4053725104"/>
       </p:ext>
     </p:extLst>
   </p:cSld>
@@ -1768,7 +2388,7 @@
             <a:fld id="{B61BEF0D-F0BB-DE4B-95CE-6DB70DBA9567}" type="datetimeFigureOut">
               <a:rPr lang="en-US" dirty="0"/>
               <a:pPr/>
-              <a:t>4/15/2023</a:t>
+              <a:t>4/16/2023</a:t>
             </a:fld>
             <a:endParaRPr lang="en-US" dirty="0"/>
           </a:p>
@@ -2027,7 +2647,7 @@
             <a:fld id="{B61BEF0D-F0BB-DE4B-95CE-6DB70DBA9567}" type="datetimeFigureOut">
               <a:rPr lang="en-US" dirty="0"/>
               <a:pPr/>
-              <a:t>4/15/2023</a:t>
+              <a:t>4/16/2023</a:t>
             </a:fld>
             <a:endParaRPr lang="en-US" dirty="0"/>
           </a:p>
@@ -2259,7 +2879,7 @@
             <a:fld id="{B61BEF0D-F0BB-DE4B-95CE-6DB70DBA9567}" type="datetimeFigureOut">
               <a:rPr lang="en-US" dirty="0"/>
               <a:pPr/>
-              <a:t>4/15/2023</a:t>
+              <a:t>4/16/2023</a:t>
             </a:fld>
             <a:endParaRPr lang="en-US" dirty="0"/>
           </a:p>
@@ -2496,7 +3116,7 @@
             <a:fld id="{B61BEF0D-F0BB-DE4B-95CE-6DB70DBA9567}" type="datetimeFigureOut">
               <a:rPr lang="en-US" dirty="0"/>
               <a:pPr/>
-              <a:t>4/15/2023</a:t>
+              <a:t>4/16/2023</a:t>
             </a:fld>
             <a:endParaRPr lang="en-US" dirty="0"/>
           </a:p>
@@ -2800,7 +3420,7 @@
             <a:fld id="{B61BEF0D-F0BB-DE4B-95CE-6DB70DBA9567}" type="datetimeFigureOut">
               <a:rPr lang="en-US" dirty="0"/>
               <a:pPr/>
-              <a:t>4/15/2023</a:t>
+              <a:t>4/16/2023</a:t>
             </a:fld>
             <a:endParaRPr lang="en-US" dirty="0"/>
           </a:p>
@@ -3099,7 +3719,7 @@
             <a:fld id="{B61BEF0D-F0BB-DE4B-95CE-6DB70DBA9567}" type="datetimeFigureOut">
               <a:rPr lang="en-US" dirty="0"/>
               <a:pPr/>
-              <a:t>4/15/2023</a:t>
+              <a:t>4/16/2023</a:t>
             </a:fld>
             <a:endParaRPr lang="en-US" dirty="0"/>
           </a:p>
@@ -3518,7 +4138,7 @@
             <a:fld id="{B61BEF0D-F0BB-DE4B-95CE-6DB70DBA9567}" type="datetimeFigureOut">
               <a:rPr lang="en-US" dirty="0"/>
               <a:pPr/>
-              <a:t>4/15/2023</a:t>
+              <a:t>4/16/2023</a:t>
             </a:fld>
             <a:endParaRPr lang="en-US" dirty="0"/>
           </a:p>
@@ -3677,7 +4297,7 @@
             <a:fld id="{B61BEF0D-F0BB-DE4B-95CE-6DB70DBA9567}" type="datetimeFigureOut">
               <a:rPr lang="en-US" dirty="0"/>
               <a:pPr/>
-              <a:t>4/15/2023</a:t>
+              <a:t>4/16/2023</a:t>
             </a:fld>
             <a:endParaRPr lang="en-US" dirty="0"/>
           </a:p>
@@ -3769,7 +4389,7 @@
             <a:fld id="{B61BEF0D-F0BB-DE4B-95CE-6DB70DBA9567}" type="datetimeFigureOut">
               <a:rPr lang="en-US" dirty="0"/>
               <a:pPr/>
-              <a:t>4/15/2023</a:t>
+              <a:t>4/16/2023</a:t>
             </a:fld>
             <a:endParaRPr lang="en-US" dirty="0"/>
           </a:p>
@@ -4144,7 +4764,7 @@
             <a:fld id="{B61BEF0D-F0BB-DE4B-95CE-6DB70DBA9567}" type="datetimeFigureOut">
               <a:rPr lang="en-US" dirty="0"/>
               <a:pPr/>
-              <a:t>4/15/2023</a:t>
+              <a:t>4/16/2023</a:t>
             </a:fld>
             <a:endParaRPr lang="en-US" dirty="0"/>
           </a:p>
@@ -4430,7 +5050,7 @@
             <a:fld id="{B61BEF0D-F0BB-DE4B-95CE-6DB70DBA9567}" type="datetimeFigureOut">
               <a:rPr lang="en-US" dirty="0"/>
               <a:pPr/>
-              <a:t>4/15/2023</a:t>
+              <a:t>4/16/2023</a:t>
             </a:fld>
             <a:endParaRPr lang="en-US" dirty="0"/>
           </a:p>
@@ -4638,7 +5258,7 @@
             <a:fld id="{B61BEF0D-F0BB-DE4B-95CE-6DB70DBA9567}" type="datetimeFigureOut">
               <a:rPr lang="en-US" dirty="0"/>
               <a:pPr/>
-              <a:t>4/15/2023</a:t>
+              <a:t>4/16/2023</a:t>
             </a:fld>
             <a:endParaRPr lang="en-US" dirty="0"/>
           </a:p>
@@ -5414,6 +6034,1318 @@
 </p:sld>
 </file>
 
+<file path=ppt/slides/slide10.xml><?xml version="1.0" encoding="utf-8"?>
+<p:sld xmlns:a="http://schemas.openxmlformats.org/drawingml/2006/main" xmlns:r="http://schemas.openxmlformats.org/officeDocument/2006/relationships" xmlns:p="http://schemas.openxmlformats.org/presentationml/2006/main">
+  <p:cSld>
+    <p:bg>
+      <p:bgPr>
+        <a:solidFill>
+          <a:schemeClr val="bg1"/>
+        </a:solidFill>
+        <a:effectLst/>
+      </p:bgPr>
+    </p:bg>
+    <p:spTree>
+      <p:nvGrpSpPr>
+        <p:cNvPr id="1" name=""/>
+        <p:cNvGrpSpPr/>
+        <p:nvPr/>
+      </p:nvGrpSpPr>
+      <p:grpSpPr>
+        <a:xfrm>
+          <a:off x="0" y="0"/>
+          <a:ext cx="0" cy="0"/>
+          <a:chOff x="0" y="0"/>
+          <a:chExt cx="0" cy="0"/>
+        </a:xfrm>
+      </p:grpSpPr>
+      <p:sp>
+        <p:nvSpPr>
+          <p:cNvPr id="11" name="Rectangle 10">
+            <a:extLst>
+              <a:ext uri="{FF2B5EF4-FFF2-40B4-BE49-F238E27FC236}">
+                <a16:creationId xmlns:a16="http://schemas.microsoft.com/office/drawing/2014/main" id="{DB691D59-8F51-4DD8-AD41-D568D29B08F8}"/>
+              </a:ext>
+              <a:ext uri="{C183D7F6-B498-43B3-948B-1728B52AA6E4}">
+                <adec:decorative xmlns:adec="http://schemas.microsoft.com/office/drawing/2017/decorative" val="1"/>
+              </a:ext>
+            </a:extLst>
+          </p:cNvPr>
+          <p:cNvSpPr>
+            <a:spLocks noGrp="1" noRot="1" noChangeAspect="1" noMove="1" noResize="1" noEditPoints="1" noAdjustHandles="1" noChangeArrowheads="1" noChangeShapeType="1" noTextEdit="1"/>
+          </p:cNvSpPr>
+          <p:nvPr>
+            <p:extLst>
+              <p:ext uri="{386F3935-93C4-4BCD-93E2-E3B085C9AB24}">
+                <p16:designElem xmlns:p16="http://schemas.microsoft.com/office/powerpoint/2015/main" val="1"/>
+              </p:ext>
+            </p:extLst>
+          </p:nvPr>
+        </p:nvSpPr>
+        <p:spPr>
+          <a:xfrm>
+            <a:off x="446534" y="457200"/>
+            <a:ext cx="3703320" cy="94997"/>
+          </a:xfrm>
+          <a:prstGeom prst="rect">
+            <a:avLst/>
+          </a:prstGeom>
+          <a:solidFill>
+            <a:schemeClr val="accent1"/>
+          </a:solidFill>
+          <a:ln>
+            <a:noFill/>
+          </a:ln>
+          <a:effectLst/>
+        </p:spPr>
+        <p:style>
+          <a:lnRef idx="1">
+            <a:schemeClr val="accent1"/>
+          </a:lnRef>
+          <a:fillRef idx="3">
+            <a:schemeClr val="accent1"/>
+          </a:fillRef>
+          <a:effectRef idx="2">
+            <a:schemeClr val="accent1"/>
+          </a:effectRef>
+          <a:fontRef idx="minor">
+            <a:schemeClr val="lt1"/>
+          </a:fontRef>
+        </p:style>
+      </p:sp>
+      <p:sp>
+        <p:nvSpPr>
+          <p:cNvPr id="13" name="Rectangle 12">
+            <a:extLst>
+              <a:ext uri="{FF2B5EF4-FFF2-40B4-BE49-F238E27FC236}">
+                <a16:creationId xmlns:a16="http://schemas.microsoft.com/office/drawing/2014/main" id="{204AEF18-0627-48F3-9B3D-F7E8F050B1D4}"/>
+              </a:ext>
+              <a:ext uri="{C183D7F6-B498-43B3-948B-1728B52AA6E4}">
+                <adec:decorative xmlns:adec="http://schemas.microsoft.com/office/drawing/2017/decorative" val="1"/>
+              </a:ext>
+            </a:extLst>
+          </p:cNvPr>
+          <p:cNvSpPr>
+            <a:spLocks noGrp="1" noRot="1" noChangeAspect="1" noMove="1" noResize="1" noEditPoints="1" noAdjustHandles="1" noChangeArrowheads="1" noChangeShapeType="1" noTextEdit="1"/>
+          </p:cNvSpPr>
+          <p:nvPr>
+            <p:extLst>
+              <p:ext uri="{386F3935-93C4-4BCD-93E2-E3B085C9AB24}">
+                <p16:designElem xmlns:p16="http://schemas.microsoft.com/office/powerpoint/2015/main" val="1"/>
+              </p:ext>
+            </p:extLst>
+          </p:nvPr>
+        </p:nvSpPr>
+        <p:spPr>
+          <a:xfrm>
+            <a:off x="8042147" y="453643"/>
+            <a:ext cx="3703320" cy="98554"/>
+          </a:xfrm>
+          <a:prstGeom prst="rect">
+            <a:avLst/>
+          </a:prstGeom>
+          <a:solidFill>
+            <a:schemeClr val="accent4"/>
+          </a:solidFill>
+          <a:ln>
+            <a:noFill/>
+          </a:ln>
+          <a:effectLst/>
+        </p:spPr>
+        <p:style>
+          <a:lnRef idx="1">
+            <a:schemeClr val="accent1"/>
+          </a:lnRef>
+          <a:fillRef idx="3">
+            <a:schemeClr val="accent1"/>
+          </a:fillRef>
+          <a:effectRef idx="2">
+            <a:schemeClr val="accent1"/>
+          </a:effectRef>
+          <a:fontRef idx="minor">
+            <a:schemeClr val="lt1"/>
+          </a:fontRef>
+        </p:style>
+      </p:sp>
+      <p:sp>
+        <p:nvSpPr>
+          <p:cNvPr id="15" name="Rectangle 14">
+            <a:extLst>
+              <a:ext uri="{FF2B5EF4-FFF2-40B4-BE49-F238E27FC236}">
+                <a16:creationId xmlns:a16="http://schemas.microsoft.com/office/drawing/2014/main" id="{CEAEE08A-C572-438F-9753-B0D527A515A7}"/>
+              </a:ext>
+              <a:ext uri="{C183D7F6-B498-43B3-948B-1728B52AA6E4}">
+                <adec:decorative xmlns:adec="http://schemas.microsoft.com/office/drawing/2017/decorative" val="1"/>
+              </a:ext>
+            </a:extLst>
+          </p:cNvPr>
+          <p:cNvSpPr>
+            <a:spLocks noGrp="1" noRot="1" noChangeAspect="1" noMove="1" noResize="1" noEditPoints="1" noAdjustHandles="1" noChangeArrowheads="1" noChangeShapeType="1" noTextEdit="1"/>
+          </p:cNvSpPr>
+          <p:nvPr>
+            <p:extLst>
+              <p:ext uri="{386F3935-93C4-4BCD-93E2-E3B085C9AB24}">
+                <p16:designElem xmlns:p16="http://schemas.microsoft.com/office/powerpoint/2015/main" val="1"/>
+              </p:ext>
+            </p:extLst>
+          </p:nvPr>
+        </p:nvSpPr>
+        <p:spPr>
+          <a:xfrm>
+            <a:off x="4241830" y="457200"/>
+            <a:ext cx="3703320" cy="91440"/>
+          </a:xfrm>
+          <a:prstGeom prst="rect">
+            <a:avLst/>
+          </a:prstGeom>
+          <a:solidFill>
+            <a:schemeClr val="accent2"/>
+          </a:solidFill>
+          <a:ln>
+            <a:noFill/>
+          </a:ln>
+          <a:effectLst/>
+        </p:spPr>
+        <p:style>
+          <a:lnRef idx="1">
+            <a:schemeClr val="accent1"/>
+          </a:lnRef>
+          <a:fillRef idx="3">
+            <a:schemeClr val="accent1"/>
+          </a:fillRef>
+          <a:effectRef idx="2">
+            <a:schemeClr val="accent1"/>
+          </a:effectRef>
+          <a:fontRef idx="minor">
+            <a:schemeClr val="lt1"/>
+          </a:fontRef>
+        </p:style>
+      </p:sp>
+      <p:sp>
+        <p:nvSpPr>
+          <p:cNvPr id="17" name="Rectangle 16">
+            <a:extLst>
+              <a:ext uri="{FF2B5EF4-FFF2-40B4-BE49-F238E27FC236}">
+                <a16:creationId xmlns:a16="http://schemas.microsoft.com/office/drawing/2014/main" id="{993F09C6-4F57-4B05-9592-E253D8BC6286}"/>
+              </a:ext>
+              <a:ext uri="{C183D7F6-B498-43B3-948B-1728B52AA6E4}">
+                <adec:decorative xmlns:adec="http://schemas.microsoft.com/office/drawing/2017/decorative" val="1"/>
+              </a:ext>
+            </a:extLst>
+          </p:cNvPr>
+          <p:cNvSpPr>
+            <a:spLocks noGrp="1" noRot="1" noChangeAspect="1" noMove="1" noResize="1" noEditPoints="1" noAdjustHandles="1" noChangeArrowheads="1" noChangeShapeType="1" noTextEdit="1"/>
+          </p:cNvSpPr>
+          <p:nvPr>
+            <p:extLst>
+              <p:ext uri="{386F3935-93C4-4BCD-93E2-E3B085C9AB24}">
+                <p16:designElem xmlns:p16="http://schemas.microsoft.com/office/powerpoint/2015/main" val="1"/>
+              </p:ext>
+            </p:extLst>
+          </p:nvPr>
+        </p:nvSpPr>
+        <p:spPr>
+          <a:xfrm>
+            <a:off x="440286" y="614407"/>
+            <a:ext cx="11309338" cy="1189298"/>
+          </a:xfrm>
+          <a:prstGeom prst="rect">
+            <a:avLst/>
+          </a:prstGeom>
+          <a:solidFill>
+            <a:schemeClr val="accent1"/>
+          </a:solidFill>
+          <a:ln>
+            <a:noFill/>
+          </a:ln>
+          <a:effectLst/>
+        </p:spPr>
+        <p:style>
+          <a:lnRef idx="1">
+            <a:schemeClr val="accent1"/>
+          </a:lnRef>
+          <a:fillRef idx="3">
+            <a:schemeClr val="accent1"/>
+          </a:fillRef>
+          <a:effectRef idx="2">
+            <a:schemeClr val="accent1"/>
+          </a:effectRef>
+          <a:fontRef idx="minor">
+            <a:schemeClr val="lt1"/>
+          </a:fontRef>
+        </p:style>
+      </p:sp>
+      <p:sp>
+        <p:nvSpPr>
+          <p:cNvPr id="19" name="Rectangle 18">
+            <a:extLst>
+              <a:ext uri="{FF2B5EF4-FFF2-40B4-BE49-F238E27FC236}">
+                <a16:creationId xmlns:a16="http://schemas.microsoft.com/office/drawing/2014/main" id="{879A26B8-6C4E-452B-ADD3-ED324A7AB7E8}"/>
+              </a:ext>
+              <a:ext uri="{C183D7F6-B498-43B3-948B-1728B52AA6E4}">
+                <adec:decorative xmlns:adec="http://schemas.microsoft.com/office/drawing/2017/decorative" val="1"/>
+              </a:ext>
+            </a:extLst>
+          </p:cNvPr>
+          <p:cNvSpPr>
+            <a:spLocks noGrp="1" noRot="1" noChangeAspect="1" noMove="1" noResize="1" noEditPoints="1" noAdjustHandles="1" noChangeArrowheads="1" noChangeShapeType="1" noTextEdit="1"/>
+          </p:cNvSpPr>
+          <p:nvPr>
+            <p:extLst>
+              <p:ext uri="{386F3935-93C4-4BCD-93E2-E3B085C9AB24}">
+                <p16:designElem xmlns:p16="http://schemas.microsoft.com/office/powerpoint/2015/main" val="1"/>
+              </p:ext>
+            </p:extLst>
+          </p:nvPr>
+        </p:nvSpPr>
+        <p:spPr>
+          <a:xfrm>
+            <a:off x="0" y="0"/>
+            <a:ext cx="12192000" cy="6857999"/>
+          </a:xfrm>
+          <a:prstGeom prst="rect">
+            <a:avLst/>
+          </a:prstGeom>
+          <a:solidFill>
+            <a:schemeClr val="tx1"/>
+          </a:solidFill>
+          <a:ln>
+            <a:noFill/>
+          </a:ln>
+        </p:spPr>
+        <p:style>
+          <a:lnRef idx="2">
+            <a:schemeClr val="accent1">
+              <a:shade val="50000"/>
+            </a:schemeClr>
+          </a:lnRef>
+          <a:fillRef idx="1">
+            <a:schemeClr val="accent1"/>
+          </a:fillRef>
+          <a:effectRef idx="0">
+            <a:schemeClr val="accent1"/>
+          </a:effectRef>
+          <a:fontRef idx="minor">
+            <a:schemeClr val="lt1"/>
+          </a:fontRef>
+        </p:style>
+        <p:txBody>
+          <a:bodyPr rtlCol="0" anchor="ctr"/>
+          <a:lstStyle/>
+          <a:p>
+            <a:pPr algn="ctr"/>
+            <a:endParaRPr lang="en-US"/>
+          </a:p>
+        </p:txBody>
+      </p:sp>
+      <p:sp>
+        <p:nvSpPr>
+          <p:cNvPr id="21" name="Rectangle 20">
+            <a:extLst>
+              <a:ext uri="{FF2B5EF4-FFF2-40B4-BE49-F238E27FC236}">
+                <a16:creationId xmlns:a16="http://schemas.microsoft.com/office/drawing/2014/main" id="{9B4167E1-E2B0-4192-8DA2-6967DDFF87A5}"/>
+              </a:ext>
+              <a:ext uri="{C183D7F6-B498-43B3-948B-1728B52AA6E4}">
+                <adec:decorative xmlns:adec="http://schemas.microsoft.com/office/drawing/2017/decorative" val="1"/>
+              </a:ext>
+            </a:extLst>
+          </p:cNvPr>
+          <p:cNvSpPr>
+            <a:spLocks noGrp="1" noRot="1" noChangeAspect="1" noMove="1" noResize="1" noEditPoints="1" noAdjustHandles="1" noChangeArrowheads="1" noChangeShapeType="1" noTextEdit="1"/>
+          </p:cNvSpPr>
+          <p:nvPr>
+            <p:extLst>
+              <p:ext uri="{386F3935-93C4-4BCD-93E2-E3B085C9AB24}">
+                <p16:designElem xmlns:p16="http://schemas.microsoft.com/office/powerpoint/2015/main" val="1"/>
+              </p:ext>
+            </p:extLst>
+          </p:nvPr>
+        </p:nvSpPr>
+        <p:spPr>
+          <a:xfrm>
+            <a:off x="442377" y="614407"/>
+            <a:ext cx="5609967" cy="5611772"/>
+          </a:xfrm>
+          <a:prstGeom prst="rect">
+            <a:avLst/>
+          </a:prstGeom>
+          <a:solidFill>
+            <a:schemeClr val="accent1"/>
+          </a:solidFill>
+          <a:ln>
+            <a:noFill/>
+          </a:ln>
+          <a:effectLst/>
+        </p:spPr>
+        <p:style>
+          <a:lnRef idx="1">
+            <a:schemeClr val="accent1"/>
+          </a:lnRef>
+          <a:fillRef idx="3">
+            <a:schemeClr val="accent1"/>
+          </a:fillRef>
+          <a:effectRef idx="2">
+            <a:schemeClr val="accent1"/>
+          </a:effectRef>
+          <a:fontRef idx="minor">
+            <a:schemeClr val="lt1"/>
+          </a:fontRef>
+        </p:style>
+      </p:sp>
+      <p:sp>
+        <p:nvSpPr>
+          <p:cNvPr id="2" name="Title 1">
+            <a:extLst>
+              <a:ext uri="{FF2B5EF4-FFF2-40B4-BE49-F238E27FC236}">
+                <a16:creationId xmlns:a16="http://schemas.microsoft.com/office/drawing/2014/main" id="{81C1A96F-1D56-B845-BCB2-694E9AEA8198}"/>
+              </a:ext>
+            </a:extLst>
+          </p:cNvPr>
+          <p:cNvSpPr>
+            <a:spLocks noGrp="1"/>
+          </p:cNvSpPr>
+          <p:nvPr>
+            <p:ph type="title"/>
+          </p:nvPr>
+        </p:nvSpPr>
+        <p:spPr>
+          <a:xfrm>
+            <a:off x="762121" y="960723"/>
+            <a:ext cx="4968489" cy="1013800"/>
+          </a:xfrm>
+        </p:spPr>
+        <p:txBody>
+          <a:bodyPr vert="horz" lIns="91440" tIns="45720" rIns="91440" bIns="45720" rtlCol="0" anchor="b">
+            <a:normAutofit/>
+          </a:bodyPr>
+          <a:lstStyle/>
+          <a:p>
+            <a:endParaRPr lang="en-US">
+              <a:solidFill>
+                <a:srgbClr val="FFFFFF"/>
+              </a:solidFill>
+            </a:endParaRPr>
+          </a:p>
+        </p:txBody>
+      </p:sp>
+      <p:sp>
+        <p:nvSpPr>
+          <p:cNvPr id="23" name="Rectangle 22">
+            <a:extLst>
+              <a:ext uri="{FF2B5EF4-FFF2-40B4-BE49-F238E27FC236}">
+                <a16:creationId xmlns:a16="http://schemas.microsoft.com/office/drawing/2014/main" id="{D03E4FEE-2E6A-44AB-B6BA-C1AD0CD6D93B}"/>
+              </a:ext>
+              <a:ext uri="{C183D7F6-B498-43B3-948B-1728B52AA6E4}">
+                <adec:decorative xmlns:adec="http://schemas.microsoft.com/office/drawing/2017/decorative" val="1"/>
+              </a:ext>
+            </a:extLst>
+          </p:cNvPr>
+          <p:cNvSpPr>
+            <a:spLocks noGrp="1" noRot="1" noChangeAspect="1" noMove="1" noResize="1" noEditPoints="1" noAdjustHandles="1" noChangeArrowheads="1" noChangeShapeType="1" noTextEdit="1"/>
+          </p:cNvSpPr>
+          <p:nvPr>
+            <p:extLst>
+              <p:ext uri="{386F3935-93C4-4BCD-93E2-E3B085C9AB24}">
+                <p16:designElem xmlns:p16="http://schemas.microsoft.com/office/powerpoint/2015/main" val="1"/>
+              </p:ext>
+            </p:extLst>
+          </p:nvPr>
+        </p:nvSpPr>
+        <p:spPr>
+          <a:xfrm>
+            <a:off x="446534" y="457200"/>
+            <a:ext cx="5605810" cy="94997"/>
+          </a:xfrm>
+          <a:prstGeom prst="rect">
+            <a:avLst/>
+          </a:prstGeom>
+          <a:solidFill>
+            <a:schemeClr val="accent1"/>
+          </a:solidFill>
+          <a:ln>
+            <a:noFill/>
+          </a:ln>
+          <a:effectLst/>
+        </p:spPr>
+        <p:style>
+          <a:lnRef idx="1">
+            <a:schemeClr val="accent1"/>
+          </a:lnRef>
+          <a:fillRef idx="3">
+            <a:schemeClr val="accent1"/>
+          </a:fillRef>
+          <a:effectRef idx="2">
+            <a:schemeClr val="accent1"/>
+          </a:effectRef>
+          <a:fontRef idx="minor">
+            <a:schemeClr val="lt1"/>
+          </a:fontRef>
+        </p:style>
+      </p:sp>
+      <p:sp>
+        <p:nvSpPr>
+          <p:cNvPr id="25" name="Rectangle 24">
+            <a:extLst>
+              <a:ext uri="{FF2B5EF4-FFF2-40B4-BE49-F238E27FC236}">
+                <a16:creationId xmlns:a16="http://schemas.microsoft.com/office/drawing/2014/main" id="{0817EB59-13B3-43DA-9B91-A7CC174A6069}"/>
+              </a:ext>
+              <a:ext uri="{C183D7F6-B498-43B3-948B-1728B52AA6E4}">
+                <adec:decorative xmlns:adec="http://schemas.microsoft.com/office/drawing/2017/decorative" val="1"/>
+              </a:ext>
+            </a:extLst>
+          </p:cNvPr>
+          <p:cNvSpPr>
+            <a:spLocks noGrp="1" noRot="1" noChangeAspect="1" noMove="1" noResize="1" noEditPoints="1" noAdjustHandles="1" noChangeArrowheads="1" noChangeShapeType="1" noTextEdit="1"/>
+          </p:cNvSpPr>
+          <p:nvPr>
+            <p:extLst>
+              <p:ext uri="{386F3935-93C4-4BCD-93E2-E3B085C9AB24}">
+                <p16:designElem xmlns:p16="http://schemas.microsoft.com/office/powerpoint/2015/main" val="1"/>
+              </p:ext>
+            </p:extLst>
+          </p:nvPr>
+        </p:nvSpPr>
+        <p:spPr>
+          <a:xfrm>
+            <a:off x="6144318" y="457200"/>
+            <a:ext cx="5600007" cy="91440"/>
+          </a:xfrm>
+          <a:prstGeom prst="rect">
+            <a:avLst/>
+          </a:prstGeom>
+          <a:solidFill>
+            <a:schemeClr val="accent2"/>
+          </a:solidFill>
+          <a:ln>
+            <a:noFill/>
+          </a:ln>
+          <a:effectLst/>
+        </p:spPr>
+        <p:style>
+          <a:lnRef idx="1">
+            <a:schemeClr val="accent1"/>
+          </a:lnRef>
+          <a:fillRef idx="3">
+            <a:schemeClr val="accent1"/>
+          </a:fillRef>
+          <a:effectRef idx="2">
+            <a:schemeClr val="accent1"/>
+          </a:effectRef>
+          <a:fontRef idx="minor">
+            <a:schemeClr val="lt1"/>
+          </a:fontRef>
+        </p:style>
+      </p:sp>
+      <p:sp>
+        <p:nvSpPr>
+          <p:cNvPr id="4" name="Content Placeholder 3">
+            <a:extLst>
+              <a:ext uri="{FF2B5EF4-FFF2-40B4-BE49-F238E27FC236}">
+                <a16:creationId xmlns:a16="http://schemas.microsoft.com/office/drawing/2014/main" id="{10269874-1E00-EE7B-AEBF-C74486553A8F}"/>
+              </a:ext>
+            </a:extLst>
+          </p:cNvPr>
+          <p:cNvSpPr>
+            <a:spLocks noGrp="1"/>
+          </p:cNvSpPr>
+          <p:nvPr>
+            <p:ph sz="half" idx="2"/>
+          </p:nvPr>
+        </p:nvSpPr>
+        <p:spPr>
+          <a:xfrm>
+            <a:off x="783387" y="2254102"/>
+            <a:ext cx="4947221" cy="3650344"/>
+          </a:xfrm>
+        </p:spPr>
+        <p:txBody>
+          <a:bodyPr vert="horz" lIns="91440" tIns="45720" rIns="91440" bIns="45720" rtlCol="0" anchor="ctr">
+            <a:normAutofit/>
+          </a:bodyPr>
+          <a:lstStyle/>
+          <a:p>
+            <a:r>
+              <a:rPr lang="en-US" dirty="0">
+                <a:solidFill>
+                  <a:srgbClr val="FFFFFF"/>
+                </a:solidFill>
+              </a:rPr>
+              <a:t>JSON-</a:t>
+            </a:r>
+            <a:r>
+              <a:rPr lang="en-US" dirty="0" err="1">
+                <a:solidFill>
+                  <a:srgbClr val="FFFFFF"/>
+                </a:solidFill>
+              </a:rPr>
+              <a:t>ból</a:t>
+            </a:r>
+            <a:r>
+              <a:rPr lang="en-US" dirty="0">
+                <a:solidFill>
+                  <a:srgbClr val="FFFFFF"/>
+                </a:solidFill>
+              </a:rPr>
+              <a:t> Vector3 </a:t>
+            </a:r>
+            <a:r>
+              <a:rPr lang="en-US" dirty="0" err="1">
+                <a:solidFill>
+                  <a:srgbClr val="FFFFFF"/>
+                </a:solidFill>
+              </a:rPr>
+              <a:t>Listába</a:t>
+            </a:r>
+            <a:r>
+              <a:rPr lang="en-US" dirty="0">
+                <a:solidFill>
+                  <a:srgbClr val="FFFFFF"/>
+                </a:solidFill>
+              </a:rPr>
+              <a:t> LINQ </a:t>
+            </a:r>
+            <a:r>
+              <a:rPr lang="en-US" dirty="0" err="1">
+                <a:solidFill>
+                  <a:srgbClr val="FFFFFF"/>
+                </a:solidFill>
+              </a:rPr>
+              <a:t>segítségével</a:t>
+            </a:r>
+            <a:endParaRPr lang="en-US" dirty="0">
+              <a:solidFill>
+                <a:srgbClr val="FFFFFF"/>
+              </a:solidFill>
+            </a:endParaRPr>
+          </a:p>
+        </p:txBody>
+      </p:sp>
+      <p:pic>
+        <p:nvPicPr>
+          <p:cNvPr id="6" name="Content Placeholder 5">
+            <a:extLst>
+              <a:ext uri="{FF2B5EF4-FFF2-40B4-BE49-F238E27FC236}">
+                <a16:creationId xmlns:a16="http://schemas.microsoft.com/office/drawing/2014/main" id="{551858CA-5488-5FD2-4012-0327CD799A2A}"/>
+              </a:ext>
+            </a:extLst>
+          </p:cNvPr>
+          <p:cNvPicPr>
+            <a:picLocks noGrp="1" noChangeAspect="1"/>
+          </p:cNvPicPr>
+          <p:nvPr>
+            <p:ph sz="half" idx="1"/>
+          </p:nvPr>
+        </p:nvPicPr>
+        <p:blipFill>
+          <a:blip r:embed="rId2"/>
+          <a:stretch>
+            <a:fillRect/>
+          </a:stretch>
+        </p:blipFill>
+        <p:spPr>
+          <a:xfrm>
+            <a:off x="6113931" y="1511246"/>
+            <a:ext cx="6016482" cy="3835506"/>
+          </a:xfrm>
+          <a:prstGeom prst="rect">
+            <a:avLst/>
+          </a:prstGeom>
+        </p:spPr>
+      </p:pic>
+    </p:spTree>
+    <p:extLst>
+      <p:ext uri="{BB962C8B-B14F-4D97-AF65-F5344CB8AC3E}">
+        <p14:creationId xmlns:p14="http://schemas.microsoft.com/office/powerpoint/2010/main" val="2850231558"/>
+      </p:ext>
+    </p:extLst>
+  </p:cSld>
+  <p:clrMapOvr>
+    <a:overrideClrMapping bg1="dk1" tx1="lt1" bg2="dk2" tx2="lt2" accent1="accent1" accent2="accent2" accent3="accent3" accent4="accent4" accent5="accent5" accent6="accent6" hlink="hlink" folHlink="folHlink"/>
+  </p:clrMapOvr>
+</p:sld>
+</file>
+
+<file path=ppt/slides/slide11.xml><?xml version="1.0" encoding="utf-8"?>
+<p:sld xmlns:a="http://schemas.openxmlformats.org/drawingml/2006/main" xmlns:r="http://schemas.openxmlformats.org/officeDocument/2006/relationships" xmlns:p="http://schemas.openxmlformats.org/presentationml/2006/main">
+  <p:cSld>
+    <p:bg>
+      <p:bgPr>
+        <a:solidFill>
+          <a:schemeClr val="bg1"/>
+        </a:solidFill>
+        <a:effectLst/>
+      </p:bgPr>
+    </p:bg>
+    <p:spTree>
+      <p:nvGrpSpPr>
+        <p:cNvPr id="1" name=""/>
+        <p:cNvGrpSpPr/>
+        <p:nvPr/>
+      </p:nvGrpSpPr>
+      <p:grpSpPr>
+        <a:xfrm>
+          <a:off x="0" y="0"/>
+          <a:ext cx="0" cy="0"/>
+          <a:chOff x="0" y="0"/>
+          <a:chExt cx="0" cy="0"/>
+        </a:xfrm>
+      </p:grpSpPr>
+      <p:sp>
+        <p:nvSpPr>
+          <p:cNvPr id="13" name="Rectangle 12">
+            <a:extLst>
+              <a:ext uri="{FF2B5EF4-FFF2-40B4-BE49-F238E27FC236}">
+                <a16:creationId xmlns:a16="http://schemas.microsoft.com/office/drawing/2014/main" id="{1BB1D3B0-1E2E-48E2-ACCC-EE147A9A0CE0}"/>
+              </a:ext>
+              <a:ext uri="{C183D7F6-B498-43B3-948B-1728B52AA6E4}">
+                <adec:decorative xmlns:adec="http://schemas.microsoft.com/office/drawing/2017/decorative" val="1"/>
+              </a:ext>
+            </a:extLst>
+          </p:cNvPr>
+          <p:cNvSpPr>
+            <a:spLocks noGrp="1" noRot="1" noChangeAspect="1" noMove="1" noResize="1" noEditPoints="1" noAdjustHandles="1" noChangeArrowheads="1" noChangeShapeType="1" noTextEdit="1"/>
+          </p:cNvSpPr>
+          <p:nvPr>
+            <p:extLst>
+              <p:ext uri="{386F3935-93C4-4BCD-93E2-E3B085C9AB24}">
+                <p16:designElem xmlns:p16="http://schemas.microsoft.com/office/powerpoint/2015/main" val="1"/>
+              </p:ext>
+            </p:extLst>
+          </p:nvPr>
+        </p:nvSpPr>
+        <p:spPr>
+          <a:xfrm>
+            <a:off x="446534" y="457200"/>
+            <a:ext cx="3703320" cy="94997"/>
+          </a:xfrm>
+          <a:prstGeom prst="rect">
+            <a:avLst/>
+          </a:prstGeom>
+          <a:solidFill>
+            <a:schemeClr val="accent1"/>
+          </a:solidFill>
+          <a:ln>
+            <a:noFill/>
+          </a:ln>
+          <a:effectLst/>
+        </p:spPr>
+        <p:style>
+          <a:lnRef idx="1">
+            <a:schemeClr val="accent1"/>
+          </a:lnRef>
+          <a:fillRef idx="3">
+            <a:schemeClr val="accent1"/>
+          </a:fillRef>
+          <a:effectRef idx="2">
+            <a:schemeClr val="accent1"/>
+          </a:effectRef>
+          <a:fontRef idx="minor">
+            <a:schemeClr val="lt1"/>
+          </a:fontRef>
+        </p:style>
+      </p:sp>
+      <p:sp>
+        <p:nvSpPr>
+          <p:cNvPr id="15" name="Rectangle 14">
+            <a:extLst>
+              <a:ext uri="{FF2B5EF4-FFF2-40B4-BE49-F238E27FC236}">
+                <a16:creationId xmlns:a16="http://schemas.microsoft.com/office/drawing/2014/main" id="{4BB8B191-5BC6-486A-8E6E-13B1C9EEE83D}"/>
+              </a:ext>
+              <a:ext uri="{C183D7F6-B498-43B3-948B-1728B52AA6E4}">
+                <adec:decorative xmlns:adec="http://schemas.microsoft.com/office/drawing/2017/decorative" val="1"/>
+              </a:ext>
+            </a:extLst>
+          </p:cNvPr>
+          <p:cNvSpPr>
+            <a:spLocks noGrp="1" noRot="1" noChangeAspect="1" noMove="1" noResize="1" noEditPoints="1" noAdjustHandles="1" noChangeArrowheads="1" noChangeShapeType="1" noTextEdit="1"/>
+          </p:cNvSpPr>
+          <p:nvPr>
+            <p:extLst>
+              <p:ext uri="{386F3935-93C4-4BCD-93E2-E3B085C9AB24}">
+                <p16:designElem xmlns:p16="http://schemas.microsoft.com/office/powerpoint/2015/main" val="1"/>
+              </p:ext>
+            </p:extLst>
+          </p:nvPr>
+        </p:nvSpPr>
+        <p:spPr>
+          <a:xfrm>
+            <a:off x="8042147" y="453643"/>
+            <a:ext cx="3703320" cy="98554"/>
+          </a:xfrm>
+          <a:prstGeom prst="rect">
+            <a:avLst/>
+          </a:prstGeom>
+          <a:solidFill>
+            <a:schemeClr val="accent4"/>
+          </a:solidFill>
+          <a:ln>
+            <a:noFill/>
+          </a:ln>
+          <a:effectLst/>
+        </p:spPr>
+        <p:style>
+          <a:lnRef idx="1">
+            <a:schemeClr val="accent1"/>
+          </a:lnRef>
+          <a:fillRef idx="3">
+            <a:schemeClr val="accent1"/>
+          </a:fillRef>
+          <a:effectRef idx="2">
+            <a:schemeClr val="accent1"/>
+          </a:effectRef>
+          <a:fontRef idx="minor">
+            <a:schemeClr val="lt1"/>
+          </a:fontRef>
+        </p:style>
+      </p:sp>
+      <p:sp>
+        <p:nvSpPr>
+          <p:cNvPr id="17" name="Rectangle 16">
+            <a:extLst>
+              <a:ext uri="{FF2B5EF4-FFF2-40B4-BE49-F238E27FC236}">
+                <a16:creationId xmlns:a16="http://schemas.microsoft.com/office/drawing/2014/main" id="{06E3DE27-4115-4B5D-A9DB-3C7CDC82B121}"/>
+              </a:ext>
+              <a:ext uri="{C183D7F6-B498-43B3-948B-1728B52AA6E4}">
+                <adec:decorative xmlns:adec="http://schemas.microsoft.com/office/drawing/2017/decorative" val="1"/>
+              </a:ext>
+            </a:extLst>
+          </p:cNvPr>
+          <p:cNvSpPr>
+            <a:spLocks noGrp="1" noRot="1" noChangeAspect="1" noMove="1" noResize="1" noEditPoints="1" noAdjustHandles="1" noChangeArrowheads="1" noChangeShapeType="1" noTextEdit="1"/>
+          </p:cNvSpPr>
+          <p:nvPr>
+            <p:extLst>
+              <p:ext uri="{386F3935-93C4-4BCD-93E2-E3B085C9AB24}">
+                <p16:designElem xmlns:p16="http://schemas.microsoft.com/office/powerpoint/2015/main" val="1"/>
+              </p:ext>
+            </p:extLst>
+          </p:nvPr>
+        </p:nvSpPr>
+        <p:spPr>
+          <a:xfrm>
+            <a:off x="4241830" y="457200"/>
+            <a:ext cx="3703320" cy="91440"/>
+          </a:xfrm>
+          <a:prstGeom prst="rect">
+            <a:avLst/>
+          </a:prstGeom>
+          <a:solidFill>
+            <a:schemeClr val="accent2"/>
+          </a:solidFill>
+          <a:ln>
+            <a:noFill/>
+          </a:ln>
+          <a:effectLst/>
+        </p:spPr>
+        <p:style>
+          <a:lnRef idx="1">
+            <a:schemeClr val="accent1"/>
+          </a:lnRef>
+          <a:fillRef idx="3">
+            <a:schemeClr val="accent1"/>
+          </a:fillRef>
+          <a:effectRef idx="2">
+            <a:schemeClr val="accent1"/>
+          </a:effectRef>
+          <a:fontRef idx="minor">
+            <a:schemeClr val="lt1"/>
+          </a:fontRef>
+        </p:style>
+      </p:sp>
+      <p:sp>
+        <p:nvSpPr>
+          <p:cNvPr id="19" name="Rectangle 18">
+            <a:extLst>
+              <a:ext uri="{FF2B5EF4-FFF2-40B4-BE49-F238E27FC236}">
+                <a16:creationId xmlns:a16="http://schemas.microsoft.com/office/drawing/2014/main" id="{FC4E03DE-1C4E-4337-B54B-247C1E94822D}"/>
+              </a:ext>
+              <a:ext uri="{C183D7F6-B498-43B3-948B-1728B52AA6E4}">
+                <adec:decorative xmlns:adec="http://schemas.microsoft.com/office/drawing/2017/decorative" val="1"/>
+              </a:ext>
+            </a:extLst>
+          </p:cNvPr>
+          <p:cNvSpPr>
+            <a:spLocks noGrp="1" noRot="1" noChangeAspect="1" noMove="1" noResize="1" noEditPoints="1" noAdjustHandles="1" noChangeArrowheads="1" noChangeShapeType="1" noTextEdit="1"/>
+          </p:cNvSpPr>
+          <p:nvPr>
+            <p:extLst>
+              <p:ext uri="{386F3935-93C4-4BCD-93E2-E3B085C9AB24}">
+                <p16:designElem xmlns:p16="http://schemas.microsoft.com/office/powerpoint/2015/main" val="1"/>
+              </p:ext>
+            </p:extLst>
+          </p:nvPr>
+        </p:nvSpPr>
+        <p:spPr>
+          <a:xfrm>
+            <a:off x="440286" y="614407"/>
+            <a:ext cx="11309338" cy="1189298"/>
+          </a:xfrm>
+          <a:prstGeom prst="rect">
+            <a:avLst/>
+          </a:prstGeom>
+          <a:solidFill>
+            <a:schemeClr val="accent1"/>
+          </a:solidFill>
+          <a:ln>
+            <a:noFill/>
+          </a:ln>
+          <a:effectLst/>
+        </p:spPr>
+        <p:style>
+          <a:lnRef idx="1">
+            <a:schemeClr val="accent1"/>
+          </a:lnRef>
+          <a:fillRef idx="3">
+            <a:schemeClr val="accent1"/>
+          </a:fillRef>
+          <a:effectRef idx="2">
+            <a:schemeClr val="accent1"/>
+          </a:effectRef>
+          <a:fontRef idx="minor">
+            <a:schemeClr val="lt1"/>
+          </a:fontRef>
+        </p:style>
+      </p:sp>
+      <p:sp useBgFill="1">
+        <p:nvSpPr>
+          <p:cNvPr id="21" name="Rectangle 20">
+            <a:extLst>
+              <a:ext uri="{FF2B5EF4-FFF2-40B4-BE49-F238E27FC236}">
+                <a16:creationId xmlns:a16="http://schemas.microsoft.com/office/drawing/2014/main" id="{F875149D-F692-45DA-8324-D5E0193D5FC4}"/>
+              </a:ext>
+              <a:ext uri="{C183D7F6-B498-43B3-948B-1728B52AA6E4}">
+                <adec:decorative xmlns:adec="http://schemas.microsoft.com/office/drawing/2017/decorative" val="1"/>
+              </a:ext>
+            </a:extLst>
+          </p:cNvPr>
+          <p:cNvSpPr>
+            <a:spLocks noGrp="1" noRot="1" noChangeAspect="1" noMove="1" noResize="1" noEditPoints="1" noAdjustHandles="1" noChangeArrowheads="1" noChangeShapeType="1" noTextEdit="1"/>
+          </p:cNvSpPr>
+          <p:nvPr>
+            <p:extLst>
+              <p:ext uri="{386F3935-93C4-4BCD-93E2-E3B085C9AB24}">
+                <p16:designElem xmlns:p16="http://schemas.microsoft.com/office/powerpoint/2015/main" val="1"/>
+              </p:ext>
+            </p:extLst>
+          </p:nvPr>
+        </p:nvSpPr>
+        <p:spPr>
+          <a:xfrm>
+            <a:off x="0" y="0"/>
+            <a:ext cx="12191999" cy="6858001"/>
+          </a:xfrm>
+          <a:prstGeom prst="rect">
+            <a:avLst/>
+          </a:prstGeom>
+          <a:ln>
+            <a:noFill/>
+          </a:ln>
+        </p:spPr>
+        <p:style>
+          <a:lnRef idx="2">
+            <a:schemeClr val="accent1">
+              <a:shade val="50000"/>
+            </a:schemeClr>
+          </a:lnRef>
+          <a:fillRef idx="1">
+            <a:schemeClr val="accent1"/>
+          </a:fillRef>
+          <a:effectRef idx="0">
+            <a:schemeClr val="accent1"/>
+          </a:effectRef>
+          <a:fontRef idx="minor">
+            <a:schemeClr val="lt1"/>
+          </a:fontRef>
+        </p:style>
+        <p:txBody>
+          <a:bodyPr rtlCol="0" anchor="ctr"/>
+          <a:lstStyle/>
+          <a:p>
+            <a:pPr algn="ctr"/>
+            <a:endParaRPr lang="en-US"/>
+          </a:p>
+        </p:txBody>
+      </p:sp>
+      <p:sp>
+        <p:nvSpPr>
+          <p:cNvPr id="23" name="Rectangle 22">
+            <a:extLst>
+              <a:ext uri="{FF2B5EF4-FFF2-40B4-BE49-F238E27FC236}">
+                <a16:creationId xmlns:a16="http://schemas.microsoft.com/office/drawing/2014/main" id="{D4EE8A32-B29E-46B5-B8B8-0148869E904A}"/>
+              </a:ext>
+              <a:ext uri="{C183D7F6-B498-43B3-948B-1728B52AA6E4}">
+                <adec:decorative xmlns:adec="http://schemas.microsoft.com/office/drawing/2017/decorative" val="1"/>
+              </a:ext>
+            </a:extLst>
+          </p:cNvPr>
+          <p:cNvSpPr>
+            <a:spLocks noGrp="1" noRot="1" noChangeAspect="1" noMove="1" noResize="1" noEditPoints="1" noAdjustHandles="1" noChangeArrowheads="1" noChangeShapeType="1" noTextEdit="1"/>
+          </p:cNvSpPr>
+          <p:nvPr>
+            <p:extLst>
+              <p:ext uri="{386F3935-93C4-4BCD-93E2-E3B085C9AB24}">
+                <p16:designElem xmlns:p16="http://schemas.microsoft.com/office/powerpoint/2015/main" val="1"/>
+              </p:ext>
+            </p:extLst>
+          </p:nvPr>
+        </p:nvSpPr>
+        <p:spPr>
+          <a:xfrm>
+            <a:off x="446534" y="457200"/>
+            <a:ext cx="5596128" cy="94997"/>
+          </a:xfrm>
+          <a:prstGeom prst="rect">
+            <a:avLst/>
+          </a:prstGeom>
+          <a:solidFill>
+            <a:schemeClr val="accent1"/>
+          </a:solidFill>
+          <a:ln>
+            <a:noFill/>
+          </a:ln>
+          <a:effectLst/>
+        </p:spPr>
+        <p:style>
+          <a:lnRef idx="1">
+            <a:schemeClr val="accent1"/>
+          </a:lnRef>
+          <a:fillRef idx="3">
+            <a:schemeClr val="accent1"/>
+          </a:fillRef>
+          <a:effectRef idx="2">
+            <a:schemeClr val="accent1"/>
+          </a:effectRef>
+          <a:fontRef idx="minor">
+            <a:schemeClr val="lt1"/>
+          </a:fontRef>
+        </p:style>
+      </p:sp>
+      <p:sp>
+        <p:nvSpPr>
+          <p:cNvPr id="25" name="Rectangle 24">
+            <a:extLst>
+              <a:ext uri="{FF2B5EF4-FFF2-40B4-BE49-F238E27FC236}">
+                <a16:creationId xmlns:a16="http://schemas.microsoft.com/office/drawing/2014/main" id="{BBB92E81-4F6A-4CF1-B486-AE63E15F31D3}"/>
+              </a:ext>
+              <a:ext uri="{C183D7F6-B498-43B3-948B-1728B52AA6E4}">
+                <adec:decorative xmlns:adec="http://schemas.microsoft.com/office/drawing/2017/decorative" val="1"/>
+              </a:ext>
+            </a:extLst>
+          </p:cNvPr>
+          <p:cNvSpPr>
+            <a:spLocks noGrp="1" noRot="1" noChangeAspect="1" noMove="1" noResize="1" noEditPoints="1" noAdjustHandles="1" noChangeArrowheads="1" noChangeShapeType="1" noTextEdit="1"/>
+          </p:cNvSpPr>
+          <p:nvPr>
+            <p:extLst>
+              <p:ext uri="{386F3935-93C4-4BCD-93E2-E3B085C9AB24}">
+                <p16:designElem xmlns:p16="http://schemas.microsoft.com/office/powerpoint/2015/main" val="1"/>
+              </p:ext>
+            </p:extLst>
+          </p:nvPr>
+        </p:nvSpPr>
+        <p:spPr>
+          <a:xfrm>
+            <a:off x="6149338" y="453643"/>
+            <a:ext cx="5596128" cy="98554"/>
+          </a:xfrm>
+          <a:prstGeom prst="rect">
+            <a:avLst/>
+          </a:prstGeom>
+          <a:solidFill>
+            <a:schemeClr val="accent4"/>
+          </a:solidFill>
+          <a:ln>
+            <a:noFill/>
+          </a:ln>
+          <a:effectLst/>
+        </p:spPr>
+        <p:style>
+          <a:lnRef idx="1">
+            <a:schemeClr val="accent1"/>
+          </a:lnRef>
+          <a:fillRef idx="3">
+            <a:schemeClr val="accent1"/>
+          </a:fillRef>
+          <a:effectRef idx="2">
+            <a:schemeClr val="accent1"/>
+          </a:effectRef>
+          <a:fontRef idx="minor">
+            <a:schemeClr val="lt1"/>
+          </a:fontRef>
+        </p:style>
+      </p:sp>
+      <p:sp>
+        <p:nvSpPr>
+          <p:cNvPr id="3" name="Content Placeholder 2">
+            <a:extLst>
+              <a:ext uri="{FF2B5EF4-FFF2-40B4-BE49-F238E27FC236}">
+                <a16:creationId xmlns:a16="http://schemas.microsoft.com/office/drawing/2014/main" id="{DE326D5D-0B07-C688-B51E-2BC4855EDC28}"/>
+              </a:ext>
+            </a:extLst>
+          </p:cNvPr>
+          <p:cNvSpPr>
+            <a:spLocks noGrp="1"/>
+          </p:cNvSpPr>
+          <p:nvPr>
+            <p:ph sz="half" idx="1"/>
+          </p:nvPr>
+        </p:nvSpPr>
+        <p:spPr>
+          <a:xfrm>
+            <a:off x="446534" y="800930"/>
+            <a:ext cx="11298933" cy="2256390"/>
+          </a:xfrm>
+        </p:spPr>
+        <p:txBody>
+          <a:bodyPr vert="horz" lIns="91440" tIns="45720" rIns="91440" bIns="45720" rtlCol="0" anchor="ctr">
+            <a:normAutofit/>
+          </a:bodyPr>
+          <a:lstStyle/>
+          <a:p>
+            <a:pPr>
+              <a:buClr>
+                <a:srgbClr val="FB5E98"/>
+              </a:buClr>
+            </a:pPr>
+            <a:r>
+              <a:rPr lang="en-US" dirty="0" err="1"/>
+              <a:t>Objektumok</a:t>
+            </a:r>
+            <a:r>
+              <a:rPr lang="en-US" dirty="0"/>
+              <a:t> </a:t>
+            </a:r>
+            <a:r>
+              <a:rPr lang="en-US" dirty="0" err="1"/>
+              <a:t>helyének</a:t>
+            </a:r>
+            <a:r>
+              <a:rPr lang="en-US" dirty="0"/>
+              <a:t> </a:t>
+            </a:r>
+            <a:r>
+              <a:rPr lang="en-US" dirty="0" err="1"/>
+              <a:t>lekérése</a:t>
+            </a:r>
+            <a:r>
+              <a:rPr lang="en-US" dirty="0"/>
+              <a:t> a Vector3 </a:t>
+            </a:r>
+            <a:r>
+              <a:rPr lang="en-US" dirty="0" err="1"/>
+              <a:t>listából</a:t>
+            </a:r>
+            <a:endParaRPr lang="en-US" dirty="0"/>
+          </a:p>
+          <a:p>
+            <a:pPr>
+              <a:buClr>
+                <a:srgbClr val="FB5E98"/>
+              </a:buClr>
+            </a:pPr>
+            <a:r>
+              <a:rPr lang="en-US" dirty="0" err="1"/>
+              <a:t>Pozícióhoz</a:t>
+            </a:r>
+            <a:r>
+              <a:rPr lang="en-US" dirty="0"/>
+              <a:t> prefab </a:t>
+            </a:r>
+            <a:r>
+              <a:rPr lang="en-US" dirty="0" err="1"/>
+              <a:t>hozzárendelése</a:t>
+            </a:r>
+            <a:endParaRPr lang="en-US" dirty="0"/>
+          </a:p>
+          <a:p>
+            <a:pPr>
+              <a:buClr>
+                <a:srgbClr val="FB5E98"/>
+              </a:buClr>
+            </a:pPr>
+            <a:r>
+              <a:rPr lang="en-US" dirty="0" err="1"/>
+              <a:t>Objektum</a:t>
+            </a:r>
+            <a:r>
+              <a:rPr lang="en-US" dirty="0"/>
+              <a:t> </a:t>
+            </a:r>
+            <a:r>
+              <a:rPr lang="en-US" dirty="0" err="1"/>
+              <a:t>elmentése</a:t>
+            </a:r>
+            <a:endParaRPr lang="en-US" dirty="0"/>
+          </a:p>
+          <a:p>
+            <a:pPr>
+              <a:buClr>
+                <a:srgbClr val="FB5E98"/>
+              </a:buClr>
+            </a:pPr>
+            <a:endParaRPr lang="en-US" dirty="0"/>
+          </a:p>
+        </p:txBody>
+      </p:sp>
+      <p:pic>
+        <p:nvPicPr>
+          <p:cNvPr id="8" name="Picture 7">
+            <a:extLst>
+              <a:ext uri="{FF2B5EF4-FFF2-40B4-BE49-F238E27FC236}">
+                <a16:creationId xmlns:a16="http://schemas.microsoft.com/office/drawing/2014/main" id="{2D4924B2-4BDE-3DF7-6D72-EBF4897817A4}"/>
+              </a:ext>
+            </a:extLst>
+          </p:cNvPr>
+          <p:cNvPicPr>
+            <a:picLocks noChangeAspect="1"/>
+          </p:cNvPicPr>
+          <p:nvPr/>
+        </p:nvPicPr>
+        <p:blipFill>
+          <a:blip r:embed="rId2"/>
+          <a:stretch>
+            <a:fillRect/>
+          </a:stretch>
+        </p:blipFill>
+        <p:spPr>
+          <a:xfrm>
+            <a:off x="6215137" y="3243843"/>
+            <a:ext cx="4747270" cy="3046926"/>
+          </a:xfrm>
+          <a:prstGeom prst="rect">
+            <a:avLst/>
+          </a:prstGeom>
+        </p:spPr>
+      </p:pic>
+      <p:pic>
+        <p:nvPicPr>
+          <p:cNvPr id="6" name="Content Placeholder 5">
+            <a:extLst>
+              <a:ext uri="{FF2B5EF4-FFF2-40B4-BE49-F238E27FC236}">
+                <a16:creationId xmlns:a16="http://schemas.microsoft.com/office/drawing/2014/main" id="{C48949D9-FCF1-67B1-AB48-24856651DE41}"/>
+              </a:ext>
+            </a:extLst>
+          </p:cNvPr>
+          <p:cNvPicPr>
+            <a:picLocks noGrp="1" noChangeAspect="1"/>
+          </p:cNvPicPr>
+          <p:nvPr>
+            <p:ph sz="half" idx="2"/>
+          </p:nvPr>
+        </p:nvPicPr>
+        <p:blipFill>
+          <a:blip r:embed="rId3"/>
+          <a:stretch>
+            <a:fillRect/>
+          </a:stretch>
+        </p:blipFill>
+        <p:spPr>
+          <a:xfrm>
+            <a:off x="499775" y="3402702"/>
+            <a:ext cx="5489646" cy="2840891"/>
+          </a:xfrm>
+          <a:prstGeom prst="rect">
+            <a:avLst/>
+          </a:prstGeom>
+        </p:spPr>
+      </p:pic>
+    </p:spTree>
+    <p:extLst>
+      <p:ext uri="{BB962C8B-B14F-4D97-AF65-F5344CB8AC3E}">
+        <p14:creationId xmlns:p14="http://schemas.microsoft.com/office/powerpoint/2010/main" val="1629462681"/>
+      </p:ext>
+    </p:extLst>
+  </p:cSld>
+  <p:clrMapOvr>
+    <a:masterClrMapping/>
+  </p:clrMapOvr>
+</p:sld>
+</file>
+
+<file path=ppt/slides/slide12.xml><?xml version="1.0" encoding="utf-8"?>
+<p:sld xmlns:a="http://schemas.openxmlformats.org/drawingml/2006/main" xmlns:r="http://schemas.openxmlformats.org/officeDocument/2006/relationships" xmlns:p="http://schemas.openxmlformats.org/presentationml/2006/main">
+  <p:cSld>
+    <p:spTree>
+      <p:nvGrpSpPr>
+        <p:cNvPr id="1" name=""/>
+        <p:cNvGrpSpPr/>
+        <p:nvPr/>
+      </p:nvGrpSpPr>
+      <p:grpSpPr>
+        <a:xfrm>
+          <a:off x="0" y="0"/>
+          <a:ext cx="0" cy="0"/>
+          <a:chOff x="0" y="0"/>
+          <a:chExt cx="0" cy="0"/>
+        </a:xfrm>
+      </p:grpSpPr>
+      <p:sp>
+        <p:nvSpPr>
+          <p:cNvPr id="2" name="Rectangle 1">
+            <a:extLst>
+              <a:ext uri="{FF2B5EF4-FFF2-40B4-BE49-F238E27FC236}">
+                <a16:creationId xmlns:a16="http://schemas.microsoft.com/office/drawing/2014/main" id="{61A4814E-A2CD-E755-5513-CEA200912EE8}"/>
+              </a:ext>
+            </a:extLst>
+          </p:cNvPr>
+          <p:cNvSpPr/>
+          <p:nvPr/>
+        </p:nvSpPr>
+        <p:spPr>
+          <a:xfrm>
+            <a:off x="0" y="0"/>
+            <a:ext cx="12192000" cy="6858000"/>
+          </a:xfrm>
+          <a:prstGeom prst="rect">
+            <a:avLst/>
+          </a:prstGeom>
+        </p:spPr>
+        <p:style>
+          <a:lnRef idx="2">
+            <a:schemeClr val="dk1">
+              <a:shade val="50000"/>
+            </a:schemeClr>
+          </a:lnRef>
+          <a:fillRef idx="1">
+            <a:schemeClr val="dk1"/>
+          </a:fillRef>
+          <a:effectRef idx="0">
+            <a:schemeClr val="dk1"/>
+          </a:effectRef>
+          <a:fontRef idx="minor">
+            <a:schemeClr val="lt1"/>
+          </a:fontRef>
+        </p:style>
+        <p:txBody>
+          <a:bodyPr rtlCol="0" anchor="ctr"/>
+          <a:lstStyle/>
+          <a:p>
+            <a:pPr algn="ctr"/>
+            <a:r>
+              <a:rPr lang="en-US" sz="8800" dirty="0">
+                <a:latin typeface="Monotype Corsiva" panose="03010101010201010101" pitchFamily="66" charset="0"/>
+              </a:rPr>
+              <a:t>fin</a:t>
+            </a:r>
+            <a:endParaRPr lang="hu-HU" sz="8800" dirty="0">
+              <a:latin typeface="Monotype Corsiva" panose="03010101010201010101" pitchFamily="66" charset="0"/>
+            </a:endParaRPr>
+          </a:p>
+        </p:txBody>
+      </p:sp>
+    </p:spTree>
+    <p:extLst>
+      <p:ext uri="{BB962C8B-B14F-4D97-AF65-F5344CB8AC3E}">
+        <p14:creationId xmlns:p14="http://schemas.microsoft.com/office/powerpoint/2010/main" val="3990289678"/>
+      </p:ext>
+    </p:extLst>
+  </p:cSld>
+  <p:clrMapOvr>
+    <a:masterClrMapping/>
+  </p:clrMapOvr>
+</p:sld>
+</file>
+
 <file path=ppt/slides/slide2.xml><?xml version="1.0" encoding="utf-8"?>
 <p:sld xmlns:a="http://schemas.openxmlformats.org/drawingml/2006/main" xmlns:r="http://schemas.openxmlformats.org/officeDocument/2006/relationships" xmlns:p="http://schemas.openxmlformats.org/presentationml/2006/main">
   <p:cSld>
@@ -6375,6 +8307,225 @@
 <file path=ppt/slides/slide7.xml><?xml version="1.0" encoding="utf-8"?>
 <p:sld xmlns:a="http://schemas.openxmlformats.org/drawingml/2006/main" xmlns:r="http://schemas.openxmlformats.org/officeDocument/2006/relationships" xmlns:p="http://schemas.openxmlformats.org/presentationml/2006/main">
   <p:cSld>
+    <p:spTree>
+      <p:nvGrpSpPr>
+        <p:cNvPr id="1" name=""/>
+        <p:cNvGrpSpPr/>
+        <p:nvPr/>
+      </p:nvGrpSpPr>
+      <p:grpSpPr>
+        <a:xfrm>
+          <a:off x="0" y="0"/>
+          <a:ext cx="0" cy="0"/>
+          <a:chOff x="0" y="0"/>
+          <a:chExt cx="0" cy="0"/>
+        </a:xfrm>
+      </p:grpSpPr>
+      <p:sp>
+        <p:nvSpPr>
+          <p:cNvPr id="2" name="Title 1">
+            <a:extLst>
+              <a:ext uri="{FF2B5EF4-FFF2-40B4-BE49-F238E27FC236}">
+                <a16:creationId xmlns:a16="http://schemas.microsoft.com/office/drawing/2014/main" id="{B19F33FC-0D90-D0C8-7BCE-1204EC61FCE6}"/>
+              </a:ext>
+            </a:extLst>
+          </p:cNvPr>
+          <p:cNvSpPr>
+            <a:spLocks noGrp="1"/>
+          </p:cNvSpPr>
+          <p:nvPr>
+            <p:ph type="title"/>
+          </p:nvPr>
+        </p:nvSpPr>
+        <p:spPr/>
+        <p:txBody>
+          <a:bodyPr/>
+          <a:lstStyle/>
+          <a:p>
+            <a:endParaRPr lang="hu-HU"/>
+          </a:p>
+        </p:txBody>
+      </p:sp>
+      <p:sp>
+        <p:nvSpPr>
+          <p:cNvPr id="3" name="Content Placeholder 2">
+            <a:extLst>
+              <a:ext uri="{FF2B5EF4-FFF2-40B4-BE49-F238E27FC236}">
+                <a16:creationId xmlns:a16="http://schemas.microsoft.com/office/drawing/2014/main" id="{0CD5140A-4694-45E4-CAD6-72E80A60BEEB}"/>
+              </a:ext>
+            </a:extLst>
+          </p:cNvPr>
+          <p:cNvSpPr>
+            <a:spLocks noGrp="1"/>
+          </p:cNvSpPr>
+          <p:nvPr>
+            <p:ph idx="1"/>
+          </p:nvPr>
+        </p:nvSpPr>
+        <p:spPr/>
+        <p:txBody>
+          <a:bodyPr/>
+          <a:lstStyle/>
+          <a:p>
+            <a:r>
+              <a:rPr lang="en-US" dirty="0" err="1"/>
+              <a:t>Objektumok</a:t>
+            </a:r>
+            <a:r>
+              <a:rPr lang="en-US" dirty="0"/>
+              <a:t> “</a:t>
+            </a:r>
+            <a:r>
+              <a:rPr lang="en-US" dirty="0" err="1"/>
+              <a:t>lerakása</a:t>
+            </a:r>
+            <a:r>
+              <a:rPr lang="en-US" dirty="0"/>
+              <a:t>” </a:t>
+            </a:r>
+            <a:r>
+              <a:rPr lang="en-US" dirty="0" err="1"/>
+              <a:t>Torna</a:t>
+            </a:r>
+            <a:r>
+              <a:rPr lang="en-US" dirty="0"/>
+              <a:t> </a:t>
+            </a:r>
+            <a:r>
+              <a:rPr lang="en-US" dirty="0" err="1"/>
+              <a:t>készítőben</a:t>
+            </a:r>
+            <a:r>
+              <a:rPr lang="en-US" dirty="0"/>
+              <a:t> </a:t>
+            </a:r>
+          </a:p>
+          <a:p>
+            <a:endParaRPr lang="en-US" dirty="0"/>
+          </a:p>
+          <a:p>
+            <a:r>
+              <a:rPr lang="en-US" dirty="0" err="1"/>
+              <a:t>Kamera</a:t>
+            </a:r>
+            <a:r>
+              <a:rPr lang="en-US" dirty="0"/>
+              <a:t> </a:t>
+            </a:r>
+            <a:r>
+              <a:rPr lang="en-US" dirty="0" err="1"/>
+              <a:t>pozíciója</a:t>
+            </a:r>
+            <a:r>
+              <a:rPr lang="en-US" dirty="0"/>
+              <a:t> + </a:t>
+            </a:r>
+            <a:r>
+              <a:rPr lang="en-US" dirty="0" err="1"/>
+              <a:t>kamera</a:t>
+            </a:r>
+            <a:r>
+              <a:rPr lang="en-US" dirty="0"/>
+              <a:t> </a:t>
+            </a:r>
+            <a:r>
+              <a:rPr lang="en-US" dirty="0" err="1"/>
+              <a:t>irány</a:t>
+            </a:r>
+            <a:r>
+              <a:rPr lang="en-US" dirty="0"/>
+              <a:t> </a:t>
+            </a:r>
+            <a:r>
+              <a:rPr lang="en-US" dirty="0" err="1"/>
+              <a:t>vektora</a:t>
+            </a:r>
+            <a:r>
+              <a:rPr lang="en-US" dirty="0"/>
+              <a:t> * </a:t>
+            </a:r>
+            <a:r>
+              <a:rPr lang="en-US" dirty="0" err="1"/>
+              <a:t>Távolság</a:t>
+            </a:r>
+            <a:r>
+              <a:rPr lang="en-US" dirty="0"/>
+              <a:t> (</a:t>
+            </a:r>
+            <a:r>
+              <a:rPr lang="en-US" dirty="0" err="1"/>
+              <a:t>Jelenleg</a:t>
+            </a:r>
+            <a:r>
+              <a:rPr lang="en-US" dirty="0"/>
+              <a:t> 60 </a:t>
+            </a:r>
+            <a:r>
+              <a:rPr lang="en-US" dirty="0" err="1"/>
+              <a:t>egység</a:t>
+            </a:r>
+            <a:r>
+              <a:rPr lang="en-US" dirty="0"/>
+              <a:t> de </a:t>
+            </a:r>
+            <a:r>
+              <a:rPr lang="en-US" dirty="0" err="1"/>
+              <a:t>módosítható</a:t>
+            </a:r>
+            <a:r>
+              <a:rPr lang="en-US" dirty="0"/>
+              <a:t>)</a:t>
+            </a:r>
+            <a:endParaRPr lang="hu-HU" dirty="0"/>
+          </a:p>
+        </p:txBody>
+      </p:sp>
+      <p:pic>
+        <p:nvPicPr>
+          <p:cNvPr id="5" name="Picture 4">
+            <a:extLst>
+              <a:ext uri="{FF2B5EF4-FFF2-40B4-BE49-F238E27FC236}">
+                <a16:creationId xmlns:a16="http://schemas.microsoft.com/office/drawing/2014/main" id="{39A681E8-74AE-60FB-75C6-577A56030C9D}"/>
+              </a:ext>
+            </a:extLst>
+          </p:cNvPr>
+          <p:cNvPicPr>
+            <a:picLocks noChangeAspect="1"/>
+          </p:cNvPicPr>
+          <p:nvPr/>
+        </p:nvPicPr>
+        <p:blipFill>
+          <a:blip r:embed="rId2"/>
+          <a:stretch>
+            <a:fillRect/>
+          </a:stretch>
+        </p:blipFill>
+        <p:spPr>
+          <a:xfrm>
+            <a:off x="729373" y="3881515"/>
+            <a:ext cx="10574226" cy="276264"/>
+          </a:xfrm>
+          <a:prstGeom prst="rect">
+            <a:avLst/>
+          </a:prstGeom>
+        </p:spPr>
+      </p:pic>
+    </p:spTree>
+    <p:extLst>
+      <p:ext uri="{BB962C8B-B14F-4D97-AF65-F5344CB8AC3E}">
+        <p14:creationId xmlns:p14="http://schemas.microsoft.com/office/powerpoint/2010/main" val="56409521"/>
+      </p:ext>
+    </p:extLst>
+  </p:cSld>
+  <p:clrMapOvr>
+    <a:masterClrMapping/>
+  </p:clrMapOvr>
+</p:sld>
+</file>
+
+<file path=ppt/slides/slide8.xml><?xml version="1.0" encoding="utf-8"?>
+<p:sld xmlns:a="http://schemas.openxmlformats.org/drawingml/2006/main" xmlns:r="http://schemas.openxmlformats.org/officeDocument/2006/relationships" xmlns:p="http://schemas.openxmlformats.org/presentationml/2006/main">
+  <p:cSld>
     <p:bg>
       <p:bgPr>
         <a:solidFill>
@@ -6475,7 +8626,7 @@
           <p:nvPr/>
         </p:nvPicPr>
         <p:blipFill>
-          <a:blip r:embed="rId2"/>
+          <a:blip r:embed="rId3"/>
           <a:stretch>
             <a:fillRect/>
           </a:stretch>
@@ -6557,7 +8708,7 @@
           <p:nvPr/>
         </p:nvPicPr>
         <p:blipFill>
-          <a:blip r:embed="rId3"/>
+          <a:blip r:embed="rId4"/>
           <a:stretch>
             <a:fillRect/>
           </a:stretch>
@@ -6876,6 +9027,954 @@
     <p:extLst>
       <p:ext uri="{BB962C8B-B14F-4D97-AF65-F5344CB8AC3E}">
         <p14:creationId xmlns:p14="http://schemas.microsoft.com/office/powerpoint/2010/main" val="3082300299"/>
+      </p:ext>
+    </p:extLst>
+  </p:cSld>
+  <p:clrMapOvr>
+    <a:overrideClrMapping bg1="dk1" tx1="lt1" bg2="dk2" tx2="lt2" accent1="accent1" accent2="accent2" accent3="accent3" accent4="accent4" accent5="accent5" accent6="accent6" hlink="hlink" folHlink="folHlink"/>
+  </p:clrMapOvr>
+</p:sld>
+</file>
+
+<file path=ppt/slides/slide9.xml><?xml version="1.0" encoding="utf-8"?>
+<p:sld xmlns:a="http://schemas.openxmlformats.org/drawingml/2006/main" xmlns:r="http://schemas.openxmlformats.org/officeDocument/2006/relationships" xmlns:p="http://schemas.openxmlformats.org/presentationml/2006/main">
+  <p:cSld>
+    <p:bg>
+      <p:bgPr>
+        <a:solidFill>
+          <a:schemeClr val="bg1"/>
+        </a:solidFill>
+        <a:effectLst/>
+      </p:bgPr>
+    </p:bg>
+    <p:spTree>
+      <p:nvGrpSpPr>
+        <p:cNvPr id="1" name=""/>
+        <p:cNvGrpSpPr/>
+        <p:nvPr/>
+      </p:nvGrpSpPr>
+      <p:grpSpPr>
+        <a:xfrm>
+          <a:off x="0" y="0"/>
+          <a:ext cx="0" cy="0"/>
+          <a:chOff x="0" y="0"/>
+          <a:chExt cx="0" cy="0"/>
+        </a:xfrm>
+      </p:grpSpPr>
+      <p:sp>
+        <p:nvSpPr>
+          <p:cNvPr id="11" name="Rectangle 10">
+            <a:extLst>
+              <a:ext uri="{FF2B5EF4-FFF2-40B4-BE49-F238E27FC236}">
+                <a16:creationId xmlns:a16="http://schemas.microsoft.com/office/drawing/2014/main" id="{DB691D59-8F51-4DD8-AD41-D568D29B08F8}"/>
+              </a:ext>
+              <a:ext uri="{C183D7F6-B498-43B3-948B-1728B52AA6E4}">
+                <adec:decorative xmlns:adec="http://schemas.microsoft.com/office/drawing/2017/decorative" val="1"/>
+              </a:ext>
+            </a:extLst>
+          </p:cNvPr>
+          <p:cNvSpPr>
+            <a:spLocks noGrp="1" noRot="1" noChangeAspect="1" noMove="1" noResize="1" noEditPoints="1" noAdjustHandles="1" noChangeArrowheads="1" noChangeShapeType="1" noTextEdit="1"/>
+          </p:cNvSpPr>
+          <p:nvPr>
+            <p:extLst>
+              <p:ext uri="{386F3935-93C4-4BCD-93E2-E3B085C9AB24}">
+                <p16:designElem xmlns:p16="http://schemas.microsoft.com/office/powerpoint/2015/main" val="1"/>
+              </p:ext>
+            </p:extLst>
+          </p:nvPr>
+        </p:nvSpPr>
+        <p:spPr>
+          <a:xfrm>
+            <a:off x="446534" y="457200"/>
+            <a:ext cx="3703320" cy="94997"/>
+          </a:xfrm>
+          <a:prstGeom prst="rect">
+            <a:avLst/>
+          </a:prstGeom>
+          <a:solidFill>
+            <a:schemeClr val="accent1"/>
+          </a:solidFill>
+          <a:ln>
+            <a:noFill/>
+          </a:ln>
+          <a:effectLst/>
+        </p:spPr>
+        <p:style>
+          <a:lnRef idx="1">
+            <a:schemeClr val="accent1"/>
+          </a:lnRef>
+          <a:fillRef idx="3">
+            <a:schemeClr val="accent1"/>
+          </a:fillRef>
+          <a:effectRef idx="2">
+            <a:schemeClr val="accent1"/>
+          </a:effectRef>
+          <a:fontRef idx="minor">
+            <a:schemeClr val="lt1"/>
+          </a:fontRef>
+        </p:style>
+      </p:sp>
+      <p:sp>
+        <p:nvSpPr>
+          <p:cNvPr id="13" name="Rectangle 12">
+            <a:extLst>
+              <a:ext uri="{FF2B5EF4-FFF2-40B4-BE49-F238E27FC236}">
+                <a16:creationId xmlns:a16="http://schemas.microsoft.com/office/drawing/2014/main" id="{204AEF18-0627-48F3-9B3D-F7E8F050B1D4}"/>
+              </a:ext>
+              <a:ext uri="{C183D7F6-B498-43B3-948B-1728B52AA6E4}">
+                <adec:decorative xmlns:adec="http://schemas.microsoft.com/office/drawing/2017/decorative" val="1"/>
+              </a:ext>
+            </a:extLst>
+          </p:cNvPr>
+          <p:cNvSpPr>
+            <a:spLocks noGrp="1" noRot="1" noChangeAspect="1" noMove="1" noResize="1" noEditPoints="1" noAdjustHandles="1" noChangeArrowheads="1" noChangeShapeType="1" noTextEdit="1"/>
+          </p:cNvSpPr>
+          <p:nvPr>
+            <p:extLst>
+              <p:ext uri="{386F3935-93C4-4BCD-93E2-E3B085C9AB24}">
+                <p16:designElem xmlns:p16="http://schemas.microsoft.com/office/powerpoint/2015/main" val="1"/>
+              </p:ext>
+            </p:extLst>
+          </p:nvPr>
+        </p:nvSpPr>
+        <p:spPr>
+          <a:xfrm>
+            <a:off x="8042147" y="453643"/>
+            <a:ext cx="3703320" cy="98554"/>
+          </a:xfrm>
+          <a:prstGeom prst="rect">
+            <a:avLst/>
+          </a:prstGeom>
+          <a:solidFill>
+            <a:schemeClr val="accent4"/>
+          </a:solidFill>
+          <a:ln>
+            <a:noFill/>
+          </a:ln>
+          <a:effectLst/>
+        </p:spPr>
+        <p:style>
+          <a:lnRef idx="1">
+            <a:schemeClr val="accent1"/>
+          </a:lnRef>
+          <a:fillRef idx="3">
+            <a:schemeClr val="accent1"/>
+          </a:fillRef>
+          <a:effectRef idx="2">
+            <a:schemeClr val="accent1"/>
+          </a:effectRef>
+          <a:fontRef idx="minor">
+            <a:schemeClr val="lt1"/>
+          </a:fontRef>
+        </p:style>
+      </p:sp>
+      <p:sp>
+        <p:nvSpPr>
+          <p:cNvPr id="15" name="Rectangle 14">
+            <a:extLst>
+              <a:ext uri="{FF2B5EF4-FFF2-40B4-BE49-F238E27FC236}">
+                <a16:creationId xmlns:a16="http://schemas.microsoft.com/office/drawing/2014/main" id="{CEAEE08A-C572-438F-9753-B0D527A515A7}"/>
+              </a:ext>
+              <a:ext uri="{C183D7F6-B498-43B3-948B-1728B52AA6E4}">
+                <adec:decorative xmlns:adec="http://schemas.microsoft.com/office/drawing/2017/decorative" val="1"/>
+              </a:ext>
+            </a:extLst>
+          </p:cNvPr>
+          <p:cNvSpPr>
+            <a:spLocks noGrp="1" noRot="1" noChangeAspect="1" noMove="1" noResize="1" noEditPoints="1" noAdjustHandles="1" noChangeArrowheads="1" noChangeShapeType="1" noTextEdit="1"/>
+          </p:cNvSpPr>
+          <p:nvPr>
+            <p:extLst>
+              <p:ext uri="{386F3935-93C4-4BCD-93E2-E3B085C9AB24}">
+                <p16:designElem xmlns:p16="http://schemas.microsoft.com/office/powerpoint/2015/main" val="1"/>
+              </p:ext>
+            </p:extLst>
+          </p:nvPr>
+        </p:nvSpPr>
+        <p:spPr>
+          <a:xfrm>
+            <a:off x="4241830" y="457200"/>
+            <a:ext cx="3703320" cy="91440"/>
+          </a:xfrm>
+          <a:prstGeom prst="rect">
+            <a:avLst/>
+          </a:prstGeom>
+          <a:solidFill>
+            <a:schemeClr val="accent2"/>
+          </a:solidFill>
+          <a:ln>
+            <a:noFill/>
+          </a:ln>
+          <a:effectLst/>
+        </p:spPr>
+        <p:style>
+          <a:lnRef idx="1">
+            <a:schemeClr val="accent1"/>
+          </a:lnRef>
+          <a:fillRef idx="3">
+            <a:schemeClr val="accent1"/>
+          </a:fillRef>
+          <a:effectRef idx="2">
+            <a:schemeClr val="accent1"/>
+          </a:effectRef>
+          <a:fontRef idx="minor">
+            <a:schemeClr val="lt1"/>
+          </a:fontRef>
+        </p:style>
+      </p:sp>
+      <p:sp>
+        <p:nvSpPr>
+          <p:cNvPr id="17" name="Rectangle 16">
+            <a:extLst>
+              <a:ext uri="{FF2B5EF4-FFF2-40B4-BE49-F238E27FC236}">
+                <a16:creationId xmlns:a16="http://schemas.microsoft.com/office/drawing/2014/main" id="{993F09C6-4F57-4B05-9592-E253D8BC6286}"/>
+              </a:ext>
+              <a:ext uri="{C183D7F6-B498-43B3-948B-1728B52AA6E4}">
+                <adec:decorative xmlns:adec="http://schemas.microsoft.com/office/drawing/2017/decorative" val="1"/>
+              </a:ext>
+            </a:extLst>
+          </p:cNvPr>
+          <p:cNvSpPr>
+            <a:spLocks noGrp="1" noRot="1" noChangeAspect="1" noMove="1" noResize="1" noEditPoints="1" noAdjustHandles="1" noChangeArrowheads="1" noChangeShapeType="1" noTextEdit="1"/>
+          </p:cNvSpPr>
+          <p:nvPr>
+            <p:extLst>
+              <p:ext uri="{386F3935-93C4-4BCD-93E2-E3B085C9AB24}">
+                <p16:designElem xmlns:p16="http://schemas.microsoft.com/office/powerpoint/2015/main" val="1"/>
+              </p:ext>
+            </p:extLst>
+          </p:nvPr>
+        </p:nvSpPr>
+        <p:spPr>
+          <a:xfrm>
+            <a:off x="440286" y="614407"/>
+            <a:ext cx="11309338" cy="1189298"/>
+          </a:xfrm>
+          <a:prstGeom prst="rect">
+            <a:avLst/>
+          </a:prstGeom>
+          <a:solidFill>
+            <a:schemeClr val="accent1"/>
+          </a:solidFill>
+          <a:ln>
+            <a:noFill/>
+          </a:ln>
+          <a:effectLst/>
+        </p:spPr>
+        <p:style>
+          <a:lnRef idx="1">
+            <a:schemeClr val="accent1"/>
+          </a:lnRef>
+          <a:fillRef idx="3">
+            <a:schemeClr val="accent1"/>
+          </a:fillRef>
+          <a:effectRef idx="2">
+            <a:schemeClr val="accent1"/>
+          </a:effectRef>
+          <a:fontRef idx="minor">
+            <a:schemeClr val="lt1"/>
+          </a:fontRef>
+        </p:style>
+      </p:sp>
+      <p:sp>
+        <p:nvSpPr>
+          <p:cNvPr id="19" name="Rectangle 18">
+            <a:extLst>
+              <a:ext uri="{FF2B5EF4-FFF2-40B4-BE49-F238E27FC236}">
+                <a16:creationId xmlns:a16="http://schemas.microsoft.com/office/drawing/2014/main" id="{879A26B8-6C4E-452B-ADD3-ED324A7AB7E8}"/>
+              </a:ext>
+              <a:ext uri="{C183D7F6-B498-43B3-948B-1728B52AA6E4}">
+                <adec:decorative xmlns:adec="http://schemas.microsoft.com/office/drawing/2017/decorative" val="1"/>
+              </a:ext>
+            </a:extLst>
+          </p:cNvPr>
+          <p:cNvSpPr>
+            <a:spLocks noGrp="1" noRot="1" noChangeAspect="1" noMove="1" noResize="1" noEditPoints="1" noAdjustHandles="1" noChangeArrowheads="1" noChangeShapeType="1" noTextEdit="1"/>
+          </p:cNvSpPr>
+          <p:nvPr>
+            <p:extLst>
+              <p:ext uri="{386F3935-93C4-4BCD-93E2-E3B085C9AB24}">
+                <p16:designElem xmlns:p16="http://schemas.microsoft.com/office/powerpoint/2015/main" val="1"/>
+              </p:ext>
+            </p:extLst>
+          </p:nvPr>
+        </p:nvSpPr>
+        <p:spPr>
+          <a:xfrm>
+            <a:off x="0" y="0"/>
+            <a:ext cx="12192000" cy="6857999"/>
+          </a:xfrm>
+          <a:prstGeom prst="rect">
+            <a:avLst/>
+          </a:prstGeom>
+          <a:solidFill>
+            <a:schemeClr val="tx1"/>
+          </a:solidFill>
+          <a:ln>
+            <a:noFill/>
+          </a:ln>
+        </p:spPr>
+        <p:style>
+          <a:lnRef idx="2">
+            <a:schemeClr val="accent1">
+              <a:shade val="50000"/>
+            </a:schemeClr>
+          </a:lnRef>
+          <a:fillRef idx="1">
+            <a:schemeClr val="accent1"/>
+          </a:fillRef>
+          <a:effectRef idx="0">
+            <a:schemeClr val="accent1"/>
+          </a:effectRef>
+          <a:fontRef idx="minor">
+            <a:schemeClr val="lt1"/>
+          </a:fontRef>
+        </p:style>
+        <p:txBody>
+          <a:bodyPr rtlCol="0" anchor="ctr"/>
+          <a:lstStyle/>
+          <a:p>
+            <a:pPr algn="ctr"/>
+            <a:endParaRPr lang="en-US"/>
+          </a:p>
+        </p:txBody>
+      </p:sp>
+      <p:sp>
+        <p:nvSpPr>
+          <p:cNvPr id="21" name="Rectangle 20">
+            <a:extLst>
+              <a:ext uri="{FF2B5EF4-FFF2-40B4-BE49-F238E27FC236}">
+                <a16:creationId xmlns:a16="http://schemas.microsoft.com/office/drawing/2014/main" id="{9B4167E1-E2B0-4192-8DA2-6967DDFF87A5}"/>
+              </a:ext>
+              <a:ext uri="{C183D7F6-B498-43B3-948B-1728B52AA6E4}">
+                <adec:decorative xmlns:adec="http://schemas.microsoft.com/office/drawing/2017/decorative" val="1"/>
+              </a:ext>
+            </a:extLst>
+          </p:cNvPr>
+          <p:cNvSpPr>
+            <a:spLocks noGrp="1" noRot="1" noChangeAspect="1" noMove="1" noResize="1" noEditPoints="1" noAdjustHandles="1" noChangeArrowheads="1" noChangeShapeType="1" noTextEdit="1"/>
+          </p:cNvSpPr>
+          <p:nvPr>
+            <p:extLst>
+              <p:ext uri="{386F3935-93C4-4BCD-93E2-E3B085C9AB24}">
+                <p16:designElem xmlns:p16="http://schemas.microsoft.com/office/powerpoint/2015/main" val="1"/>
+              </p:ext>
+            </p:extLst>
+          </p:nvPr>
+        </p:nvSpPr>
+        <p:spPr>
+          <a:xfrm>
+            <a:off x="442377" y="614407"/>
+            <a:ext cx="5609967" cy="5611772"/>
+          </a:xfrm>
+          <a:prstGeom prst="rect">
+            <a:avLst/>
+          </a:prstGeom>
+          <a:solidFill>
+            <a:schemeClr val="accent1"/>
+          </a:solidFill>
+          <a:ln>
+            <a:noFill/>
+          </a:ln>
+          <a:effectLst/>
+        </p:spPr>
+        <p:style>
+          <a:lnRef idx="1">
+            <a:schemeClr val="accent1"/>
+          </a:lnRef>
+          <a:fillRef idx="3">
+            <a:schemeClr val="accent1"/>
+          </a:fillRef>
+          <a:effectRef idx="2">
+            <a:schemeClr val="accent1"/>
+          </a:effectRef>
+          <a:fontRef idx="minor">
+            <a:schemeClr val="lt1"/>
+          </a:fontRef>
+        </p:style>
+      </p:sp>
+      <p:sp>
+        <p:nvSpPr>
+          <p:cNvPr id="2" name="Title 1">
+            <a:extLst>
+              <a:ext uri="{FF2B5EF4-FFF2-40B4-BE49-F238E27FC236}">
+                <a16:creationId xmlns:a16="http://schemas.microsoft.com/office/drawing/2014/main" id="{0BA7E878-9BA1-8FD9-FCE3-4C7996DEEFF6}"/>
+              </a:ext>
+            </a:extLst>
+          </p:cNvPr>
+          <p:cNvSpPr>
+            <a:spLocks noGrp="1"/>
+          </p:cNvSpPr>
+          <p:nvPr>
+            <p:ph type="title"/>
+          </p:nvPr>
+        </p:nvSpPr>
+        <p:spPr>
+          <a:xfrm>
+            <a:off x="762121" y="960723"/>
+            <a:ext cx="4968489" cy="1013800"/>
+          </a:xfrm>
+        </p:spPr>
+        <p:txBody>
+          <a:bodyPr vert="horz" lIns="91440" tIns="45720" rIns="91440" bIns="45720" rtlCol="0" anchor="b">
+            <a:normAutofit/>
+          </a:bodyPr>
+          <a:lstStyle/>
+          <a:p>
+            <a:endParaRPr lang="en-US">
+              <a:solidFill>
+                <a:srgbClr val="FFFFFF"/>
+              </a:solidFill>
+            </a:endParaRPr>
+          </a:p>
+        </p:txBody>
+      </p:sp>
+      <p:sp>
+        <p:nvSpPr>
+          <p:cNvPr id="23" name="Rectangle 22">
+            <a:extLst>
+              <a:ext uri="{FF2B5EF4-FFF2-40B4-BE49-F238E27FC236}">
+                <a16:creationId xmlns:a16="http://schemas.microsoft.com/office/drawing/2014/main" id="{D03E4FEE-2E6A-44AB-B6BA-C1AD0CD6D93B}"/>
+              </a:ext>
+              <a:ext uri="{C183D7F6-B498-43B3-948B-1728B52AA6E4}">
+                <adec:decorative xmlns:adec="http://schemas.microsoft.com/office/drawing/2017/decorative" val="1"/>
+              </a:ext>
+            </a:extLst>
+          </p:cNvPr>
+          <p:cNvSpPr>
+            <a:spLocks noGrp="1" noRot="1" noChangeAspect="1" noMove="1" noResize="1" noEditPoints="1" noAdjustHandles="1" noChangeArrowheads="1" noChangeShapeType="1" noTextEdit="1"/>
+          </p:cNvSpPr>
+          <p:nvPr>
+            <p:extLst>
+              <p:ext uri="{386F3935-93C4-4BCD-93E2-E3B085C9AB24}">
+                <p16:designElem xmlns:p16="http://schemas.microsoft.com/office/powerpoint/2015/main" val="1"/>
+              </p:ext>
+            </p:extLst>
+          </p:nvPr>
+        </p:nvSpPr>
+        <p:spPr>
+          <a:xfrm>
+            <a:off x="446534" y="457200"/>
+            <a:ext cx="5605810" cy="94997"/>
+          </a:xfrm>
+          <a:prstGeom prst="rect">
+            <a:avLst/>
+          </a:prstGeom>
+          <a:solidFill>
+            <a:schemeClr val="accent1"/>
+          </a:solidFill>
+          <a:ln>
+            <a:noFill/>
+          </a:ln>
+          <a:effectLst/>
+        </p:spPr>
+        <p:style>
+          <a:lnRef idx="1">
+            <a:schemeClr val="accent1"/>
+          </a:lnRef>
+          <a:fillRef idx="3">
+            <a:schemeClr val="accent1"/>
+          </a:fillRef>
+          <a:effectRef idx="2">
+            <a:schemeClr val="accent1"/>
+          </a:effectRef>
+          <a:fontRef idx="minor">
+            <a:schemeClr val="lt1"/>
+          </a:fontRef>
+        </p:style>
+      </p:sp>
+      <p:sp>
+        <p:nvSpPr>
+          <p:cNvPr id="25" name="Rectangle 24">
+            <a:extLst>
+              <a:ext uri="{FF2B5EF4-FFF2-40B4-BE49-F238E27FC236}">
+                <a16:creationId xmlns:a16="http://schemas.microsoft.com/office/drawing/2014/main" id="{0817EB59-13B3-43DA-9B91-A7CC174A6069}"/>
+              </a:ext>
+              <a:ext uri="{C183D7F6-B498-43B3-948B-1728B52AA6E4}">
+                <adec:decorative xmlns:adec="http://schemas.microsoft.com/office/drawing/2017/decorative" val="1"/>
+              </a:ext>
+            </a:extLst>
+          </p:cNvPr>
+          <p:cNvSpPr>
+            <a:spLocks noGrp="1" noRot="1" noChangeAspect="1" noMove="1" noResize="1" noEditPoints="1" noAdjustHandles="1" noChangeArrowheads="1" noChangeShapeType="1" noTextEdit="1"/>
+          </p:cNvSpPr>
+          <p:nvPr>
+            <p:extLst>
+              <p:ext uri="{386F3935-93C4-4BCD-93E2-E3B085C9AB24}">
+                <p16:designElem xmlns:p16="http://schemas.microsoft.com/office/powerpoint/2015/main" val="1"/>
+              </p:ext>
+            </p:extLst>
+          </p:nvPr>
+        </p:nvSpPr>
+        <p:spPr>
+          <a:xfrm>
+            <a:off x="6144318" y="457200"/>
+            <a:ext cx="5600007" cy="91440"/>
+          </a:xfrm>
+          <a:prstGeom prst="rect">
+            <a:avLst/>
+          </a:prstGeom>
+          <a:solidFill>
+            <a:schemeClr val="accent2"/>
+          </a:solidFill>
+          <a:ln>
+            <a:noFill/>
+          </a:ln>
+          <a:effectLst/>
+        </p:spPr>
+        <p:style>
+          <a:lnRef idx="1">
+            <a:schemeClr val="accent1"/>
+          </a:lnRef>
+          <a:fillRef idx="3">
+            <a:schemeClr val="accent1"/>
+          </a:fillRef>
+          <a:effectRef idx="2">
+            <a:schemeClr val="accent1"/>
+          </a:effectRef>
+          <a:fontRef idx="minor">
+            <a:schemeClr val="lt1"/>
+          </a:fontRef>
+        </p:style>
+      </p:sp>
+      <p:sp>
+        <p:nvSpPr>
+          <p:cNvPr id="3" name="Content Placeholder 2">
+            <a:extLst>
+              <a:ext uri="{FF2B5EF4-FFF2-40B4-BE49-F238E27FC236}">
+                <a16:creationId xmlns:a16="http://schemas.microsoft.com/office/drawing/2014/main" id="{F339F554-3F38-828C-B895-F1FF78043B19}"/>
+              </a:ext>
+            </a:extLst>
+          </p:cNvPr>
+          <p:cNvSpPr>
+            <a:spLocks noGrp="1"/>
+          </p:cNvSpPr>
+          <p:nvPr>
+            <p:ph sz="half" idx="1"/>
+          </p:nvPr>
+        </p:nvSpPr>
+        <p:spPr>
+          <a:xfrm>
+            <a:off x="783387" y="2254102"/>
+            <a:ext cx="4947221" cy="3650344"/>
+          </a:xfrm>
+        </p:spPr>
+        <p:txBody>
+          <a:bodyPr vert="horz" lIns="91440" tIns="45720" rIns="91440" bIns="45720" rtlCol="0" anchor="ctr">
+            <a:normAutofit/>
+          </a:bodyPr>
+          <a:lstStyle/>
+          <a:p>
+            <a:r>
+              <a:rPr lang="en-US" dirty="0" err="1">
+                <a:solidFill>
+                  <a:srgbClr val="FFFFFF"/>
+                </a:solidFill>
+              </a:rPr>
+              <a:t>Futás</a:t>
+            </a:r>
+            <a:r>
+              <a:rPr lang="en-US" dirty="0">
+                <a:solidFill>
+                  <a:srgbClr val="FFFFFF"/>
+                </a:solidFill>
+              </a:rPr>
+              <a:t> </a:t>
+            </a:r>
+            <a:r>
+              <a:rPr lang="en-US" dirty="0" err="1">
+                <a:solidFill>
+                  <a:srgbClr val="FFFFFF"/>
+                </a:solidFill>
+              </a:rPr>
+              <a:t>közbenegy</a:t>
+            </a:r>
+            <a:r>
+              <a:rPr lang="en-US" dirty="0">
+                <a:solidFill>
+                  <a:srgbClr val="FFFFFF"/>
+                </a:solidFill>
+              </a:rPr>
+              <a:t> List&lt;List&lt;Vector3&gt;&gt; </a:t>
+            </a:r>
+            <a:r>
+              <a:rPr lang="en-US" dirty="0" err="1">
+                <a:solidFill>
+                  <a:srgbClr val="FFFFFF"/>
+                </a:solidFill>
+              </a:rPr>
+              <a:t>tárolja</a:t>
+            </a:r>
+            <a:r>
+              <a:rPr lang="en-US" dirty="0">
+                <a:solidFill>
+                  <a:srgbClr val="FFFFFF"/>
+                </a:solidFill>
+              </a:rPr>
+              <a:t> a </a:t>
+            </a:r>
+            <a:r>
+              <a:rPr lang="en-US" dirty="0" err="1">
+                <a:solidFill>
+                  <a:srgbClr val="FFFFFF"/>
+                </a:solidFill>
+              </a:rPr>
+              <a:t>tornákat</a:t>
+            </a:r>
+            <a:r>
+              <a:rPr lang="en-US" dirty="0">
+                <a:solidFill>
+                  <a:srgbClr val="FFFFFF"/>
+                </a:solidFill>
+              </a:rPr>
+              <a:t>, </a:t>
+            </a:r>
+            <a:r>
+              <a:rPr lang="en-US" dirty="0" err="1">
+                <a:solidFill>
+                  <a:srgbClr val="FFFFFF"/>
+                </a:solidFill>
+              </a:rPr>
+              <a:t>egy</a:t>
+            </a:r>
+            <a:r>
+              <a:rPr lang="en-US" dirty="0">
+                <a:solidFill>
+                  <a:srgbClr val="FFFFFF"/>
+                </a:solidFill>
+              </a:rPr>
+              <a:t> Singleton </a:t>
+            </a:r>
+            <a:r>
+              <a:rPr lang="en-US" dirty="0" err="1">
+                <a:solidFill>
+                  <a:srgbClr val="FFFFFF"/>
+                </a:solidFill>
+              </a:rPr>
+              <a:t>osztály</a:t>
+            </a:r>
+            <a:r>
+              <a:rPr lang="en-US" dirty="0">
+                <a:solidFill>
+                  <a:srgbClr val="FFFFFF"/>
+                </a:solidFill>
+              </a:rPr>
+              <a:t> </a:t>
+            </a:r>
+            <a:r>
+              <a:rPr lang="en-US" dirty="0" err="1">
+                <a:solidFill>
+                  <a:srgbClr val="FFFFFF"/>
+                </a:solidFill>
+              </a:rPr>
+              <a:t>tárolja</a:t>
+            </a:r>
+            <a:r>
+              <a:rPr lang="en-US" dirty="0">
+                <a:solidFill>
+                  <a:srgbClr val="FFFFFF"/>
+                </a:solidFill>
+              </a:rPr>
+              <a:t> a </a:t>
+            </a:r>
+            <a:r>
+              <a:rPr lang="en-US" dirty="0" err="1">
+                <a:solidFill>
+                  <a:srgbClr val="FFFFFF"/>
+                </a:solidFill>
+              </a:rPr>
+              <a:t>listát</a:t>
+            </a:r>
+            <a:r>
+              <a:rPr lang="en-US" dirty="0">
+                <a:solidFill>
+                  <a:srgbClr val="FFFFFF"/>
+                </a:solidFill>
+              </a:rPr>
+              <a:t> </a:t>
+            </a:r>
+            <a:r>
+              <a:rPr lang="en-US" dirty="0" err="1">
+                <a:solidFill>
+                  <a:srgbClr val="FFFFFF"/>
+                </a:solidFill>
+              </a:rPr>
+              <a:t>és</a:t>
+            </a:r>
+            <a:r>
+              <a:rPr lang="en-US" dirty="0">
+                <a:solidFill>
+                  <a:srgbClr val="FFFFFF"/>
+                </a:solidFill>
+              </a:rPr>
+              <a:t> a </a:t>
+            </a:r>
+            <a:r>
+              <a:rPr lang="en-US" dirty="0" err="1">
+                <a:solidFill>
+                  <a:srgbClr val="FFFFFF"/>
+                </a:solidFill>
+              </a:rPr>
+              <a:t>segéd</a:t>
+            </a:r>
+            <a:r>
+              <a:rPr lang="en-US" dirty="0">
+                <a:solidFill>
+                  <a:srgbClr val="FFFFFF"/>
+                </a:solidFill>
+              </a:rPr>
+              <a:t> </a:t>
+            </a:r>
+            <a:r>
+              <a:rPr lang="en-US" dirty="0" err="1">
+                <a:solidFill>
+                  <a:srgbClr val="FFFFFF"/>
+                </a:solidFill>
+              </a:rPr>
+              <a:t>függvényeket</a:t>
+            </a:r>
+            <a:endParaRPr lang="en-US" dirty="0">
+              <a:solidFill>
+                <a:srgbClr val="FFFFFF"/>
+              </a:solidFill>
+            </a:endParaRPr>
+          </a:p>
+          <a:p>
+            <a:r>
+              <a:rPr lang="en-US" dirty="0" err="1">
+                <a:solidFill>
+                  <a:srgbClr val="FFFFFF"/>
+                </a:solidFill>
+              </a:rPr>
+              <a:t>Tornák</a:t>
+            </a:r>
+            <a:r>
+              <a:rPr lang="en-US" dirty="0">
+                <a:solidFill>
+                  <a:srgbClr val="FFFFFF"/>
+                </a:solidFill>
+              </a:rPr>
+              <a:t> </a:t>
+            </a:r>
+            <a:r>
+              <a:rPr lang="en-US" dirty="0" err="1">
+                <a:solidFill>
+                  <a:srgbClr val="FFFFFF"/>
+                </a:solidFill>
+              </a:rPr>
+              <a:t>tárolása</a:t>
+            </a:r>
+            <a:r>
+              <a:rPr lang="en-US" dirty="0">
+                <a:solidFill>
+                  <a:srgbClr val="FFFFFF"/>
+                </a:solidFill>
+              </a:rPr>
+              <a:t> JSON </a:t>
+            </a:r>
+            <a:r>
+              <a:rPr lang="en-US" dirty="0" err="1">
+                <a:solidFill>
+                  <a:srgbClr val="FFFFFF"/>
+                </a:solidFill>
+              </a:rPr>
+              <a:t>formátumban</a:t>
+            </a:r>
+            <a:r>
+              <a:rPr lang="en-US" dirty="0">
+                <a:solidFill>
+                  <a:srgbClr val="FFFFFF"/>
+                </a:solidFill>
+              </a:rPr>
+              <a:t> </a:t>
+            </a:r>
+            <a:r>
+              <a:rPr lang="en-US" dirty="0" err="1">
+                <a:solidFill>
+                  <a:srgbClr val="FFFFFF"/>
+                </a:solidFill>
+              </a:rPr>
+              <a:t>történik</a:t>
+            </a:r>
+            <a:r>
+              <a:rPr lang="en-US" dirty="0">
+                <a:solidFill>
+                  <a:srgbClr val="FFFFFF"/>
+                </a:solidFill>
+              </a:rPr>
+              <a:t> </a:t>
+            </a:r>
+            <a:r>
+              <a:rPr lang="en-US" dirty="0" err="1">
+                <a:solidFill>
+                  <a:srgbClr val="FFFFFF"/>
+                </a:solidFill>
+              </a:rPr>
+              <a:t>két</a:t>
+            </a:r>
+            <a:r>
+              <a:rPr lang="en-US" dirty="0">
+                <a:solidFill>
+                  <a:srgbClr val="FFFFFF"/>
+                </a:solidFill>
+              </a:rPr>
+              <a:t> </a:t>
+            </a:r>
+            <a:r>
+              <a:rPr lang="en-US" dirty="0" err="1">
+                <a:solidFill>
+                  <a:srgbClr val="FFFFFF"/>
+                </a:solidFill>
+              </a:rPr>
+              <a:t>futás</a:t>
+            </a:r>
+            <a:r>
+              <a:rPr lang="en-US" dirty="0">
+                <a:solidFill>
+                  <a:srgbClr val="FFFFFF"/>
+                </a:solidFill>
+              </a:rPr>
+              <a:t> </a:t>
+            </a:r>
+            <a:r>
+              <a:rPr lang="en-US" dirty="0" err="1">
+                <a:solidFill>
+                  <a:srgbClr val="FFFFFF"/>
+                </a:solidFill>
+              </a:rPr>
+              <a:t>között</a:t>
+            </a:r>
+            <a:endParaRPr lang="en-US" dirty="0">
+              <a:solidFill>
+                <a:srgbClr val="FFFFFF"/>
+              </a:solidFill>
+            </a:endParaRPr>
+          </a:p>
+          <a:p>
+            <a:r>
+              <a:rPr lang="en-US" dirty="0" err="1">
+                <a:solidFill>
+                  <a:srgbClr val="FFFFFF"/>
+                </a:solidFill>
+              </a:rPr>
+              <a:t>Saját</a:t>
+            </a:r>
+            <a:r>
+              <a:rPr lang="en-US" dirty="0">
+                <a:solidFill>
+                  <a:srgbClr val="FFFFFF"/>
+                </a:solidFill>
+              </a:rPr>
+              <a:t> </a:t>
+            </a:r>
+            <a:r>
+              <a:rPr lang="en-US" dirty="0" err="1">
+                <a:solidFill>
+                  <a:srgbClr val="FFFFFF"/>
+                </a:solidFill>
+              </a:rPr>
+              <a:t>megoldás</a:t>
+            </a:r>
+            <a:r>
+              <a:rPr lang="en-US" dirty="0">
+                <a:solidFill>
+                  <a:srgbClr val="FFFFFF"/>
+                </a:solidFill>
+              </a:rPr>
+              <a:t> </a:t>
+            </a:r>
+            <a:r>
+              <a:rPr lang="en-US" dirty="0" err="1">
+                <a:solidFill>
+                  <a:srgbClr val="FFFFFF"/>
+                </a:solidFill>
+              </a:rPr>
+              <a:t>szerializálásra</a:t>
+            </a:r>
+            <a:r>
+              <a:rPr lang="en-US" dirty="0">
+                <a:solidFill>
+                  <a:srgbClr val="FFFFFF"/>
+                </a:solidFill>
+              </a:rPr>
+              <a:t> </a:t>
+            </a:r>
+            <a:r>
+              <a:rPr lang="en-US" dirty="0" err="1">
+                <a:solidFill>
+                  <a:srgbClr val="FFFFFF"/>
+                </a:solidFill>
+              </a:rPr>
+              <a:t>és</a:t>
+            </a:r>
+            <a:r>
+              <a:rPr lang="en-US" dirty="0">
+                <a:solidFill>
+                  <a:srgbClr val="FFFFFF"/>
+                </a:solidFill>
+              </a:rPr>
+              <a:t> </a:t>
+            </a:r>
+            <a:r>
+              <a:rPr lang="en-US" dirty="0" err="1">
+                <a:solidFill>
+                  <a:srgbClr val="FFFFFF"/>
+                </a:solidFill>
+              </a:rPr>
+              <a:t>deszerializálásra</a:t>
+            </a:r>
+            <a:endParaRPr lang="en-US" dirty="0">
+              <a:solidFill>
+                <a:srgbClr val="FFFFFF"/>
+              </a:solidFill>
+            </a:endParaRPr>
+          </a:p>
+          <a:p>
+            <a:endParaRPr lang="en-US" dirty="0">
+              <a:solidFill>
+                <a:srgbClr val="FFFFFF"/>
+              </a:solidFill>
+            </a:endParaRPr>
+          </a:p>
+        </p:txBody>
+      </p:sp>
+      <p:pic>
+        <p:nvPicPr>
+          <p:cNvPr id="6" name="Content Placeholder 5">
+            <a:extLst>
+              <a:ext uri="{FF2B5EF4-FFF2-40B4-BE49-F238E27FC236}">
+                <a16:creationId xmlns:a16="http://schemas.microsoft.com/office/drawing/2014/main" id="{AF9E5B60-E9C9-9D28-39BA-3E91E268E8C8}"/>
+              </a:ext>
+            </a:extLst>
+          </p:cNvPr>
+          <p:cNvPicPr>
+            <a:picLocks noGrp="1" noChangeAspect="1"/>
+          </p:cNvPicPr>
+          <p:nvPr>
+            <p:ph sz="half" idx="2"/>
+          </p:nvPr>
+        </p:nvPicPr>
+        <p:blipFill>
+          <a:blip r:embed="rId3"/>
+          <a:stretch>
+            <a:fillRect/>
+          </a:stretch>
+        </p:blipFill>
+        <p:spPr>
+          <a:xfrm>
+            <a:off x="6758609" y="585716"/>
+            <a:ext cx="4333461" cy="5646205"/>
+          </a:xfrm>
+          <a:prstGeom prst="rect">
+            <a:avLst/>
+          </a:prstGeom>
+        </p:spPr>
+      </p:pic>
+    </p:spTree>
+    <p:extLst>
+      <p:ext uri="{BB962C8B-B14F-4D97-AF65-F5344CB8AC3E}">
+        <p14:creationId xmlns:p14="http://schemas.microsoft.com/office/powerpoint/2010/main" val="1237168981"/>
       </p:ext>
     </p:extLst>
   </p:cSld>

--- a/Documents/VR játék fejlesztés Rehabilitációs célra.pptx
+++ b/Documents/VR játék fejlesztés Rehabilitációs célra.pptx
@@ -5,21 +5,22 @@
     <p:sldMasterId id="2147483648" r:id="rId1"/>
   </p:sldMasterIdLst>
   <p:notesMasterIdLst>
-    <p:notesMasterId r:id="rId14"/>
+    <p:notesMasterId r:id="rId15"/>
   </p:notesMasterIdLst>
   <p:sldIdLst>
     <p:sldId id="256" r:id="rId2"/>
     <p:sldId id="257" r:id="rId3"/>
     <p:sldId id="258" r:id="rId4"/>
-    <p:sldId id="259" r:id="rId5"/>
-    <p:sldId id="261" r:id="rId6"/>
-    <p:sldId id="260" r:id="rId7"/>
-    <p:sldId id="265" r:id="rId8"/>
-    <p:sldId id="262" r:id="rId9"/>
-    <p:sldId id="263" r:id="rId10"/>
-    <p:sldId id="264" r:id="rId11"/>
-    <p:sldId id="267" r:id="rId12"/>
-    <p:sldId id="266" r:id="rId13"/>
+    <p:sldId id="268" r:id="rId5"/>
+    <p:sldId id="260" r:id="rId6"/>
+    <p:sldId id="261" r:id="rId7"/>
+    <p:sldId id="259" r:id="rId8"/>
+    <p:sldId id="263" r:id="rId9"/>
+    <p:sldId id="264" r:id="rId10"/>
+    <p:sldId id="269" r:id="rId11"/>
+    <p:sldId id="270" r:id="rId12"/>
+    <p:sldId id="271" r:id="rId13"/>
+    <p:sldId id="266" r:id="rId14"/>
   </p:sldIdLst>
   <p:sldSz cx="12192000" cy="6858000"/>
   <p:notesSz cx="6858000" cy="9144000"/>
@@ -211,7 +212,7 @@
           <a:p>
             <a:fld id="{E607EDDE-985B-45DD-8AAF-A871EDB748D2}" type="datetimeFigureOut">
               <a:rPr lang="hu-HU" smtClean="0"/>
-              <a:t>2023. 04. 16.</a:t>
+              <a:t>2023. 06. 14.</a:t>
             </a:fld>
             <a:endParaRPr lang="hu-HU"/>
           </a:p>
@@ -1329,31 +1330,55 @@
           <a:p>
             <a:r>
               <a:rPr lang="en-US" dirty="0" err="1"/>
-              <a:t>Minimális</a:t>
-            </a:r>
-            <a:r>
-              <a:rPr lang="en-US" dirty="0"/>
-              <a:t> </a:t>
-            </a:r>
-            <a:r>
-              <a:rPr lang="en-US" dirty="0" err="1"/>
-              <a:t>mennyiségű</a:t>
-            </a:r>
-            <a:r>
-              <a:rPr lang="en-US" dirty="0"/>
-              <a:t> </a:t>
-            </a:r>
-            <a:r>
-              <a:rPr lang="en-US" dirty="0" err="1"/>
-              <a:t>elemet</a:t>
-            </a:r>
-            <a:r>
-              <a:rPr lang="en-US" dirty="0"/>
-              <a:t> </a:t>
-            </a:r>
-            <a:r>
-              <a:rPr lang="en-US" dirty="0" err="1"/>
-              <a:t>tratalmaz</a:t>
+              <a:t>GearVR</a:t>
+            </a:r>
+            <a:r>
+              <a:rPr lang="en-US" dirty="0"/>
+              <a:t> </a:t>
+            </a:r>
+            <a:r>
+              <a:rPr lang="en-US" dirty="0" err="1"/>
+              <a:t>fizikálisan</a:t>
+            </a:r>
+            <a:r>
+              <a:rPr lang="en-US" dirty="0"/>
+              <a:t> </a:t>
+            </a:r>
+            <a:r>
+              <a:rPr lang="en-US" dirty="0" err="1"/>
+              <a:t>könnyű</a:t>
+            </a:r>
+            <a:r>
+              <a:rPr lang="en-US" dirty="0"/>
+              <a:t>, </a:t>
+            </a:r>
+            <a:r>
+              <a:rPr lang="en-US" dirty="0" err="1"/>
+              <a:t>könnyen</a:t>
+            </a:r>
+            <a:r>
+              <a:rPr lang="en-US" dirty="0"/>
+              <a:t> </a:t>
+            </a:r>
+            <a:r>
+              <a:rPr lang="en-US" dirty="0" err="1"/>
+              <a:t>lehet</a:t>
+            </a:r>
+            <a:r>
+              <a:rPr lang="en-US" dirty="0"/>
+              <a:t> </a:t>
+            </a:r>
+            <a:r>
+              <a:rPr lang="en-US" dirty="0" err="1"/>
+              <a:t>vele</a:t>
+            </a:r>
+            <a:r>
+              <a:rPr lang="en-US" dirty="0"/>
+              <a:t> </a:t>
+            </a:r>
+            <a:r>
+              <a:rPr lang="en-US" dirty="0" err="1"/>
+              <a:t>mozgatni</a:t>
             </a:r>
             <a:r>
               <a:rPr lang="en-US" dirty="0"/>
@@ -1361,7 +1386,125 @@
             </a:r>
             <a:r>
               <a:rPr lang="en-US" dirty="0" err="1"/>
-              <a:t>tér</a:t>
+              <a:t>fejet</a:t>
+            </a:r>
+            <a:r>
+              <a:rPr lang="en-US" dirty="0"/>
+              <a:t>, </a:t>
+            </a:r>
+            <a:r>
+              <a:rPr lang="en-US" dirty="0" err="1"/>
+              <a:t>nincs</a:t>
+            </a:r>
+            <a:r>
+              <a:rPr lang="en-US" dirty="0"/>
+              <a:t> </a:t>
+            </a:r>
+            <a:r>
+              <a:rPr lang="en-US" dirty="0" err="1"/>
+              <a:t>kábel</a:t>
+            </a:r>
+            <a:r>
+              <a:rPr lang="en-US" dirty="0"/>
+              <a:t> </a:t>
+            </a:r>
+            <a:r>
+              <a:rPr lang="en-US" dirty="0" err="1"/>
+              <a:t>ami</a:t>
+            </a:r>
+            <a:r>
+              <a:rPr lang="en-US" dirty="0"/>
+              <a:t> </a:t>
+            </a:r>
+            <a:r>
+              <a:rPr lang="en-US" dirty="0" err="1"/>
+              <a:t>akadályozzon</a:t>
+            </a:r>
+            <a:r>
+              <a:rPr lang="en-US" dirty="0"/>
+              <a:t>.</a:t>
+            </a:r>
+          </a:p>
+          <a:p>
+            <a:r>
+              <a:rPr lang="en-US" dirty="0"/>
+              <a:t>Unit engine – </a:t>
+            </a:r>
+            <a:r>
+              <a:rPr lang="en-US" dirty="0" err="1"/>
+              <a:t>könnyen</a:t>
+            </a:r>
+            <a:r>
+              <a:rPr lang="en-US" dirty="0"/>
+              <a:t> be </a:t>
+            </a:r>
+            <a:r>
+              <a:rPr lang="en-US" dirty="0" err="1"/>
+              <a:t>lehet</a:t>
+            </a:r>
+            <a:r>
+              <a:rPr lang="en-US" dirty="0"/>
+              <a:t> </a:t>
+            </a:r>
+            <a:r>
+              <a:rPr lang="en-US" dirty="0" err="1"/>
+              <a:t>álítnai</a:t>
+            </a:r>
+            <a:r>
+              <a:rPr lang="en-US" dirty="0"/>
+              <a:t> </a:t>
+            </a:r>
+            <a:r>
+              <a:rPr lang="en-US" dirty="0" err="1"/>
+              <a:t>hogy</a:t>
+            </a:r>
+            <a:r>
+              <a:rPr lang="en-US" dirty="0"/>
+              <a:t> </a:t>
+            </a:r>
+            <a:r>
+              <a:rPr lang="en-US" dirty="0" err="1"/>
+              <a:t>androidra</a:t>
+            </a:r>
+            <a:r>
+              <a:rPr lang="en-US" dirty="0"/>
+              <a:t> </a:t>
+            </a:r>
+            <a:r>
+              <a:rPr lang="en-US" dirty="0" err="1"/>
+              <a:t>vagy</a:t>
+            </a:r>
+            <a:r>
+              <a:rPr lang="en-US" dirty="0"/>
+              <a:t> </a:t>
+            </a:r>
+            <a:r>
+              <a:rPr lang="en-US" dirty="0" err="1"/>
+              <a:t>windowsra</a:t>
+            </a:r>
+            <a:r>
+              <a:rPr lang="en-US" dirty="0"/>
+              <a:t> </a:t>
+            </a:r>
+            <a:r>
+              <a:rPr lang="en-US" dirty="0" err="1"/>
+              <a:t>szeretnénk</a:t>
+            </a:r>
+            <a:r>
+              <a:rPr lang="en-US" dirty="0"/>
+              <a:t> </a:t>
+            </a:r>
+            <a:r>
+              <a:rPr lang="en-US" dirty="0" err="1"/>
+              <a:t>épp</a:t>
+            </a:r>
+            <a:r>
+              <a:rPr lang="en-US" dirty="0"/>
+              <a:t> </a:t>
+            </a:r>
+            <a:r>
+              <a:rPr lang="en-US" dirty="0" err="1"/>
+              <a:t>buildelni</a:t>
             </a:r>
             <a:r>
               <a:rPr lang="en-US" dirty="0"/>
@@ -1369,195 +1512,30 @@
             </a:r>
             <a:r>
               <a:rPr lang="en-US" dirty="0" err="1"/>
-              <a:t>teljesítmény</a:t>
-            </a:r>
-            <a:r>
-              <a:rPr lang="en-US" dirty="0"/>
-              <a:t> </a:t>
-            </a:r>
-            <a:r>
-              <a:rPr lang="en-US" dirty="0" err="1"/>
-              <a:t>növelése</a:t>
-            </a:r>
-            <a:r>
-              <a:rPr lang="en-US" dirty="0"/>
-              <a:t> </a:t>
-            </a:r>
-            <a:r>
-              <a:rPr lang="en-US" dirty="0" err="1"/>
-              <a:t>miatt</a:t>
-            </a:r>
-            <a:r>
-              <a:rPr lang="en-US" dirty="0"/>
-              <a:t>.</a:t>
-            </a:r>
-          </a:p>
-          <a:p>
-            <a:r>
-              <a:rPr lang="en-US" dirty="0" err="1"/>
-              <a:t>Akadozás</a:t>
-            </a:r>
-            <a:r>
-              <a:rPr lang="en-US" dirty="0"/>
-              <a:t> </a:t>
-            </a:r>
-            <a:r>
-              <a:rPr lang="en-US" dirty="0" err="1"/>
-              <a:t>rosszullétheze</a:t>
-            </a:r>
-            <a:r>
-              <a:rPr lang="en-US" dirty="0"/>
-              <a:t> </a:t>
-            </a:r>
-            <a:r>
-              <a:rPr lang="en-US" dirty="0" err="1"/>
-              <a:t>vezethet</a:t>
-            </a:r>
-            <a:r>
-              <a:rPr lang="en-US" dirty="0"/>
-              <a:t> VR </a:t>
-            </a:r>
-            <a:r>
-              <a:rPr lang="en-US" dirty="0" err="1"/>
-              <a:t>szemüveg</a:t>
-            </a:r>
-            <a:r>
-              <a:rPr lang="en-US" dirty="0"/>
-              <a:t> </a:t>
-            </a:r>
-            <a:r>
-              <a:rPr lang="en-US" dirty="0" err="1"/>
-              <a:t>használata</a:t>
-            </a:r>
-            <a:r>
-              <a:rPr lang="en-US" dirty="0"/>
-              <a:t> </a:t>
-            </a:r>
-            <a:r>
-              <a:rPr lang="en-US" dirty="0" err="1"/>
-              <a:t>közben</a:t>
-            </a:r>
-            <a:r>
-              <a:rPr lang="en-US" dirty="0"/>
-              <a:t>.</a:t>
-            </a:r>
-          </a:p>
-          <a:p>
-            <a:r>
-              <a:rPr lang="en-US" dirty="0" err="1"/>
-              <a:t>Midne</a:t>
-            </a:r>
-            <a:r>
-              <a:rPr lang="en-US" dirty="0"/>
-              <a:t> </a:t>
-            </a:r>
-            <a:r>
-              <a:rPr lang="en-US" dirty="0" err="1"/>
-              <a:t>objektumot</a:t>
-            </a:r>
-            <a:r>
-              <a:rPr lang="en-US" dirty="0"/>
-              <a:t> </a:t>
-            </a:r>
-            <a:r>
-              <a:rPr lang="en-US" dirty="0" err="1"/>
-              <a:t>kódbol</a:t>
-            </a:r>
-            <a:r>
-              <a:rPr lang="en-US" dirty="0"/>
-              <a:t> </a:t>
-            </a:r>
-            <a:r>
-              <a:rPr lang="en-US" dirty="0" err="1"/>
-              <a:t>hotunk</a:t>
-            </a:r>
-            <a:r>
-              <a:rPr lang="en-US" dirty="0"/>
-              <a:t> </a:t>
-            </a:r>
-            <a:r>
-              <a:rPr lang="en-US" dirty="0" err="1"/>
-              <a:t>létre</a:t>
-            </a:r>
-            <a:r>
-              <a:rPr lang="en-US" dirty="0"/>
-              <a:t> </a:t>
-            </a:r>
-            <a:r>
-              <a:rPr lang="en-US" dirty="0" err="1"/>
-              <a:t>és</a:t>
-            </a:r>
-            <a:r>
-              <a:rPr lang="en-US" dirty="0"/>
-              <a:t> </a:t>
-            </a:r>
-            <a:r>
-              <a:rPr lang="en-US" dirty="0" err="1"/>
-              <a:t>kódból</a:t>
-            </a:r>
-            <a:r>
-              <a:rPr lang="en-US" dirty="0"/>
-              <a:t> </a:t>
-            </a:r>
-            <a:r>
-              <a:rPr lang="en-US" dirty="0" err="1"/>
-              <a:t>törülnk</a:t>
-            </a:r>
-            <a:r>
-              <a:rPr lang="en-US" dirty="0"/>
-              <a:t>, cask </a:t>
-            </a:r>
-            <a:r>
-              <a:rPr lang="en-US" dirty="0" err="1"/>
-              <a:t>addig</a:t>
-            </a:r>
-            <a:r>
-              <a:rPr lang="en-US" dirty="0"/>
-              <a:t> </a:t>
-            </a:r>
-            <a:r>
-              <a:rPr lang="en-US" dirty="0" err="1"/>
-              <a:t>élnek</a:t>
-            </a:r>
-            <a:r>
-              <a:rPr lang="en-US" dirty="0"/>
-              <a:t> </a:t>
-            </a:r>
-            <a:r>
-              <a:rPr lang="en-US" dirty="0" err="1"/>
-              <a:t>az</a:t>
-            </a:r>
-            <a:r>
-              <a:rPr lang="en-US" dirty="0"/>
-              <a:t> </a:t>
-            </a:r>
-            <a:r>
-              <a:rPr lang="en-US" dirty="0" err="1"/>
-              <a:t>objektumok</a:t>
-            </a:r>
-            <a:r>
-              <a:rPr lang="en-US" dirty="0"/>
-              <a:t> </a:t>
-            </a:r>
-            <a:r>
-              <a:rPr lang="en-US" dirty="0" err="1"/>
-              <a:t>amíg</a:t>
-            </a:r>
-            <a:r>
-              <a:rPr lang="en-US" dirty="0"/>
-              <a:t> </a:t>
-            </a:r>
-            <a:r>
-              <a:rPr lang="en-US" dirty="0" err="1"/>
-              <a:t>szükség</a:t>
-            </a:r>
-            <a:r>
-              <a:rPr lang="en-US" dirty="0"/>
-              <a:t> van </a:t>
-            </a:r>
-            <a:r>
-              <a:rPr lang="en-US" dirty="0" err="1"/>
-              <a:t>rájuk</a:t>
+              <a:t>projektet</a:t>
+            </a:r>
+            <a:endParaRPr lang="en-US" dirty="0"/>
+          </a:p>
+          <a:p>
+            <a:r>
+              <a:rPr lang="en-US" dirty="0" err="1"/>
+              <a:t>Intelli</a:t>
+            </a:r>
+            <a:r>
+              <a:rPr lang="en-US" dirty="0"/>
+              <a:t> sense – </a:t>
+            </a:r>
+            <a:r>
+              <a:rPr lang="en-US" dirty="0" err="1"/>
+              <a:t>kód</a:t>
+            </a:r>
+            <a:r>
+              <a:rPr lang="en-US" dirty="0"/>
+              <a:t> </a:t>
+            </a:r>
+            <a:r>
+              <a:rPr lang="en-US" dirty="0" err="1"/>
+              <a:t>analizálás</a:t>
             </a:r>
             <a:r>
               <a:rPr lang="en-US" dirty="0"/>
@@ -1565,27 +1543,86 @@
             </a:r>
             <a:r>
               <a:rPr lang="en-US" dirty="0" err="1"/>
-              <a:t>szintén</a:t>
-            </a:r>
-            <a:r>
-              <a:rPr lang="en-US" dirty="0"/>
-              <a:t> a </a:t>
-            </a:r>
-            <a:r>
-              <a:rPr lang="en-US" dirty="0" err="1"/>
-              <a:t>teljesítmény</a:t>
-            </a:r>
-            <a:r>
-              <a:rPr lang="en-US" dirty="0"/>
-              <a:t> </a:t>
-            </a:r>
-            <a:r>
-              <a:rPr lang="en-US" dirty="0" err="1"/>
-              <a:t>miatt</a:t>
-            </a:r>
-            <a:r>
-              <a:rPr lang="en-US" dirty="0"/>
-              <a:t>.</a:t>
+              <a:t>kód</a:t>
+            </a:r>
+            <a:r>
+              <a:rPr lang="en-US" dirty="0"/>
+              <a:t> </a:t>
+            </a:r>
+            <a:r>
+              <a:rPr lang="en-US" dirty="0" err="1"/>
+              <a:t>kiegészítés</a:t>
+            </a:r>
+            <a:endParaRPr lang="en-US" dirty="0"/>
+          </a:p>
+          <a:p>
+            <a:r>
+              <a:rPr lang="en-US" dirty="0" err="1"/>
+              <a:t>Github</a:t>
+            </a:r>
+            <a:r>
+              <a:rPr lang="en-US" dirty="0"/>
+              <a:t> – </a:t>
+            </a:r>
+            <a:r>
+              <a:rPr lang="en-US" dirty="0" err="1"/>
+              <a:t>könnyen</a:t>
+            </a:r>
+            <a:r>
+              <a:rPr lang="en-US" dirty="0"/>
+              <a:t> </a:t>
+            </a:r>
+            <a:r>
+              <a:rPr lang="en-US" dirty="0" err="1"/>
+              <a:t>verziókezelhető</a:t>
+            </a:r>
+            <a:r>
+              <a:rPr lang="en-US" dirty="0"/>
+              <a:t> a projekt, </a:t>
+            </a:r>
+            <a:r>
+              <a:rPr lang="en-US" dirty="0" err="1"/>
+              <a:t>bármikor</a:t>
+            </a:r>
+            <a:r>
+              <a:rPr lang="en-US" dirty="0"/>
+              <a:t> </a:t>
+            </a:r>
+            <a:r>
+              <a:rPr lang="en-US" dirty="0" err="1"/>
+              <a:t>visszaforgatható</a:t>
+            </a:r>
+            <a:r>
+              <a:rPr lang="en-US" dirty="0"/>
+              <a:t> </a:t>
+            </a:r>
+            <a:r>
+              <a:rPr lang="en-US" dirty="0" err="1"/>
+              <a:t>egy</a:t>
+            </a:r>
+            <a:r>
+              <a:rPr lang="en-US" dirty="0"/>
+              <a:t> </a:t>
+            </a:r>
+            <a:r>
+              <a:rPr lang="en-US" dirty="0" err="1"/>
+              <a:t>változtatás</a:t>
+            </a:r>
+            <a:r>
+              <a:rPr lang="en-US" dirty="0"/>
+              <a:t> </a:t>
+            </a:r>
+            <a:r>
+              <a:rPr lang="en-US" dirty="0" err="1"/>
+              <a:t>korábbi</a:t>
+            </a:r>
+            <a:r>
+              <a:rPr lang="en-US" dirty="0"/>
+              <a:t> </a:t>
+            </a:r>
+            <a:r>
+              <a:rPr lang="en-US" dirty="0" err="1"/>
+              <a:t>verzióra</a:t>
             </a:r>
             <a:endParaRPr lang="hu-HU" dirty="0"/>
           </a:p>
@@ -1617,7 +1654,7 @@
     </p:spTree>
     <p:extLst>
       <p:ext uri="{BB962C8B-B14F-4D97-AF65-F5344CB8AC3E}">
-        <p14:creationId xmlns:p14="http://schemas.microsoft.com/office/powerpoint/2010/main" val="1152528107"/>
+        <p14:creationId xmlns:p14="http://schemas.microsoft.com/office/powerpoint/2010/main" val="3898475626"/>
       </p:ext>
     </p:extLst>
   </p:cSld>
@@ -1671,6 +1708,197 @@
           <a:bodyPr/>
           <a:lstStyle/>
           <a:p>
+            <a:r>
+              <a:rPr lang="en-US" dirty="0"/>
+              <a:t>Az </a:t>
+            </a:r>
+            <a:r>
+              <a:rPr lang="en-US" dirty="0" err="1"/>
+              <a:t>alkalmazás</a:t>
+            </a:r>
+            <a:r>
+              <a:rPr lang="en-US" dirty="0"/>
+              <a:t> </a:t>
+            </a:r>
+            <a:r>
+              <a:rPr lang="en-US" dirty="0" err="1"/>
+              <a:t>sárga</a:t>
+            </a:r>
+            <a:r>
+              <a:rPr lang="en-US" dirty="0"/>
+              <a:t> </a:t>
+            </a:r>
+            <a:r>
+              <a:rPr lang="en-US" dirty="0" err="1"/>
+              <a:t>gömbökkel</a:t>
+            </a:r>
+            <a:r>
+              <a:rPr lang="en-US" dirty="0"/>
+              <a:t> </a:t>
+            </a:r>
+            <a:r>
+              <a:rPr lang="en-US" dirty="0" err="1"/>
+              <a:t>vezet</a:t>
+            </a:r>
+            <a:r>
+              <a:rPr lang="en-US" dirty="0"/>
+              <a:t> </a:t>
+            </a:r>
+            <a:r>
+              <a:rPr lang="en-US" dirty="0" err="1"/>
+              <a:t>végig</a:t>
+            </a:r>
+            <a:r>
+              <a:rPr lang="en-US" dirty="0"/>
+              <a:t> a </a:t>
+            </a:r>
+            <a:r>
+              <a:rPr lang="en-US" dirty="0" err="1"/>
+              <a:t>gyakorlaton</a:t>
+            </a:r>
+            <a:r>
+              <a:rPr lang="en-US" dirty="0"/>
+              <a:t>, </a:t>
+            </a:r>
+            <a:r>
+              <a:rPr lang="en-US" dirty="0" err="1"/>
+              <a:t>amikor</a:t>
+            </a:r>
+            <a:r>
+              <a:rPr lang="en-US" dirty="0"/>
+              <a:t> </a:t>
+            </a:r>
+            <a:r>
+              <a:rPr lang="en-US" dirty="0" err="1"/>
+              <a:t>ránézünk</a:t>
+            </a:r>
+            <a:r>
+              <a:rPr lang="en-US" dirty="0"/>
+              <a:t> </a:t>
+            </a:r>
+            <a:r>
+              <a:rPr lang="en-US" dirty="0" err="1"/>
+              <a:t>egy</a:t>
+            </a:r>
+            <a:r>
+              <a:rPr lang="en-US" dirty="0"/>
+              <a:t> </a:t>
+            </a:r>
+            <a:r>
+              <a:rPr lang="en-US" dirty="0" err="1"/>
+              <a:t>gömbre</a:t>
+            </a:r>
+            <a:r>
+              <a:rPr lang="en-US" dirty="0"/>
+              <a:t>, </a:t>
+            </a:r>
+            <a:r>
+              <a:rPr lang="en-US" dirty="0" err="1"/>
+              <a:t>megjelenik</a:t>
+            </a:r>
+            <a:r>
+              <a:rPr lang="en-US" dirty="0"/>
+              <a:t> a </a:t>
+            </a:r>
+            <a:r>
+              <a:rPr lang="en-US" dirty="0" err="1"/>
+              <a:t>következő</a:t>
+            </a:r>
+            <a:endParaRPr lang="en-US" dirty="0"/>
+          </a:p>
+          <a:p>
+            <a:r>
+              <a:rPr lang="en-US" dirty="0" err="1"/>
+              <a:t>Gyakorlat</a:t>
+            </a:r>
+            <a:r>
+              <a:rPr lang="en-US" dirty="0"/>
+              <a:t> </a:t>
+            </a:r>
+            <a:r>
+              <a:rPr lang="en-US" dirty="0" err="1"/>
+              <a:t>készítőben</a:t>
+            </a:r>
+            <a:r>
+              <a:rPr lang="en-US" dirty="0"/>
+              <a:t> </a:t>
+            </a:r>
+            <a:r>
+              <a:rPr lang="en-US" dirty="0" err="1"/>
+              <a:t>sárga</a:t>
+            </a:r>
+            <a:r>
+              <a:rPr lang="en-US" dirty="0"/>
+              <a:t> </a:t>
+            </a:r>
+            <a:r>
+              <a:rPr lang="en-US" dirty="0" err="1"/>
+              <a:t>gömböket</a:t>
+            </a:r>
+            <a:r>
+              <a:rPr lang="en-US" dirty="0"/>
+              <a:t> </a:t>
+            </a:r>
+            <a:r>
+              <a:rPr lang="en-US" dirty="0" err="1"/>
+              <a:t>tudunk</a:t>
+            </a:r>
+            <a:r>
+              <a:rPr lang="en-US" dirty="0"/>
+              <a:t> </a:t>
+            </a:r>
+            <a:r>
+              <a:rPr lang="en-US" dirty="0" err="1"/>
+              <a:t>elhelyezni</a:t>
+            </a:r>
+            <a:r>
+              <a:rPr lang="en-US" dirty="0"/>
+              <a:t>, a </a:t>
+            </a:r>
+            <a:r>
+              <a:rPr lang="en-US" dirty="0" err="1"/>
+              <a:t>mentés</a:t>
+            </a:r>
+            <a:r>
+              <a:rPr lang="en-US" dirty="0"/>
+              <a:t> </a:t>
+            </a:r>
+            <a:r>
+              <a:rPr lang="en-US" dirty="0" err="1"/>
+              <a:t>és</a:t>
+            </a:r>
+            <a:r>
+              <a:rPr lang="en-US" dirty="0"/>
+              <a:t> </a:t>
+            </a:r>
+            <a:r>
+              <a:rPr lang="en-US" dirty="0" err="1"/>
+              <a:t>kilépés</a:t>
+            </a:r>
+            <a:r>
+              <a:rPr lang="en-US" dirty="0"/>
+              <a:t> </a:t>
+            </a:r>
+            <a:r>
+              <a:rPr lang="en-US" dirty="0" err="1"/>
+              <a:t>gomb</a:t>
+            </a:r>
+            <a:r>
+              <a:rPr lang="en-US" dirty="0"/>
+              <a:t> menu </a:t>
+            </a:r>
+            <a:r>
+              <a:rPr lang="en-US" dirty="0" err="1"/>
+              <a:t>elemként</a:t>
+            </a:r>
+            <a:r>
+              <a:rPr lang="en-US" dirty="0"/>
+              <a:t> </a:t>
+            </a:r>
+            <a:r>
+              <a:rPr lang="en-US" dirty="0" err="1"/>
+              <a:t>működik</a:t>
+            </a:r>
             <a:endParaRPr lang="hu-HU" dirty="0"/>
           </a:p>
         </p:txBody>
@@ -1701,7 +1929,7 @@
     </p:spTree>
     <p:extLst>
       <p:ext uri="{BB962C8B-B14F-4D97-AF65-F5344CB8AC3E}">
-        <p14:creationId xmlns:p14="http://schemas.microsoft.com/office/powerpoint/2010/main" val="2473161573"/>
+        <p14:creationId xmlns:p14="http://schemas.microsoft.com/office/powerpoint/2010/main" val="36915051"/>
       </p:ext>
     </p:extLst>
   </p:cSld>
@@ -1756,183 +1984,36 @@
           <a:lstStyle/>
           <a:p>
             <a:r>
-              <a:rPr lang="en-US" dirty="0" err="1"/>
-              <a:t>Torna</a:t>
-            </a:r>
-            <a:r>
-              <a:rPr lang="en-US" dirty="0"/>
-              <a:t> </a:t>
-            </a:r>
-            <a:r>
-              <a:rPr lang="en-US" dirty="0" err="1"/>
-              <a:t>készítő</a:t>
-            </a:r>
-            <a:r>
-              <a:rPr lang="en-US" dirty="0"/>
-              <a:t> </a:t>
-            </a:r>
-            <a:r>
-              <a:rPr lang="en-US" dirty="0" err="1"/>
-              <a:t>módban</a:t>
-            </a:r>
-            <a:r>
-              <a:rPr lang="en-US" dirty="0"/>
-              <a:t> le </a:t>
-            </a:r>
-            <a:r>
-              <a:rPr lang="en-US" dirty="0" err="1"/>
-              <a:t>tudunk</a:t>
-            </a:r>
-            <a:r>
-              <a:rPr lang="en-US" dirty="0"/>
-              <a:t> </a:t>
-            </a:r>
-            <a:r>
-              <a:rPr lang="en-US" dirty="0" err="1"/>
-              <a:t>rakni</a:t>
-            </a:r>
-            <a:r>
-              <a:rPr lang="en-US" dirty="0"/>
-              <a:t> </a:t>
-            </a:r>
-            <a:r>
-              <a:rPr lang="en-US" dirty="0" err="1"/>
-              <a:t>sárga</a:t>
-            </a:r>
-            <a:r>
-              <a:rPr lang="en-US" dirty="0"/>
-              <a:t> </a:t>
-            </a:r>
-            <a:r>
-              <a:rPr lang="en-US" dirty="0" err="1"/>
-              <a:t>gömböket</a:t>
-            </a:r>
-            <a:r>
-              <a:rPr lang="en-US" dirty="0"/>
-              <a:t>, </a:t>
-            </a:r>
-            <a:r>
-              <a:rPr lang="en-US" dirty="0" err="1"/>
-              <a:t>amilyen</a:t>
-            </a:r>
-            <a:r>
-              <a:rPr lang="en-US" dirty="0"/>
-              <a:t> </a:t>
-            </a:r>
-            <a:r>
-              <a:rPr lang="en-US" dirty="0" err="1"/>
-              <a:t>sorrendben</a:t>
-            </a:r>
-            <a:r>
-              <a:rPr lang="en-US" dirty="0"/>
-              <a:t> </a:t>
-            </a:r>
-            <a:r>
-              <a:rPr lang="en-US" dirty="0" err="1"/>
-              <a:t>tesszük</a:t>
-            </a:r>
-            <a:r>
-              <a:rPr lang="en-US" dirty="0"/>
-              <a:t> le </a:t>
-            </a:r>
-            <a:r>
-              <a:rPr lang="en-US" dirty="0" err="1"/>
-              <a:t>őket</a:t>
-            </a:r>
-            <a:r>
-              <a:rPr lang="en-US" dirty="0"/>
-              <a:t> </a:t>
-            </a:r>
-            <a:r>
-              <a:rPr lang="en-US" dirty="0" err="1"/>
-              <a:t>olyan</a:t>
-            </a:r>
-            <a:r>
-              <a:rPr lang="en-US" dirty="0"/>
-              <a:t> </a:t>
-            </a:r>
-            <a:r>
-              <a:rPr lang="en-US" dirty="0" err="1"/>
-              <a:t>sorrendben</a:t>
-            </a:r>
-            <a:r>
-              <a:rPr lang="en-US" dirty="0"/>
-              <a:t> </a:t>
-            </a:r>
-            <a:r>
-              <a:rPr lang="en-US" dirty="0" err="1"/>
-              <a:t>fognak</a:t>
-            </a:r>
-            <a:r>
-              <a:rPr lang="en-US" dirty="0"/>
-              <a:t> </a:t>
-            </a:r>
-            <a:r>
-              <a:rPr lang="en-US" dirty="0" err="1"/>
-              <a:t>megjelenni</a:t>
-            </a:r>
-            <a:r>
-              <a:rPr lang="en-US" dirty="0"/>
-              <a:t> </a:t>
-            </a:r>
-            <a:r>
-              <a:rPr lang="en-US" dirty="0" err="1"/>
-              <a:t>torna</a:t>
-            </a:r>
-            <a:r>
-              <a:rPr lang="en-US" dirty="0"/>
-              <a:t> </a:t>
-            </a:r>
-            <a:r>
-              <a:rPr lang="en-US" dirty="0" err="1"/>
-              <a:t>közben</a:t>
-            </a:r>
-            <a:endParaRPr lang="en-US" dirty="0"/>
-          </a:p>
-          <a:p>
-            <a:r>
-              <a:rPr lang="en-US" dirty="0" err="1"/>
-              <a:t>Raycast</a:t>
-            </a:r>
-            <a:r>
-              <a:rPr lang="en-US" dirty="0"/>
-              <a:t> </a:t>
-            </a:r>
-            <a:r>
-              <a:rPr lang="en-US" dirty="0" err="1"/>
-              <a:t>segítségével</a:t>
-            </a:r>
-            <a:r>
-              <a:rPr lang="en-US" dirty="0"/>
-              <a:t> </a:t>
-            </a:r>
-            <a:r>
-              <a:rPr lang="en-US" dirty="0" err="1"/>
-              <a:t>működik</a:t>
-            </a:r>
-            <a:r>
-              <a:rPr lang="en-US" dirty="0"/>
-              <a:t> a </a:t>
-            </a:r>
-            <a:r>
-              <a:rPr lang="en-US" dirty="0" err="1"/>
-              <a:t>kilépés</a:t>
-            </a:r>
-            <a:r>
-              <a:rPr lang="en-US" dirty="0"/>
-              <a:t> </a:t>
-            </a:r>
-            <a:r>
-              <a:rPr lang="en-US" dirty="0" err="1"/>
-              <a:t>és</a:t>
-            </a:r>
-            <a:r>
-              <a:rPr lang="en-US" dirty="0"/>
-              <a:t> </a:t>
-            </a:r>
-            <a:r>
-              <a:rPr lang="en-US" dirty="0" err="1"/>
-              <a:t>mentés</a:t>
+              <a:rPr lang="en-US" dirty="0"/>
+              <a:t>Minden </a:t>
+            </a:r>
+            <a:r>
+              <a:rPr lang="en-US" dirty="0" err="1"/>
+              <a:t>objektumhoz</a:t>
+            </a:r>
+            <a:r>
+              <a:rPr lang="en-US" dirty="0"/>
+              <a:t> </a:t>
+            </a:r>
+            <a:r>
+              <a:rPr lang="en-US" dirty="0" err="1"/>
+              <a:t>elmentünk</a:t>
+            </a:r>
+            <a:r>
+              <a:rPr lang="en-US" dirty="0"/>
+              <a:t> </a:t>
+            </a:r>
+            <a:r>
+              <a:rPr lang="en-US" dirty="0" err="1"/>
+              <a:t>egy</a:t>
+            </a:r>
+            <a:r>
+              <a:rPr lang="en-US" dirty="0"/>
+              <a:t> </a:t>
+            </a:r>
+            <a:r>
+              <a:rPr lang="en-US" dirty="0" err="1"/>
+              <a:t>referenciát</a:t>
             </a:r>
             <a:endParaRPr lang="hu-HU" dirty="0"/>
           </a:p>
@@ -1964,7 +2045,7 @@
     </p:spTree>
     <p:extLst>
       <p:ext uri="{BB962C8B-B14F-4D97-AF65-F5344CB8AC3E}">
-        <p14:creationId xmlns:p14="http://schemas.microsoft.com/office/powerpoint/2010/main" val="36915051"/>
+        <p14:creationId xmlns:p14="http://schemas.microsoft.com/office/powerpoint/2010/main" val="2473161573"/>
       </p:ext>
     </p:extLst>
   </p:cSld>
@@ -2018,6 +2099,266 @@
           <a:bodyPr/>
           <a:lstStyle/>
           <a:p>
+            <a:r>
+              <a:rPr lang="en-US" dirty="0" err="1"/>
+              <a:t>Minimális</a:t>
+            </a:r>
+            <a:r>
+              <a:rPr lang="en-US" dirty="0"/>
+              <a:t> </a:t>
+            </a:r>
+            <a:r>
+              <a:rPr lang="en-US" dirty="0" err="1"/>
+              <a:t>mennyiségű</a:t>
+            </a:r>
+            <a:r>
+              <a:rPr lang="en-US" dirty="0"/>
+              <a:t> </a:t>
+            </a:r>
+            <a:r>
+              <a:rPr lang="en-US" dirty="0" err="1"/>
+              <a:t>elemet</a:t>
+            </a:r>
+            <a:r>
+              <a:rPr lang="en-US" dirty="0"/>
+              <a:t> </a:t>
+            </a:r>
+            <a:r>
+              <a:rPr lang="en-US" dirty="0" err="1"/>
+              <a:t>tratalmaz</a:t>
+            </a:r>
+            <a:r>
+              <a:rPr lang="en-US" dirty="0"/>
+              <a:t> a </a:t>
+            </a:r>
+            <a:r>
+              <a:rPr lang="en-US" dirty="0" err="1"/>
+              <a:t>tér</a:t>
+            </a:r>
+            <a:r>
+              <a:rPr lang="en-US" dirty="0"/>
+              <a:t> a </a:t>
+            </a:r>
+            <a:r>
+              <a:rPr lang="en-US" dirty="0" err="1"/>
+              <a:t>teljesítmény</a:t>
+            </a:r>
+            <a:r>
+              <a:rPr lang="en-US" dirty="0"/>
+              <a:t> </a:t>
+            </a:r>
+            <a:r>
+              <a:rPr lang="en-US" dirty="0" err="1"/>
+              <a:t>növelése</a:t>
+            </a:r>
+            <a:r>
+              <a:rPr lang="en-US" dirty="0"/>
+              <a:t> </a:t>
+            </a:r>
+            <a:r>
+              <a:rPr lang="en-US" dirty="0" err="1"/>
+              <a:t>miatt</a:t>
+            </a:r>
+            <a:r>
+              <a:rPr lang="en-US" dirty="0"/>
+              <a:t>.</a:t>
+            </a:r>
+          </a:p>
+          <a:p>
+            <a:r>
+              <a:rPr lang="en-US" dirty="0" err="1"/>
+              <a:t>Akadozás</a:t>
+            </a:r>
+            <a:r>
+              <a:rPr lang="en-US" dirty="0"/>
+              <a:t> </a:t>
+            </a:r>
+            <a:r>
+              <a:rPr lang="en-US" dirty="0" err="1"/>
+              <a:t>rosszullétheze</a:t>
+            </a:r>
+            <a:r>
+              <a:rPr lang="en-US" dirty="0"/>
+              <a:t> </a:t>
+            </a:r>
+            <a:r>
+              <a:rPr lang="en-US" dirty="0" err="1"/>
+              <a:t>vezethet</a:t>
+            </a:r>
+            <a:r>
+              <a:rPr lang="en-US" dirty="0"/>
+              <a:t> VR </a:t>
+            </a:r>
+            <a:r>
+              <a:rPr lang="en-US" dirty="0" err="1"/>
+              <a:t>szemüveg</a:t>
+            </a:r>
+            <a:r>
+              <a:rPr lang="en-US" dirty="0"/>
+              <a:t> </a:t>
+            </a:r>
+            <a:r>
+              <a:rPr lang="en-US" dirty="0" err="1"/>
+              <a:t>használata</a:t>
+            </a:r>
+            <a:r>
+              <a:rPr lang="en-US" dirty="0"/>
+              <a:t> </a:t>
+            </a:r>
+            <a:r>
+              <a:rPr lang="en-US" dirty="0" err="1"/>
+              <a:t>közben</a:t>
+            </a:r>
+            <a:r>
+              <a:rPr lang="en-US" dirty="0"/>
+              <a:t>.</a:t>
+            </a:r>
+          </a:p>
+          <a:p>
+            <a:r>
+              <a:rPr lang="en-US" dirty="0" err="1"/>
+              <a:t>Midne</a:t>
+            </a:r>
+            <a:r>
+              <a:rPr lang="en-US" dirty="0"/>
+              <a:t> </a:t>
+            </a:r>
+            <a:r>
+              <a:rPr lang="en-US" dirty="0" err="1"/>
+              <a:t>objektumot</a:t>
+            </a:r>
+            <a:r>
+              <a:rPr lang="en-US" dirty="0"/>
+              <a:t> </a:t>
+            </a:r>
+            <a:r>
+              <a:rPr lang="en-US" dirty="0" err="1"/>
+              <a:t>kódbol</a:t>
+            </a:r>
+            <a:r>
+              <a:rPr lang="en-US" dirty="0"/>
+              <a:t> </a:t>
+            </a:r>
+            <a:r>
+              <a:rPr lang="en-US" dirty="0" err="1"/>
+              <a:t>hotunk</a:t>
+            </a:r>
+            <a:r>
+              <a:rPr lang="en-US" dirty="0"/>
+              <a:t> </a:t>
+            </a:r>
+            <a:r>
+              <a:rPr lang="en-US" dirty="0" err="1"/>
+              <a:t>létre</a:t>
+            </a:r>
+            <a:r>
+              <a:rPr lang="en-US" dirty="0"/>
+              <a:t> </a:t>
+            </a:r>
+            <a:r>
+              <a:rPr lang="en-US" dirty="0" err="1"/>
+              <a:t>és</a:t>
+            </a:r>
+            <a:r>
+              <a:rPr lang="en-US" dirty="0"/>
+              <a:t> </a:t>
+            </a:r>
+            <a:r>
+              <a:rPr lang="en-US" dirty="0" err="1"/>
+              <a:t>kódból</a:t>
+            </a:r>
+            <a:r>
+              <a:rPr lang="en-US" dirty="0"/>
+              <a:t> </a:t>
+            </a:r>
+            <a:r>
+              <a:rPr lang="en-US" dirty="0" err="1"/>
+              <a:t>törülnk</a:t>
+            </a:r>
+            <a:r>
+              <a:rPr lang="en-US" dirty="0"/>
+              <a:t>, cask </a:t>
+            </a:r>
+            <a:r>
+              <a:rPr lang="en-US" dirty="0" err="1"/>
+              <a:t>addig</a:t>
+            </a:r>
+            <a:r>
+              <a:rPr lang="en-US" dirty="0"/>
+              <a:t> </a:t>
+            </a:r>
+            <a:r>
+              <a:rPr lang="en-US" dirty="0" err="1"/>
+              <a:t>élnek</a:t>
+            </a:r>
+            <a:r>
+              <a:rPr lang="en-US" dirty="0"/>
+              <a:t> </a:t>
+            </a:r>
+            <a:r>
+              <a:rPr lang="en-US" dirty="0" err="1"/>
+              <a:t>az</a:t>
+            </a:r>
+            <a:r>
+              <a:rPr lang="en-US" dirty="0"/>
+              <a:t> </a:t>
+            </a:r>
+            <a:r>
+              <a:rPr lang="en-US" dirty="0" err="1"/>
+              <a:t>objektumok</a:t>
+            </a:r>
+            <a:r>
+              <a:rPr lang="en-US" dirty="0"/>
+              <a:t> </a:t>
+            </a:r>
+            <a:r>
+              <a:rPr lang="en-US" dirty="0" err="1"/>
+              <a:t>amíg</a:t>
+            </a:r>
+            <a:r>
+              <a:rPr lang="en-US" dirty="0"/>
+              <a:t> </a:t>
+            </a:r>
+            <a:r>
+              <a:rPr lang="en-US" dirty="0" err="1"/>
+              <a:t>szükség</a:t>
+            </a:r>
+            <a:r>
+              <a:rPr lang="en-US" dirty="0"/>
+              <a:t> van </a:t>
+            </a:r>
+            <a:r>
+              <a:rPr lang="en-US" dirty="0" err="1"/>
+              <a:t>rájuk</a:t>
+            </a:r>
+            <a:r>
+              <a:rPr lang="en-US" dirty="0"/>
+              <a:t>, </a:t>
+            </a:r>
+            <a:r>
+              <a:rPr lang="en-US" dirty="0" err="1"/>
+              <a:t>szintén</a:t>
+            </a:r>
+            <a:r>
+              <a:rPr lang="en-US" dirty="0"/>
+              <a:t> a </a:t>
+            </a:r>
+            <a:r>
+              <a:rPr lang="en-US" dirty="0" err="1"/>
+              <a:t>teljesítmény</a:t>
+            </a:r>
+            <a:r>
+              <a:rPr lang="en-US" dirty="0"/>
+              <a:t> </a:t>
+            </a:r>
+            <a:r>
+              <a:rPr lang="en-US" dirty="0" err="1"/>
+              <a:t>miatt</a:t>
+            </a:r>
+            <a:r>
+              <a:rPr lang="en-US" dirty="0"/>
+              <a:t>.</a:t>
+            </a:r>
             <a:endParaRPr lang="hu-HU" dirty="0"/>
           </a:p>
         </p:txBody>
@@ -2039,7 +2380,7 @@
           <a:p>
             <a:fld id="{649CD952-E1BE-4584-8273-46BA2869E6E0}" type="slidenum">
               <a:rPr lang="hu-HU" smtClean="0"/>
-              <a:t>8</a:t>
+              <a:t>7</a:t>
             </a:fld>
             <a:endParaRPr lang="hu-HU"/>
           </a:p>
@@ -2048,7 +2389,7 @@
     </p:spTree>
     <p:extLst>
       <p:ext uri="{BB962C8B-B14F-4D97-AF65-F5344CB8AC3E}">
-        <p14:creationId xmlns:p14="http://schemas.microsoft.com/office/powerpoint/2010/main" val="206988656"/>
+        <p14:creationId xmlns:p14="http://schemas.microsoft.com/office/powerpoint/2010/main" val="1152528107"/>
       </p:ext>
     </p:extLst>
   </p:cSld>
@@ -2102,6 +2443,221 @@
           <a:bodyPr/>
           <a:lstStyle/>
           <a:p>
+            <a:r>
+              <a:rPr lang="en-US" dirty="0"/>
+              <a:t>JSON </a:t>
+            </a:r>
+            <a:r>
+              <a:rPr lang="en-US" dirty="0" err="1"/>
+              <a:t>fájlt</a:t>
+            </a:r>
+            <a:r>
+              <a:rPr lang="en-US" dirty="0"/>
+              <a:t> </a:t>
+            </a:r>
+            <a:r>
+              <a:rPr lang="en-US" dirty="0" err="1"/>
+              <a:t>könnyen</a:t>
+            </a:r>
+            <a:r>
+              <a:rPr lang="en-US" dirty="0"/>
+              <a:t> </a:t>
+            </a:r>
+            <a:r>
+              <a:rPr lang="en-US" dirty="0" err="1"/>
+              <a:t>lehet</a:t>
+            </a:r>
+            <a:r>
+              <a:rPr lang="en-US" dirty="0"/>
+              <a:t> </a:t>
+            </a:r>
+            <a:r>
+              <a:rPr lang="en-US" dirty="0" err="1"/>
+              <a:t>másolni</a:t>
+            </a:r>
+            <a:r>
+              <a:rPr lang="en-US" dirty="0"/>
+              <a:t> </a:t>
+            </a:r>
+            <a:r>
+              <a:rPr lang="en-US" dirty="0" err="1"/>
+              <a:t>eszközök</a:t>
+            </a:r>
+            <a:r>
+              <a:rPr lang="en-US" dirty="0"/>
+              <a:t> </a:t>
+            </a:r>
+            <a:r>
+              <a:rPr lang="en-US" dirty="0" err="1"/>
+              <a:t>között</a:t>
+            </a:r>
+            <a:endParaRPr lang="en-US" dirty="0"/>
+          </a:p>
+          <a:p>
+            <a:r>
+              <a:rPr lang="en-US" dirty="0" err="1"/>
+              <a:t>Mivel</a:t>
+            </a:r>
+            <a:r>
+              <a:rPr lang="en-US" dirty="0"/>
+              <a:t> </a:t>
+            </a:r>
+            <a:r>
+              <a:rPr lang="en-US" dirty="0" err="1"/>
+              <a:t>csak</a:t>
+            </a:r>
+            <a:r>
+              <a:rPr lang="en-US" dirty="0"/>
+              <a:t> </a:t>
+            </a:r>
+            <a:r>
+              <a:rPr lang="en-US" dirty="0" err="1"/>
+              <a:t>egy</a:t>
+            </a:r>
+            <a:r>
+              <a:rPr lang="en-US" dirty="0"/>
+              <a:t> </a:t>
+            </a:r>
+            <a:r>
+              <a:rPr lang="en-US" dirty="0" err="1"/>
+              <a:t>típust</a:t>
+            </a:r>
+            <a:r>
+              <a:rPr lang="en-US" dirty="0"/>
+              <a:t> </a:t>
+            </a:r>
+            <a:r>
+              <a:rPr lang="en-US" dirty="0" err="1"/>
+              <a:t>kell</a:t>
+            </a:r>
+            <a:r>
+              <a:rPr lang="en-US" dirty="0"/>
+              <a:t> </a:t>
+            </a:r>
+            <a:r>
+              <a:rPr lang="en-US" dirty="0" err="1"/>
+              <a:t>támogatnia</a:t>
+            </a:r>
+            <a:r>
+              <a:rPr lang="en-US" dirty="0"/>
+              <a:t> a szerializáló </a:t>
+            </a:r>
+            <a:r>
+              <a:rPr lang="en-US" dirty="0" err="1"/>
+              <a:t>és</a:t>
+            </a:r>
+            <a:r>
+              <a:rPr lang="en-US" dirty="0"/>
+              <a:t> deszerializáló </a:t>
+            </a:r>
+            <a:r>
+              <a:rPr lang="en-US" dirty="0" err="1"/>
+              <a:t>függvénynek</a:t>
+            </a:r>
+            <a:r>
+              <a:rPr lang="en-US" dirty="0"/>
+              <a:t> (vector </a:t>
+            </a:r>
+            <a:r>
+              <a:rPr lang="en-US" dirty="0" err="1"/>
+              <a:t>lista</a:t>
+            </a:r>
+            <a:r>
+              <a:rPr lang="en-US" dirty="0"/>
+              <a:t>), </a:t>
+            </a:r>
+            <a:r>
+              <a:rPr lang="en-US" dirty="0" err="1"/>
+              <a:t>ezért</a:t>
+            </a:r>
+            <a:r>
+              <a:rPr lang="en-US" dirty="0"/>
+              <a:t> </a:t>
+            </a:r>
+            <a:r>
+              <a:rPr lang="en-US" dirty="0" err="1"/>
+              <a:t>saját</a:t>
+            </a:r>
+            <a:r>
+              <a:rPr lang="en-US" dirty="0"/>
+              <a:t> </a:t>
+            </a:r>
+            <a:r>
+              <a:rPr lang="en-US" dirty="0" err="1"/>
+              <a:t>megoldást</a:t>
+            </a:r>
+            <a:r>
+              <a:rPr lang="en-US" dirty="0"/>
+              <a:t> </a:t>
+            </a:r>
+            <a:r>
+              <a:rPr lang="en-US" dirty="0" err="1"/>
+              <a:t>készítettem</a:t>
+            </a:r>
+            <a:r>
+              <a:rPr lang="en-US" dirty="0"/>
+              <a:t>, </a:t>
+            </a:r>
+            <a:r>
+              <a:rPr lang="en-US" dirty="0" err="1"/>
+              <a:t>lényegesen</a:t>
+            </a:r>
+            <a:r>
+              <a:rPr lang="en-US" dirty="0"/>
+              <a:t> </a:t>
+            </a:r>
+            <a:r>
+              <a:rPr lang="en-US" dirty="0" err="1"/>
+              <a:t>gyorsabb</a:t>
+            </a:r>
+            <a:r>
+              <a:rPr lang="en-US" dirty="0"/>
+              <a:t> mint </a:t>
+            </a:r>
+            <a:r>
+              <a:rPr lang="en-US" dirty="0" err="1"/>
+              <a:t>külső</a:t>
+            </a:r>
+            <a:r>
+              <a:rPr lang="en-US" dirty="0"/>
+              <a:t> </a:t>
+            </a:r>
+            <a:r>
+              <a:rPr lang="en-US" dirty="0" err="1"/>
+              <a:t>könyvtár</a:t>
+            </a:r>
+            <a:r>
+              <a:rPr lang="en-US" dirty="0"/>
+              <a:t>, </a:t>
+            </a:r>
+            <a:r>
+              <a:rPr lang="en-US" dirty="0" err="1"/>
+              <a:t>és</a:t>
+            </a:r>
+            <a:r>
+              <a:rPr lang="en-US" dirty="0"/>
+              <a:t> </a:t>
+            </a:r>
+            <a:r>
+              <a:rPr lang="en-US" dirty="0" err="1"/>
+              <a:t>kevesebb</a:t>
+            </a:r>
+            <a:r>
+              <a:rPr lang="en-US" dirty="0"/>
+              <a:t> </a:t>
+            </a:r>
+            <a:r>
+              <a:rPr lang="en-US" dirty="0" err="1"/>
+              <a:t>helyet</a:t>
+            </a:r>
+            <a:r>
+              <a:rPr lang="en-US" dirty="0"/>
+              <a:t> </a:t>
+            </a:r>
+            <a:r>
+              <a:rPr lang="en-US" dirty="0" err="1"/>
+              <a:t>foglal</a:t>
+            </a:r>
             <a:endParaRPr lang="hu-HU" dirty="0"/>
           </a:p>
         </p:txBody>
@@ -2123,7 +2679,7 @@
           <a:p>
             <a:fld id="{649CD952-E1BE-4584-8273-46BA2869E6E0}" type="slidenum">
               <a:rPr lang="hu-HU" smtClean="0"/>
-              <a:t>9</a:t>
+              <a:t>8</a:t>
             </a:fld>
             <a:endParaRPr lang="hu-HU"/>
           </a:p>
@@ -2133,6 +2689,90 @@
     <p:extLst>
       <p:ext uri="{BB962C8B-B14F-4D97-AF65-F5344CB8AC3E}">
         <p14:creationId xmlns:p14="http://schemas.microsoft.com/office/powerpoint/2010/main" val="4053725104"/>
+      </p:ext>
+    </p:extLst>
+  </p:cSld>
+  <p:clrMapOvr>
+    <a:masterClrMapping/>
+  </p:clrMapOvr>
+</p:notes>
+</file>
+
+<file path=ppt/notesSlides/notesSlide9.xml><?xml version="1.0" encoding="utf-8"?>
+<p:notes xmlns:a="http://schemas.openxmlformats.org/drawingml/2006/main" xmlns:r="http://schemas.openxmlformats.org/officeDocument/2006/relationships" xmlns:p="http://schemas.openxmlformats.org/presentationml/2006/main">
+  <p:cSld>
+    <p:spTree>
+      <p:nvGrpSpPr>
+        <p:cNvPr id="1" name=""/>
+        <p:cNvGrpSpPr/>
+        <p:nvPr/>
+      </p:nvGrpSpPr>
+      <p:grpSpPr>
+        <a:xfrm>
+          <a:off x="0" y="0"/>
+          <a:ext cx="0" cy="0"/>
+          <a:chOff x="0" y="0"/>
+          <a:chExt cx="0" cy="0"/>
+        </a:xfrm>
+      </p:grpSpPr>
+      <p:sp>
+        <p:nvSpPr>
+          <p:cNvPr id="2" name="Slide Image Placeholder 1"/>
+          <p:cNvSpPr>
+            <a:spLocks noGrp="1" noRot="1" noChangeAspect="1"/>
+          </p:cNvSpPr>
+          <p:nvPr>
+            <p:ph type="sldImg"/>
+          </p:nvPr>
+        </p:nvSpPr>
+        <p:spPr/>
+      </p:sp>
+      <p:sp>
+        <p:nvSpPr>
+          <p:cNvPr id="3" name="Notes Placeholder 2"/>
+          <p:cNvSpPr>
+            <a:spLocks noGrp="1"/>
+          </p:cNvSpPr>
+          <p:nvPr>
+            <p:ph type="body" idx="1"/>
+          </p:nvPr>
+        </p:nvSpPr>
+        <p:spPr/>
+        <p:txBody>
+          <a:bodyPr/>
+          <a:lstStyle/>
+          <a:p>
+            <a:endParaRPr lang="en-US" dirty="0"/>
+          </a:p>
+        </p:txBody>
+      </p:sp>
+      <p:sp>
+        <p:nvSpPr>
+          <p:cNvPr id="4" name="Slide Number Placeholder 3"/>
+          <p:cNvSpPr>
+            <a:spLocks noGrp="1"/>
+          </p:cNvSpPr>
+          <p:nvPr>
+            <p:ph type="sldNum" sz="quarter" idx="5"/>
+          </p:nvPr>
+        </p:nvSpPr>
+        <p:spPr/>
+        <p:txBody>
+          <a:bodyPr/>
+          <a:lstStyle/>
+          <a:p>
+            <a:fld id="{649CD952-E1BE-4584-8273-46BA2869E6E0}" type="slidenum">
+              <a:rPr lang="hu-HU" smtClean="0"/>
+              <a:t>10</a:t>
+            </a:fld>
+            <a:endParaRPr lang="hu-HU"/>
+          </a:p>
+        </p:txBody>
+      </p:sp>
+    </p:spTree>
+    <p:extLst>
+      <p:ext uri="{BB962C8B-B14F-4D97-AF65-F5344CB8AC3E}">
+        <p14:creationId xmlns:p14="http://schemas.microsoft.com/office/powerpoint/2010/main" val="2881306836"/>
       </p:ext>
     </p:extLst>
   </p:cSld>
@@ -2388,7 +3028,7 @@
             <a:fld id="{B61BEF0D-F0BB-DE4B-95CE-6DB70DBA9567}" type="datetimeFigureOut">
               <a:rPr lang="en-US" dirty="0"/>
               <a:pPr/>
-              <a:t>4/16/2023</a:t>
+              <a:t>6/14/2023</a:t>
             </a:fld>
             <a:endParaRPr lang="en-US" dirty="0"/>
           </a:p>
@@ -2647,7 +3287,7 @@
             <a:fld id="{B61BEF0D-F0BB-DE4B-95CE-6DB70DBA9567}" type="datetimeFigureOut">
               <a:rPr lang="en-US" dirty="0"/>
               <a:pPr/>
-              <a:t>4/16/2023</a:t>
+              <a:t>6/14/2023</a:t>
             </a:fld>
             <a:endParaRPr lang="en-US" dirty="0"/>
           </a:p>
@@ -2879,7 +3519,7 @@
             <a:fld id="{B61BEF0D-F0BB-DE4B-95CE-6DB70DBA9567}" type="datetimeFigureOut">
               <a:rPr lang="en-US" dirty="0"/>
               <a:pPr/>
-              <a:t>4/16/2023</a:t>
+              <a:t>6/14/2023</a:t>
             </a:fld>
             <a:endParaRPr lang="en-US" dirty="0"/>
           </a:p>
@@ -3116,7 +3756,7 @@
             <a:fld id="{B61BEF0D-F0BB-DE4B-95CE-6DB70DBA9567}" type="datetimeFigureOut">
               <a:rPr lang="en-US" dirty="0"/>
               <a:pPr/>
-              <a:t>4/16/2023</a:t>
+              <a:t>6/14/2023</a:t>
             </a:fld>
             <a:endParaRPr lang="en-US" dirty="0"/>
           </a:p>
@@ -3420,7 +4060,7 @@
             <a:fld id="{B61BEF0D-F0BB-DE4B-95CE-6DB70DBA9567}" type="datetimeFigureOut">
               <a:rPr lang="en-US" dirty="0"/>
               <a:pPr/>
-              <a:t>4/16/2023</a:t>
+              <a:t>6/14/2023</a:t>
             </a:fld>
             <a:endParaRPr lang="en-US" dirty="0"/>
           </a:p>
@@ -3719,7 +4359,7 @@
             <a:fld id="{B61BEF0D-F0BB-DE4B-95CE-6DB70DBA9567}" type="datetimeFigureOut">
               <a:rPr lang="en-US" dirty="0"/>
               <a:pPr/>
-              <a:t>4/16/2023</a:t>
+              <a:t>6/14/2023</a:t>
             </a:fld>
             <a:endParaRPr lang="en-US" dirty="0"/>
           </a:p>
@@ -4138,7 +4778,7 @@
             <a:fld id="{B61BEF0D-F0BB-DE4B-95CE-6DB70DBA9567}" type="datetimeFigureOut">
               <a:rPr lang="en-US" dirty="0"/>
               <a:pPr/>
-              <a:t>4/16/2023</a:t>
+              <a:t>6/14/2023</a:t>
             </a:fld>
             <a:endParaRPr lang="en-US" dirty="0"/>
           </a:p>
@@ -4297,7 +4937,7 @@
             <a:fld id="{B61BEF0D-F0BB-DE4B-95CE-6DB70DBA9567}" type="datetimeFigureOut">
               <a:rPr lang="en-US" dirty="0"/>
               <a:pPr/>
-              <a:t>4/16/2023</a:t>
+              <a:t>6/14/2023</a:t>
             </a:fld>
             <a:endParaRPr lang="en-US" dirty="0"/>
           </a:p>
@@ -4389,7 +5029,7 @@
             <a:fld id="{B61BEF0D-F0BB-DE4B-95CE-6DB70DBA9567}" type="datetimeFigureOut">
               <a:rPr lang="en-US" dirty="0"/>
               <a:pPr/>
-              <a:t>4/16/2023</a:t>
+              <a:t>6/14/2023</a:t>
             </a:fld>
             <a:endParaRPr lang="en-US" dirty="0"/>
           </a:p>
@@ -4764,7 +5404,7 @@
             <a:fld id="{B61BEF0D-F0BB-DE4B-95CE-6DB70DBA9567}" type="datetimeFigureOut">
               <a:rPr lang="en-US" dirty="0"/>
               <a:pPr/>
-              <a:t>4/16/2023</a:t>
+              <a:t>6/14/2023</a:t>
             </a:fld>
             <a:endParaRPr lang="en-US" dirty="0"/>
           </a:p>
@@ -5050,7 +5690,7 @@
             <a:fld id="{B61BEF0D-F0BB-DE4B-95CE-6DB70DBA9567}" type="datetimeFigureOut">
               <a:rPr lang="en-US" dirty="0"/>
               <a:pPr/>
-              <a:t>4/16/2023</a:t>
+              <a:t>6/14/2023</a:t>
             </a:fld>
             <a:endParaRPr lang="en-US" dirty="0"/>
           </a:p>
@@ -5258,7 +5898,7 @@
             <a:fld id="{B61BEF0D-F0BB-DE4B-95CE-6DB70DBA9567}" type="datetimeFigureOut">
               <a:rPr lang="en-US" dirty="0"/>
               <a:pPr/>
-              <a:t>4/16/2023</a:t>
+              <a:t>6/14/2023</a:t>
             </a:fld>
             <a:endParaRPr lang="en-US" dirty="0"/>
           </a:p>
@@ -5871,7 +6511,12 @@
             <p:ph type="ctrTitle"/>
           </p:nvPr>
         </p:nvSpPr>
-        <p:spPr/>
+        <p:spPr>
+          <a:xfrm>
+            <a:off x="581191" y="1020431"/>
+            <a:ext cx="10993549" cy="2017737"/>
+          </a:xfrm>
+        </p:spPr>
         <p:txBody>
           <a:bodyPr/>
           <a:lstStyle/>
@@ -5890,23 +6535,7 @@
                   <a:schemeClr val="tx1"/>
                 </a:solidFill>
               </a:rPr>
-              <a:t>játék</a:t>
-            </a:r>
-            <a:r>
-              <a:rPr lang="en-US" dirty="0">
-                <a:solidFill>
-                  <a:schemeClr val="tx1"/>
-                </a:solidFill>
-              </a:rPr>
-              <a:t> </a:t>
-            </a:r>
-            <a:r>
-              <a:rPr lang="en-US" dirty="0" err="1">
-                <a:solidFill>
-                  <a:schemeClr val="tx1"/>
-                </a:solidFill>
-              </a:rPr>
-              <a:t>fejlesztés</a:t>
+              <a:t>játékfejlesztés</a:t>
             </a:r>
             <a:r>
               <a:rPr lang="en-US" dirty="0">
@@ -5964,7 +6593,12 @@
             <p:ph type="subTitle" idx="1"/>
           </p:nvPr>
         </p:nvSpPr>
-        <p:spPr/>
+        <p:spPr>
+          <a:xfrm>
+            <a:off x="581191" y="5671264"/>
+            <a:ext cx="10993546" cy="590321"/>
+          </a:xfrm>
+        </p:spPr>
         <p:txBody>
           <a:bodyPr>
             <a:normAutofit fontScale="92500" lnSpcReduction="20000"/>
@@ -5995,23 +6629,7 @@
                   <a:schemeClr val="tx1"/>
                 </a:solidFill>
               </a:rPr>
-              <a:t>: Dr. </a:t>
-            </a:r>
-            <a:r>
-              <a:rPr lang="en-US" dirty="0" err="1">
-                <a:solidFill>
-                  <a:schemeClr val="tx1"/>
-                </a:solidFill>
-              </a:rPr>
-              <a:t>Guzsvinecz</a:t>
-            </a:r>
-            <a:r>
-              <a:rPr lang="en-US" dirty="0">
-                <a:solidFill>
-                  <a:schemeClr val="tx1"/>
-                </a:solidFill>
-              </a:rPr>
-              <a:t> Tibor</a:t>
+              <a:t>: Dr. Guzsvinecz Tibor</a:t>
             </a:r>
             <a:endParaRPr lang="hu-HU" dirty="0">
               <a:solidFill>
@@ -6061,10 +6679,902 @@
       </p:grpSpPr>
       <p:sp>
         <p:nvSpPr>
-          <p:cNvPr id="11" name="Rectangle 10">
+          <p:cNvPr id="5" name="Title 4">
             <a:extLst>
               <a:ext uri="{FF2B5EF4-FFF2-40B4-BE49-F238E27FC236}">
-                <a16:creationId xmlns:a16="http://schemas.microsoft.com/office/drawing/2014/main" id="{DB691D59-8F51-4DD8-AD41-D568D29B08F8}"/>
+                <a16:creationId xmlns:a16="http://schemas.microsoft.com/office/drawing/2014/main" id="{3A4CD62F-8603-F691-949C-222516EBDF5B}"/>
+              </a:ext>
+            </a:extLst>
+          </p:cNvPr>
+          <p:cNvSpPr>
+            <a:spLocks noGrp="1"/>
+          </p:cNvSpPr>
+          <p:nvPr>
+            <p:ph type="title"/>
+          </p:nvPr>
+        </p:nvSpPr>
+        <p:spPr>
+          <a:xfrm>
+            <a:off x="581192" y="702156"/>
+            <a:ext cx="11029616" cy="1013800"/>
+          </a:xfrm>
+        </p:spPr>
+        <p:txBody>
+          <a:bodyPr>
+            <a:normAutofit/>
+          </a:bodyPr>
+          <a:lstStyle/>
+          <a:p>
+            <a:r>
+              <a:rPr lang="en-US">
+                <a:solidFill>
+                  <a:srgbClr val="FFFFFF"/>
+                </a:solidFill>
+              </a:rPr>
+              <a:t>Játéktér kiszámítása</a:t>
+            </a:r>
+          </a:p>
+        </p:txBody>
+      </p:sp>
+      <p:sp useBgFill="1">
+        <p:nvSpPr>
+          <p:cNvPr id="18" name="Rectangle 17">
+            <a:extLst>
+              <a:ext uri="{FF2B5EF4-FFF2-40B4-BE49-F238E27FC236}">
+                <a16:creationId xmlns:a16="http://schemas.microsoft.com/office/drawing/2014/main" id="{90137588-E70B-486E-AFA8-21B0111C4698}"/>
+              </a:ext>
+              <a:ext uri="{C183D7F6-B498-43B3-948B-1728B52AA6E4}">
+                <adec:decorative xmlns:adec="http://schemas.microsoft.com/office/drawing/2017/decorative" val="1"/>
+              </a:ext>
+            </a:extLst>
+          </p:cNvPr>
+          <p:cNvSpPr>
+            <a:spLocks noGrp="1" noRot="1" noChangeAspect="1" noMove="1" noResize="1" noEditPoints="1" noAdjustHandles="1" noChangeArrowheads="1" noChangeShapeType="1" noTextEdit="1"/>
+          </p:cNvSpPr>
+          <p:nvPr>
+            <p:extLst>
+              <p:ext uri="{386F3935-93C4-4BCD-93E2-E3B085C9AB24}">
+                <p16:designElem xmlns:p16="http://schemas.microsoft.com/office/powerpoint/2015/main" val="1"/>
+              </p:ext>
+            </p:extLst>
+          </p:nvPr>
+        </p:nvSpPr>
+        <p:spPr>
+          <a:xfrm>
+            <a:off x="446534" y="2180496"/>
+            <a:ext cx="3703320" cy="4045683"/>
+          </a:xfrm>
+          <a:prstGeom prst="rect">
+            <a:avLst/>
+          </a:prstGeom>
+          <a:ln w="38100">
+            <a:solidFill>
+              <a:schemeClr val="accent1"/>
+            </a:solidFill>
+          </a:ln>
+        </p:spPr>
+        <p:style>
+          <a:lnRef idx="2">
+            <a:schemeClr val="accent1">
+              <a:shade val="50000"/>
+            </a:schemeClr>
+          </a:lnRef>
+          <a:fillRef idx="1">
+            <a:schemeClr val="accent1"/>
+          </a:fillRef>
+          <a:effectRef idx="0">
+            <a:schemeClr val="accent1"/>
+          </a:effectRef>
+          <a:fontRef idx="minor">
+            <a:schemeClr val="lt1"/>
+          </a:fontRef>
+        </p:style>
+        <p:txBody>
+          <a:bodyPr rtlCol="0" anchor="ctr"/>
+          <a:lstStyle/>
+          <a:p>
+            <a:pPr algn="ctr"/>
+            <a:endParaRPr lang="en-US"/>
+          </a:p>
+        </p:txBody>
+      </p:sp>
+      <p:pic>
+        <p:nvPicPr>
+          <p:cNvPr id="8" name="Picture 7">
+            <a:extLst>
+              <a:ext uri="{FF2B5EF4-FFF2-40B4-BE49-F238E27FC236}">
+                <a16:creationId xmlns:a16="http://schemas.microsoft.com/office/drawing/2014/main" id="{DEBCFEB8-4F48-6726-BDDC-D1023258D0B9}"/>
+              </a:ext>
+            </a:extLst>
+          </p:cNvPr>
+          <p:cNvPicPr>
+            <a:picLocks noChangeAspect="1"/>
+          </p:cNvPicPr>
+          <p:nvPr/>
+        </p:nvPicPr>
+        <p:blipFill>
+          <a:blip r:embed="rId3"/>
+          <a:stretch>
+            <a:fillRect/>
+          </a:stretch>
+        </p:blipFill>
+        <p:spPr>
+          <a:xfrm>
+            <a:off x="472329" y="3126658"/>
+            <a:ext cx="3608058" cy="2079452"/>
+          </a:xfrm>
+          <a:prstGeom prst="rect">
+            <a:avLst/>
+          </a:prstGeom>
+        </p:spPr>
+      </p:pic>
+      <p:sp>
+        <p:nvSpPr>
+          <p:cNvPr id="6" name="Content Placeholder 5">
+            <a:extLst>
+              <a:ext uri="{FF2B5EF4-FFF2-40B4-BE49-F238E27FC236}">
+                <a16:creationId xmlns:a16="http://schemas.microsoft.com/office/drawing/2014/main" id="{C4C3CE24-3110-C0DA-EC88-A9590CB117BA}"/>
+              </a:ext>
+            </a:extLst>
+          </p:cNvPr>
+          <p:cNvSpPr>
+            <a:spLocks noGrp="1"/>
+          </p:cNvSpPr>
+          <p:nvPr>
+            <p:ph idx="1"/>
+          </p:nvPr>
+        </p:nvSpPr>
+        <p:spPr>
+          <a:xfrm>
+            <a:off x="4505325" y="2180496"/>
+            <a:ext cx="7105481" cy="4045683"/>
+          </a:xfrm>
+        </p:spPr>
+        <p:txBody>
+          <a:bodyPr>
+            <a:normAutofit/>
+          </a:bodyPr>
+          <a:lstStyle/>
+          <a:p>
+            <a:r>
+              <a:rPr lang="en-US" dirty="0" err="1"/>
+              <a:t>Csak</a:t>
+            </a:r>
+            <a:r>
+              <a:rPr lang="en-US" dirty="0"/>
+              <a:t> </a:t>
+            </a:r>
+            <a:r>
+              <a:rPr lang="en-US" dirty="0" err="1"/>
+              <a:t>olyan</a:t>
+            </a:r>
+            <a:r>
+              <a:rPr lang="en-US" dirty="0"/>
+              <a:t> </a:t>
+            </a:r>
+            <a:r>
+              <a:rPr lang="en-US" dirty="0" err="1"/>
+              <a:t>mozgást</a:t>
+            </a:r>
+            <a:r>
+              <a:rPr lang="en-US" dirty="0"/>
+              <a:t> </a:t>
+            </a:r>
+            <a:r>
+              <a:rPr lang="en-US" dirty="0" err="1"/>
+              <a:t>szeretnénk</a:t>
+            </a:r>
+            <a:r>
+              <a:rPr lang="en-US" dirty="0"/>
+              <a:t> </a:t>
+            </a:r>
+            <a:r>
+              <a:rPr lang="en-US" dirty="0" err="1"/>
+              <a:t>kérni</a:t>
+            </a:r>
+            <a:r>
+              <a:rPr lang="en-US" dirty="0"/>
+              <a:t> a </a:t>
+            </a:r>
+            <a:r>
+              <a:rPr lang="en-US" dirty="0" err="1"/>
+              <a:t>felhasználótól</a:t>
+            </a:r>
+            <a:r>
+              <a:rPr lang="en-US" dirty="0"/>
+              <a:t> </a:t>
+            </a:r>
+            <a:r>
+              <a:rPr lang="en-US" dirty="0" err="1"/>
+              <a:t>mit</a:t>
+            </a:r>
+            <a:r>
+              <a:rPr lang="en-US" dirty="0"/>
+              <a:t> meg is </a:t>
+            </a:r>
+            <a:r>
+              <a:rPr lang="en-US" dirty="0" err="1"/>
+              <a:t>tud</a:t>
+            </a:r>
+            <a:r>
+              <a:rPr lang="en-US" dirty="0"/>
+              <a:t> </a:t>
+            </a:r>
+            <a:r>
+              <a:rPr lang="en-US" dirty="0" err="1"/>
+              <a:t>csinálni</a:t>
+            </a:r>
+            <a:r>
+              <a:rPr lang="en-US" dirty="0"/>
+              <a:t>, </a:t>
+            </a:r>
+            <a:r>
+              <a:rPr lang="en-US" dirty="0" err="1"/>
+              <a:t>sérülések</a:t>
+            </a:r>
+            <a:r>
+              <a:rPr lang="en-US" dirty="0"/>
+              <a:t> </a:t>
+            </a:r>
+            <a:r>
+              <a:rPr lang="en-US" dirty="0" err="1"/>
+              <a:t>elkerülése</a:t>
+            </a:r>
+            <a:r>
+              <a:rPr lang="en-US" dirty="0"/>
+              <a:t> </a:t>
+            </a:r>
+            <a:r>
+              <a:rPr lang="en-US" dirty="0" err="1"/>
+              <a:t>végett</a:t>
+            </a:r>
+            <a:endParaRPr lang="en-US" dirty="0"/>
+          </a:p>
+          <a:p>
+            <a:r>
+              <a:rPr lang="en-US" dirty="0" err="1"/>
+              <a:t>Induláskor</a:t>
+            </a:r>
+            <a:r>
+              <a:rPr lang="en-US" dirty="0"/>
+              <a:t> </a:t>
+            </a:r>
+            <a:r>
+              <a:rPr lang="en-US" dirty="0" err="1"/>
+              <a:t>megkérjük</a:t>
+            </a:r>
+            <a:r>
+              <a:rPr lang="en-US" dirty="0"/>
+              <a:t> a </a:t>
+            </a:r>
+            <a:r>
+              <a:rPr lang="en-US" dirty="0" err="1"/>
+              <a:t>felhasználót</a:t>
+            </a:r>
+            <a:r>
+              <a:rPr lang="en-US" dirty="0"/>
+              <a:t>, </a:t>
+            </a:r>
+            <a:r>
+              <a:rPr lang="en-US" dirty="0" err="1"/>
+              <a:t>hogy</a:t>
+            </a:r>
+            <a:r>
+              <a:rPr lang="en-US" dirty="0"/>
+              <a:t> </a:t>
+            </a:r>
+            <a:r>
+              <a:rPr lang="en-US" dirty="0" err="1"/>
+              <a:t>fordítsa</a:t>
+            </a:r>
+            <a:r>
+              <a:rPr lang="en-US" dirty="0"/>
+              <a:t> a </a:t>
+            </a:r>
+            <a:r>
+              <a:rPr lang="en-US" dirty="0" err="1"/>
+              <a:t>fejét</a:t>
+            </a:r>
+            <a:r>
+              <a:rPr lang="en-US" dirty="0"/>
+              <a:t> </a:t>
+            </a:r>
+            <a:r>
+              <a:rPr lang="en-US" dirty="0" err="1"/>
+              <a:t>balra</a:t>
+            </a:r>
+            <a:r>
+              <a:rPr lang="en-US" dirty="0"/>
+              <a:t>, </a:t>
+            </a:r>
+            <a:r>
+              <a:rPr lang="en-US" dirty="0" err="1"/>
+              <a:t>jobbra</a:t>
+            </a:r>
+            <a:r>
+              <a:rPr lang="en-US" dirty="0"/>
+              <a:t>, </a:t>
+            </a:r>
+            <a:r>
+              <a:rPr lang="en-US" dirty="0" err="1"/>
+              <a:t>felfelé</a:t>
+            </a:r>
+            <a:r>
+              <a:rPr lang="en-US" dirty="0"/>
+              <a:t>, </a:t>
+            </a:r>
+            <a:r>
+              <a:rPr lang="en-US" dirty="0" err="1"/>
+              <a:t>és</a:t>
+            </a:r>
+            <a:r>
+              <a:rPr lang="en-US" dirty="0"/>
+              <a:t> </a:t>
+            </a:r>
+            <a:r>
+              <a:rPr lang="en-US" dirty="0" err="1"/>
+              <a:t>lefelé</a:t>
+            </a:r>
+            <a:r>
+              <a:rPr lang="en-US" dirty="0"/>
+              <a:t> </a:t>
+            </a:r>
+            <a:r>
+              <a:rPr lang="en-US" dirty="0" err="1"/>
+              <a:t>amennyire</a:t>
+            </a:r>
+            <a:r>
+              <a:rPr lang="en-US" dirty="0"/>
+              <a:t> </a:t>
+            </a:r>
+            <a:r>
+              <a:rPr lang="en-US" dirty="0" err="1"/>
+              <a:t>csak</a:t>
+            </a:r>
+            <a:r>
+              <a:rPr lang="en-US" dirty="0"/>
+              <a:t> </a:t>
+            </a:r>
+            <a:r>
+              <a:rPr lang="en-US" dirty="0" err="1"/>
+              <a:t>tudja</a:t>
+            </a:r>
+            <a:endParaRPr lang="en-US" dirty="0"/>
+          </a:p>
+          <a:p>
+            <a:r>
+              <a:rPr lang="en-US" dirty="0" err="1"/>
+              <a:t>Ezekből</a:t>
+            </a:r>
+            <a:r>
+              <a:rPr lang="en-US" dirty="0"/>
+              <a:t> a </a:t>
+            </a:r>
+            <a:r>
+              <a:rPr lang="en-US" dirty="0" err="1"/>
+              <a:t>forgásszögekből</a:t>
+            </a:r>
+            <a:r>
+              <a:rPr lang="en-US" dirty="0"/>
+              <a:t> </a:t>
+            </a:r>
+            <a:r>
+              <a:rPr lang="en-US" dirty="0" err="1"/>
+              <a:t>kiszámoljuk</a:t>
+            </a:r>
+            <a:r>
+              <a:rPr lang="en-US" dirty="0"/>
+              <a:t> a </a:t>
+            </a:r>
+            <a:r>
+              <a:rPr lang="en-US" dirty="0" err="1"/>
+              <a:t>játékteret</a:t>
+            </a:r>
+            <a:r>
+              <a:rPr lang="en-US" dirty="0"/>
+              <a:t>, </a:t>
+            </a:r>
+            <a:r>
+              <a:rPr lang="en-US" dirty="0" err="1"/>
+              <a:t>és</a:t>
+            </a:r>
+            <a:r>
+              <a:rPr lang="en-US" dirty="0"/>
+              <a:t> a </a:t>
+            </a:r>
+            <a:r>
+              <a:rPr lang="en-US" dirty="0" err="1"/>
+              <a:t>megnyitott</a:t>
+            </a:r>
+            <a:r>
+              <a:rPr lang="en-US" dirty="0"/>
+              <a:t> </a:t>
+            </a:r>
+            <a:r>
+              <a:rPr lang="en-US" dirty="0" err="1"/>
+              <a:t>gyakorlat</a:t>
+            </a:r>
+            <a:r>
+              <a:rPr lang="en-US" dirty="0"/>
+              <a:t> </a:t>
+            </a:r>
+            <a:r>
+              <a:rPr lang="en-US" dirty="0" err="1"/>
+              <a:t>objektumait</a:t>
+            </a:r>
+            <a:r>
+              <a:rPr lang="en-US" dirty="0"/>
+              <a:t> </a:t>
+            </a:r>
+            <a:r>
+              <a:rPr lang="en-US" dirty="0" err="1"/>
+              <a:t>dinamikusan</a:t>
+            </a:r>
+            <a:r>
+              <a:rPr lang="en-US" dirty="0"/>
+              <a:t> </a:t>
+            </a:r>
+            <a:r>
+              <a:rPr lang="en-US" dirty="0" err="1"/>
+              <a:t>átmozgatjuk</a:t>
+            </a:r>
+            <a:r>
+              <a:rPr lang="en-US" dirty="0"/>
+              <a:t>, </a:t>
+            </a:r>
+            <a:r>
+              <a:rPr lang="en-US" dirty="0" err="1"/>
+              <a:t>hoyg</a:t>
+            </a:r>
+            <a:r>
+              <a:rPr lang="en-US" dirty="0"/>
+              <a:t> a </a:t>
+            </a:r>
+            <a:r>
+              <a:rPr lang="en-US" dirty="0" err="1"/>
+              <a:t>térben</a:t>
+            </a:r>
+            <a:r>
+              <a:rPr lang="en-US" dirty="0"/>
+              <a:t> </a:t>
+            </a:r>
+            <a:r>
+              <a:rPr lang="en-US" dirty="0" err="1"/>
+              <a:t>legyenek</a:t>
+            </a:r>
+            <a:endParaRPr lang="en-US" dirty="0"/>
+          </a:p>
+          <a:p>
+            <a:r>
+              <a:rPr lang="en-US" dirty="0" err="1"/>
+              <a:t>Számolással</a:t>
+            </a:r>
+            <a:r>
+              <a:rPr lang="en-US" dirty="0"/>
+              <a:t> </a:t>
+            </a:r>
+            <a:r>
+              <a:rPr lang="en-US" dirty="0" err="1"/>
+              <a:t>horizontálisan</a:t>
+            </a:r>
+            <a:r>
+              <a:rPr lang="en-US" dirty="0"/>
+              <a:t> </a:t>
+            </a:r>
+            <a:r>
+              <a:rPr lang="en-US" dirty="0" err="1"/>
+              <a:t>majd</a:t>
+            </a:r>
+            <a:r>
+              <a:rPr lang="en-US" dirty="0"/>
+              <a:t> </a:t>
+            </a:r>
+            <a:r>
+              <a:rPr lang="en-US" dirty="0" err="1"/>
+              <a:t>vertikálisan</a:t>
+            </a:r>
+            <a:r>
+              <a:rPr lang="en-US" dirty="0"/>
+              <a:t> </a:t>
+            </a:r>
+            <a:r>
+              <a:rPr lang="en-US" dirty="0" err="1"/>
+              <a:t>átszámolunk</a:t>
+            </a:r>
+            <a:r>
+              <a:rPr lang="en-US" dirty="0"/>
+              <a:t> </a:t>
+            </a:r>
+            <a:r>
+              <a:rPr lang="en-US" dirty="0" err="1"/>
+              <a:t>minden</a:t>
+            </a:r>
+            <a:r>
+              <a:rPr lang="en-US" dirty="0"/>
+              <a:t> </a:t>
+            </a:r>
+            <a:r>
+              <a:rPr lang="en-US" dirty="0" err="1"/>
+              <a:t>pozíciót</a:t>
+            </a:r>
+            <a:r>
+              <a:rPr lang="en-US" dirty="0"/>
+              <a:t>, </a:t>
+            </a:r>
+            <a:r>
+              <a:rPr lang="en-US" dirty="0" err="1"/>
+              <a:t>úgy</a:t>
+            </a:r>
+            <a:r>
+              <a:rPr lang="en-US" dirty="0"/>
+              <a:t> </a:t>
+            </a:r>
+            <a:r>
+              <a:rPr lang="en-US" dirty="0" err="1"/>
+              <a:t>hogy</a:t>
+            </a:r>
+            <a:r>
+              <a:rPr lang="en-US" dirty="0"/>
+              <a:t> </a:t>
+            </a:r>
+            <a:r>
+              <a:rPr lang="en-US" dirty="0" err="1"/>
+              <a:t>az</a:t>
+            </a:r>
+            <a:r>
+              <a:rPr lang="en-US" dirty="0"/>
+              <a:t> </a:t>
+            </a:r>
+            <a:r>
+              <a:rPr lang="en-US" dirty="0" err="1"/>
+              <a:t>egymástól</a:t>
+            </a:r>
+            <a:r>
+              <a:rPr lang="en-US" dirty="0"/>
+              <a:t> </a:t>
+            </a:r>
+            <a:r>
+              <a:rPr lang="en-US" dirty="0" err="1"/>
+              <a:t>való</a:t>
+            </a:r>
+            <a:r>
+              <a:rPr lang="en-US" dirty="0"/>
+              <a:t> </a:t>
+            </a:r>
+            <a:r>
+              <a:rPr lang="en-US" dirty="0" err="1"/>
+              <a:t>távolságuk</a:t>
+            </a:r>
+            <a:r>
+              <a:rPr lang="en-US" dirty="0"/>
+              <a:t> </a:t>
+            </a:r>
+            <a:r>
+              <a:rPr lang="en-US" dirty="0" err="1"/>
+              <a:t>arányát</a:t>
+            </a:r>
+            <a:r>
+              <a:rPr lang="en-US" dirty="0"/>
+              <a:t> </a:t>
+            </a:r>
+            <a:r>
+              <a:rPr lang="en-US" dirty="0" err="1"/>
+              <a:t>megtartsák</a:t>
+            </a:r>
+            <a:endParaRPr lang="en-US" dirty="0"/>
+          </a:p>
+          <a:p>
+            <a:r>
+              <a:rPr lang="en-US" dirty="0"/>
+              <a:t>Polárkoordináta </a:t>
+            </a:r>
+            <a:r>
+              <a:rPr lang="en-US" dirty="0" err="1"/>
+              <a:t>számolással</a:t>
+            </a:r>
+            <a:r>
+              <a:rPr lang="en-US" dirty="0"/>
+              <a:t>, </a:t>
+            </a:r>
+            <a:r>
+              <a:rPr lang="en-US" dirty="0" err="1"/>
+              <a:t>két</a:t>
+            </a:r>
+            <a:r>
+              <a:rPr lang="en-US" dirty="0"/>
+              <a:t> </a:t>
+            </a:r>
+            <a:r>
+              <a:rPr lang="en-US" dirty="0" err="1"/>
+              <a:t>dimenziós</a:t>
+            </a:r>
+            <a:r>
+              <a:rPr lang="en-US" dirty="0"/>
+              <a:t> </a:t>
+            </a:r>
+            <a:r>
+              <a:rPr lang="en-US" dirty="0" err="1"/>
+              <a:t>koordinátaként</a:t>
+            </a:r>
+            <a:r>
+              <a:rPr lang="en-US" dirty="0"/>
+              <a:t> </a:t>
+            </a:r>
+            <a:r>
+              <a:rPr lang="en-US" dirty="0" err="1"/>
+              <a:t>számoljuk</a:t>
+            </a:r>
+            <a:r>
+              <a:rPr lang="en-US" dirty="0"/>
+              <a:t> </a:t>
+            </a:r>
+            <a:r>
+              <a:rPr lang="en-US" dirty="0" err="1"/>
+              <a:t>az</a:t>
+            </a:r>
+            <a:r>
+              <a:rPr lang="en-US" dirty="0"/>
+              <a:t> </a:t>
+            </a:r>
+            <a:r>
+              <a:rPr lang="en-US" dirty="0" err="1"/>
+              <a:t>új</a:t>
+            </a:r>
+            <a:r>
+              <a:rPr lang="en-US" dirty="0"/>
+              <a:t> </a:t>
+            </a:r>
+            <a:r>
+              <a:rPr lang="en-US" dirty="0" err="1"/>
+              <a:t>koordinátát</a:t>
+            </a:r>
+            <a:r>
+              <a:rPr lang="en-US" dirty="0"/>
+              <a:t> (</a:t>
+            </a:r>
+            <a:r>
+              <a:rPr lang="en-US" dirty="0" err="1"/>
+              <a:t>mivel</a:t>
+            </a:r>
+            <a:r>
+              <a:rPr lang="en-US" dirty="0"/>
+              <a:t> a </a:t>
+            </a:r>
+            <a:r>
+              <a:rPr lang="en-US" dirty="0" err="1"/>
+              <a:t>harmadik</a:t>
+            </a:r>
+            <a:r>
+              <a:rPr lang="en-US" dirty="0"/>
+              <a:t> </a:t>
+            </a:r>
+            <a:r>
+              <a:rPr lang="en-US" dirty="0" err="1"/>
+              <a:t>koordináta</a:t>
+            </a:r>
+            <a:r>
+              <a:rPr lang="en-US" dirty="0"/>
+              <a:t> </a:t>
+            </a:r>
+            <a:r>
+              <a:rPr lang="en-US" dirty="0" err="1"/>
+              <a:t>változatlan</a:t>
+            </a:r>
+            <a:r>
+              <a:rPr lang="en-US" dirty="0"/>
+              <a:t> </a:t>
+            </a:r>
+            <a:r>
+              <a:rPr lang="en-US" dirty="0" err="1"/>
+              <a:t>marad</a:t>
+            </a:r>
+            <a:r>
+              <a:rPr lang="en-US" dirty="0"/>
+              <a:t>)</a:t>
+            </a:r>
+          </a:p>
+          <a:p>
+            <a:endParaRPr lang="en-US" dirty="0"/>
+          </a:p>
+        </p:txBody>
+      </p:sp>
+    </p:spTree>
+    <p:extLst>
+      <p:ext uri="{BB962C8B-B14F-4D97-AF65-F5344CB8AC3E}">
+        <p14:creationId xmlns:p14="http://schemas.microsoft.com/office/powerpoint/2010/main" val="4232680529"/>
+      </p:ext>
+    </p:extLst>
+  </p:cSld>
+  <p:clrMapOvr>
+    <a:masterClrMapping/>
+  </p:clrMapOvr>
+</p:sld>
+</file>
+
+<file path=ppt/slides/slide11.xml><?xml version="1.0" encoding="utf-8"?>
+<p:sld xmlns:a="http://schemas.openxmlformats.org/drawingml/2006/main" xmlns:r="http://schemas.openxmlformats.org/officeDocument/2006/relationships" xmlns:p="http://schemas.openxmlformats.org/presentationml/2006/main">
+  <p:cSld>
+    <p:bg>
+      <p:bgPr>
+        <a:solidFill>
+          <a:schemeClr val="bg1"/>
+        </a:solidFill>
+        <a:effectLst/>
+      </p:bgPr>
+    </p:bg>
+    <p:spTree>
+      <p:nvGrpSpPr>
+        <p:cNvPr id="1" name=""/>
+        <p:cNvGrpSpPr/>
+        <p:nvPr/>
+      </p:nvGrpSpPr>
+      <p:grpSpPr>
+        <a:xfrm>
+          <a:off x="0" y="0"/>
+          <a:ext cx="0" cy="0"/>
+          <a:chOff x="0" y="0"/>
+          <a:chExt cx="0" cy="0"/>
+        </a:xfrm>
+      </p:grpSpPr>
+      <p:sp useBgFill="1">
+        <p:nvSpPr>
+          <p:cNvPr id="19" name="Rectangle 15">
+            <a:extLst>
+              <a:ext uri="{FF2B5EF4-FFF2-40B4-BE49-F238E27FC236}">
+                <a16:creationId xmlns:a16="http://schemas.microsoft.com/office/drawing/2014/main" id="{9ADDB9E1-AB12-462E-8E0D-83CA31C6EB7F}"/>
+              </a:ext>
+              <a:ext uri="{C183D7F6-B498-43B3-948B-1728B52AA6E4}">
+                <adec:decorative xmlns:adec="http://schemas.microsoft.com/office/drawing/2017/decorative" val="1"/>
+              </a:ext>
+            </a:extLst>
+          </p:cNvPr>
+          <p:cNvSpPr>
+            <a:spLocks noGrp="1" noRot="1" noChangeAspect="1" noMove="1" noResize="1" noEditPoints="1" noAdjustHandles="1" noChangeArrowheads="1" noChangeShapeType="1" noTextEdit="1"/>
+          </p:cNvSpPr>
+          <p:nvPr>
+            <p:extLst>
+              <p:ext uri="{386F3935-93C4-4BCD-93E2-E3B085C9AB24}">
+                <p16:designElem xmlns:p16="http://schemas.microsoft.com/office/powerpoint/2015/main" val="1"/>
+              </p:ext>
+            </p:extLst>
+          </p:nvPr>
+        </p:nvSpPr>
+        <p:spPr>
+          <a:xfrm>
+            <a:off x="0" y="0"/>
+            <a:ext cx="12191999" cy="6858001"/>
+          </a:xfrm>
+          <a:prstGeom prst="rect">
+            <a:avLst/>
+          </a:prstGeom>
+          <a:ln>
+            <a:noFill/>
+          </a:ln>
+        </p:spPr>
+        <p:style>
+          <a:lnRef idx="2">
+            <a:schemeClr val="accent1">
+              <a:shade val="50000"/>
+            </a:schemeClr>
+          </a:lnRef>
+          <a:fillRef idx="1">
+            <a:schemeClr val="accent1"/>
+          </a:fillRef>
+          <a:effectRef idx="0">
+            <a:schemeClr val="accent1"/>
+          </a:effectRef>
+          <a:fontRef idx="minor">
+            <a:schemeClr val="lt1"/>
+          </a:fontRef>
+        </p:style>
+        <p:txBody>
+          <a:bodyPr rtlCol="0" anchor="ctr"/>
+          <a:lstStyle/>
+          <a:p>
+            <a:pPr algn="ctr"/>
+            <a:endParaRPr lang="en-US"/>
+          </a:p>
+        </p:txBody>
+      </p:sp>
+      <p:sp>
+        <p:nvSpPr>
+          <p:cNvPr id="18" name="Rectangle 17">
+            <a:extLst>
+              <a:ext uri="{FF2B5EF4-FFF2-40B4-BE49-F238E27FC236}">
+                <a16:creationId xmlns:a16="http://schemas.microsoft.com/office/drawing/2014/main" id="{214040EB-4842-44D5-9380-BDF41FB7BA8F}"/>
+              </a:ext>
+              <a:ext uri="{C183D7F6-B498-43B3-948B-1728B52AA6E4}">
+                <adec:decorative xmlns:adec="http://schemas.microsoft.com/office/drawing/2017/decorative" val="1"/>
+              </a:ext>
+            </a:extLst>
+          </p:cNvPr>
+          <p:cNvSpPr>
+            <a:spLocks noGrp="1" noRot="1" noChangeAspect="1" noMove="1" noResize="1" noEditPoints="1" noAdjustHandles="1" noChangeArrowheads="1" noChangeShapeType="1" noTextEdit="1"/>
+          </p:cNvSpPr>
+          <p:nvPr>
+            <p:extLst>
+              <p:ext uri="{386F3935-93C4-4BCD-93E2-E3B085C9AB24}">
+                <p16:designElem xmlns:p16="http://schemas.microsoft.com/office/powerpoint/2015/main" val="1"/>
+              </p:ext>
+            </p:extLst>
+          </p:nvPr>
+        </p:nvSpPr>
+        <p:spPr>
+          <a:xfrm>
+            <a:off x="461436" y="723899"/>
+            <a:ext cx="3703320" cy="5666666"/>
+          </a:xfrm>
+          <a:prstGeom prst="rect">
+            <a:avLst/>
+          </a:prstGeom>
+          <a:solidFill>
+            <a:schemeClr val="accent1"/>
+          </a:solidFill>
+          <a:ln>
+            <a:noFill/>
+          </a:ln>
+          <a:effectLst/>
+        </p:spPr>
+        <p:style>
+          <a:lnRef idx="1">
+            <a:schemeClr val="accent1"/>
+          </a:lnRef>
+          <a:fillRef idx="3">
+            <a:schemeClr val="accent1"/>
+          </a:fillRef>
+          <a:effectRef idx="2">
+            <a:schemeClr val="accent1"/>
+          </a:effectRef>
+          <a:fontRef idx="minor">
+            <a:schemeClr val="lt1"/>
+          </a:fontRef>
+        </p:style>
+      </p:sp>
+      <p:sp>
+        <p:nvSpPr>
+          <p:cNvPr id="5" name="Title 4">
+            <a:extLst>
+              <a:ext uri="{FF2B5EF4-FFF2-40B4-BE49-F238E27FC236}">
+                <a16:creationId xmlns:a16="http://schemas.microsoft.com/office/drawing/2014/main" id="{3A4CD62F-8603-F691-949C-222516EBDF5B}"/>
+              </a:ext>
+            </a:extLst>
+          </p:cNvPr>
+          <p:cNvSpPr>
+            <a:spLocks noGrp="1"/>
+          </p:cNvSpPr>
+          <p:nvPr>
+            <p:ph type="title"/>
+          </p:nvPr>
+        </p:nvSpPr>
+        <p:spPr>
+          <a:xfrm>
+            <a:off x="803189" y="1209184"/>
+            <a:ext cx="3089189" cy="4734416"/>
+          </a:xfrm>
+        </p:spPr>
+        <p:txBody>
+          <a:bodyPr anchor="ctr">
+            <a:normAutofit/>
+          </a:bodyPr>
+          <a:lstStyle/>
+          <a:p>
+            <a:r>
+              <a:rPr lang="en-US">
+                <a:solidFill>
+                  <a:srgbClr val="FFFFFF"/>
+                </a:solidFill>
+              </a:rPr>
+              <a:t>Játéktér kiszámítása II.</a:t>
+            </a:r>
+          </a:p>
+        </p:txBody>
+      </p:sp>
+      <p:sp>
+        <p:nvSpPr>
+          <p:cNvPr id="20" name="Rectangle 19">
+            <a:extLst>
+              <a:ext uri="{FF2B5EF4-FFF2-40B4-BE49-F238E27FC236}">
+                <a16:creationId xmlns:a16="http://schemas.microsoft.com/office/drawing/2014/main" id="{0C076E08-C160-41E7-8D09-E2436B5917C9}"/>
               </a:ext>
               <a:ext uri="{C183D7F6-B498-43B3-948B-1728B52AA6E4}">
                 <adec:decorative xmlns:adec="http://schemas.microsoft.com/office/drawing/2017/decorative" val="1"/>
@@ -6115,10 +7625,64 @@
       </p:sp>
       <p:sp>
         <p:nvSpPr>
-          <p:cNvPr id="13" name="Rectangle 12">
+          <p:cNvPr id="22" name="Rectangle 21">
             <a:extLst>
               <a:ext uri="{FF2B5EF4-FFF2-40B4-BE49-F238E27FC236}">
-                <a16:creationId xmlns:a16="http://schemas.microsoft.com/office/drawing/2014/main" id="{204AEF18-0627-48F3-9B3D-F7E8F050B1D4}"/>
+                <a16:creationId xmlns:a16="http://schemas.microsoft.com/office/drawing/2014/main" id="{25A65B62-07C4-4876-A101-9C85F48A0257}"/>
+              </a:ext>
+              <a:ext uri="{C183D7F6-B498-43B3-948B-1728B52AA6E4}">
+                <adec:decorative xmlns:adec="http://schemas.microsoft.com/office/drawing/2017/decorative" val="1"/>
+              </a:ext>
+            </a:extLst>
+          </p:cNvPr>
+          <p:cNvSpPr>
+            <a:spLocks noGrp="1" noRot="1" noChangeAspect="1" noMove="1" noResize="1" noEditPoints="1" noAdjustHandles="1" noChangeArrowheads="1" noChangeShapeType="1" noTextEdit="1"/>
+          </p:cNvSpPr>
+          <p:nvPr>
+            <p:extLst>
+              <p:ext uri="{386F3935-93C4-4BCD-93E2-E3B085C9AB24}">
+                <p16:designElem xmlns:p16="http://schemas.microsoft.com/office/powerpoint/2015/main" val="1"/>
+              </p:ext>
+            </p:extLst>
+          </p:nvPr>
+        </p:nvSpPr>
+        <p:spPr>
+          <a:xfrm>
+            <a:off x="4241830" y="457200"/>
+            <a:ext cx="3703320" cy="91440"/>
+          </a:xfrm>
+          <a:prstGeom prst="rect">
+            <a:avLst/>
+          </a:prstGeom>
+          <a:solidFill>
+            <a:schemeClr val="accent2"/>
+          </a:solidFill>
+          <a:ln>
+            <a:noFill/>
+          </a:ln>
+          <a:effectLst/>
+        </p:spPr>
+        <p:style>
+          <a:lnRef idx="1">
+            <a:schemeClr val="accent1"/>
+          </a:lnRef>
+          <a:fillRef idx="3">
+            <a:schemeClr val="accent1"/>
+          </a:fillRef>
+          <a:effectRef idx="2">
+            <a:schemeClr val="accent1"/>
+          </a:effectRef>
+          <a:fontRef idx="minor">
+            <a:schemeClr val="lt1"/>
+          </a:fontRef>
+        </p:style>
+      </p:sp>
+      <p:sp>
+        <p:nvSpPr>
+          <p:cNvPr id="24" name="Rectangle 23">
+            <a:extLst>
+              <a:ext uri="{FF2B5EF4-FFF2-40B4-BE49-F238E27FC236}">
+                <a16:creationId xmlns:a16="http://schemas.microsoft.com/office/drawing/2014/main" id="{D02BCE7C-4E97-4627-9FD1-DD7B633E558D}"/>
               </a:ext>
               <a:ext uri="{C183D7F6-B498-43B3-948B-1728B52AA6E4}">
                 <adec:decorative xmlns:adec="http://schemas.microsoft.com/office/drawing/2017/decorative" val="1"/>
@@ -6169,7 +7733,2681 @@
       </p:sp>
       <p:sp>
         <p:nvSpPr>
-          <p:cNvPr id="15" name="Rectangle 14">
+          <p:cNvPr id="6" name="Content Placeholder 5">
+            <a:extLst>
+              <a:ext uri="{FF2B5EF4-FFF2-40B4-BE49-F238E27FC236}">
+                <a16:creationId xmlns:a16="http://schemas.microsoft.com/office/drawing/2014/main" id="{C4C3CE24-3110-C0DA-EC88-A9590CB117BA}"/>
+              </a:ext>
+            </a:extLst>
+          </p:cNvPr>
+          <p:cNvSpPr>
+            <a:spLocks noGrp="1"/>
+          </p:cNvSpPr>
+          <p:nvPr>
+            <p:ph idx="1"/>
+          </p:nvPr>
+        </p:nvSpPr>
+        <p:spPr>
+          <a:xfrm>
+            <a:off x="4561870" y="723900"/>
+            <a:ext cx="7183597" cy="3252678"/>
+          </a:xfrm>
+        </p:spPr>
+        <p:txBody>
+          <a:bodyPr>
+            <a:normAutofit/>
+          </a:bodyPr>
+          <a:lstStyle/>
+          <a:p>
+            <a:r>
+              <a:rPr lang="en-US" dirty="0" err="1"/>
+              <a:t>Mivel</a:t>
+            </a:r>
+            <a:r>
+              <a:rPr lang="en-US" dirty="0"/>
+              <a:t> a </a:t>
+            </a:r>
+            <a:r>
+              <a:rPr lang="en-US" dirty="0" err="1"/>
+              <a:t>számolás</a:t>
+            </a:r>
+            <a:r>
+              <a:rPr lang="en-US" dirty="0"/>
+              <a:t> </a:t>
+            </a:r>
+            <a:r>
+              <a:rPr lang="en-US" dirty="0" err="1"/>
+              <a:t>nem</a:t>
+            </a:r>
+            <a:r>
+              <a:rPr lang="en-US" dirty="0"/>
+              <a:t> </a:t>
+            </a:r>
+            <a:r>
+              <a:rPr lang="en-US" dirty="0" err="1"/>
+              <a:t>pontos</a:t>
+            </a:r>
+            <a:r>
+              <a:rPr lang="en-US" dirty="0"/>
+              <a:t> </a:t>
+            </a:r>
+            <a:r>
+              <a:rPr lang="en-US" dirty="0" err="1"/>
+              <a:t>ezért</a:t>
+            </a:r>
+            <a:r>
+              <a:rPr lang="en-US" dirty="0"/>
+              <a:t> “</a:t>
+            </a:r>
+            <a:r>
+              <a:rPr lang="en-US" dirty="0" err="1"/>
+              <a:t>szépítés</a:t>
+            </a:r>
+            <a:r>
+              <a:rPr lang="en-US" dirty="0"/>
+              <a:t>” </a:t>
+            </a:r>
+            <a:r>
+              <a:rPr lang="en-US" dirty="0" err="1"/>
+              <a:t>céljából</a:t>
+            </a:r>
+            <a:r>
+              <a:rPr lang="en-US" dirty="0"/>
+              <a:t> a </a:t>
+            </a:r>
+            <a:r>
+              <a:rPr lang="en-US" dirty="0" err="1"/>
+              <a:t>újraszámoljuk</a:t>
+            </a:r>
+            <a:r>
+              <a:rPr lang="en-US" dirty="0"/>
+              <a:t>, </a:t>
+            </a:r>
+            <a:r>
+              <a:rPr lang="en-US" dirty="0" err="1"/>
+              <a:t>hogy</a:t>
+            </a:r>
+            <a:r>
+              <a:rPr lang="en-US" dirty="0"/>
+              <a:t> a </a:t>
+            </a:r>
+            <a:r>
+              <a:rPr lang="en-US" dirty="0" err="1"/>
+              <a:t>távolságuk</a:t>
+            </a:r>
+            <a:r>
+              <a:rPr lang="en-US" dirty="0"/>
+              <a:t> a </a:t>
+            </a:r>
+            <a:r>
+              <a:rPr lang="en-US" dirty="0" err="1"/>
+              <a:t>felhasználótól</a:t>
+            </a:r>
+            <a:r>
+              <a:rPr lang="en-US" dirty="0"/>
+              <a:t> </a:t>
+            </a:r>
+            <a:r>
+              <a:rPr lang="en-US" dirty="0" err="1"/>
+              <a:t>megegyezzen</a:t>
+            </a:r>
+            <a:endParaRPr lang="en-US" dirty="0"/>
+          </a:p>
+        </p:txBody>
+      </p:sp>
+      <p:pic>
+        <p:nvPicPr>
+          <p:cNvPr id="7" name="Picture 6">
+            <a:extLst>
+              <a:ext uri="{FF2B5EF4-FFF2-40B4-BE49-F238E27FC236}">
+                <a16:creationId xmlns:a16="http://schemas.microsoft.com/office/drawing/2014/main" id="{D48139D5-2D20-D2F3-5DA2-DD1F69FA066A}"/>
+              </a:ext>
+            </a:extLst>
+          </p:cNvPr>
+          <p:cNvPicPr>
+            <a:picLocks noChangeAspect="1"/>
+          </p:cNvPicPr>
+          <p:nvPr/>
+        </p:nvPicPr>
+        <p:blipFill>
+          <a:blip r:embed="rId2"/>
+          <a:stretch>
+            <a:fillRect/>
+          </a:stretch>
+        </p:blipFill>
+        <p:spPr>
+          <a:xfrm>
+            <a:off x="4561870" y="4253024"/>
+            <a:ext cx="7183597" cy="1275087"/>
+          </a:xfrm>
+          <a:prstGeom prst="rect">
+            <a:avLst/>
+          </a:prstGeom>
+        </p:spPr>
+      </p:pic>
+    </p:spTree>
+    <p:extLst>
+      <p:ext uri="{BB962C8B-B14F-4D97-AF65-F5344CB8AC3E}">
+        <p14:creationId xmlns:p14="http://schemas.microsoft.com/office/powerpoint/2010/main" val="3908472735"/>
+      </p:ext>
+    </p:extLst>
+  </p:cSld>
+  <p:clrMapOvr>
+    <a:masterClrMapping/>
+  </p:clrMapOvr>
+</p:sld>
+</file>
+
+<file path=ppt/slides/slide12.xml><?xml version="1.0" encoding="utf-8"?>
+<p:sld xmlns:a="http://schemas.openxmlformats.org/drawingml/2006/main" xmlns:r="http://schemas.openxmlformats.org/officeDocument/2006/relationships" xmlns:p="http://schemas.openxmlformats.org/presentationml/2006/main">
+  <p:cSld>
+    <p:spTree>
+      <p:nvGrpSpPr>
+        <p:cNvPr id="1" name=""/>
+        <p:cNvGrpSpPr/>
+        <p:nvPr/>
+      </p:nvGrpSpPr>
+      <p:grpSpPr>
+        <a:xfrm>
+          <a:off x="0" y="0"/>
+          <a:ext cx="0" cy="0"/>
+          <a:chOff x="0" y="0"/>
+          <a:chExt cx="0" cy="0"/>
+        </a:xfrm>
+      </p:grpSpPr>
+      <p:sp>
+        <p:nvSpPr>
+          <p:cNvPr id="2" name="Title 1">
+            <a:extLst>
+              <a:ext uri="{FF2B5EF4-FFF2-40B4-BE49-F238E27FC236}">
+                <a16:creationId xmlns:a16="http://schemas.microsoft.com/office/drawing/2014/main" id="{6A88F4D9-A5FB-0AFD-0127-17B292145EB8}"/>
+              </a:ext>
+            </a:extLst>
+          </p:cNvPr>
+          <p:cNvSpPr>
+            <a:spLocks noGrp="1"/>
+          </p:cNvSpPr>
+          <p:nvPr>
+            <p:ph type="title"/>
+          </p:nvPr>
+        </p:nvSpPr>
+        <p:spPr/>
+        <p:txBody>
+          <a:bodyPr/>
+          <a:lstStyle/>
+          <a:p>
+            <a:r>
+              <a:rPr lang="en-US" dirty="0" err="1"/>
+              <a:t>Eredmény</a:t>
+            </a:r>
+            <a:endParaRPr lang="hu-HU" dirty="0"/>
+          </a:p>
+        </p:txBody>
+      </p:sp>
+      <p:sp>
+        <p:nvSpPr>
+          <p:cNvPr id="3" name="Content Placeholder 2">
+            <a:extLst>
+              <a:ext uri="{FF2B5EF4-FFF2-40B4-BE49-F238E27FC236}">
+                <a16:creationId xmlns:a16="http://schemas.microsoft.com/office/drawing/2014/main" id="{EBC234C4-70EB-A29F-BD71-63F902DFF3BD}"/>
+              </a:ext>
+            </a:extLst>
+          </p:cNvPr>
+          <p:cNvSpPr>
+            <a:spLocks noGrp="1"/>
+          </p:cNvSpPr>
+          <p:nvPr>
+            <p:ph idx="1"/>
+          </p:nvPr>
+        </p:nvSpPr>
+        <p:spPr/>
+        <p:txBody>
+          <a:bodyPr/>
+          <a:lstStyle/>
+          <a:p>
+            <a:r>
+              <a:rPr lang="en-US" dirty="0"/>
+              <a:t>Android GearVR </a:t>
+            </a:r>
+            <a:r>
+              <a:rPr lang="en-US" dirty="0" err="1"/>
+              <a:t>eszközön</a:t>
+            </a:r>
+            <a:r>
+              <a:rPr lang="en-US" dirty="0"/>
+              <a:t> </a:t>
+            </a:r>
+            <a:r>
+              <a:rPr lang="en-US" dirty="0" err="1"/>
+              <a:t>használható</a:t>
+            </a:r>
+            <a:r>
+              <a:rPr lang="en-US" dirty="0"/>
+              <a:t> </a:t>
+            </a:r>
+            <a:r>
+              <a:rPr lang="en-US" dirty="0" err="1"/>
+              <a:t>szoftver</a:t>
+            </a:r>
+            <a:endParaRPr lang="en-US" dirty="0"/>
+          </a:p>
+          <a:p>
+            <a:r>
+              <a:rPr lang="en-US" dirty="0"/>
+              <a:t>PC-n </a:t>
+            </a:r>
+            <a:r>
+              <a:rPr lang="en-US" dirty="0" err="1"/>
+              <a:t>használható</a:t>
+            </a:r>
+            <a:r>
+              <a:rPr lang="en-US" dirty="0"/>
+              <a:t> </a:t>
+            </a:r>
+            <a:r>
+              <a:rPr lang="en-US" dirty="0" err="1"/>
+              <a:t>gyakorlatok</a:t>
+            </a:r>
+            <a:r>
+              <a:rPr lang="en-US" dirty="0"/>
+              <a:t> </a:t>
+            </a:r>
+            <a:r>
+              <a:rPr lang="en-US" dirty="0" err="1"/>
+              <a:t>készítésére</a:t>
+            </a:r>
+            <a:endParaRPr lang="hu-HU" dirty="0"/>
+          </a:p>
+        </p:txBody>
+      </p:sp>
+    </p:spTree>
+    <p:extLst>
+      <p:ext uri="{BB962C8B-B14F-4D97-AF65-F5344CB8AC3E}">
+        <p14:creationId xmlns:p14="http://schemas.microsoft.com/office/powerpoint/2010/main" val="777339829"/>
+      </p:ext>
+    </p:extLst>
+  </p:cSld>
+  <p:clrMapOvr>
+    <a:masterClrMapping/>
+  </p:clrMapOvr>
+</p:sld>
+</file>
+
+<file path=ppt/slides/slide13.xml><?xml version="1.0" encoding="utf-8"?>
+<p:sld xmlns:a="http://schemas.openxmlformats.org/drawingml/2006/main" xmlns:r="http://schemas.openxmlformats.org/officeDocument/2006/relationships" xmlns:p="http://schemas.openxmlformats.org/presentationml/2006/main">
+  <p:cSld>
+    <p:spTree>
+      <p:nvGrpSpPr>
+        <p:cNvPr id="1" name=""/>
+        <p:cNvGrpSpPr/>
+        <p:nvPr/>
+      </p:nvGrpSpPr>
+      <p:grpSpPr>
+        <a:xfrm>
+          <a:off x="0" y="0"/>
+          <a:ext cx="0" cy="0"/>
+          <a:chOff x="0" y="0"/>
+          <a:chExt cx="0" cy="0"/>
+        </a:xfrm>
+      </p:grpSpPr>
+      <p:sp>
+        <p:nvSpPr>
+          <p:cNvPr id="2" name="Rectangle 1">
+            <a:extLst>
+              <a:ext uri="{FF2B5EF4-FFF2-40B4-BE49-F238E27FC236}">
+                <a16:creationId xmlns:a16="http://schemas.microsoft.com/office/drawing/2014/main" id="{61A4814E-A2CD-E755-5513-CEA200912EE8}"/>
+              </a:ext>
+            </a:extLst>
+          </p:cNvPr>
+          <p:cNvSpPr/>
+          <p:nvPr/>
+        </p:nvSpPr>
+        <p:spPr>
+          <a:xfrm>
+            <a:off x="0" y="0"/>
+            <a:ext cx="12192000" cy="6858000"/>
+          </a:xfrm>
+          <a:prstGeom prst="rect">
+            <a:avLst/>
+          </a:prstGeom>
+        </p:spPr>
+        <p:style>
+          <a:lnRef idx="2">
+            <a:schemeClr val="dk1">
+              <a:shade val="50000"/>
+            </a:schemeClr>
+          </a:lnRef>
+          <a:fillRef idx="1">
+            <a:schemeClr val="dk1"/>
+          </a:fillRef>
+          <a:effectRef idx="0">
+            <a:schemeClr val="dk1"/>
+          </a:effectRef>
+          <a:fontRef idx="minor">
+            <a:schemeClr val="lt1"/>
+          </a:fontRef>
+        </p:style>
+        <p:txBody>
+          <a:bodyPr rtlCol="0" anchor="ctr"/>
+          <a:lstStyle/>
+          <a:p>
+            <a:pPr algn="ctr"/>
+            <a:r>
+              <a:rPr lang="en-US" sz="8800" dirty="0">
+                <a:latin typeface="Monotype Corsiva" panose="03010101010201010101" pitchFamily="66" charset="0"/>
+              </a:rPr>
+              <a:t>fin</a:t>
+            </a:r>
+            <a:endParaRPr lang="hu-HU" sz="8800" dirty="0">
+              <a:latin typeface="Monotype Corsiva" panose="03010101010201010101" pitchFamily="66" charset="0"/>
+            </a:endParaRPr>
+          </a:p>
+        </p:txBody>
+      </p:sp>
+    </p:spTree>
+    <p:extLst>
+      <p:ext uri="{BB962C8B-B14F-4D97-AF65-F5344CB8AC3E}">
+        <p14:creationId xmlns:p14="http://schemas.microsoft.com/office/powerpoint/2010/main" val="3990289678"/>
+      </p:ext>
+    </p:extLst>
+  </p:cSld>
+  <p:clrMapOvr>
+    <a:masterClrMapping/>
+  </p:clrMapOvr>
+</p:sld>
+</file>
+
+<file path=ppt/slides/slide2.xml><?xml version="1.0" encoding="utf-8"?>
+<p:sld xmlns:a="http://schemas.openxmlformats.org/drawingml/2006/main" xmlns:r="http://schemas.openxmlformats.org/officeDocument/2006/relationships" xmlns:p="http://schemas.openxmlformats.org/presentationml/2006/main">
+  <p:cSld>
+    <p:spTree>
+      <p:nvGrpSpPr>
+        <p:cNvPr id="1" name=""/>
+        <p:cNvGrpSpPr/>
+        <p:nvPr/>
+      </p:nvGrpSpPr>
+      <p:grpSpPr>
+        <a:xfrm>
+          <a:off x="0" y="0"/>
+          <a:ext cx="0" cy="0"/>
+          <a:chOff x="0" y="0"/>
+          <a:chExt cx="0" cy="0"/>
+        </a:xfrm>
+      </p:grpSpPr>
+      <p:sp>
+        <p:nvSpPr>
+          <p:cNvPr id="2" name="Title 1">
+            <a:extLst>
+              <a:ext uri="{FF2B5EF4-FFF2-40B4-BE49-F238E27FC236}">
+                <a16:creationId xmlns:a16="http://schemas.microsoft.com/office/drawing/2014/main" id="{FC81A5CC-7950-639A-11BE-892C1279BF6F}"/>
+              </a:ext>
+            </a:extLst>
+          </p:cNvPr>
+          <p:cNvSpPr>
+            <a:spLocks noGrp="1"/>
+          </p:cNvSpPr>
+          <p:nvPr>
+            <p:ph type="title"/>
+          </p:nvPr>
+        </p:nvSpPr>
+        <p:spPr/>
+        <p:txBody>
+          <a:bodyPr/>
+          <a:lstStyle/>
+          <a:p>
+            <a:r>
+              <a:rPr lang="en-US" dirty="0" err="1"/>
+              <a:t>cél</a:t>
+            </a:r>
+            <a:endParaRPr lang="hu-HU" dirty="0"/>
+          </a:p>
+        </p:txBody>
+      </p:sp>
+      <p:sp>
+        <p:nvSpPr>
+          <p:cNvPr id="3" name="Content Placeholder 2">
+            <a:extLst>
+              <a:ext uri="{FF2B5EF4-FFF2-40B4-BE49-F238E27FC236}">
+                <a16:creationId xmlns:a16="http://schemas.microsoft.com/office/drawing/2014/main" id="{6C38DE9B-CF22-0EB5-7CC3-8C480D3A6C60}"/>
+              </a:ext>
+            </a:extLst>
+          </p:cNvPr>
+          <p:cNvSpPr>
+            <a:spLocks noGrp="1"/>
+          </p:cNvSpPr>
+          <p:nvPr>
+            <p:ph sz="half" idx="1"/>
+          </p:nvPr>
+        </p:nvSpPr>
+        <p:spPr>
+          <a:xfrm>
+            <a:off x="581192" y="2228003"/>
+            <a:ext cx="11029617" cy="3633047"/>
+          </a:xfrm>
+        </p:spPr>
+        <p:txBody>
+          <a:bodyPr/>
+          <a:lstStyle/>
+          <a:p>
+            <a:r>
+              <a:rPr lang="en-US" dirty="0" err="1"/>
+              <a:t>Nyak</a:t>
+            </a:r>
+            <a:r>
+              <a:rPr lang="en-US" dirty="0"/>
+              <a:t> </a:t>
+            </a:r>
+            <a:r>
+              <a:rPr lang="en-US" dirty="0" err="1"/>
+              <a:t>tornáztató</a:t>
+            </a:r>
+            <a:r>
+              <a:rPr lang="en-US" dirty="0"/>
+              <a:t> VR </a:t>
+            </a:r>
+            <a:r>
+              <a:rPr lang="en-US" dirty="0" err="1"/>
+              <a:t>applikáció</a:t>
+            </a:r>
+            <a:r>
+              <a:rPr lang="en-US" dirty="0"/>
+              <a:t> </a:t>
+            </a:r>
+            <a:r>
+              <a:rPr lang="en-US" dirty="0" err="1"/>
+              <a:t>elkészítése</a:t>
+            </a:r>
+            <a:endParaRPr lang="en-US" dirty="0"/>
+          </a:p>
+          <a:p>
+            <a:r>
+              <a:rPr lang="en-US" dirty="0" err="1"/>
+              <a:t>Hordozható</a:t>
+            </a:r>
+            <a:r>
+              <a:rPr lang="en-US" dirty="0"/>
+              <a:t> </a:t>
+            </a:r>
+            <a:r>
+              <a:rPr lang="en-US" dirty="0" err="1"/>
+              <a:t>eszközre</a:t>
+            </a:r>
+            <a:r>
+              <a:rPr lang="en-US" dirty="0"/>
+              <a:t> </a:t>
+            </a:r>
+            <a:r>
+              <a:rPr lang="en-US" dirty="0" err="1"/>
+              <a:t>optimalizálva</a:t>
+            </a:r>
+            <a:endParaRPr lang="en-US" dirty="0"/>
+          </a:p>
+          <a:p>
+            <a:r>
+              <a:rPr lang="en-US" dirty="0" err="1"/>
+              <a:t>Gyakorlat</a:t>
+            </a:r>
+            <a:r>
+              <a:rPr lang="en-US" dirty="0"/>
+              <a:t> </a:t>
+            </a:r>
+            <a:r>
+              <a:rPr lang="en-US" dirty="0" err="1"/>
+              <a:t>készítő</a:t>
+            </a:r>
+            <a:r>
+              <a:rPr lang="en-US" dirty="0"/>
+              <a:t> </a:t>
+            </a:r>
+            <a:r>
+              <a:rPr lang="en-US" dirty="0" err="1"/>
+              <a:t>mód</a:t>
+            </a:r>
+            <a:r>
+              <a:rPr lang="en-US" dirty="0"/>
+              <a:t>, </a:t>
+            </a:r>
+            <a:r>
+              <a:rPr lang="en-US" dirty="0" err="1"/>
+              <a:t>és</a:t>
+            </a:r>
+            <a:r>
+              <a:rPr lang="en-US" dirty="0"/>
+              <a:t> </a:t>
+            </a:r>
+            <a:r>
+              <a:rPr lang="en-US" dirty="0" err="1"/>
+              <a:t>gyakorlatok</a:t>
+            </a:r>
+            <a:r>
+              <a:rPr lang="en-US" dirty="0"/>
+              <a:t> </a:t>
+            </a:r>
+            <a:r>
+              <a:rPr lang="en-US" dirty="0" err="1"/>
+              <a:t>megosztása</a:t>
+            </a:r>
+            <a:r>
+              <a:rPr lang="en-US" dirty="0"/>
+              <a:t> </a:t>
+            </a:r>
+            <a:r>
+              <a:rPr lang="en-US" dirty="0" err="1"/>
+              <a:t>eszközök</a:t>
+            </a:r>
+            <a:r>
+              <a:rPr lang="en-US" dirty="0"/>
+              <a:t> </a:t>
+            </a:r>
+            <a:r>
+              <a:rPr lang="en-US" dirty="0" err="1"/>
+              <a:t>között</a:t>
+            </a:r>
+            <a:endParaRPr lang="en-US" dirty="0"/>
+          </a:p>
+          <a:p>
+            <a:r>
+              <a:rPr lang="en-US" dirty="0"/>
+              <a:t>Multiplatform (PC/VR)</a:t>
+            </a:r>
+          </a:p>
+          <a:p>
+            <a:endParaRPr lang="en-US" dirty="0"/>
+          </a:p>
+          <a:p>
+            <a:endParaRPr lang="hu-HU" dirty="0"/>
+          </a:p>
+        </p:txBody>
+      </p:sp>
+    </p:spTree>
+    <p:extLst>
+      <p:ext uri="{BB962C8B-B14F-4D97-AF65-F5344CB8AC3E}">
+        <p14:creationId xmlns:p14="http://schemas.microsoft.com/office/powerpoint/2010/main" val="2199017807"/>
+      </p:ext>
+    </p:extLst>
+  </p:cSld>
+  <p:clrMapOvr>
+    <a:masterClrMapping/>
+  </p:clrMapOvr>
+</p:sld>
+</file>
+
+<file path=ppt/slides/slide3.xml><?xml version="1.0" encoding="utf-8"?>
+<p:sld xmlns:a="http://schemas.openxmlformats.org/drawingml/2006/main" xmlns:r="http://schemas.openxmlformats.org/officeDocument/2006/relationships" xmlns:p="http://schemas.openxmlformats.org/presentationml/2006/main">
+  <p:cSld>
+    <p:spTree>
+      <p:nvGrpSpPr>
+        <p:cNvPr id="1" name=""/>
+        <p:cNvGrpSpPr/>
+        <p:nvPr/>
+      </p:nvGrpSpPr>
+      <p:grpSpPr>
+        <a:xfrm>
+          <a:off x="0" y="0"/>
+          <a:ext cx="0" cy="0"/>
+          <a:chOff x="0" y="0"/>
+          <a:chExt cx="0" cy="0"/>
+        </a:xfrm>
+      </p:grpSpPr>
+      <p:sp>
+        <p:nvSpPr>
+          <p:cNvPr id="2" name="Title 1">
+            <a:extLst>
+              <a:ext uri="{FF2B5EF4-FFF2-40B4-BE49-F238E27FC236}">
+                <a16:creationId xmlns:a16="http://schemas.microsoft.com/office/drawing/2014/main" id="{D03D2899-725C-6C11-B1C4-DC8D469293F6}"/>
+              </a:ext>
+            </a:extLst>
+          </p:cNvPr>
+          <p:cNvSpPr>
+            <a:spLocks noGrp="1"/>
+          </p:cNvSpPr>
+          <p:nvPr>
+            <p:ph type="title"/>
+          </p:nvPr>
+        </p:nvSpPr>
+        <p:spPr/>
+        <p:txBody>
+          <a:bodyPr/>
+          <a:lstStyle/>
+          <a:p>
+            <a:r>
+              <a:rPr lang="en-US" dirty="0" err="1"/>
+              <a:t>Technológiák</a:t>
+            </a:r>
+            <a:endParaRPr lang="hu-HU" dirty="0"/>
+          </a:p>
+        </p:txBody>
+      </p:sp>
+      <p:sp>
+        <p:nvSpPr>
+          <p:cNvPr id="3" name="Content Placeholder 2">
+            <a:extLst>
+              <a:ext uri="{FF2B5EF4-FFF2-40B4-BE49-F238E27FC236}">
+                <a16:creationId xmlns:a16="http://schemas.microsoft.com/office/drawing/2014/main" id="{D0581B43-388B-370C-71BF-751C36C2A389}"/>
+              </a:ext>
+            </a:extLst>
+          </p:cNvPr>
+          <p:cNvSpPr>
+            <a:spLocks noGrp="1"/>
+          </p:cNvSpPr>
+          <p:nvPr>
+            <p:ph idx="1"/>
+          </p:nvPr>
+        </p:nvSpPr>
+        <p:spPr/>
+        <p:txBody>
+          <a:bodyPr/>
+          <a:lstStyle/>
+          <a:p>
+            <a:r>
+              <a:rPr lang="en-US" dirty="0"/>
+              <a:t>Samsung </a:t>
+            </a:r>
+            <a:r>
+              <a:rPr lang="en-US" dirty="0" err="1"/>
+              <a:t>GearVR</a:t>
+            </a:r>
+            <a:r>
+              <a:rPr lang="en-US" dirty="0"/>
+              <a:t> – </a:t>
+            </a:r>
+            <a:r>
+              <a:rPr lang="en-US" dirty="0" err="1"/>
+              <a:t>Könnyű</a:t>
+            </a:r>
+            <a:r>
+              <a:rPr lang="en-US" dirty="0"/>
+              <a:t>, Android </a:t>
+            </a:r>
+            <a:r>
+              <a:rPr lang="en-US" dirty="0" err="1"/>
+              <a:t>alapú</a:t>
+            </a:r>
+            <a:r>
+              <a:rPr lang="en-US" dirty="0"/>
+              <a:t>, </a:t>
+            </a:r>
+            <a:r>
+              <a:rPr lang="en-US" dirty="0" err="1"/>
+              <a:t>nem</a:t>
+            </a:r>
+            <a:r>
+              <a:rPr lang="en-US" dirty="0"/>
+              <a:t> </a:t>
+            </a:r>
+            <a:r>
+              <a:rPr lang="en-US" dirty="0" err="1"/>
+              <a:t>igényel</a:t>
+            </a:r>
+            <a:r>
+              <a:rPr lang="en-US" dirty="0"/>
+              <a:t> PC-t</a:t>
+            </a:r>
+          </a:p>
+          <a:p>
+            <a:r>
+              <a:rPr lang="en-US" dirty="0"/>
+              <a:t>Unity Engine – Multiplatform build </a:t>
+            </a:r>
+            <a:r>
+              <a:rPr lang="en-US" dirty="0" err="1"/>
+              <a:t>opció</a:t>
+            </a:r>
+            <a:endParaRPr lang="en-US" dirty="0"/>
+          </a:p>
+          <a:p>
+            <a:r>
+              <a:rPr lang="en-US" dirty="0"/>
+              <a:t>Jet Brains Rider – IntelliSense, Unity </a:t>
+            </a:r>
+            <a:r>
+              <a:rPr lang="en-US" dirty="0" err="1"/>
+              <a:t>integráció</a:t>
+            </a:r>
+            <a:endParaRPr lang="en-US" dirty="0"/>
+          </a:p>
+          <a:p>
+            <a:r>
+              <a:rPr lang="en-US" dirty="0" err="1"/>
+              <a:t>GithHub</a:t>
+            </a:r>
+            <a:endParaRPr lang="en-US" dirty="0"/>
+          </a:p>
+        </p:txBody>
+      </p:sp>
+    </p:spTree>
+    <p:extLst>
+      <p:ext uri="{BB962C8B-B14F-4D97-AF65-F5344CB8AC3E}">
+        <p14:creationId xmlns:p14="http://schemas.microsoft.com/office/powerpoint/2010/main" val="1756959206"/>
+      </p:ext>
+    </p:extLst>
+  </p:cSld>
+  <p:clrMapOvr>
+    <a:masterClrMapping/>
+  </p:clrMapOvr>
+</p:sld>
+</file>
+
+<file path=ppt/slides/slide4.xml><?xml version="1.0" encoding="utf-8"?>
+<p:sld xmlns:a="http://schemas.openxmlformats.org/drawingml/2006/main" xmlns:r="http://schemas.openxmlformats.org/officeDocument/2006/relationships" xmlns:p="http://schemas.openxmlformats.org/presentationml/2006/main">
+  <p:cSld>
+    <p:spTree>
+      <p:nvGrpSpPr>
+        <p:cNvPr id="1" name=""/>
+        <p:cNvGrpSpPr/>
+        <p:nvPr/>
+      </p:nvGrpSpPr>
+      <p:grpSpPr>
+        <a:xfrm>
+          <a:off x="0" y="0"/>
+          <a:ext cx="0" cy="0"/>
+          <a:chOff x="0" y="0"/>
+          <a:chExt cx="0" cy="0"/>
+        </a:xfrm>
+      </p:grpSpPr>
+      <p:sp>
+        <p:nvSpPr>
+          <p:cNvPr id="2" name="Title 1">
+            <a:extLst>
+              <a:ext uri="{FF2B5EF4-FFF2-40B4-BE49-F238E27FC236}">
+                <a16:creationId xmlns:a16="http://schemas.microsoft.com/office/drawing/2014/main" id="{D03D2899-725C-6C11-B1C4-DC8D469293F6}"/>
+              </a:ext>
+            </a:extLst>
+          </p:cNvPr>
+          <p:cNvSpPr>
+            <a:spLocks noGrp="1"/>
+          </p:cNvSpPr>
+          <p:nvPr>
+            <p:ph type="title"/>
+          </p:nvPr>
+        </p:nvSpPr>
+        <p:spPr/>
+        <p:txBody>
+          <a:bodyPr/>
+          <a:lstStyle/>
+          <a:p>
+            <a:r>
+              <a:rPr lang="en-US" dirty="0" err="1"/>
+              <a:t>Kihívások</a:t>
+            </a:r>
+            <a:endParaRPr lang="hu-HU" dirty="0"/>
+          </a:p>
+        </p:txBody>
+      </p:sp>
+      <p:sp>
+        <p:nvSpPr>
+          <p:cNvPr id="7" name="Text Placeholder 6">
+            <a:extLst>
+              <a:ext uri="{FF2B5EF4-FFF2-40B4-BE49-F238E27FC236}">
+                <a16:creationId xmlns:a16="http://schemas.microsoft.com/office/drawing/2014/main" id="{AD3B48E9-3C8E-2691-28FC-D661538EB1D6}"/>
+              </a:ext>
+            </a:extLst>
+          </p:cNvPr>
+          <p:cNvSpPr>
+            <a:spLocks noGrp="1"/>
+          </p:cNvSpPr>
+          <p:nvPr>
+            <p:ph type="body" idx="1"/>
+          </p:nvPr>
+        </p:nvSpPr>
+        <p:spPr/>
+        <p:txBody>
+          <a:bodyPr/>
+          <a:lstStyle/>
+          <a:p>
+            <a:r>
+              <a:rPr lang="en-US" dirty="0"/>
+              <a:t>VR </a:t>
+            </a:r>
+            <a:r>
+              <a:rPr lang="en-US" dirty="0" err="1"/>
+              <a:t>platformból</a:t>
+            </a:r>
+            <a:r>
+              <a:rPr lang="en-US" dirty="0"/>
+              <a:t> </a:t>
+            </a:r>
+            <a:r>
+              <a:rPr lang="en-US" dirty="0" err="1"/>
+              <a:t>adódó</a:t>
+            </a:r>
+            <a:r>
+              <a:rPr lang="en-US" dirty="0"/>
+              <a:t> </a:t>
+            </a:r>
+            <a:r>
+              <a:rPr lang="en-US" dirty="0" err="1"/>
+              <a:t>kihívások</a:t>
+            </a:r>
+            <a:endParaRPr lang="en-US" dirty="0"/>
+          </a:p>
+        </p:txBody>
+      </p:sp>
+      <p:sp>
+        <p:nvSpPr>
+          <p:cNvPr id="3" name="Content Placeholder 2">
+            <a:extLst>
+              <a:ext uri="{FF2B5EF4-FFF2-40B4-BE49-F238E27FC236}">
+                <a16:creationId xmlns:a16="http://schemas.microsoft.com/office/drawing/2014/main" id="{D0581B43-388B-370C-71BF-751C36C2A389}"/>
+              </a:ext>
+            </a:extLst>
+          </p:cNvPr>
+          <p:cNvSpPr>
+            <a:spLocks noGrp="1"/>
+          </p:cNvSpPr>
+          <p:nvPr>
+            <p:ph sz="half" idx="2"/>
+          </p:nvPr>
+        </p:nvSpPr>
+        <p:spPr/>
+        <p:txBody>
+          <a:bodyPr/>
+          <a:lstStyle/>
+          <a:p>
+            <a:r>
+              <a:rPr lang="en-US" dirty="0" err="1"/>
+              <a:t>Nincs</a:t>
+            </a:r>
+            <a:r>
+              <a:rPr lang="en-US" dirty="0"/>
+              <a:t> </a:t>
+            </a:r>
+            <a:r>
+              <a:rPr lang="en-US" dirty="0" err="1"/>
+              <a:t>kurzor</a:t>
+            </a:r>
+            <a:r>
+              <a:rPr lang="en-US" dirty="0"/>
+              <a:t>, </a:t>
+            </a:r>
+            <a:r>
+              <a:rPr lang="en-US" dirty="0" err="1"/>
+              <a:t>nem</a:t>
+            </a:r>
+            <a:r>
+              <a:rPr lang="en-US" dirty="0"/>
+              <a:t> </a:t>
+            </a:r>
+            <a:r>
+              <a:rPr lang="en-US" dirty="0" err="1"/>
+              <a:t>tudunk</a:t>
+            </a:r>
+            <a:r>
+              <a:rPr lang="en-US" dirty="0"/>
+              <a:t> a UI </a:t>
+            </a:r>
+            <a:r>
+              <a:rPr lang="en-US" dirty="0" err="1"/>
+              <a:t>elemeire</a:t>
+            </a:r>
+            <a:r>
+              <a:rPr lang="en-US" dirty="0"/>
+              <a:t> </a:t>
+            </a:r>
+            <a:r>
+              <a:rPr lang="en-US" dirty="0" err="1"/>
+              <a:t>kattintani</a:t>
+            </a:r>
+            <a:endParaRPr lang="en-US" dirty="0"/>
+          </a:p>
+          <a:p>
+            <a:r>
+              <a:rPr lang="en-US" dirty="0" err="1"/>
+              <a:t>Figyelembe</a:t>
+            </a:r>
+            <a:r>
+              <a:rPr lang="en-US" dirty="0"/>
+              <a:t> </a:t>
+            </a:r>
+            <a:r>
+              <a:rPr lang="en-US" dirty="0" err="1"/>
+              <a:t>kell</a:t>
+            </a:r>
+            <a:r>
+              <a:rPr lang="en-US" dirty="0"/>
+              <a:t> </a:t>
+            </a:r>
+            <a:r>
+              <a:rPr lang="en-US" dirty="0" err="1"/>
+              <a:t>vennünk</a:t>
+            </a:r>
+            <a:r>
+              <a:rPr lang="en-US" dirty="0"/>
+              <a:t> a </a:t>
+            </a:r>
+            <a:r>
+              <a:rPr lang="en-US" dirty="0" err="1"/>
+              <a:t>felhasználó</a:t>
+            </a:r>
+            <a:r>
+              <a:rPr lang="en-US" dirty="0"/>
+              <a:t> </a:t>
+            </a:r>
+            <a:r>
+              <a:rPr lang="en-US" dirty="0" err="1"/>
+              <a:t>fizikai</a:t>
+            </a:r>
+            <a:r>
+              <a:rPr lang="en-US" dirty="0"/>
+              <a:t> </a:t>
+            </a:r>
+            <a:r>
+              <a:rPr lang="en-US" dirty="0" err="1"/>
+              <a:t>képességeit</a:t>
+            </a:r>
+            <a:endParaRPr lang="en-US" dirty="0"/>
+          </a:p>
+          <a:p>
+            <a:r>
+              <a:rPr lang="en-US" dirty="0" err="1"/>
+              <a:t>Fontos</a:t>
+            </a:r>
+            <a:r>
+              <a:rPr lang="en-US" dirty="0"/>
+              <a:t> </a:t>
+            </a:r>
+            <a:r>
+              <a:rPr lang="en-US" dirty="0" err="1"/>
+              <a:t>az</a:t>
+            </a:r>
+            <a:r>
+              <a:rPr lang="en-US" dirty="0"/>
+              <a:t> </a:t>
+            </a:r>
+            <a:r>
+              <a:rPr lang="en-US" dirty="0" err="1"/>
+              <a:t>optimális</a:t>
+            </a:r>
+            <a:r>
+              <a:rPr lang="en-US" dirty="0"/>
+              <a:t> </a:t>
+            </a:r>
+            <a:r>
+              <a:rPr lang="en-US" dirty="0" err="1"/>
+              <a:t>futás</a:t>
+            </a:r>
+            <a:r>
+              <a:rPr lang="en-US" dirty="0"/>
+              <a:t>, </a:t>
+            </a:r>
+            <a:r>
+              <a:rPr lang="en-US" dirty="0" err="1"/>
+              <a:t>mert</a:t>
+            </a:r>
+            <a:r>
+              <a:rPr lang="en-US" dirty="0"/>
+              <a:t> </a:t>
+            </a:r>
+            <a:r>
+              <a:rPr lang="en-US" dirty="0" err="1"/>
+              <a:t>az</a:t>
+            </a:r>
+            <a:r>
+              <a:rPr lang="en-US" dirty="0"/>
+              <a:t> </a:t>
+            </a:r>
+            <a:r>
+              <a:rPr lang="en-US" dirty="0" err="1"/>
+              <a:t>akadozások</a:t>
+            </a:r>
+            <a:r>
+              <a:rPr lang="en-US" dirty="0"/>
+              <a:t> </a:t>
+            </a:r>
+            <a:r>
+              <a:rPr lang="en-US" dirty="0" err="1"/>
+              <a:t>rosszulléthez</a:t>
+            </a:r>
+            <a:r>
+              <a:rPr lang="en-US" dirty="0"/>
+              <a:t> </a:t>
+            </a:r>
+            <a:r>
+              <a:rPr lang="en-US" dirty="0" err="1"/>
+              <a:t>vezethetnek</a:t>
+            </a:r>
+            <a:endParaRPr lang="en-US" dirty="0"/>
+          </a:p>
+        </p:txBody>
+      </p:sp>
+      <p:sp>
+        <p:nvSpPr>
+          <p:cNvPr id="8" name="Text Placeholder 7">
+            <a:extLst>
+              <a:ext uri="{FF2B5EF4-FFF2-40B4-BE49-F238E27FC236}">
+                <a16:creationId xmlns:a16="http://schemas.microsoft.com/office/drawing/2014/main" id="{87D1F5C4-B4D3-284E-A0DD-13563DB0A7CA}"/>
+              </a:ext>
+            </a:extLst>
+          </p:cNvPr>
+          <p:cNvSpPr>
+            <a:spLocks noGrp="1"/>
+          </p:cNvSpPr>
+          <p:nvPr>
+            <p:ph type="body" sz="quarter" idx="3"/>
+          </p:nvPr>
+        </p:nvSpPr>
+        <p:spPr/>
+        <p:txBody>
+          <a:bodyPr/>
+          <a:lstStyle/>
+          <a:p>
+            <a:r>
+              <a:rPr lang="en-US" dirty="0" err="1"/>
+              <a:t>Választott</a:t>
+            </a:r>
+            <a:r>
+              <a:rPr lang="en-US" dirty="0"/>
+              <a:t> </a:t>
+            </a:r>
+            <a:r>
+              <a:rPr lang="en-US" dirty="0" err="1"/>
+              <a:t>technológiákból</a:t>
+            </a:r>
+            <a:r>
+              <a:rPr lang="en-US" dirty="0"/>
+              <a:t> </a:t>
+            </a:r>
+            <a:r>
+              <a:rPr lang="en-US" dirty="0" err="1"/>
+              <a:t>adódó</a:t>
+            </a:r>
+            <a:r>
+              <a:rPr lang="en-US" dirty="0"/>
+              <a:t> </a:t>
+            </a:r>
+            <a:r>
+              <a:rPr lang="en-US" dirty="0" err="1"/>
+              <a:t>kihívások</a:t>
+            </a:r>
+            <a:endParaRPr lang="en-US" dirty="0"/>
+          </a:p>
+        </p:txBody>
+      </p:sp>
+      <p:sp>
+        <p:nvSpPr>
+          <p:cNvPr id="9" name="Content Placeholder 8">
+            <a:extLst>
+              <a:ext uri="{FF2B5EF4-FFF2-40B4-BE49-F238E27FC236}">
+                <a16:creationId xmlns:a16="http://schemas.microsoft.com/office/drawing/2014/main" id="{D4F49A9F-6DC9-A51C-197C-1FFD1327DF97}"/>
+              </a:ext>
+            </a:extLst>
+          </p:cNvPr>
+          <p:cNvSpPr>
+            <a:spLocks noGrp="1"/>
+          </p:cNvSpPr>
+          <p:nvPr>
+            <p:ph sz="quarter" idx="4"/>
+          </p:nvPr>
+        </p:nvSpPr>
+        <p:spPr/>
+        <p:txBody>
+          <a:bodyPr/>
+          <a:lstStyle/>
+          <a:p>
+            <a:r>
+              <a:rPr lang="en-US" dirty="0"/>
+              <a:t>Unity </a:t>
+            </a:r>
+            <a:r>
+              <a:rPr lang="en-US" dirty="0" err="1"/>
+              <a:t>nagyon</a:t>
+            </a:r>
+            <a:r>
+              <a:rPr lang="en-US" dirty="0"/>
+              <a:t> </a:t>
+            </a:r>
+            <a:r>
+              <a:rPr lang="en-US" dirty="0" err="1"/>
+              <a:t>erőforrás</a:t>
+            </a:r>
+            <a:r>
+              <a:rPr lang="en-US" dirty="0"/>
+              <a:t> </a:t>
+            </a:r>
+            <a:r>
+              <a:rPr lang="en-US" dirty="0" err="1"/>
+              <a:t>igényes</a:t>
+            </a:r>
+            <a:endParaRPr lang="en-US" dirty="0"/>
+          </a:p>
+          <a:p>
+            <a:r>
+              <a:rPr lang="en-US" dirty="0"/>
+              <a:t>A </a:t>
+            </a:r>
+            <a:r>
+              <a:rPr lang="en-US" dirty="0" err="1"/>
+              <a:t>választott</a:t>
+            </a:r>
+            <a:r>
+              <a:rPr lang="en-US" dirty="0"/>
+              <a:t> </a:t>
+            </a:r>
+            <a:r>
+              <a:rPr lang="en-US" dirty="0" err="1"/>
+              <a:t>hardver</a:t>
+            </a:r>
+            <a:r>
+              <a:rPr lang="en-US" dirty="0"/>
+              <a:t> </a:t>
+            </a:r>
+            <a:r>
+              <a:rPr lang="en-US" dirty="0" err="1"/>
+              <a:t>limitált</a:t>
+            </a:r>
+            <a:r>
+              <a:rPr lang="en-US" dirty="0"/>
+              <a:t> </a:t>
+            </a:r>
+            <a:r>
+              <a:rPr lang="en-US" dirty="0" err="1"/>
+              <a:t>erőforrásokkal</a:t>
+            </a:r>
+            <a:r>
+              <a:rPr lang="en-US" dirty="0"/>
+              <a:t> </a:t>
+            </a:r>
+            <a:r>
+              <a:rPr lang="en-US" dirty="0" err="1"/>
+              <a:t>rendelkezik</a:t>
+            </a:r>
+            <a:endParaRPr lang="en-US" dirty="0"/>
+          </a:p>
+          <a:p>
+            <a:r>
+              <a:rPr lang="en-US" dirty="0" err="1"/>
+              <a:t>Limitált</a:t>
+            </a:r>
+            <a:r>
+              <a:rPr lang="en-US" dirty="0"/>
+              <a:t> input, </a:t>
+            </a:r>
+            <a:r>
+              <a:rPr lang="en-US" dirty="0" err="1"/>
+              <a:t>nincsenek</a:t>
+            </a:r>
+            <a:r>
+              <a:rPr lang="en-US" dirty="0"/>
+              <a:t> VR </a:t>
+            </a:r>
+            <a:r>
+              <a:rPr lang="en-US" dirty="0" err="1"/>
+              <a:t>kontrollerek</a:t>
+            </a:r>
+            <a:r>
+              <a:rPr lang="en-US" dirty="0"/>
+              <a:t>, </a:t>
+            </a:r>
+            <a:r>
+              <a:rPr lang="en-US" dirty="0" err="1"/>
+              <a:t>csak</a:t>
+            </a:r>
+            <a:r>
+              <a:rPr lang="en-US" dirty="0"/>
+              <a:t> a </a:t>
+            </a:r>
+            <a:r>
+              <a:rPr lang="en-US" dirty="0" err="1"/>
+              <a:t>szemüveg</a:t>
+            </a:r>
+            <a:r>
+              <a:rPr lang="en-US" dirty="0"/>
+              <a:t> </a:t>
+            </a:r>
+            <a:r>
+              <a:rPr lang="en-US" dirty="0" err="1"/>
+              <a:t>forgásszöge</a:t>
+            </a:r>
+            <a:r>
+              <a:rPr lang="en-US" dirty="0"/>
+              <a:t> </a:t>
+            </a:r>
+            <a:r>
+              <a:rPr lang="en-US" dirty="0" err="1"/>
+              <a:t>és</a:t>
+            </a:r>
+            <a:r>
+              <a:rPr lang="en-US" dirty="0"/>
+              <a:t> </a:t>
+            </a:r>
+            <a:r>
+              <a:rPr lang="en-US" dirty="0" err="1"/>
+              <a:t>az</a:t>
+            </a:r>
+            <a:r>
+              <a:rPr lang="en-US" dirty="0"/>
+              <a:t> </a:t>
+            </a:r>
+            <a:r>
+              <a:rPr lang="en-US" dirty="0" err="1"/>
+              <a:t>érintőpanel</a:t>
+            </a:r>
+            <a:r>
+              <a:rPr lang="en-US" dirty="0"/>
+              <a:t> a </a:t>
+            </a:r>
+            <a:r>
+              <a:rPr lang="en-US" dirty="0" err="1"/>
+              <a:t>bemenet</a:t>
+            </a:r>
+            <a:endParaRPr lang="en-US" dirty="0"/>
+          </a:p>
+        </p:txBody>
+      </p:sp>
+    </p:spTree>
+    <p:extLst>
+      <p:ext uri="{BB962C8B-B14F-4D97-AF65-F5344CB8AC3E}">
+        <p14:creationId xmlns:p14="http://schemas.microsoft.com/office/powerpoint/2010/main" val="34428355"/>
+      </p:ext>
+    </p:extLst>
+  </p:cSld>
+  <p:clrMapOvr>
+    <a:masterClrMapping/>
+  </p:clrMapOvr>
+</p:sld>
+</file>
+
+<file path=ppt/slides/slide5.xml><?xml version="1.0" encoding="utf-8"?>
+<p:sld xmlns:a="http://schemas.openxmlformats.org/drawingml/2006/main" xmlns:r="http://schemas.openxmlformats.org/officeDocument/2006/relationships" xmlns:p="http://schemas.openxmlformats.org/presentationml/2006/main">
+  <p:cSld>
+    <p:spTree>
+      <p:nvGrpSpPr>
+        <p:cNvPr id="1" name=""/>
+        <p:cNvGrpSpPr/>
+        <p:nvPr/>
+      </p:nvGrpSpPr>
+      <p:grpSpPr>
+        <a:xfrm>
+          <a:off x="0" y="0"/>
+          <a:ext cx="0" cy="0"/>
+          <a:chOff x="0" y="0"/>
+          <a:chExt cx="0" cy="0"/>
+        </a:xfrm>
+      </p:grpSpPr>
+      <p:sp>
+        <p:nvSpPr>
+          <p:cNvPr id="2" name="Title 1">
+            <a:extLst>
+              <a:ext uri="{FF2B5EF4-FFF2-40B4-BE49-F238E27FC236}">
+                <a16:creationId xmlns:a16="http://schemas.microsoft.com/office/drawing/2014/main" id="{B7E1FC21-692C-F303-3A37-C82517BB51E0}"/>
+              </a:ext>
+            </a:extLst>
+          </p:cNvPr>
+          <p:cNvSpPr>
+            <a:spLocks noGrp="1"/>
+          </p:cNvSpPr>
+          <p:nvPr>
+            <p:ph type="title"/>
+          </p:nvPr>
+        </p:nvSpPr>
+        <p:spPr/>
+        <p:txBody>
+          <a:bodyPr/>
+          <a:lstStyle/>
+          <a:p>
+            <a:r>
+              <a:rPr lang="en-US" dirty="0" err="1"/>
+              <a:t>Játék</a:t>
+            </a:r>
+            <a:r>
+              <a:rPr lang="en-US" dirty="0"/>
+              <a:t> </a:t>
+            </a:r>
+            <a:r>
+              <a:rPr lang="en-US" dirty="0" err="1"/>
+              <a:t>menete</a:t>
+            </a:r>
+            <a:endParaRPr lang="hu-HU" dirty="0"/>
+          </a:p>
+        </p:txBody>
+      </p:sp>
+      <p:sp>
+        <p:nvSpPr>
+          <p:cNvPr id="3" name="Text Placeholder 2">
+            <a:extLst>
+              <a:ext uri="{FF2B5EF4-FFF2-40B4-BE49-F238E27FC236}">
+                <a16:creationId xmlns:a16="http://schemas.microsoft.com/office/drawing/2014/main" id="{23BCAC2F-B992-57E9-EE16-948B9BB2DCC8}"/>
+              </a:ext>
+            </a:extLst>
+          </p:cNvPr>
+          <p:cNvSpPr>
+            <a:spLocks noGrp="1"/>
+          </p:cNvSpPr>
+          <p:nvPr>
+            <p:ph type="body" idx="1"/>
+          </p:nvPr>
+        </p:nvSpPr>
+        <p:spPr>
+          <a:xfrm>
+            <a:off x="581193" y="1815935"/>
+            <a:ext cx="5393102" cy="434958"/>
+          </a:xfrm>
+        </p:spPr>
+        <p:txBody>
+          <a:bodyPr/>
+          <a:lstStyle/>
+          <a:p>
+            <a:pPr algn="ctr"/>
+            <a:r>
+              <a:rPr lang="en-US" dirty="0" err="1"/>
+              <a:t>Játék</a:t>
+            </a:r>
+            <a:r>
+              <a:rPr lang="en-US" dirty="0"/>
+              <a:t> </a:t>
+            </a:r>
+            <a:r>
+              <a:rPr lang="en-US" dirty="0" err="1"/>
+              <a:t>mód</a:t>
+            </a:r>
+            <a:endParaRPr lang="hu-HU" dirty="0"/>
+          </a:p>
+        </p:txBody>
+      </p:sp>
+      <p:pic>
+        <p:nvPicPr>
+          <p:cNvPr id="12" name="Content Placeholder 11">
+            <a:extLst>
+              <a:ext uri="{FF2B5EF4-FFF2-40B4-BE49-F238E27FC236}">
+                <a16:creationId xmlns:a16="http://schemas.microsoft.com/office/drawing/2014/main" id="{FADFDF8C-7C6F-67EA-7E4E-7191017E2197}"/>
+              </a:ext>
+            </a:extLst>
+          </p:cNvPr>
+          <p:cNvPicPr>
+            <a:picLocks noGrp="1" noChangeAspect="1"/>
+          </p:cNvPicPr>
+          <p:nvPr>
+            <p:ph sz="half" idx="2"/>
+          </p:nvPr>
+        </p:nvPicPr>
+        <p:blipFill>
+          <a:blip r:embed="rId3"/>
+          <a:stretch>
+            <a:fillRect/>
+          </a:stretch>
+        </p:blipFill>
+        <p:spPr>
+          <a:xfrm>
+            <a:off x="7276193" y="2250892"/>
+            <a:ext cx="3582158" cy="2035737"/>
+          </a:xfrm>
+        </p:spPr>
+      </p:pic>
+      <p:sp>
+        <p:nvSpPr>
+          <p:cNvPr id="5" name="Text Placeholder 4">
+            <a:extLst>
+              <a:ext uri="{FF2B5EF4-FFF2-40B4-BE49-F238E27FC236}">
+                <a16:creationId xmlns:a16="http://schemas.microsoft.com/office/drawing/2014/main" id="{2CB14778-06D6-CE8F-6DE5-D06A1DEEA4F9}"/>
+              </a:ext>
+            </a:extLst>
+          </p:cNvPr>
+          <p:cNvSpPr>
+            <a:spLocks noGrp="1"/>
+          </p:cNvSpPr>
+          <p:nvPr>
+            <p:ph type="body" sz="quarter" idx="3"/>
+          </p:nvPr>
+        </p:nvSpPr>
+        <p:spPr>
+          <a:xfrm>
+            <a:off x="6523736" y="1815934"/>
+            <a:ext cx="5087072" cy="434958"/>
+          </a:xfrm>
+        </p:spPr>
+        <p:txBody>
+          <a:bodyPr/>
+          <a:lstStyle/>
+          <a:p>
+            <a:pPr algn="ctr"/>
+            <a:r>
+              <a:rPr lang="en-US" dirty="0" err="1"/>
+              <a:t>Gyakorlat</a:t>
+            </a:r>
+            <a:r>
+              <a:rPr lang="en-US" dirty="0"/>
+              <a:t> </a:t>
+            </a:r>
+            <a:r>
+              <a:rPr lang="en-US" dirty="0" err="1"/>
+              <a:t>készítő</a:t>
+            </a:r>
+            <a:r>
+              <a:rPr lang="en-US" dirty="0"/>
+              <a:t> </a:t>
+            </a:r>
+            <a:r>
+              <a:rPr lang="en-US" dirty="0" err="1"/>
+              <a:t>mód</a:t>
+            </a:r>
+            <a:endParaRPr lang="hu-HU" dirty="0"/>
+          </a:p>
+        </p:txBody>
+      </p:sp>
+      <p:pic>
+        <p:nvPicPr>
+          <p:cNvPr id="14" name="Content Placeholder 13">
+            <a:extLst>
+              <a:ext uri="{FF2B5EF4-FFF2-40B4-BE49-F238E27FC236}">
+                <a16:creationId xmlns:a16="http://schemas.microsoft.com/office/drawing/2014/main" id="{863C7ADD-BD02-83C2-9B75-45B2F6C0B8D3}"/>
+              </a:ext>
+            </a:extLst>
+          </p:cNvPr>
+          <p:cNvPicPr>
+            <a:picLocks noGrp="1" noChangeAspect="1"/>
+          </p:cNvPicPr>
+          <p:nvPr>
+            <p:ph sz="quarter" idx="4"/>
+          </p:nvPr>
+        </p:nvPicPr>
+        <p:blipFill>
+          <a:blip r:embed="rId4"/>
+          <a:stretch>
+            <a:fillRect/>
+          </a:stretch>
+        </p:blipFill>
+        <p:spPr>
+          <a:xfrm>
+            <a:off x="1557838" y="2250892"/>
+            <a:ext cx="3554535" cy="2035737"/>
+          </a:xfrm>
+        </p:spPr>
+      </p:pic>
+      <p:pic>
+        <p:nvPicPr>
+          <p:cNvPr id="6" name="Picture 5" descr="A picture containing screenshot, text, font, diagram&#10;&#10;Description automatically generated">
+            <a:extLst>
+              <a:ext uri="{FF2B5EF4-FFF2-40B4-BE49-F238E27FC236}">
+                <a16:creationId xmlns:a16="http://schemas.microsoft.com/office/drawing/2014/main" id="{90E2A698-D909-D7BD-D431-655AE0D1CC72}"/>
+              </a:ext>
+            </a:extLst>
+          </p:cNvPr>
+          <p:cNvPicPr>
+            <a:picLocks noChangeAspect="1"/>
+          </p:cNvPicPr>
+          <p:nvPr/>
+        </p:nvPicPr>
+        <p:blipFill>
+          <a:blip r:embed="rId5"/>
+          <a:stretch>
+            <a:fillRect/>
+          </a:stretch>
+        </p:blipFill>
+        <p:spPr>
+          <a:xfrm>
+            <a:off x="581193" y="4385051"/>
+            <a:ext cx="5585504" cy="1743291"/>
+          </a:xfrm>
+          <a:prstGeom prst="rect">
+            <a:avLst/>
+          </a:prstGeom>
+        </p:spPr>
+      </p:pic>
+      <p:pic>
+        <p:nvPicPr>
+          <p:cNvPr id="8" name="Picture 7" descr="A screenshot of a computer screen&#10;&#10;Description automatically generated with low confidence">
+            <a:extLst>
+              <a:ext uri="{FF2B5EF4-FFF2-40B4-BE49-F238E27FC236}">
+                <a16:creationId xmlns:a16="http://schemas.microsoft.com/office/drawing/2014/main" id="{0D3AC8DB-40E2-6C0F-5A92-75518E2EFFEE}"/>
+              </a:ext>
+            </a:extLst>
+          </p:cNvPr>
+          <p:cNvPicPr>
+            <a:picLocks noChangeAspect="1"/>
+          </p:cNvPicPr>
+          <p:nvPr/>
+        </p:nvPicPr>
+        <p:blipFill>
+          <a:blip r:embed="rId6"/>
+          <a:stretch>
+            <a:fillRect/>
+          </a:stretch>
+        </p:blipFill>
+        <p:spPr>
+          <a:xfrm>
+            <a:off x="6523736" y="4607109"/>
+            <a:ext cx="4515939" cy="1926889"/>
+          </a:xfrm>
+          <a:prstGeom prst="rect">
+            <a:avLst/>
+          </a:prstGeom>
+        </p:spPr>
+      </p:pic>
+    </p:spTree>
+    <p:extLst>
+      <p:ext uri="{BB962C8B-B14F-4D97-AF65-F5344CB8AC3E}">
+        <p14:creationId xmlns:p14="http://schemas.microsoft.com/office/powerpoint/2010/main" val="500738798"/>
+      </p:ext>
+    </p:extLst>
+  </p:cSld>
+  <p:clrMapOvr>
+    <a:masterClrMapping/>
+  </p:clrMapOvr>
+</p:sld>
+</file>
+
+<file path=ppt/slides/slide6.xml><?xml version="1.0" encoding="utf-8"?>
+<p:sld xmlns:a="http://schemas.openxmlformats.org/drawingml/2006/main" xmlns:r="http://schemas.openxmlformats.org/officeDocument/2006/relationships" xmlns:p="http://schemas.openxmlformats.org/presentationml/2006/main">
+  <p:cSld>
+    <p:bg>
+      <p:bgPr>
+        <a:solidFill>
+          <a:schemeClr val="bg1"/>
+        </a:solidFill>
+        <a:effectLst/>
+      </p:bgPr>
+    </p:bg>
+    <p:spTree>
+      <p:nvGrpSpPr>
+        <p:cNvPr id="1" name=""/>
+        <p:cNvGrpSpPr/>
+        <p:nvPr/>
+      </p:nvGrpSpPr>
+      <p:grpSpPr>
+        <a:xfrm>
+          <a:off x="0" y="0"/>
+          <a:ext cx="0" cy="0"/>
+          <a:chOff x="0" y="0"/>
+          <a:chExt cx="0" cy="0"/>
+        </a:xfrm>
+      </p:grpSpPr>
+      <p:sp>
+        <p:nvSpPr>
+          <p:cNvPr id="2" name="Title 1">
+            <a:extLst>
+              <a:ext uri="{FF2B5EF4-FFF2-40B4-BE49-F238E27FC236}">
+                <a16:creationId xmlns:a16="http://schemas.microsoft.com/office/drawing/2014/main" id="{0FF05CC1-C841-E6B0-A299-23BE9DA3E863}"/>
+              </a:ext>
+            </a:extLst>
+          </p:cNvPr>
+          <p:cNvSpPr>
+            <a:spLocks noGrp="1"/>
+          </p:cNvSpPr>
+          <p:nvPr>
+            <p:ph type="title"/>
+          </p:nvPr>
+        </p:nvSpPr>
+        <p:spPr>
+          <a:xfrm>
+            <a:off x="581192" y="702156"/>
+            <a:ext cx="11029616" cy="1013800"/>
+          </a:xfrm>
+        </p:spPr>
+        <p:txBody>
+          <a:bodyPr>
+            <a:normAutofit/>
+          </a:bodyPr>
+          <a:lstStyle/>
+          <a:p>
+            <a:r>
+              <a:rPr lang="en-US">
+                <a:solidFill>
+                  <a:srgbClr val="FFFFFF"/>
+                </a:solidFill>
+              </a:rPr>
+              <a:t>Játékobjektumok kezelése</a:t>
+            </a:r>
+            <a:endParaRPr lang="hu-HU">
+              <a:solidFill>
+                <a:srgbClr val="FFFFFF"/>
+              </a:solidFill>
+            </a:endParaRPr>
+          </a:p>
+        </p:txBody>
+      </p:sp>
+      <p:sp>
+        <p:nvSpPr>
+          <p:cNvPr id="10" name="Rectangle 9">
+            <a:extLst>
+              <a:ext uri="{FF2B5EF4-FFF2-40B4-BE49-F238E27FC236}">
+                <a16:creationId xmlns:a16="http://schemas.microsoft.com/office/drawing/2014/main" id="{804E8F58-8259-44E1-A519-27329D199ED2}"/>
+              </a:ext>
+              <a:ext uri="{C183D7F6-B498-43B3-948B-1728B52AA6E4}">
+                <adec:decorative xmlns:adec="http://schemas.microsoft.com/office/drawing/2017/decorative" val="1"/>
+              </a:ext>
+            </a:extLst>
+          </p:cNvPr>
+          <p:cNvSpPr>
+            <a:spLocks noGrp="1" noRot="1" noChangeAspect="1" noMove="1" noResize="1" noEditPoints="1" noAdjustHandles="1" noChangeArrowheads="1" noChangeShapeType="1" noTextEdit="1"/>
+          </p:cNvSpPr>
+          <p:nvPr>
+            <p:extLst>
+              <p:ext uri="{386F3935-93C4-4BCD-93E2-E3B085C9AB24}">
+                <p16:designElem xmlns:p16="http://schemas.microsoft.com/office/powerpoint/2015/main" val="1"/>
+              </p:ext>
+            </p:extLst>
+          </p:nvPr>
+        </p:nvSpPr>
+        <p:spPr>
+          <a:xfrm>
+            <a:off x="446534" y="2180496"/>
+            <a:ext cx="3703320" cy="4045683"/>
+          </a:xfrm>
+          <a:prstGeom prst="rect">
+            <a:avLst/>
+          </a:prstGeom>
+          <a:noFill/>
+          <a:ln w="38100">
+            <a:solidFill>
+              <a:schemeClr val="tx2"/>
+            </a:solidFill>
+          </a:ln>
+        </p:spPr>
+        <p:style>
+          <a:lnRef idx="2">
+            <a:schemeClr val="accent1">
+              <a:shade val="50000"/>
+            </a:schemeClr>
+          </a:lnRef>
+          <a:fillRef idx="1">
+            <a:schemeClr val="accent1"/>
+          </a:fillRef>
+          <a:effectRef idx="0">
+            <a:schemeClr val="accent1"/>
+          </a:effectRef>
+          <a:fontRef idx="minor">
+            <a:schemeClr val="lt1"/>
+          </a:fontRef>
+        </p:style>
+        <p:txBody>
+          <a:bodyPr rtlCol="0" anchor="ctr"/>
+          <a:lstStyle/>
+          <a:p>
+            <a:pPr algn="ctr"/>
+            <a:endParaRPr lang="en-US"/>
+          </a:p>
+        </p:txBody>
+      </p:sp>
+      <p:pic>
+        <p:nvPicPr>
+          <p:cNvPr id="4" name="Content Placeholder 7" descr="A screen shot of a computer&#10;&#10;Description automatically generated with medium confidence">
+            <a:extLst>
+              <a:ext uri="{FF2B5EF4-FFF2-40B4-BE49-F238E27FC236}">
+                <a16:creationId xmlns:a16="http://schemas.microsoft.com/office/drawing/2014/main" id="{3CF6D758-56FC-0376-5967-814A1634C488}"/>
+              </a:ext>
+            </a:extLst>
+          </p:cNvPr>
+          <p:cNvPicPr>
+            <a:picLocks noChangeAspect="1"/>
+          </p:cNvPicPr>
+          <p:nvPr/>
+        </p:nvPicPr>
+        <p:blipFill rotWithShape="1">
+          <a:blip r:embed="rId3"/>
+          <a:srcRect l="18729" t="25199" r="18732" b="17592"/>
+          <a:stretch/>
+        </p:blipFill>
+        <p:spPr>
+          <a:xfrm>
+            <a:off x="630849" y="2338828"/>
+            <a:ext cx="3331551" cy="1752408"/>
+          </a:xfrm>
+          <a:prstGeom prst="rect">
+            <a:avLst/>
+          </a:prstGeom>
+        </p:spPr>
+      </p:pic>
+      <p:pic>
+        <p:nvPicPr>
+          <p:cNvPr id="5" name="Content Placeholder 9">
+            <a:extLst>
+              <a:ext uri="{FF2B5EF4-FFF2-40B4-BE49-F238E27FC236}">
+                <a16:creationId xmlns:a16="http://schemas.microsoft.com/office/drawing/2014/main" id="{FD513F3E-950A-FBDD-D6B8-39C10CBBBAB2}"/>
+              </a:ext>
+            </a:extLst>
+          </p:cNvPr>
+          <p:cNvPicPr>
+            <a:picLocks noChangeAspect="1"/>
+          </p:cNvPicPr>
+          <p:nvPr/>
+        </p:nvPicPr>
+        <p:blipFill rotWithShape="1">
+          <a:blip r:embed="rId4"/>
+          <a:srcRect l="7519" t="3616" r="23928" b="34522"/>
+          <a:stretch/>
+        </p:blipFill>
+        <p:spPr>
+          <a:xfrm>
+            <a:off x="630848" y="4249568"/>
+            <a:ext cx="3331552" cy="1706177"/>
+          </a:xfrm>
+          <a:prstGeom prst="rect">
+            <a:avLst/>
+          </a:prstGeom>
+        </p:spPr>
+      </p:pic>
+      <p:sp>
+        <p:nvSpPr>
+          <p:cNvPr id="3" name="Content Placeholder 2">
+            <a:extLst>
+              <a:ext uri="{FF2B5EF4-FFF2-40B4-BE49-F238E27FC236}">
+                <a16:creationId xmlns:a16="http://schemas.microsoft.com/office/drawing/2014/main" id="{9FF48C56-CE00-C5B3-E610-9B4599F4770F}"/>
+              </a:ext>
+            </a:extLst>
+          </p:cNvPr>
+          <p:cNvSpPr>
+            <a:spLocks noGrp="1"/>
+          </p:cNvSpPr>
+          <p:nvPr>
+            <p:ph idx="1"/>
+          </p:nvPr>
+        </p:nvSpPr>
+        <p:spPr>
+          <a:xfrm>
+            <a:off x="4505325" y="2180496"/>
+            <a:ext cx="7105481" cy="4045683"/>
+          </a:xfrm>
+        </p:spPr>
+        <p:txBody>
+          <a:bodyPr>
+            <a:normAutofit/>
+          </a:bodyPr>
+          <a:lstStyle/>
+          <a:p>
+            <a:r>
+              <a:rPr lang="en-US" dirty="0" err="1"/>
+              <a:t>Dinamikusan</a:t>
+            </a:r>
+            <a:r>
+              <a:rPr lang="en-US" dirty="0"/>
+              <a:t> </a:t>
+            </a:r>
+            <a:r>
+              <a:rPr lang="en-US" dirty="0" err="1"/>
+              <a:t>hozzuk</a:t>
+            </a:r>
+            <a:r>
+              <a:rPr lang="en-US" dirty="0"/>
+              <a:t> </a:t>
+            </a:r>
+            <a:r>
+              <a:rPr lang="en-US" dirty="0" err="1"/>
+              <a:t>őket</a:t>
+            </a:r>
+            <a:r>
+              <a:rPr lang="en-US" dirty="0"/>
+              <a:t> </a:t>
+            </a:r>
+            <a:r>
+              <a:rPr lang="en-US" dirty="0" err="1"/>
+              <a:t>létre</a:t>
+            </a:r>
+            <a:r>
+              <a:rPr lang="en-US" dirty="0"/>
+              <a:t> </a:t>
+            </a:r>
+            <a:r>
+              <a:rPr lang="en-US" dirty="0" err="1"/>
+              <a:t>és</a:t>
+            </a:r>
+            <a:r>
+              <a:rPr lang="en-US" dirty="0"/>
+              <a:t> </a:t>
+            </a:r>
+            <a:r>
+              <a:rPr lang="en-US" dirty="0" err="1"/>
+              <a:t>töröljük</a:t>
+            </a:r>
+            <a:r>
+              <a:rPr lang="en-US" dirty="0"/>
+              <a:t> </a:t>
+            </a:r>
+            <a:r>
+              <a:rPr lang="en-US" dirty="0" err="1"/>
+              <a:t>őket</a:t>
+            </a:r>
+            <a:r>
+              <a:rPr lang="en-US" dirty="0"/>
+              <a:t>, </a:t>
+            </a:r>
+            <a:r>
+              <a:rPr lang="en-US" dirty="0" err="1"/>
+              <a:t>létrehozáshoz</a:t>
+            </a:r>
+            <a:r>
+              <a:rPr lang="en-US" dirty="0"/>
+              <a:t> </a:t>
+            </a:r>
+            <a:r>
+              <a:rPr lang="en-US" dirty="0" err="1"/>
+              <a:t>tudnunk</a:t>
+            </a:r>
+            <a:r>
+              <a:rPr lang="en-US" dirty="0"/>
+              <a:t> </a:t>
+            </a:r>
+            <a:r>
+              <a:rPr lang="en-US" dirty="0" err="1"/>
+              <a:t>kell</a:t>
+            </a:r>
+            <a:r>
+              <a:rPr lang="en-US" dirty="0"/>
+              <a:t> a </a:t>
+            </a:r>
+            <a:r>
+              <a:rPr lang="en-US" dirty="0" err="1"/>
+              <a:t>pozíciót</a:t>
+            </a:r>
+            <a:r>
+              <a:rPr lang="en-US" dirty="0"/>
+              <a:t> </a:t>
+            </a:r>
+            <a:r>
+              <a:rPr lang="en-US" dirty="0" err="1"/>
+              <a:t>és</a:t>
+            </a:r>
+            <a:r>
+              <a:rPr lang="en-US" dirty="0"/>
+              <a:t>, </a:t>
+            </a:r>
+            <a:r>
+              <a:rPr lang="en-US" dirty="0" err="1"/>
+              <a:t>hogy</a:t>
+            </a:r>
+            <a:r>
+              <a:rPr lang="en-US" dirty="0"/>
+              <a:t> </a:t>
+            </a:r>
+            <a:r>
+              <a:rPr lang="en-US" dirty="0" err="1"/>
+              <a:t>mit</a:t>
+            </a:r>
+            <a:r>
+              <a:rPr lang="en-US" dirty="0"/>
+              <a:t> </a:t>
+            </a:r>
+            <a:r>
+              <a:rPr lang="en-US" dirty="0" err="1"/>
+              <a:t>akarunk</a:t>
+            </a:r>
+            <a:r>
+              <a:rPr lang="en-US" dirty="0"/>
+              <a:t> </a:t>
+            </a:r>
+            <a:r>
+              <a:rPr lang="en-US" dirty="0" err="1"/>
+              <a:t>létrehozni</a:t>
+            </a:r>
+            <a:r>
+              <a:rPr lang="en-US" dirty="0"/>
+              <a:t>. </a:t>
+            </a:r>
+            <a:r>
+              <a:rPr lang="en-US" dirty="0" err="1"/>
+              <a:t>Törléshez</a:t>
+            </a:r>
+            <a:r>
+              <a:rPr lang="en-US" dirty="0"/>
+              <a:t> </a:t>
+            </a:r>
+            <a:r>
+              <a:rPr lang="en-US" dirty="0" err="1"/>
+              <a:t>tudnunk</a:t>
+            </a:r>
+            <a:r>
+              <a:rPr lang="en-US" dirty="0"/>
+              <a:t> </a:t>
+            </a:r>
+            <a:r>
+              <a:rPr lang="en-US" dirty="0" err="1"/>
+              <a:t>kell</a:t>
+            </a:r>
+            <a:r>
+              <a:rPr lang="en-US" dirty="0"/>
+              <a:t> </a:t>
+            </a:r>
+            <a:r>
+              <a:rPr lang="en-US" dirty="0" err="1"/>
+              <a:t>mit</a:t>
+            </a:r>
+            <a:r>
+              <a:rPr lang="en-US" dirty="0"/>
+              <a:t> </a:t>
+            </a:r>
+            <a:r>
+              <a:rPr lang="en-US" dirty="0" err="1"/>
+              <a:t>akarunk</a:t>
+            </a:r>
+            <a:r>
+              <a:rPr lang="en-US" dirty="0"/>
+              <a:t> </a:t>
+            </a:r>
+            <a:r>
+              <a:rPr lang="en-US" dirty="0" err="1"/>
+              <a:t>törölni</a:t>
+            </a:r>
+            <a:r>
+              <a:rPr lang="en-US" dirty="0"/>
+              <a:t>.</a:t>
+            </a:r>
+          </a:p>
+          <a:p>
+            <a:r>
+              <a:rPr lang="en-US" dirty="0"/>
+              <a:t>A </a:t>
+            </a:r>
+            <a:r>
+              <a:rPr lang="en-US" dirty="0" err="1"/>
+              <a:t>lehető</a:t>
+            </a:r>
+            <a:r>
+              <a:rPr lang="en-US" dirty="0"/>
+              <a:t> </a:t>
+            </a:r>
+            <a:r>
+              <a:rPr lang="en-US" dirty="0" err="1"/>
+              <a:t>legkevesebb</a:t>
+            </a:r>
+            <a:r>
+              <a:rPr lang="en-US" dirty="0"/>
+              <a:t> </a:t>
+            </a:r>
+            <a:r>
+              <a:rPr lang="en-US" dirty="0" err="1"/>
+              <a:t>objektum</a:t>
+            </a:r>
+            <a:r>
+              <a:rPr lang="en-US" dirty="0"/>
+              <a:t> </a:t>
+            </a:r>
+            <a:r>
+              <a:rPr lang="en-US" dirty="0" err="1"/>
+              <a:t>létezik</a:t>
+            </a:r>
+            <a:r>
+              <a:rPr lang="en-US" dirty="0"/>
+              <a:t> </a:t>
+            </a:r>
+            <a:r>
+              <a:rPr lang="en-US" dirty="0" err="1"/>
+              <a:t>egyszerre</a:t>
+            </a:r>
+            <a:endParaRPr lang="en-US" dirty="0"/>
+          </a:p>
+          <a:p>
+            <a:r>
+              <a:rPr lang="en-US" dirty="0"/>
+              <a:t>A </a:t>
+            </a:r>
+            <a:r>
+              <a:rPr lang="en-US" dirty="0" err="1"/>
+              <a:t>menü</a:t>
+            </a:r>
+            <a:r>
+              <a:rPr lang="en-US" dirty="0"/>
+              <a:t> </a:t>
+            </a:r>
+            <a:r>
+              <a:rPr lang="en-US" dirty="0" err="1"/>
+              <a:t>nem</a:t>
+            </a:r>
+            <a:r>
+              <a:rPr lang="en-US" dirty="0"/>
+              <a:t> a UI </a:t>
+            </a:r>
+            <a:r>
+              <a:rPr lang="en-US" dirty="0" err="1"/>
+              <a:t>része</a:t>
+            </a:r>
+            <a:r>
+              <a:rPr lang="en-US" dirty="0"/>
+              <a:t>, </a:t>
+            </a:r>
+            <a:r>
+              <a:rPr lang="en-US" dirty="0" err="1"/>
+              <a:t>térbeli</a:t>
+            </a:r>
+            <a:r>
+              <a:rPr lang="en-US" dirty="0"/>
+              <a:t> </a:t>
+            </a:r>
+            <a:r>
+              <a:rPr lang="en-US" dirty="0" err="1"/>
+              <a:t>objektumokból</a:t>
+            </a:r>
+            <a:r>
+              <a:rPr lang="en-US" dirty="0"/>
+              <a:t> </a:t>
+            </a:r>
+            <a:r>
+              <a:rPr lang="en-US" dirty="0" err="1"/>
+              <a:t>épül</a:t>
+            </a:r>
+            <a:r>
+              <a:rPr lang="en-US" dirty="0"/>
+              <a:t> </a:t>
+            </a:r>
+            <a:r>
+              <a:rPr lang="en-US" dirty="0" err="1"/>
+              <a:t>fel</a:t>
+            </a:r>
+            <a:endParaRPr lang="en-US" dirty="0"/>
+          </a:p>
+          <a:p>
+            <a:r>
+              <a:rPr lang="en-US" dirty="0" err="1"/>
+              <a:t>Térben</a:t>
+            </a:r>
+            <a:r>
+              <a:rPr lang="en-US" dirty="0"/>
+              <a:t> </a:t>
+            </a:r>
+            <a:r>
+              <a:rPr lang="en-US" dirty="0" err="1"/>
+              <a:t>lévő</a:t>
+            </a:r>
+            <a:r>
+              <a:rPr lang="en-US" dirty="0"/>
+              <a:t> </a:t>
+            </a:r>
+            <a:r>
+              <a:rPr lang="en-US" dirty="0" err="1"/>
+              <a:t>objektumok</a:t>
+            </a:r>
+            <a:r>
+              <a:rPr lang="en-US" dirty="0"/>
+              <a:t>, </a:t>
+            </a:r>
+            <a:r>
+              <a:rPr lang="en-US" dirty="0" err="1"/>
+              <a:t>raycasting</a:t>
+            </a:r>
+            <a:r>
+              <a:rPr lang="en-US" dirty="0"/>
+              <a:t> </a:t>
+            </a:r>
+            <a:r>
+              <a:rPr lang="en-US" dirty="0" err="1"/>
+              <a:t>segítségével</a:t>
+            </a:r>
+            <a:r>
+              <a:rPr lang="en-US" dirty="0"/>
+              <a:t> </a:t>
+            </a:r>
+            <a:r>
+              <a:rPr lang="en-US" dirty="0" err="1"/>
+              <a:t>kattintunk</a:t>
+            </a:r>
+            <a:endParaRPr lang="en-US" dirty="0"/>
+          </a:p>
+        </p:txBody>
+      </p:sp>
+    </p:spTree>
+    <p:extLst>
+      <p:ext uri="{BB962C8B-B14F-4D97-AF65-F5344CB8AC3E}">
+        <p14:creationId xmlns:p14="http://schemas.microsoft.com/office/powerpoint/2010/main" val="3369481416"/>
+      </p:ext>
+    </p:extLst>
+  </p:cSld>
+  <p:clrMapOvr>
+    <a:masterClrMapping/>
+  </p:clrMapOvr>
+</p:sld>
+</file>
+
+<file path=ppt/slides/slide7.xml><?xml version="1.0" encoding="utf-8"?>
+<p:sld xmlns:a="http://schemas.openxmlformats.org/drawingml/2006/main" xmlns:r="http://schemas.openxmlformats.org/officeDocument/2006/relationships" xmlns:p="http://schemas.openxmlformats.org/presentationml/2006/main">
+  <p:cSld>
+    <p:bg>
+      <p:bgPr>
+        <a:solidFill>
+          <a:schemeClr val="bg1"/>
+        </a:solidFill>
+        <a:effectLst/>
+      </p:bgPr>
+    </p:bg>
+    <p:spTree>
+      <p:nvGrpSpPr>
+        <p:cNvPr id="1" name=""/>
+        <p:cNvGrpSpPr/>
+        <p:nvPr/>
+      </p:nvGrpSpPr>
+      <p:grpSpPr>
+        <a:xfrm>
+          <a:off x="0" y="0"/>
+          <a:ext cx="0" cy="0"/>
+          <a:chOff x="0" y="0"/>
+          <a:chExt cx="0" cy="0"/>
+        </a:xfrm>
+      </p:grpSpPr>
+      <p:sp>
+        <p:nvSpPr>
+          <p:cNvPr id="4" name="Title 3">
+            <a:extLst>
+              <a:ext uri="{FF2B5EF4-FFF2-40B4-BE49-F238E27FC236}">
+                <a16:creationId xmlns:a16="http://schemas.microsoft.com/office/drawing/2014/main" id="{FF5F5FAE-D153-1314-7B12-489FA94F74E1}"/>
+              </a:ext>
+            </a:extLst>
+          </p:cNvPr>
+          <p:cNvSpPr>
+            <a:spLocks noGrp="1"/>
+          </p:cNvSpPr>
+          <p:nvPr>
+            <p:ph type="title"/>
+          </p:nvPr>
+        </p:nvSpPr>
+        <p:spPr>
+          <a:xfrm>
+            <a:off x="581192" y="702156"/>
+            <a:ext cx="11029616" cy="1013800"/>
+          </a:xfrm>
+        </p:spPr>
+        <p:txBody>
+          <a:bodyPr>
+            <a:normAutofit/>
+          </a:bodyPr>
+          <a:lstStyle/>
+          <a:p>
+            <a:r>
+              <a:rPr lang="en-US">
+                <a:solidFill>
+                  <a:srgbClr val="FFFFFF"/>
+                </a:solidFill>
+              </a:rPr>
+              <a:t>Raycasting</a:t>
+            </a:r>
+          </a:p>
+        </p:txBody>
+      </p:sp>
+      <p:sp useBgFill="1">
+        <p:nvSpPr>
+          <p:cNvPr id="16" name="Rectangle 15">
+            <a:extLst>
+              <a:ext uri="{FF2B5EF4-FFF2-40B4-BE49-F238E27FC236}">
+                <a16:creationId xmlns:a16="http://schemas.microsoft.com/office/drawing/2014/main" id="{9E661D03-4DD4-45E7-A047-ED722E826D59}"/>
+              </a:ext>
+              <a:ext uri="{C183D7F6-B498-43B3-948B-1728B52AA6E4}">
+                <adec:decorative xmlns:adec="http://schemas.microsoft.com/office/drawing/2017/decorative" val="1"/>
+              </a:ext>
+            </a:extLst>
+          </p:cNvPr>
+          <p:cNvSpPr>
+            <a:spLocks noGrp="1" noRot="1" noChangeAspect="1" noMove="1" noResize="1" noEditPoints="1" noAdjustHandles="1" noChangeArrowheads="1" noChangeShapeType="1" noTextEdit="1"/>
+          </p:cNvSpPr>
+          <p:nvPr>
+            <p:extLst>
+              <p:ext uri="{386F3935-93C4-4BCD-93E2-E3B085C9AB24}">
+                <p16:designElem xmlns:p16="http://schemas.microsoft.com/office/powerpoint/2015/main" val="1"/>
+              </p:ext>
+            </p:extLst>
+          </p:nvPr>
+        </p:nvSpPr>
+        <p:spPr>
+          <a:xfrm>
+            <a:off x="446533" y="2180496"/>
+            <a:ext cx="5404639" cy="4045683"/>
+          </a:xfrm>
+          <a:prstGeom prst="rect">
+            <a:avLst/>
+          </a:prstGeom>
+          <a:ln w="38100">
+            <a:solidFill>
+              <a:schemeClr val="accent1"/>
+            </a:solidFill>
+          </a:ln>
+        </p:spPr>
+        <p:style>
+          <a:lnRef idx="2">
+            <a:schemeClr val="accent1">
+              <a:shade val="50000"/>
+            </a:schemeClr>
+          </a:lnRef>
+          <a:fillRef idx="1">
+            <a:schemeClr val="accent1"/>
+          </a:fillRef>
+          <a:effectRef idx="0">
+            <a:schemeClr val="accent1"/>
+          </a:effectRef>
+          <a:fontRef idx="minor">
+            <a:schemeClr val="lt1"/>
+          </a:fontRef>
+        </p:style>
+        <p:txBody>
+          <a:bodyPr rtlCol="0" anchor="ctr"/>
+          <a:lstStyle/>
+          <a:p>
+            <a:pPr algn="ctr"/>
+            <a:endParaRPr lang="en-US"/>
+          </a:p>
+        </p:txBody>
+      </p:sp>
+      <p:pic>
+        <p:nvPicPr>
+          <p:cNvPr id="11" name="Picture 10" descr="A close-up of a cube&#10;&#10;Description automatically generated with low confidence">
+            <a:extLst>
+              <a:ext uri="{FF2B5EF4-FFF2-40B4-BE49-F238E27FC236}">
+                <a16:creationId xmlns:a16="http://schemas.microsoft.com/office/drawing/2014/main" id="{8393FEAE-C096-DF38-F647-E3C5729BB151}"/>
+              </a:ext>
+            </a:extLst>
+          </p:cNvPr>
+          <p:cNvPicPr>
+            <a:picLocks noChangeAspect="1"/>
+          </p:cNvPicPr>
+          <p:nvPr/>
+        </p:nvPicPr>
+        <p:blipFill>
+          <a:blip r:embed="rId3"/>
+          <a:stretch>
+            <a:fillRect/>
+          </a:stretch>
+        </p:blipFill>
+        <p:spPr>
+          <a:xfrm>
+            <a:off x="581191" y="3519948"/>
+            <a:ext cx="5198473" cy="1273625"/>
+          </a:xfrm>
+          <a:prstGeom prst="rect">
+            <a:avLst/>
+          </a:prstGeom>
+        </p:spPr>
+      </p:pic>
+      <p:sp>
+        <p:nvSpPr>
+          <p:cNvPr id="3" name="Text Placeholder 2">
+            <a:extLst>
+              <a:ext uri="{FF2B5EF4-FFF2-40B4-BE49-F238E27FC236}">
+                <a16:creationId xmlns:a16="http://schemas.microsoft.com/office/drawing/2014/main" id="{23BCAC2F-B992-57E9-EE16-948B9BB2DCC8}"/>
+              </a:ext>
+            </a:extLst>
+          </p:cNvPr>
+          <p:cNvSpPr>
+            <a:spLocks noGrp="1"/>
+          </p:cNvSpPr>
+          <p:nvPr>
+            <p:ph idx="1"/>
+          </p:nvPr>
+        </p:nvSpPr>
+        <p:spPr>
+          <a:xfrm>
+            <a:off x="6335805" y="2180496"/>
+            <a:ext cx="5275001" cy="4045683"/>
+          </a:xfrm>
+        </p:spPr>
+        <p:txBody>
+          <a:bodyPr>
+            <a:normAutofit/>
+          </a:bodyPr>
+          <a:lstStyle/>
+          <a:p>
+            <a:r>
+              <a:rPr lang="en-US" dirty="0"/>
+              <a:t>A </a:t>
+            </a:r>
+            <a:r>
+              <a:rPr lang="en-US" dirty="0" err="1"/>
+              <a:t>látótér</a:t>
+            </a:r>
+            <a:r>
+              <a:rPr lang="en-US" dirty="0"/>
+              <a:t> </a:t>
+            </a:r>
+            <a:r>
+              <a:rPr lang="en-US" dirty="0" err="1"/>
+              <a:t>középpontját</a:t>
+            </a:r>
+            <a:r>
+              <a:rPr lang="en-US" dirty="0"/>
+              <a:t> </a:t>
+            </a:r>
+            <a:r>
+              <a:rPr lang="en-US" dirty="0" err="1"/>
+              <a:t>kiszámoljunk</a:t>
+            </a:r>
+            <a:r>
+              <a:rPr lang="en-US" dirty="0"/>
+              <a:t> mint </a:t>
+            </a:r>
+            <a:r>
+              <a:rPr lang="en-US" dirty="0" err="1"/>
+              <a:t>térbeli</a:t>
+            </a:r>
+            <a:r>
+              <a:rPr lang="en-US" dirty="0"/>
+              <a:t> </a:t>
+            </a:r>
+            <a:r>
+              <a:rPr lang="en-US" dirty="0" err="1"/>
+              <a:t>koordináta</a:t>
+            </a:r>
+            <a:r>
+              <a:rPr lang="en-US" dirty="0"/>
+              <a:t>, </a:t>
+            </a:r>
+            <a:r>
+              <a:rPr lang="en-US" dirty="0" err="1"/>
+              <a:t>és</a:t>
+            </a:r>
+            <a:r>
+              <a:rPr lang="en-US" dirty="0"/>
+              <a:t> </a:t>
+            </a:r>
+            <a:r>
+              <a:rPr lang="en-US" dirty="0" err="1"/>
+              <a:t>innen</a:t>
+            </a:r>
+            <a:r>
+              <a:rPr lang="en-US" dirty="0"/>
+              <a:t> </a:t>
+            </a:r>
+            <a:r>
+              <a:rPr lang="en-US" dirty="0" err="1"/>
+              <a:t>lövünk</a:t>
+            </a:r>
+            <a:r>
+              <a:rPr lang="en-US" dirty="0"/>
+              <a:t> a </a:t>
+            </a:r>
+            <a:r>
+              <a:rPr lang="en-US" dirty="0" err="1"/>
+              <a:t>látótér</a:t>
+            </a:r>
+            <a:r>
+              <a:rPr lang="en-US" dirty="0"/>
+              <a:t> irányvektorának </a:t>
+            </a:r>
+            <a:r>
+              <a:rPr lang="en-US" dirty="0" err="1"/>
+              <a:t>segítségével</a:t>
+            </a:r>
+            <a:r>
+              <a:rPr lang="en-US" dirty="0"/>
+              <a:t> </a:t>
+            </a:r>
+            <a:r>
+              <a:rPr lang="en-US" dirty="0" err="1"/>
+              <a:t>egy</a:t>
+            </a:r>
+            <a:r>
+              <a:rPr lang="en-US" dirty="0"/>
+              <a:t> </a:t>
+            </a:r>
+            <a:r>
+              <a:rPr lang="en-US" dirty="0" err="1"/>
+              <a:t>sugarat</a:t>
+            </a:r>
+            <a:r>
+              <a:rPr lang="en-US" dirty="0"/>
+              <a:t>. Meg </a:t>
+            </a:r>
+            <a:r>
+              <a:rPr lang="en-US" dirty="0" err="1"/>
+              <a:t>tuzdjuk</a:t>
+            </a:r>
+            <a:r>
+              <a:rPr lang="en-US" dirty="0"/>
+              <a:t> </a:t>
+            </a:r>
+            <a:r>
+              <a:rPr lang="en-US" dirty="0" err="1"/>
+              <a:t>vizsgálni</a:t>
+            </a:r>
+            <a:r>
+              <a:rPr lang="en-US" dirty="0"/>
+              <a:t> </a:t>
+            </a:r>
+            <a:r>
+              <a:rPr lang="en-US" dirty="0" err="1"/>
+              <a:t>milyen</a:t>
+            </a:r>
+            <a:r>
+              <a:rPr lang="en-US" dirty="0"/>
+              <a:t> </a:t>
+            </a:r>
+            <a:r>
+              <a:rPr lang="en-US" dirty="0" err="1"/>
+              <a:t>objektumokkal</a:t>
+            </a:r>
+            <a:r>
+              <a:rPr lang="en-US" dirty="0"/>
+              <a:t> </a:t>
+            </a:r>
+            <a:r>
+              <a:rPr lang="en-US" dirty="0" err="1"/>
+              <a:t>ütközik</a:t>
+            </a:r>
+            <a:r>
+              <a:rPr lang="en-US" dirty="0"/>
+              <a:t> a sugar</a:t>
+            </a:r>
+          </a:p>
+          <a:p>
+            <a:r>
+              <a:rPr lang="en-US" dirty="0" err="1"/>
+              <a:t>Így</a:t>
+            </a:r>
+            <a:r>
+              <a:rPr lang="en-US" dirty="0"/>
+              <a:t> </a:t>
+            </a:r>
+            <a:r>
+              <a:rPr lang="en-US" dirty="0" err="1"/>
+              <a:t>kezeli</a:t>
+            </a:r>
+            <a:r>
+              <a:rPr lang="en-US" dirty="0"/>
+              <a:t> le </a:t>
+            </a:r>
+            <a:r>
+              <a:rPr lang="en-US" dirty="0" err="1"/>
+              <a:t>az</a:t>
+            </a:r>
+            <a:r>
+              <a:rPr lang="en-US" dirty="0"/>
+              <a:t> </a:t>
+            </a:r>
+            <a:r>
+              <a:rPr lang="en-US" dirty="0" err="1"/>
+              <a:t>alkalmazás</a:t>
+            </a:r>
+            <a:r>
+              <a:rPr lang="en-US" dirty="0"/>
+              <a:t> a </a:t>
+            </a:r>
+            <a:r>
+              <a:rPr lang="en-US" dirty="0" err="1"/>
+              <a:t>menü</a:t>
+            </a:r>
+            <a:r>
+              <a:rPr lang="en-US" dirty="0"/>
+              <a:t> </a:t>
+            </a:r>
+            <a:r>
+              <a:rPr lang="en-US" dirty="0" err="1"/>
+              <a:t>elemekre</a:t>
+            </a:r>
+            <a:r>
+              <a:rPr lang="en-US" dirty="0"/>
+              <a:t>, </a:t>
+            </a:r>
+            <a:r>
+              <a:rPr lang="en-US" dirty="0" err="1"/>
+              <a:t>és</a:t>
+            </a:r>
+            <a:r>
+              <a:rPr lang="en-US" dirty="0"/>
+              <a:t> </a:t>
+            </a:r>
+            <a:r>
+              <a:rPr lang="en-US" dirty="0" err="1"/>
+              <a:t>térbeli</a:t>
+            </a:r>
+            <a:r>
+              <a:rPr lang="en-US" dirty="0"/>
+              <a:t> </a:t>
+            </a:r>
+            <a:r>
+              <a:rPr lang="en-US" dirty="0" err="1"/>
+              <a:t>objektumokra</a:t>
+            </a:r>
+            <a:r>
+              <a:rPr lang="en-US" dirty="0"/>
+              <a:t> </a:t>
+            </a:r>
+            <a:r>
+              <a:rPr lang="en-US" dirty="0" err="1"/>
+              <a:t>való</a:t>
+            </a:r>
+            <a:r>
+              <a:rPr lang="en-US" dirty="0"/>
+              <a:t> </a:t>
+            </a:r>
+            <a:r>
+              <a:rPr lang="en-US" dirty="0" err="1"/>
+              <a:t>kattintást</a:t>
+            </a:r>
+            <a:endParaRPr lang="hu-HU" dirty="0"/>
+          </a:p>
+        </p:txBody>
+      </p:sp>
+    </p:spTree>
+    <p:extLst>
+      <p:ext uri="{BB962C8B-B14F-4D97-AF65-F5344CB8AC3E}">
+        <p14:creationId xmlns:p14="http://schemas.microsoft.com/office/powerpoint/2010/main" val="4004072810"/>
+      </p:ext>
+    </p:extLst>
+  </p:cSld>
+  <p:clrMapOvr>
+    <a:masterClrMapping/>
+  </p:clrMapOvr>
+</p:sld>
+</file>
+
+<file path=ppt/slides/slide8.xml><?xml version="1.0" encoding="utf-8"?>
+<p:sld xmlns:a="http://schemas.openxmlformats.org/drawingml/2006/main" xmlns:r="http://schemas.openxmlformats.org/officeDocument/2006/relationships" xmlns:p="http://schemas.openxmlformats.org/presentationml/2006/main">
+  <p:cSld>
+    <p:bg>
+      <p:bgPr>
+        <a:solidFill>
+          <a:schemeClr val="bg1"/>
+        </a:solidFill>
+        <a:effectLst/>
+      </p:bgPr>
+    </p:bg>
+    <p:spTree>
+      <p:nvGrpSpPr>
+        <p:cNvPr id="1" name=""/>
+        <p:cNvGrpSpPr/>
+        <p:nvPr/>
+      </p:nvGrpSpPr>
+      <p:grpSpPr>
+        <a:xfrm>
+          <a:off x="0" y="0"/>
+          <a:ext cx="0" cy="0"/>
+          <a:chOff x="0" y="0"/>
+          <a:chExt cx="0" cy="0"/>
+        </a:xfrm>
+      </p:grpSpPr>
+      <p:sp>
+        <p:nvSpPr>
+          <p:cNvPr id="30" name="Rectangle 29">
+            <a:extLst>
+              <a:ext uri="{FF2B5EF4-FFF2-40B4-BE49-F238E27FC236}">
+                <a16:creationId xmlns:a16="http://schemas.microsoft.com/office/drawing/2014/main" id="{DB691D59-8F51-4DD8-AD41-D568D29B08F8}"/>
+              </a:ext>
+              <a:ext uri="{C183D7F6-B498-43B3-948B-1728B52AA6E4}">
+                <adec:decorative xmlns:adec="http://schemas.microsoft.com/office/drawing/2017/decorative" val="1"/>
+              </a:ext>
+            </a:extLst>
+          </p:cNvPr>
+          <p:cNvSpPr>
+            <a:spLocks noGrp="1" noRot="1" noChangeAspect="1" noMove="1" noResize="1" noEditPoints="1" noAdjustHandles="1" noChangeArrowheads="1" noChangeShapeType="1" noTextEdit="1"/>
+          </p:cNvSpPr>
+          <p:nvPr>
+            <p:extLst>
+              <p:ext uri="{386F3935-93C4-4BCD-93E2-E3B085C9AB24}">
+                <p16:designElem xmlns:p16="http://schemas.microsoft.com/office/powerpoint/2015/main" val="1"/>
+              </p:ext>
+            </p:extLst>
+          </p:nvPr>
+        </p:nvSpPr>
+        <p:spPr>
+          <a:xfrm>
+            <a:off x="446534" y="457200"/>
+            <a:ext cx="3703320" cy="94997"/>
+          </a:xfrm>
+          <a:prstGeom prst="rect">
+            <a:avLst/>
+          </a:prstGeom>
+          <a:solidFill>
+            <a:schemeClr val="accent1"/>
+          </a:solidFill>
+          <a:ln>
+            <a:noFill/>
+          </a:ln>
+          <a:effectLst/>
+        </p:spPr>
+        <p:style>
+          <a:lnRef idx="1">
+            <a:schemeClr val="accent1"/>
+          </a:lnRef>
+          <a:fillRef idx="3">
+            <a:schemeClr val="accent1"/>
+          </a:fillRef>
+          <a:effectRef idx="2">
+            <a:schemeClr val="accent1"/>
+          </a:effectRef>
+          <a:fontRef idx="minor">
+            <a:schemeClr val="lt1"/>
+          </a:fontRef>
+        </p:style>
+      </p:sp>
+      <p:sp>
+        <p:nvSpPr>
+          <p:cNvPr id="32" name="Rectangle 31">
+            <a:extLst>
+              <a:ext uri="{FF2B5EF4-FFF2-40B4-BE49-F238E27FC236}">
+                <a16:creationId xmlns:a16="http://schemas.microsoft.com/office/drawing/2014/main" id="{204AEF18-0627-48F3-9B3D-F7E8F050B1D4}"/>
+              </a:ext>
+              <a:ext uri="{C183D7F6-B498-43B3-948B-1728B52AA6E4}">
+                <adec:decorative xmlns:adec="http://schemas.microsoft.com/office/drawing/2017/decorative" val="1"/>
+              </a:ext>
+            </a:extLst>
+          </p:cNvPr>
+          <p:cNvSpPr>
+            <a:spLocks noGrp="1" noRot="1" noChangeAspect="1" noMove="1" noResize="1" noEditPoints="1" noAdjustHandles="1" noChangeArrowheads="1" noChangeShapeType="1" noTextEdit="1"/>
+          </p:cNvSpPr>
+          <p:nvPr>
+            <p:extLst>
+              <p:ext uri="{386F3935-93C4-4BCD-93E2-E3B085C9AB24}">
+                <p16:designElem xmlns:p16="http://schemas.microsoft.com/office/powerpoint/2015/main" val="1"/>
+              </p:ext>
+            </p:extLst>
+          </p:nvPr>
+        </p:nvSpPr>
+        <p:spPr>
+          <a:xfrm>
+            <a:off x="8042147" y="453643"/>
+            <a:ext cx="3703320" cy="98554"/>
+          </a:xfrm>
+          <a:prstGeom prst="rect">
+            <a:avLst/>
+          </a:prstGeom>
+          <a:solidFill>
+            <a:schemeClr val="accent4"/>
+          </a:solidFill>
+          <a:ln>
+            <a:noFill/>
+          </a:ln>
+          <a:effectLst/>
+        </p:spPr>
+        <p:style>
+          <a:lnRef idx="1">
+            <a:schemeClr val="accent1"/>
+          </a:lnRef>
+          <a:fillRef idx="3">
+            <a:schemeClr val="accent1"/>
+          </a:fillRef>
+          <a:effectRef idx="2">
+            <a:schemeClr val="accent1"/>
+          </a:effectRef>
+          <a:fontRef idx="minor">
+            <a:schemeClr val="lt1"/>
+          </a:fontRef>
+        </p:style>
+      </p:sp>
+      <p:sp>
+        <p:nvSpPr>
+          <p:cNvPr id="34" name="Rectangle 33">
             <a:extLst>
               <a:ext uri="{FF2B5EF4-FFF2-40B4-BE49-F238E27FC236}">
                 <a16:creationId xmlns:a16="http://schemas.microsoft.com/office/drawing/2014/main" id="{CEAEE08A-C572-438F-9753-B0D527A515A7}"/>
@@ -6223,7 +10461,7 @@
       </p:sp>
       <p:sp>
         <p:nvSpPr>
-          <p:cNvPr id="17" name="Rectangle 16">
+          <p:cNvPr id="36" name="Rectangle 35">
             <a:extLst>
               <a:ext uri="{FF2B5EF4-FFF2-40B4-BE49-F238E27FC236}">
                 <a16:creationId xmlns:a16="http://schemas.microsoft.com/office/drawing/2014/main" id="{993F09C6-4F57-4B05-9592-E253D8BC6286}"/>
@@ -6277,10 +10515,54 @@
       </p:sp>
       <p:sp>
         <p:nvSpPr>
-          <p:cNvPr id="19" name="Rectangle 18">
+          <p:cNvPr id="2" name="Title 1">
             <a:extLst>
               <a:ext uri="{FF2B5EF4-FFF2-40B4-BE49-F238E27FC236}">
-                <a16:creationId xmlns:a16="http://schemas.microsoft.com/office/drawing/2014/main" id="{879A26B8-6C4E-452B-ADD3-ED324A7AB7E8}"/>
+                <a16:creationId xmlns:a16="http://schemas.microsoft.com/office/drawing/2014/main" id="{0BA7E878-9BA1-8FD9-FCE3-4C7996DEEFF6}"/>
+              </a:ext>
+            </a:extLst>
+          </p:cNvPr>
+          <p:cNvSpPr>
+            <a:spLocks noGrp="1"/>
+          </p:cNvSpPr>
+          <p:nvPr>
+            <p:ph type="title"/>
+          </p:nvPr>
+        </p:nvSpPr>
+        <p:spPr>
+          <a:xfrm>
+            <a:off x="581192" y="702156"/>
+            <a:ext cx="11029616" cy="1013800"/>
+          </a:xfrm>
+        </p:spPr>
+        <p:txBody>
+          <a:bodyPr vert="horz" lIns="91440" tIns="45720" rIns="91440" bIns="45720" rtlCol="0" anchor="b">
+            <a:normAutofit/>
+          </a:bodyPr>
+          <a:lstStyle/>
+          <a:p>
+            <a:r>
+              <a:rPr lang="en-US" dirty="0" err="1">
+                <a:solidFill>
+                  <a:srgbClr val="FFFFFF"/>
+                </a:solidFill>
+              </a:rPr>
+              <a:t>Szerializálás</a:t>
+            </a:r>
+            <a:endParaRPr lang="en-US" dirty="0">
+              <a:solidFill>
+                <a:srgbClr val="FFFFFF"/>
+              </a:solidFill>
+            </a:endParaRPr>
+          </a:p>
+        </p:txBody>
+      </p:sp>
+      <p:sp useBgFill="1">
+        <p:nvSpPr>
+          <p:cNvPr id="47" name="Rectangle 37">
+            <a:extLst>
+              <a:ext uri="{FF2B5EF4-FFF2-40B4-BE49-F238E27FC236}">
+                <a16:creationId xmlns:a16="http://schemas.microsoft.com/office/drawing/2014/main" id="{9E661D03-4DD4-45E7-A047-ED722E826D59}"/>
               </a:ext>
               <a:ext uri="{C183D7F6-B498-43B3-948B-1728B52AA6E4}">
                 <adec:decorative xmlns:adec="http://schemas.microsoft.com/office/drawing/2017/decorative" val="1"/>
@@ -6300,17 +10582,16 @@
         </p:nvSpPr>
         <p:spPr>
           <a:xfrm>
-            <a:off x="0" y="0"/>
-            <a:ext cx="12192000" cy="6857999"/>
+            <a:off x="446533" y="2180496"/>
+            <a:ext cx="5404639" cy="4045683"/>
           </a:xfrm>
           <a:prstGeom prst="rect">
             <a:avLst/>
           </a:prstGeom>
-          <a:solidFill>
-            <a:schemeClr val="tx1"/>
-          </a:solidFill>
-          <a:ln>
-            <a:noFill/>
+          <a:ln w="38100">
+            <a:solidFill>
+              <a:schemeClr val="accent1"/>
+            </a:solidFill>
           </a:ln>
         </p:spPr>
         <p:style>
@@ -6338,294 +10619,12 @@
           </a:p>
         </p:txBody>
       </p:sp>
-      <p:sp>
-        <p:nvSpPr>
-          <p:cNvPr id="21" name="Rectangle 20">
-            <a:extLst>
-              <a:ext uri="{FF2B5EF4-FFF2-40B4-BE49-F238E27FC236}">
-                <a16:creationId xmlns:a16="http://schemas.microsoft.com/office/drawing/2014/main" id="{9B4167E1-E2B0-4192-8DA2-6967DDFF87A5}"/>
-              </a:ext>
-              <a:ext uri="{C183D7F6-B498-43B3-948B-1728B52AA6E4}">
-                <adec:decorative xmlns:adec="http://schemas.microsoft.com/office/drawing/2017/decorative" val="1"/>
-              </a:ext>
-            </a:extLst>
-          </p:cNvPr>
-          <p:cNvSpPr>
-            <a:spLocks noGrp="1" noRot="1" noChangeAspect="1" noMove="1" noResize="1" noEditPoints="1" noAdjustHandles="1" noChangeArrowheads="1" noChangeShapeType="1" noTextEdit="1"/>
-          </p:cNvSpPr>
-          <p:nvPr>
-            <p:extLst>
-              <p:ext uri="{386F3935-93C4-4BCD-93E2-E3B085C9AB24}">
-                <p16:designElem xmlns:p16="http://schemas.microsoft.com/office/powerpoint/2015/main" val="1"/>
-              </p:ext>
-            </p:extLst>
-          </p:nvPr>
-        </p:nvSpPr>
-        <p:spPr>
-          <a:xfrm>
-            <a:off x="442377" y="614407"/>
-            <a:ext cx="5609967" cy="5611772"/>
-          </a:xfrm>
-          <a:prstGeom prst="rect">
-            <a:avLst/>
-          </a:prstGeom>
-          <a:solidFill>
-            <a:schemeClr val="accent1"/>
-          </a:solidFill>
-          <a:ln>
-            <a:noFill/>
-          </a:ln>
-          <a:effectLst/>
-        </p:spPr>
-        <p:style>
-          <a:lnRef idx="1">
-            <a:schemeClr val="accent1"/>
-          </a:lnRef>
-          <a:fillRef idx="3">
-            <a:schemeClr val="accent1"/>
-          </a:fillRef>
-          <a:effectRef idx="2">
-            <a:schemeClr val="accent1"/>
-          </a:effectRef>
-          <a:fontRef idx="minor">
-            <a:schemeClr val="lt1"/>
-          </a:fontRef>
-        </p:style>
-      </p:sp>
-      <p:sp>
-        <p:nvSpPr>
-          <p:cNvPr id="2" name="Title 1">
-            <a:extLst>
-              <a:ext uri="{FF2B5EF4-FFF2-40B4-BE49-F238E27FC236}">
-                <a16:creationId xmlns:a16="http://schemas.microsoft.com/office/drawing/2014/main" id="{81C1A96F-1D56-B845-BCB2-694E9AEA8198}"/>
-              </a:ext>
-            </a:extLst>
-          </p:cNvPr>
-          <p:cNvSpPr>
-            <a:spLocks noGrp="1"/>
-          </p:cNvSpPr>
-          <p:nvPr>
-            <p:ph type="title"/>
-          </p:nvPr>
-        </p:nvSpPr>
-        <p:spPr>
-          <a:xfrm>
-            <a:off x="762121" y="960723"/>
-            <a:ext cx="4968489" cy="1013800"/>
-          </a:xfrm>
-        </p:spPr>
-        <p:txBody>
-          <a:bodyPr vert="horz" lIns="91440" tIns="45720" rIns="91440" bIns="45720" rtlCol="0" anchor="b">
-            <a:normAutofit/>
-          </a:bodyPr>
-          <a:lstStyle/>
-          <a:p>
-            <a:endParaRPr lang="en-US">
-              <a:solidFill>
-                <a:srgbClr val="FFFFFF"/>
-              </a:solidFill>
-            </a:endParaRPr>
-          </a:p>
-        </p:txBody>
-      </p:sp>
-      <p:sp>
-        <p:nvSpPr>
-          <p:cNvPr id="23" name="Rectangle 22">
-            <a:extLst>
-              <a:ext uri="{FF2B5EF4-FFF2-40B4-BE49-F238E27FC236}">
-                <a16:creationId xmlns:a16="http://schemas.microsoft.com/office/drawing/2014/main" id="{D03E4FEE-2E6A-44AB-B6BA-C1AD0CD6D93B}"/>
-              </a:ext>
-              <a:ext uri="{C183D7F6-B498-43B3-948B-1728B52AA6E4}">
-                <adec:decorative xmlns:adec="http://schemas.microsoft.com/office/drawing/2017/decorative" val="1"/>
-              </a:ext>
-            </a:extLst>
-          </p:cNvPr>
-          <p:cNvSpPr>
-            <a:spLocks noGrp="1" noRot="1" noChangeAspect="1" noMove="1" noResize="1" noEditPoints="1" noAdjustHandles="1" noChangeArrowheads="1" noChangeShapeType="1" noTextEdit="1"/>
-          </p:cNvSpPr>
-          <p:nvPr>
-            <p:extLst>
-              <p:ext uri="{386F3935-93C4-4BCD-93E2-E3B085C9AB24}">
-                <p16:designElem xmlns:p16="http://schemas.microsoft.com/office/powerpoint/2015/main" val="1"/>
-              </p:ext>
-            </p:extLst>
-          </p:nvPr>
-        </p:nvSpPr>
-        <p:spPr>
-          <a:xfrm>
-            <a:off x="446534" y="457200"/>
-            <a:ext cx="5605810" cy="94997"/>
-          </a:xfrm>
-          <a:prstGeom prst="rect">
-            <a:avLst/>
-          </a:prstGeom>
-          <a:solidFill>
-            <a:schemeClr val="accent1"/>
-          </a:solidFill>
-          <a:ln>
-            <a:noFill/>
-          </a:ln>
-          <a:effectLst/>
-        </p:spPr>
-        <p:style>
-          <a:lnRef idx="1">
-            <a:schemeClr val="accent1"/>
-          </a:lnRef>
-          <a:fillRef idx="3">
-            <a:schemeClr val="accent1"/>
-          </a:fillRef>
-          <a:effectRef idx="2">
-            <a:schemeClr val="accent1"/>
-          </a:effectRef>
-          <a:fontRef idx="minor">
-            <a:schemeClr val="lt1"/>
-          </a:fontRef>
-        </p:style>
-      </p:sp>
-      <p:sp>
-        <p:nvSpPr>
-          <p:cNvPr id="25" name="Rectangle 24">
-            <a:extLst>
-              <a:ext uri="{FF2B5EF4-FFF2-40B4-BE49-F238E27FC236}">
-                <a16:creationId xmlns:a16="http://schemas.microsoft.com/office/drawing/2014/main" id="{0817EB59-13B3-43DA-9B91-A7CC174A6069}"/>
-              </a:ext>
-              <a:ext uri="{C183D7F6-B498-43B3-948B-1728B52AA6E4}">
-                <adec:decorative xmlns:adec="http://schemas.microsoft.com/office/drawing/2017/decorative" val="1"/>
-              </a:ext>
-            </a:extLst>
-          </p:cNvPr>
-          <p:cNvSpPr>
-            <a:spLocks noGrp="1" noRot="1" noChangeAspect="1" noMove="1" noResize="1" noEditPoints="1" noAdjustHandles="1" noChangeArrowheads="1" noChangeShapeType="1" noTextEdit="1"/>
-          </p:cNvSpPr>
-          <p:nvPr>
-            <p:extLst>
-              <p:ext uri="{386F3935-93C4-4BCD-93E2-E3B085C9AB24}">
-                <p16:designElem xmlns:p16="http://schemas.microsoft.com/office/powerpoint/2015/main" val="1"/>
-              </p:ext>
-            </p:extLst>
-          </p:nvPr>
-        </p:nvSpPr>
-        <p:spPr>
-          <a:xfrm>
-            <a:off x="6144318" y="457200"/>
-            <a:ext cx="5600007" cy="91440"/>
-          </a:xfrm>
-          <a:prstGeom prst="rect">
-            <a:avLst/>
-          </a:prstGeom>
-          <a:solidFill>
-            <a:schemeClr val="accent2"/>
-          </a:solidFill>
-          <a:ln>
-            <a:noFill/>
-          </a:ln>
-          <a:effectLst/>
-        </p:spPr>
-        <p:style>
-          <a:lnRef idx="1">
-            <a:schemeClr val="accent1"/>
-          </a:lnRef>
-          <a:fillRef idx="3">
-            <a:schemeClr val="accent1"/>
-          </a:fillRef>
-          <a:effectRef idx="2">
-            <a:schemeClr val="accent1"/>
-          </a:effectRef>
-          <a:fontRef idx="minor">
-            <a:schemeClr val="lt1"/>
-          </a:fontRef>
-        </p:style>
-      </p:sp>
-      <p:sp>
-        <p:nvSpPr>
-          <p:cNvPr id="4" name="Content Placeholder 3">
-            <a:extLst>
-              <a:ext uri="{FF2B5EF4-FFF2-40B4-BE49-F238E27FC236}">
-                <a16:creationId xmlns:a16="http://schemas.microsoft.com/office/drawing/2014/main" id="{10269874-1E00-EE7B-AEBF-C74486553A8F}"/>
-              </a:ext>
-            </a:extLst>
-          </p:cNvPr>
-          <p:cNvSpPr>
-            <a:spLocks noGrp="1"/>
-          </p:cNvSpPr>
-          <p:nvPr>
-            <p:ph sz="half" idx="2"/>
-          </p:nvPr>
-        </p:nvSpPr>
-        <p:spPr>
-          <a:xfrm>
-            <a:off x="783387" y="2254102"/>
-            <a:ext cx="4947221" cy="3650344"/>
-          </a:xfrm>
-        </p:spPr>
-        <p:txBody>
-          <a:bodyPr vert="horz" lIns="91440" tIns="45720" rIns="91440" bIns="45720" rtlCol="0" anchor="ctr">
-            <a:normAutofit/>
-          </a:bodyPr>
-          <a:lstStyle/>
-          <a:p>
-            <a:r>
-              <a:rPr lang="en-US" dirty="0">
-                <a:solidFill>
-                  <a:srgbClr val="FFFFFF"/>
-                </a:solidFill>
-              </a:rPr>
-              <a:t>JSON-</a:t>
-            </a:r>
-            <a:r>
-              <a:rPr lang="en-US" dirty="0" err="1">
-                <a:solidFill>
-                  <a:srgbClr val="FFFFFF"/>
-                </a:solidFill>
-              </a:rPr>
-              <a:t>ból</a:t>
-            </a:r>
-            <a:r>
-              <a:rPr lang="en-US" dirty="0">
-                <a:solidFill>
-                  <a:srgbClr val="FFFFFF"/>
-                </a:solidFill>
-              </a:rPr>
-              <a:t> Vector3 </a:t>
-            </a:r>
-            <a:r>
-              <a:rPr lang="en-US" dirty="0" err="1">
-                <a:solidFill>
-                  <a:srgbClr val="FFFFFF"/>
-                </a:solidFill>
-              </a:rPr>
-              <a:t>Listába</a:t>
-            </a:r>
-            <a:r>
-              <a:rPr lang="en-US" dirty="0">
-                <a:solidFill>
-                  <a:srgbClr val="FFFFFF"/>
-                </a:solidFill>
-              </a:rPr>
-              <a:t> LINQ </a:t>
-            </a:r>
-            <a:r>
-              <a:rPr lang="en-US" dirty="0" err="1">
-                <a:solidFill>
-                  <a:srgbClr val="FFFFFF"/>
-                </a:solidFill>
-              </a:rPr>
-              <a:t>segítségével</a:t>
-            </a:r>
-            <a:endParaRPr lang="en-US" dirty="0">
-              <a:solidFill>
-                <a:srgbClr val="FFFFFF"/>
-              </a:solidFill>
-            </a:endParaRPr>
-          </a:p>
-        </p:txBody>
-      </p:sp>
       <p:pic>
         <p:nvPicPr>
           <p:cNvPr id="6" name="Content Placeholder 5">
             <a:extLst>
               <a:ext uri="{FF2B5EF4-FFF2-40B4-BE49-F238E27FC236}">
-                <a16:creationId xmlns:a16="http://schemas.microsoft.com/office/drawing/2014/main" id="{551858CA-5488-5FD2-4012-0327CD799A2A}"/>
+                <a16:creationId xmlns:a16="http://schemas.microsoft.com/office/drawing/2014/main" id="{AF9E5B60-E9C9-9D28-39BA-3E91E268E8C8}"/>
               </a:ext>
             </a:extLst>
           </p:cNvPr>
@@ -6633,39 +10632,275 @@
             <a:picLocks noGrp="1" noChangeAspect="1"/>
           </p:cNvPicPr>
           <p:nvPr>
-            <p:ph sz="half" idx="1"/>
+            <p:ph sz="half" idx="2"/>
           </p:nvPr>
         </p:nvPicPr>
-        <p:blipFill>
-          <a:blip r:embed="rId2"/>
-          <a:stretch>
-            <a:fillRect/>
-          </a:stretch>
+        <p:blipFill rotWithShape="1">
+          <a:blip r:embed="rId3"/>
+          <a:srcRect b="3928"/>
+          <a:stretch/>
         </p:blipFill>
         <p:spPr>
           <a:xfrm>
-            <a:off x="6113931" y="1511246"/>
-            <a:ext cx="6016482" cy="3835506"/>
+            <a:off x="1654083" y="2251587"/>
+            <a:ext cx="3124394" cy="3910970"/>
           </a:xfrm>
           <a:prstGeom prst="rect">
             <a:avLst/>
           </a:prstGeom>
         </p:spPr>
       </p:pic>
+      <p:sp>
+        <p:nvSpPr>
+          <p:cNvPr id="3" name="Content Placeholder 2">
+            <a:extLst>
+              <a:ext uri="{FF2B5EF4-FFF2-40B4-BE49-F238E27FC236}">
+                <a16:creationId xmlns:a16="http://schemas.microsoft.com/office/drawing/2014/main" id="{F339F554-3F38-828C-B895-F1FF78043B19}"/>
+              </a:ext>
+            </a:extLst>
+          </p:cNvPr>
+          <p:cNvSpPr>
+            <a:spLocks noGrp="1"/>
+          </p:cNvSpPr>
+          <p:nvPr>
+            <p:ph sz="half" idx="1"/>
+          </p:nvPr>
+        </p:nvSpPr>
+        <p:spPr>
+          <a:xfrm>
+            <a:off x="6335805" y="2180496"/>
+            <a:ext cx="5275001" cy="4045683"/>
+          </a:xfrm>
+        </p:spPr>
+        <p:txBody>
+          <a:bodyPr vert="horz" lIns="91440" tIns="45720" rIns="91440" bIns="45720" rtlCol="0" anchor="ctr">
+            <a:normAutofit/>
+          </a:bodyPr>
+          <a:lstStyle/>
+          <a:p>
+            <a:r>
+              <a:rPr lang="en-US" dirty="0" err="1"/>
+              <a:t>Futás</a:t>
+            </a:r>
+            <a:r>
+              <a:rPr lang="en-US" dirty="0"/>
+              <a:t> </a:t>
+            </a:r>
+            <a:r>
+              <a:rPr lang="en-US" dirty="0" err="1"/>
+              <a:t>közben</a:t>
+            </a:r>
+            <a:r>
+              <a:rPr lang="en-US" dirty="0"/>
+              <a:t> </a:t>
+            </a:r>
+            <a:r>
+              <a:rPr lang="en-US" dirty="0" err="1"/>
+              <a:t>egy</a:t>
+            </a:r>
+            <a:r>
+              <a:rPr lang="en-US" dirty="0"/>
+              <a:t> List&lt;List&lt;Vector3&gt;&gt; </a:t>
+            </a:r>
+            <a:r>
+              <a:rPr lang="en-US" dirty="0" err="1"/>
+              <a:t>tárolja</a:t>
+            </a:r>
+            <a:r>
+              <a:rPr lang="en-US" dirty="0"/>
+              <a:t> a </a:t>
+            </a:r>
+            <a:r>
+              <a:rPr lang="en-US" dirty="0" err="1"/>
+              <a:t>tornákat</a:t>
+            </a:r>
+            <a:r>
+              <a:rPr lang="en-US" dirty="0"/>
+              <a:t>, </a:t>
+            </a:r>
+            <a:r>
+              <a:rPr lang="en-US" dirty="0" err="1"/>
+              <a:t>egy</a:t>
+            </a:r>
+            <a:r>
+              <a:rPr lang="en-US" dirty="0"/>
+              <a:t> Singleton </a:t>
+            </a:r>
+            <a:r>
+              <a:rPr lang="en-US" dirty="0" err="1"/>
+              <a:t>osztály</a:t>
+            </a:r>
+            <a:r>
+              <a:rPr lang="en-US" dirty="0"/>
+              <a:t> </a:t>
+            </a:r>
+            <a:r>
+              <a:rPr lang="en-US" dirty="0" err="1"/>
+              <a:t>tárolja</a:t>
+            </a:r>
+            <a:r>
+              <a:rPr lang="en-US" dirty="0"/>
+              <a:t> a </a:t>
+            </a:r>
+            <a:r>
+              <a:rPr lang="en-US" dirty="0" err="1"/>
+              <a:t>listát</a:t>
+            </a:r>
+            <a:r>
+              <a:rPr lang="en-US" dirty="0"/>
+              <a:t> </a:t>
+            </a:r>
+            <a:r>
+              <a:rPr lang="en-US" dirty="0" err="1"/>
+              <a:t>és</a:t>
+            </a:r>
+            <a:r>
+              <a:rPr lang="en-US" dirty="0"/>
+              <a:t> a </a:t>
+            </a:r>
+            <a:r>
+              <a:rPr lang="en-US" dirty="0" err="1"/>
+              <a:t>segéd</a:t>
+            </a:r>
+            <a:r>
+              <a:rPr lang="en-US" dirty="0"/>
+              <a:t> </a:t>
+            </a:r>
+            <a:r>
+              <a:rPr lang="en-US" dirty="0" err="1"/>
+              <a:t>függvényeket</a:t>
+            </a:r>
+            <a:endParaRPr lang="en-US" dirty="0"/>
+          </a:p>
+          <a:p>
+            <a:r>
+              <a:rPr lang="en-US" dirty="0" err="1"/>
+              <a:t>Tornák</a:t>
+            </a:r>
+            <a:r>
+              <a:rPr lang="en-US" dirty="0"/>
+              <a:t> </a:t>
+            </a:r>
+            <a:r>
+              <a:rPr lang="en-US" dirty="0" err="1"/>
+              <a:t>tárolása</a:t>
+            </a:r>
+            <a:r>
+              <a:rPr lang="en-US" dirty="0"/>
+              <a:t> JSON </a:t>
+            </a:r>
+            <a:r>
+              <a:rPr lang="en-US" dirty="0" err="1"/>
+              <a:t>formátumban</a:t>
+            </a:r>
+            <a:r>
+              <a:rPr lang="en-US" dirty="0"/>
+              <a:t> </a:t>
+            </a:r>
+            <a:r>
+              <a:rPr lang="en-US" dirty="0" err="1"/>
+              <a:t>történik</a:t>
+            </a:r>
+            <a:r>
+              <a:rPr lang="en-US" dirty="0"/>
+              <a:t> </a:t>
+            </a:r>
+            <a:r>
+              <a:rPr lang="en-US" dirty="0" err="1"/>
+              <a:t>két</a:t>
+            </a:r>
+            <a:r>
+              <a:rPr lang="en-US" dirty="0"/>
+              <a:t> </a:t>
+            </a:r>
+            <a:r>
+              <a:rPr lang="en-US" dirty="0" err="1"/>
+              <a:t>futás</a:t>
+            </a:r>
+            <a:r>
+              <a:rPr lang="en-US" dirty="0"/>
+              <a:t> </a:t>
+            </a:r>
+            <a:r>
+              <a:rPr lang="en-US" dirty="0" err="1"/>
+              <a:t>között</a:t>
+            </a:r>
+            <a:endParaRPr lang="en-US" dirty="0"/>
+          </a:p>
+          <a:p>
+            <a:r>
+              <a:rPr lang="en-US" dirty="0" err="1"/>
+              <a:t>Saját</a:t>
+            </a:r>
+            <a:r>
+              <a:rPr lang="en-US" dirty="0"/>
+              <a:t> </a:t>
+            </a:r>
+            <a:r>
+              <a:rPr lang="en-US" dirty="0" err="1"/>
+              <a:t>megoldás</a:t>
+            </a:r>
+            <a:r>
+              <a:rPr lang="en-US" dirty="0"/>
+              <a:t> </a:t>
+            </a:r>
+            <a:r>
+              <a:rPr lang="en-US" dirty="0" err="1"/>
+              <a:t>szerializálásra</a:t>
+            </a:r>
+            <a:r>
+              <a:rPr lang="en-US" dirty="0"/>
+              <a:t> </a:t>
+            </a:r>
+            <a:r>
+              <a:rPr lang="en-US" dirty="0" err="1"/>
+              <a:t>és</a:t>
+            </a:r>
+            <a:r>
+              <a:rPr lang="en-US" dirty="0"/>
+              <a:t> </a:t>
+            </a:r>
+            <a:r>
+              <a:rPr lang="en-US" dirty="0" err="1"/>
+              <a:t>deszerializálásra</a:t>
+            </a:r>
+            <a:r>
+              <a:rPr lang="en-US" dirty="0"/>
+              <a:t> a job </a:t>
+            </a:r>
+            <a:r>
+              <a:rPr lang="en-US" dirty="0" err="1"/>
+              <a:t>teljesítmény</a:t>
+            </a:r>
+            <a:r>
+              <a:rPr lang="en-US" dirty="0"/>
+              <a:t> </a:t>
+            </a:r>
+            <a:r>
+              <a:rPr lang="en-US" dirty="0" err="1"/>
+              <a:t>eléréséhez</a:t>
+            </a:r>
+            <a:endParaRPr lang="en-US" dirty="0"/>
+          </a:p>
+          <a:p>
+            <a:endParaRPr lang="en-US" dirty="0"/>
+          </a:p>
+        </p:txBody>
+      </p:sp>
     </p:spTree>
     <p:extLst>
       <p:ext uri="{BB962C8B-B14F-4D97-AF65-F5344CB8AC3E}">
-        <p14:creationId xmlns:p14="http://schemas.microsoft.com/office/powerpoint/2010/main" val="2850231558"/>
+        <p14:creationId xmlns:p14="http://schemas.microsoft.com/office/powerpoint/2010/main" val="1237168981"/>
       </p:ext>
     </p:extLst>
   </p:cSld>
   <p:clrMapOvr>
-    <a:overrideClrMapping bg1="dk1" tx1="lt1" bg2="dk2" tx2="lt2" accent1="accent1" accent2="accent2" accent3="accent3" accent4="accent4" accent5="accent5" accent6="accent6" hlink="hlink" folHlink="folHlink"/>
+    <a:masterClrMapping/>
   </p:clrMapOvr>
 </p:sld>
 </file>
 
-<file path=ppt/slides/slide11.xml><?xml version="1.0" encoding="utf-8"?>
+<file path=ppt/slides/slide9.xml><?xml version="1.0" encoding="utf-8"?>
 <p:sld xmlns:a="http://schemas.openxmlformats.org/drawingml/2006/main" xmlns:r="http://schemas.openxmlformats.org/officeDocument/2006/relationships" xmlns:p="http://schemas.openxmlformats.org/presentationml/2006/main">
   <p:cSld>
     <p:bg>
@@ -6692,10 +10927,10 @@
       </p:grpSpPr>
       <p:sp>
         <p:nvSpPr>
-          <p:cNvPr id="13" name="Rectangle 12">
+          <p:cNvPr id="11" name="Rectangle 10">
             <a:extLst>
               <a:ext uri="{FF2B5EF4-FFF2-40B4-BE49-F238E27FC236}">
-                <a16:creationId xmlns:a16="http://schemas.microsoft.com/office/drawing/2014/main" id="{1BB1D3B0-1E2E-48E2-ACCC-EE147A9A0CE0}"/>
+                <a16:creationId xmlns:a16="http://schemas.microsoft.com/office/drawing/2014/main" id="{DB691D59-8F51-4DD8-AD41-D568D29B08F8}"/>
               </a:ext>
               <a:ext uri="{C183D7F6-B498-43B3-948B-1728B52AA6E4}">
                 <adec:decorative xmlns:adec="http://schemas.microsoft.com/office/drawing/2017/decorative" val="1"/>
@@ -6746,10 +10981,10 @@
       </p:sp>
       <p:sp>
         <p:nvSpPr>
-          <p:cNvPr id="15" name="Rectangle 14">
+          <p:cNvPr id="13" name="Rectangle 12">
             <a:extLst>
               <a:ext uri="{FF2B5EF4-FFF2-40B4-BE49-F238E27FC236}">
-                <a16:creationId xmlns:a16="http://schemas.microsoft.com/office/drawing/2014/main" id="{4BB8B191-5BC6-486A-8E6E-13B1C9EEE83D}"/>
+                <a16:creationId xmlns:a16="http://schemas.microsoft.com/office/drawing/2014/main" id="{204AEF18-0627-48F3-9B3D-F7E8F050B1D4}"/>
               </a:ext>
               <a:ext uri="{C183D7F6-B498-43B3-948B-1728B52AA6E4}">
                 <adec:decorative xmlns:adec="http://schemas.microsoft.com/office/drawing/2017/decorative" val="1"/>
@@ -6800,10 +11035,10 @@
       </p:sp>
       <p:sp>
         <p:nvSpPr>
-          <p:cNvPr id="17" name="Rectangle 16">
+          <p:cNvPr id="15" name="Rectangle 14">
             <a:extLst>
               <a:ext uri="{FF2B5EF4-FFF2-40B4-BE49-F238E27FC236}">
-                <a16:creationId xmlns:a16="http://schemas.microsoft.com/office/drawing/2014/main" id="{06E3DE27-4115-4B5D-A9DB-3C7CDC82B121}"/>
+                <a16:creationId xmlns:a16="http://schemas.microsoft.com/office/drawing/2014/main" id="{CEAEE08A-C572-438F-9753-B0D527A515A7}"/>
               </a:ext>
               <a:ext uri="{C183D7F6-B498-43B3-948B-1728B52AA6E4}">
                 <adec:decorative xmlns:adec="http://schemas.microsoft.com/office/drawing/2017/decorative" val="1"/>
@@ -6854,10 +11089,10 @@
       </p:sp>
       <p:sp>
         <p:nvSpPr>
-          <p:cNvPr id="19" name="Rectangle 18">
+          <p:cNvPr id="17" name="Rectangle 16">
             <a:extLst>
               <a:ext uri="{FF2B5EF4-FFF2-40B4-BE49-F238E27FC236}">
-                <a16:creationId xmlns:a16="http://schemas.microsoft.com/office/drawing/2014/main" id="{FC4E03DE-1C4E-4337-B54B-247C1E94822D}"/>
+                <a16:creationId xmlns:a16="http://schemas.microsoft.com/office/drawing/2014/main" id="{993F09C6-4F57-4B05-9592-E253D8BC6286}"/>
               </a:ext>
               <a:ext uri="{C183D7F6-B498-43B3-948B-1728B52AA6E4}">
                 <adec:decorative xmlns:adec="http://schemas.microsoft.com/office/drawing/2017/decorative" val="1"/>
@@ -6906,12 +11141,51 @@
           </a:fontRef>
         </p:style>
       </p:sp>
-      <p:sp useBgFill="1">
-        <p:nvSpPr>
-          <p:cNvPr id="21" name="Rectangle 20">
+      <p:sp>
+        <p:nvSpPr>
+          <p:cNvPr id="2" name="Title 1">
             <a:extLst>
               <a:ext uri="{FF2B5EF4-FFF2-40B4-BE49-F238E27FC236}">
-                <a16:creationId xmlns:a16="http://schemas.microsoft.com/office/drawing/2014/main" id="{F875149D-F692-45DA-8324-D5E0193D5FC4}"/>
+                <a16:creationId xmlns:a16="http://schemas.microsoft.com/office/drawing/2014/main" id="{81C1A96F-1D56-B845-BCB2-694E9AEA8198}"/>
+              </a:ext>
+            </a:extLst>
+          </p:cNvPr>
+          <p:cNvSpPr>
+            <a:spLocks noGrp="1"/>
+          </p:cNvSpPr>
+          <p:nvPr>
+            <p:ph type="title"/>
+          </p:nvPr>
+        </p:nvSpPr>
+        <p:spPr>
+          <a:xfrm>
+            <a:off x="581192" y="702156"/>
+            <a:ext cx="11029616" cy="1013800"/>
+          </a:xfrm>
+        </p:spPr>
+        <p:txBody>
+          <a:bodyPr vert="horz" lIns="91440" tIns="45720" rIns="91440" bIns="45720" rtlCol="0" anchor="b">
+            <a:normAutofit/>
+          </a:bodyPr>
+          <a:lstStyle/>
+          <a:p>
+            <a:r>
+              <a:rPr lang="en-US">
+                <a:solidFill>
+                  <a:srgbClr val="FFFFFF"/>
+                </a:solidFill>
+              </a:rPr>
+              <a:t>Deszerializálás</a:t>
+            </a:r>
+          </a:p>
+        </p:txBody>
+      </p:sp>
+      <p:sp useBgFill="1">
+        <p:nvSpPr>
+          <p:cNvPr id="19" name="Rectangle 18">
+            <a:extLst>
+              <a:ext uri="{FF2B5EF4-FFF2-40B4-BE49-F238E27FC236}">
+                <a16:creationId xmlns:a16="http://schemas.microsoft.com/office/drawing/2014/main" id="{9E661D03-4DD4-45E7-A047-ED722E826D59}"/>
               </a:ext>
               <a:ext uri="{C183D7F6-B498-43B3-948B-1728B52AA6E4}">
                 <adec:decorative xmlns:adec="http://schemas.microsoft.com/office/drawing/2017/decorative" val="1"/>
@@ -6931,14 +11205,16 @@
         </p:nvSpPr>
         <p:spPr>
           <a:xfrm>
-            <a:off x="0" y="0"/>
-            <a:ext cx="12191999" cy="6858001"/>
+            <a:off x="446533" y="2180496"/>
+            <a:ext cx="5404639" cy="4045683"/>
           </a:xfrm>
           <a:prstGeom prst="rect">
             <a:avLst/>
           </a:prstGeom>
-          <a:ln>
-            <a:noFill/>
+          <a:ln w="38100">
+            <a:solidFill>
+              <a:schemeClr val="accent1"/>
+            </a:solidFill>
           </a:ln>
         </p:spPr>
         <p:style>
@@ -6966,240 +11242,21 @@
           </a:p>
         </p:txBody>
       </p:sp>
-      <p:sp>
-        <p:nvSpPr>
-          <p:cNvPr id="23" name="Rectangle 22">
+      <p:pic>
+        <p:nvPicPr>
+          <p:cNvPr id="6" name="Content Placeholder 5">
             <a:extLst>
               <a:ext uri="{FF2B5EF4-FFF2-40B4-BE49-F238E27FC236}">
-                <a16:creationId xmlns:a16="http://schemas.microsoft.com/office/drawing/2014/main" id="{D4EE8A32-B29E-46B5-B8B8-0148869E904A}"/>
-              </a:ext>
-              <a:ext uri="{C183D7F6-B498-43B3-948B-1728B52AA6E4}">
-                <adec:decorative xmlns:adec="http://schemas.microsoft.com/office/drawing/2017/decorative" val="1"/>
-              </a:ext>
-            </a:extLst>
-          </p:cNvPr>
-          <p:cNvSpPr>
-            <a:spLocks noGrp="1" noRot="1" noChangeAspect="1" noMove="1" noResize="1" noEditPoints="1" noAdjustHandles="1" noChangeArrowheads="1" noChangeShapeType="1" noTextEdit="1"/>
-          </p:cNvSpPr>
-          <p:nvPr>
-            <p:extLst>
-              <p:ext uri="{386F3935-93C4-4BCD-93E2-E3B085C9AB24}">
-                <p16:designElem xmlns:p16="http://schemas.microsoft.com/office/powerpoint/2015/main" val="1"/>
-              </p:ext>
-            </p:extLst>
-          </p:nvPr>
-        </p:nvSpPr>
-        <p:spPr>
-          <a:xfrm>
-            <a:off x="446534" y="457200"/>
-            <a:ext cx="5596128" cy="94997"/>
-          </a:xfrm>
-          <a:prstGeom prst="rect">
-            <a:avLst/>
-          </a:prstGeom>
-          <a:solidFill>
-            <a:schemeClr val="accent1"/>
-          </a:solidFill>
-          <a:ln>
-            <a:noFill/>
-          </a:ln>
-          <a:effectLst/>
-        </p:spPr>
-        <p:style>
-          <a:lnRef idx="1">
-            <a:schemeClr val="accent1"/>
-          </a:lnRef>
-          <a:fillRef idx="3">
-            <a:schemeClr val="accent1"/>
-          </a:fillRef>
-          <a:effectRef idx="2">
-            <a:schemeClr val="accent1"/>
-          </a:effectRef>
-          <a:fontRef idx="minor">
-            <a:schemeClr val="lt1"/>
-          </a:fontRef>
-        </p:style>
-      </p:sp>
-      <p:sp>
-        <p:nvSpPr>
-          <p:cNvPr id="25" name="Rectangle 24">
-            <a:extLst>
-              <a:ext uri="{FF2B5EF4-FFF2-40B4-BE49-F238E27FC236}">
-                <a16:creationId xmlns:a16="http://schemas.microsoft.com/office/drawing/2014/main" id="{BBB92E81-4F6A-4CF1-B486-AE63E15F31D3}"/>
-              </a:ext>
-              <a:ext uri="{C183D7F6-B498-43B3-948B-1728B52AA6E4}">
-                <adec:decorative xmlns:adec="http://schemas.microsoft.com/office/drawing/2017/decorative" val="1"/>
-              </a:ext>
-            </a:extLst>
-          </p:cNvPr>
-          <p:cNvSpPr>
-            <a:spLocks noGrp="1" noRot="1" noChangeAspect="1" noMove="1" noResize="1" noEditPoints="1" noAdjustHandles="1" noChangeArrowheads="1" noChangeShapeType="1" noTextEdit="1"/>
-          </p:cNvSpPr>
-          <p:nvPr>
-            <p:extLst>
-              <p:ext uri="{386F3935-93C4-4BCD-93E2-E3B085C9AB24}">
-                <p16:designElem xmlns:p16="http://schemas.microsoft.com/office/powerpoint/2015/main" val="1"/>
-              </p:ext>
-            </p:extLst>
-          </p:nvPr>
-        </p:nvSpPr>
-        <p:spPr>
-          <a:xfrm>
-            <a:off x="6149338" y="453643"/>
-            <a:ext cx="5596128" cy="98554"/>
-          </a:xfrm>
-          <a:prstGeom prst="rect">
-            <a:avLst/>
-          </a:prstGeom>
-          <a:solidFill>
-            <a:schemeClr val="accent4"/>
-          </a:solidFill>
-          <a:ln>
-            <a:noFill/>
-          </a:ln>
-          <a:effectLst/>
-        </p:spPr>
-        <p:style>
-          <a:lnRef idx="1">
-            <a:schemeClr val="accent1"/>
-          </a:lnRef>
-          <a:fillRef idx="3">
-            <a:schemeClr val="accent1"/>
-          </a:fillRef>
-          <a:effectRef idx="2">
-            <a:schemeClr val="accent1"/>
-          </a:effectRef>
-          <a:fontRef idx="minor">
-            <a:schemeClr val="lt1"/>
-          </a:fontRef>
-        </p:style>
-      </p:sp>
-      <p:sp>
-        <p:nvSpPr>
-          <p:cNvPr id="3" name="Content Placeholder 2">
-            <a:extLst>
-              <a:ext uri="{FF2B5EF4-FFF2-40B4-BE49-F238E27FC236}">
-                <a16:creationId xmlns:a16="http://schemas.microsoft.com/office/drawing/2014/main" id="{DE326D5D-0B07-C688-B51E-2BC4855EDC28}"/>
-              </a:ext>
-            </a:extLst>
-          </p:cNvPr>
-          <p:cNvSpPr>
-            <a:spLocks noGrp="1"/>
-          </p:cNvSpPr>
-          <p:nvPr>
-            <p:ph sz="half" idx="1"/>
-          </p:nvPr>
-        </p:nvSpPr>
-        <p:spPr>
-          <a:xfrm>
-            <a:off x="446534" y="800930"/>
-            <a:ext cx="11298933" cy="2256390"/>
-          </a:xfrm>
-        </p:spPr>
-        <p:txBody>
-          <a:bodyPr vert="horz" lIns="91440" tIns="45720" rIns="91440" bIns="45720" rtlCol="0" anchor="ctr">
-            <a:normAutofit/>
-          </a:bodyPr>
-          <a:lstStyle/>
-          <a:p>
-            <a:pPr>
-              <a:buClr>
-                <a:srgbClr val="FB5E98"/>
-              </a:buClr>
-            </a:pPr>
-            <a:r>
-              <a:rPr lang="en-US" dirty="0" err="1"/>
-              <a:t>Objektumok</a:t>
-            </a:r>
-            <a:r>
-              <a:rPr lang="en-US" dirty="0"/>
-              <a:t> </a:t>
-            </a:r>
-            <a:r>
-              <a:rPr lang="en-US" dirty="0" err="1"/>
-              <a:t>helyének</a:t>
-            </a:r>
-            <a:r>
-              <a:rPr lang="en-US" dirty="0"/>
-              <a:t> </a:t>
-            </a:r>
-            <a:r>
-              <a:rPr lang="en-US" dirty="0" err="1"/>
-              <a:t>lekérése</a:t>
-            </a:r>
-            <a:r>
-              <a:rPr lang="en-US" dirty="0"/>
-              <a:t> a Vector3 </a:t>
-            </a:r>
-            <a:r>
-              <a:rPr lang="en-US" dirty="0" err="1"/>
-              <a:t>listából</a:t>
-            </a:r>
-            <a:endParaRPr lang="en-US" dirty="0"/>
-          </a:p>
-          <a:p>
-            <a:pPr>
-              <a:buClr>
-                <a:srgbClr val="FB5E98"/>
-              </a:buClr>
-            </a:pPr>
-            <a:r>
-              <a:rPr lang="en-US" dirty="0" err="1"/>
-              <a:t>Pozícióhoz</a:t>
-            </a:r>
-            <a:r>
-              <a:rPr lang="en-US" dirty="0"/>
-              <a:t> prefab </a:t>
-            </a:r>
-            <a:r>
-              <a:rPr lang="en-US" dirty="0" err="1"/>
-              <a:t>hozzárendelése</a:t>
-            </a:r>
-            <a:endParaRPr lang="en-US" dirty="0"/>
-          </a:p>
-          <a:p>
-            <a:pPr>
-              <a:buClr>
-                <a:srgbClr val="FB5E98"/>
-              </a:buClr>
-            </a:pPr>
-            <a:r>
-              <a:rPr lang="en-US" dirty="0" err="1"/>
-              <a:t>Objektum</a:t>
-            </a:r>
-            <a:r>
-              <a:rPr lang="en-US" dirty="0"/>
-              <a:t> </a:t>
-            </a:r>
-            <a:r>
-              <a:rPr lang="en-US" dirty="0" err="1"/>
-              <a:t>elmentése</a:t>
-            </a:r>
-            <a:endParaRPr lang="en-US" dirty="0"/>
-          </a:p>
-          <a:p>
-            <a:pPr>
-              <a:buClr>
-                <a:srgbClr val="FB5E98"/>
-              </a:buClr>
-            </a:pPr>
-            <a:endParaRPr lang="en-US" dirty="0"/>
-          </a:p>
-        </p:txBody>
-      </p:sp>
-      <p:pic>
-        <p:nvPicPr>
-          <p:cNvPr id="8" name="Picture 7">
-            <a:extLst>
-              <a:ext uri="{FF2B5EF4-FFF2-40B4-BE49-F238E27FC236}">
-                <a16:creationId xmlns:a16="http://schemas.microsoft.com/office/drawing/2014/main" id="{2D4924B2-4BDE-3DF7-6D72-EBF4897817A4}"/>
+                <a16:creationId xmlns:a16="http://schemas.microsoft.com/office/drawing/2014/main" id="{551858CA-5488-5FD2-4012-0327CD799A2A}"/>
               </a:ext>
             </a:extLst>
           </p:cNvPr>
           <p:cNvPicPr>
-            <a:picLocks noChangeAspect="1"/>
+            <a:picLocks noGrp="1" noChangeAspect="1"/>
           </p:cNvPicPr>
-          <p:nvPr/>
+          <p:nvPr>
+            <p:ph sz="half" idx="1"/>
+          </p:nvPr>
         </p:nvPicPr>
         <p:blipFill>
           <a:blip r:embed="rId2"/>
@@ -7209,2777 +11266,88 @@
         </p:blipFill>
         <p:spPr>
           <a:xfrm>
-            <a:off x="6215137" y="3243843"/>
-            <a:ext cx="4747270" cy="3046926"/>
+            <a:off x="490219" y="2497394"/>
+            <a:ext cx="5291150" cy="3373107"/>
           </a:xfrm>
           <a:prstGeom prst="rect">
             <a:avLst/>
           </a:prstGeom>
         </p:spPr>
       </p:pic>
-      <p:pic>
-        <p:nvPicPr>
-          <p:cNvPr id="6" name="Content Placeholder 5">
+      <p:sp>
+        <p:nvSpPr>
+          <p:cNvPr id="5" name="Content Placeholder 4">
             <a:extLst>
               <a:ext uri="{FF2B5EF4-FFF2-40B4-BE49-F238E27FC236}">
-                <a16:creationId xmlns:a16="http://schemas.microsoft.com/office/drawing/2014/main" id="{C48949D9-FCF1-67B1-AB48-24856651DE41}"/>
+                <a16:creationId xmlns:a16="http://schemas.microsoft.com/office/drawing/2014/main" id="{527DA1CF-14E9-44A9-68A2-5BDDAD00FA74}"/>
               </a:ext>
             </a:extLst>
           </p:cNvPr>
-          <p:cNvPicPr>
-            <a:picLocks noGrp="1" noChangeAspect="1"/>
-          </p:cNvPicPr>
+          <p:cNvSpPr>
+            <a:spLocks noGrp="1"/>
+          </p:cNvSpPr>
           <p:nvPr>
             <p:ph sz="half" idx="2"/>
           </p:nvPr>
-        </p:nvPicPr>
-        <p:blipFill>
-          <a:blip r:embed="rId3"/>
-          <a:stretch>
-            <a:fillRect/>
-          </a:stretch>
-        </p:blipFill>
-        <p:spPr>
-          <a:xfrm>
-            <a:off x="499775" y="3402702"/>
-            <a:ext cx="5489646" cy="2840891"/>
-          </a:xfrm>
-          <a:prstGeom prst="rect">
-            <a:avLst/>
-          </a:prstGeom>
-        </p:spPr>
-      </p:pic>
+        </p:nvSpPr>
+        <p:spPr/>
+        <p:txBody>
+          <a:bodyPr/>
+          <a:lstStyle/>
+          <a:p>
+            <a:r>
+              <a:rPr lang="en-US" dirty="0"/>
+              <a:t>JSON-</a:t>
+            </a:r>
+            <a:r>
+              <a:rPr lang="en-US" dirty="0" err="1"/>
+              <a:t>ból</a:t>
+            </a:r>
+            <a:r>
+              <a:rPr lang="en-US" dirty="0"/>
+              <a:t> </a:t>
+            </a:r>
+            <a:r>
+              <a:rPr lang="en-US" dirty="0" err="1"/>
+              <a:t>Vektor</a:t>
+            </a:r>
+            <a:r>
+              <a:rPr lang="en-US" dirty="0"/>
+              <a:t> </a:t>
+            </a:r>
+            <a:r>
+              <a:rPr lang="en-US" dirty="0" err="1"/>
+              <a:t>Listává</a:t>
+            </a:r>
+            <a:r>
+              <a:rPr lang="en-US" dirty="0"/>
+              <a:t> </a:t>
+            </a:r>
+            <a:r>
+              <a:rPr lang="en-US" dirty="0" err="1"/>
+              <a:t>alakítás</a:t>
+            </a:r>
+            <a:r>
+              <a:rPr lang="en-US" dirty="0"/>
+              <a:t> LINQ </a:t>
+            </a:r>
+            <a:r>
+              <a:rPr lang="en-US" dirty="0" err="1"/>
+              <a:t>segítségével</a:t>
+            </a:r>
+            <a:endParaRPr lang="en-US" dirty="0"/>
+          </a:p>
+        </p:txBody>
+      </p:sp>
     </p:spTree>
     <p:extLst>
       <p:ext uri="{BB962C8B-B14F-4D97-AF65-F5344CB8AC3E}">
-        <p14:creationId xmlns:p14="http://schemas.microsoft.com/office/powerpoint/2010/main" val="1629462681"/>
+        <p14:creationId xmlns:p14="http://schemas.microsoft.com/office/powerpoint/2010/main" val="2850231558"/>
       </p:ext>
     </p:extLst>
   </p:cSld>
   <p:clrMapOvr>
     <a:masterClrMapping/>
-  </p:clrMapOvr>
-</p:sld>
-</file>
-
-<file path=ppt/slides/slide12.xml><?xml version="1.0" encoding="utf-8"?>
-<p:sld xmlns:a="http://schemas.openxmlformats.org/drawingml/2006/main" xmlns:r="http://schemas.openxmlformats.org/officeDocument/2006/relationships" xmlns:p="http://schemas.openxmlformats.org/presentationml/2006/main">
-  <p:cSld>
-    <p:spTree>
-      <p:nvGrpSpPr>
-        <p:cNvPr id="1" name=""/>
-        <p:cNvGrpSpPr/>
-        <p:nvPr/>
-      </p:nvGrpSpPr>
-      <p:grpSpPr>
-        <a:xfrm>
-          <a:off x="0" y="0"/>
-          <a:ext cx="0" cy="0"/>
-          <a:chOff x="0" y="0"/>
-          <a:chExt cx="0" cy="0"/>
-        </a:xfrm>
-      </p:grpSpPr>
-      <p:sp>
-        <p:nvSpPr>
-          <p:cNvPr id="2" name="Rectangle 1">
-            <a:extLst>
-              <a:ext uri="{FF2B5EF4-FFF2-40B4-BE49-F238E27FC236}">
-                <a16:creationId xmlns:a16="http://schemas.microsoft.com/office/drawing/2014/main" id="{61A4814E-A2CD-E755-5513-CEA200912EE8}"/>
-              </a:ext>
-            </a:extLst>
-          </p:cNvPr>
-          <p:cNvSpPr/>
-          <p:nvPr/>
-        </p:nvSpPr>
-        <p:spPr>
-          <a:xfrm>
-            <a:off x="0" y="0"/>
-            <a:ext cx="12192000" cy="6858000"/>
-          </a:xfrm>
-          <a:prstGeom prst="rect">
-            <a:avLst/>
-          </a:prstGeom>
-        </p:spPr>
-        <p:style>
-          <a:lnRef idx="2">
-            <a:schemeClr val="dk1">
-              <a:shade val="50000"/>
-            </a:schemeClr>
-          </a:lnRef>
-          <a:fillRef idx="1">
-            <a:schemeClr val="dk1"/>
-          </a:fillRef>
-          <a:effectRef idx="0">
-            <a:schemeClr val="dk1"/>
-          </a:effectRef>
-          <a:fontRef idx="minor">
-            <a:schemeClr val="lt1"/>
-          </a:fontRef>
-        </p:style>
-        <p:txBody>
-          <a:bodyPr rtlCol="0" anchor="ctr"/>
-          <a:lstStyle/>
-          <a:p>
-            <a:pPr algn="ctr"/>
-            <a:r>
-              <a:rPr lang="en-US" sz="8800" dirty="0">
-                <a:latin typeface="Monotype Corsiva" panose="03010101010201010101" pitchFamily="66" charset="0"/>
-              </a:rPr>
-              <a:t>fin</a:t>
-            </a:r>
-            <a:endParaRPr lang="hu-HU" sz="8800" dirty="0">
-              <a:latin typeface="Monotype Corsiva" panose="03010101010201010101" pitchFamily="66" charset="0"/>
-            </a:endParaRPr>
-          </a:p>
-        </p:txBody>
-      </p:sp>
-    </p:spTree>
-    <p:extLst>
-      <p:ext uri="{BB962C8B-B14F-4D97-AF65-F5344CB8AC3E}">
-        <p14:creationId xmlns:p14="http://schemas.microsoft.com/office/powerpoint/2010/main" val="3990289678"/>
-      </p:ext>
-    </p:extLst>
-  </p:cSld>
-  <p:clrMapOvr>
-    <a:masterClrMapping/>
-  </p:clrMapOvr>
-</p:sld>
-</file>
-
-<file path=ppt/slides/slide2.xml><?xml version="1.0" encoding="utf-8"?>
-<p:sld xmlns:a="http://schemas.openxmlformats.org/drawingml/2006/main" xmlns:r="http://schemas.openxmlformats.org/officeDocument/2006/relationships" xmlns:p="http://schemas.openxmlformats.org/presentationml/2006/main">
-  <p:cSld>
-    <p:spTree>
-      <p:nvGrpSpPr>
-        <p:cNvPr id="1" name=""/>
-        <p:cNvGrpSpPr/>
-        <p:nvPr/>
-      </p:nvGrpSpPr>
-      <p:grpSpPr>
-        <a:xfrm>
-          <a:off x="0" y="0"/>
-          <a:ext cx="0" cy="0"/>
-          <a:chOff x="0" y="0"/>
-          <a:chExt cx="0" cy="0"/>
-        </a:xfrm>
-      </p:grpSpPr>
-      <p:sp>
-        <p:nvSpPr>
-          <p:cNvPr id="2" name="Title 1">
-            <a:extLst>
-              <a:ext uri="{FF2B5EF4-FFF2-40B4-BE49-F238E27FC236}">
-                <a16:creationId xmlns:a16="http://schemas.microsoft.com/office/drawing/2014/main" id="{FC81A5CC-7950-639A-11BE-892C1279BF6F}"/>
-              </a:ext>
-            </a:extLst>
-          </p:cNvPr>
-          <p:cNvSpPr>
-            <a:spLocks noGrp="1"/>
-          </p:cNvSpPr>
-          <p:nvPr>
-            <p:ph type="title"/>
-          </p:nvPr>
-        </p:nvSpPr>
-        <p:spPr/>
-        <p:txBody>
-          <a:bodyPr/>
-          <a:lstStyle/>
-          <a:p>
-            <a:r>
-              <a:rPr lang="en-US" dirty="0" err="1"/>
-              <a:t>cél</a:t>
-            </a:r>
-            <a:endParaRPr lang="hu-HU" dirty="0"/>
-          </a:p>
-        </p:txBody>
-      </p:sp>
-      <p:sp>
-        <p:nvSpPr>
-          <p:cNvPr id="3" name="Content Placeholder 2">
-            <a:extLst>
-              <a:ext uri="{FF2B5EF4-FFF2-40B4-BE49-F238E27FC236}">
-                <a16:creationId xmlns:a16="http://schemas.microsoft.com/office/drawing/2014/main" id="{6C38DE9B-CF22-0EB5-7CC3-8C480D3A6C60}"/>
-              </a:ext>
-            </a:extLst>
-          </p:cNvPr>
-          <p:cNvSpPr>
-            <a:spLocks noGrp="1"/>
-          </p:cNvSpPr>
-          <p:nvPr>
-            <p:ph sz="half" idx="1"/>
-          </p:nvPr>
-        </p:nvSpPr>
-        <p:spPr>
-          <a:xfrm>
-            <a:off x="581192" y="2228003"/>
-            <a:ext cx="11029617" cy="3633047"/>
-          </a:xfrm>
-        </p:spPr>
-        <p:txBody>
-          <a:bodyPr/>
-          <a:lstStyle/>
-          <a:p>
-            <a:r>
-              <a:rPr lang="en-US" dirty="0" err="1"/>
-              <a:t>Nyak</a:t>
-            </a:r>
-            <a:r>
-              <a:rPr lang="en-US" dirty="0"/>
-              <a:t> </a:t>
-            </a:r>
-            <a:r>
-              <a:rPr lang="en-US" dirty="0" err="1"/>
-              <a:t>tornáztató</a:t>
-            </a:r>
-            <a:r>
-              <a:rPr lang="en-US" dirty="0"/>
-              <a:t> </a:t>
-            </a:r>
-            <a:r>
-              <a:rPr lang="en-US" dirty="0" err="1"/>
-              <a:t>applikáció</a:t>
-            </a:r>
-            <a:endParaRPr lang="en-US" dirty="0"/>
-          </a:p>
-          <a:p>
-            <a:r>
-              <a:rPr lang="en-US" dirty="0" err="1"/>
-              <a:t>Torna</a:t>
-            </a:r>
-            <a:r>
-              <a:rPr lang="en-US" dirty="0"/>
-              <a:t> </a:t>
-            </a:r>
-            <a:r>
-              <a:rPr lang="en-US" dirty="0" err="1"/>
-              <a:t>készítő</a:t>
-            </a:r>
-            <a:endParaRPr lang="en-US" dirty="0"/>
-          </a:p>
-          <a:p>
-            <a:r>
-              <a:rPr lang="en-US" dirty="0"/>
-              <a:t>Multiplatform (PC/VR)</a:t>
-            </a:r>
-          </a:p>
-          <a:p>
-            <a:endParaRPr lang="en-US" dirty="0"/>
-          </a:p>
-          <a:p>
-            <a:endParaRPr lang="hu-HU" dirty="0"/>
-          </a:p>
-        </p:txBody>
-      </p:sp>
-    </p:spTree>
-    <p:extLst>
-      <p:ext uri="{BB962C8B-B14F-4D97-AF65-F5344CB8AC3E}">
-        <p14:creationId xmlns:p14="http://schemas.microsoft.com/office/powerpoint/2010/main" val="2199017807"/>
-      </p:ext>
-    </p:extLst>
-  </p:cSld>
-  <p:clrMapOvr>
-    <a:masterClrMapping/>
-  </p:clrMapOvr>
-</p:sld>
-</file>
-
-<file path=ppt/slides/slide3.xml><?xml version="1.0" encoding="utf-8"?>
-<p:sld xmlns:a="http://schemas.openxmlformats.org/drawingml/2006/main" xmlns:r="http://schemas.openxmlformats.org/officeDocument/2006/relationships" xmlns:p="http://schemas.openxmlformats.org/presentationml/2006/main">
-  <p:cSld>
-    <p:spTree>
-      <p:nvGrpSpPr>
-        <p:cNvPr id="1" name=""/>
-        <p:cNvGrpSpPr/>
-        <p:nvPr/>
-      </p:nvGrpSpPr>
-      <p:grpSpPr>
-        <a:xfrm>
-          <a:off x="0" y="0"/>
-          <a:ext cx="0" cy="0"/>
-          <a:chOff x="0" y="0"/>
-          <a:chExt cx="0" cy="0"/>
-        </a:xfrm>
-      </p:grpSpPr>
-      <p:sp>
-        <p:nvSpPr>
-          <p:cNvPr id="2" name="Title 1">
-            <a:extLst>
-              <a:ext uri="{FF2B5EF4-FFF2-40B4-BE49-F238E27FC236}">
-                <a16:creationId xmlns:a16="http://schemas.microsoft.com/office/drawing/2014/main" id="{D03D2899-725C-6C11-B1C4-DC8D469293F6}"/>
-              </a:ext>
-            </a:extLst>
-          </p:cNvPr>
-          <p:cNvSpPr>
-            <a:spLocks noGrp="1"/>
-          </p:cNvSpPr>
-          <p:nvPr>
-            <p:ph type="title"/>
-          </p:nvPr>
-        </p:nvSpPr>
-        <p:spPr/>
-        <p:txBody>
-          <a:bodyPr/>
-          <a:lstStyle/>
-          <a:p>
-            <a:r>
-              <a:rPr lang="en-US" dirty="0" err="1"/>
-              <a:t>Technológiák</a:t>
-            </a:r>
-            <a:endParaRPr lang="hu-HU" dirty="0"/>
-          </a:p>
-        </p:txBody>
-      </p:sp>
-      <p:sp>
-        <p:nvSpPr>
-          <p:cNvPr id="3" name="Content Placeholder 2">
-            <a:extLst>
-              <a:ext uri="{FF2B5EF4-FFF2-40B4-BE49-F238E27FC236}">
-                <a16:creationId xmlns:a16="http://schemas.microsoft.com/office/drawing/2014/main" id="{D0581B43-388B-370C-71BF-751C36C2A389}"/>
-              </a:ext>
-            </a:extLst>
-          </p:cNvPr>
-          <p:cNvSpPr>
-            <a:spLocks noGrp="1"/>
-          </p:cNvSpPr>
-          <p:nvPr>
-            <p:ph idx="1"/>
-          </p:nvPr>
-        </p:nvSpPr>
-        <p:spPr/>
-        <p:txBody>
-          <a:bodyPr/>
-          <a:lstStyle/>
-          <a:p>
-            <a:r>
-              <a:rPr lang="en-US" dirty="0"/>
-              <a:t>Samsung </a:t>
-            </a:r>
-            <a:r>
-              <a:rPr lang="en-US" dirty="0" err="1"/>
-              <a:t>GearVR</a:t>
-            </a:r>
-            <a:r>
-              <a:rPr lang="en-US" dirty="0"/>
-              <a:t> – </a:t>
-            </a:r>
-            <a:r>
-              <a:rPr lang="en-US" dirty="0" err="1"/>
-              <a:t>Könnyű</a:t>
-            </a:r>
-            <a:r>
-              <a:rPr lang="en-US" dirty="0"/>
-              <a:t>, Android </a:t>
-            </a:r>
-            <a:r>
-              <a:rPr lang="en-US" dirty="0" err="1"/>
-              <a:t>alapú</a:t>
-            </a:r>
-            <a:r>
-              <a:rPr lang="en-US" dirty="0"/>
-              <a:t>, </a:t>
-            </a:r>
-            <a:r>
-              <a:rPr lang="en-US" dirty="0" err="1"/>
-              <a:t>nem</a:t>
-            </a:r>
-            <a:r>
-              <a:rPr lang="en-US" dirty="0"/>
-              <a:t> </a:t>
-            </a:r>
-            <a:r>
-              <a:rPr lang="en-US" dirty="0" err="1"/>
-              <a:t>igényel</a:t>
-            </a:r>
-            <a:r>
-              <a:rPr lang="en-US" dirty="0"/>
-              <a:t> PC-t</a:t>
-            </a:r>
-          </a:p>
-          <a:p>
-            <a:r>
-              <a:rPr lang="en-US" dirty="0"/>
-              <a:t>Unity Engine – Multiplatform build </a:t>
-            </a:r>
-            <a:r>
-              <a:rPr lang="en-US" dirty="0" err="1"/>
-              <a:t>opció</a:t>
-            </a:r>
-            <a:endParaRPr lang="en-US" dirty="0"/>
-          </a:p>
-          <a:p>
-            <a:r>
-              <a:rPr lang="en-US" dirty="0"/>
-              <a:t>Jet Brains Rider – IntelliSense, Unity </a:t>
-            </a:r>
-            <a:r>
-              <a:rPr lang="en-US" dirty="0" err="1"/>
-              <a:t>integráció</a:t>
-            </a:r>
-            <a:endParaRPr lang="en-US" dirty="0"/>
-          </a:p>
-          <a:p>
-            <a:r>
-              <a:rPr lang="en-US" dirty="0" err="1"/>
-              <a:t>GithHub</a:t>
-            </a:r>
-            <a:endParaRPr lang="en-US" dirty="0"/>
-          </a:p>
-        </p:txBody>
-      </p:sp>
-    </p:spTree>
-    <p:extLst>
-      <p:ext uri="{BB962C8B-B14F-4D97-AF65-F5344CB8AC3E}">
-        <p14:creationId xmlns:p14="http://schemas.microsoft.com/office/powerpoint/2010/main" val="1756959206"/>
-      </p:ext>
-    </p:extLst>
-  </p:cSld>
-  <p:clrMapOvr>
-    <a:masterClrMapping/>
-  </p:clrMapOvr>
-</p:sld>
-</file>
-
-<file path=ppt/slides/slide4.xml><?xml version="1.0" encoding="utf-8"?>
-<p:sld xmlns:a="http://schemas.openxmlformats.org/drawingml/2006/main" xmlns:r="http://schemas.openxmlformats.org/officeDocument/2006/relationships" xmlns:p="http://schemas.openxmlformats.org/presentationml/2006/main">
-  <p:cSld>
-    <p:spTree>
-      <p:nvGrpSpPr>
-        <p:cNvPr id="1" name=""/>
-        <p:cNvGrpSpPr/>
-        <p:nvPr/>
-      </p:nvGrpSpPr>
-      <p:grpSpPr>
-        <a:xfrm>
-          <a:off x="0" y="0"/>
-          <a:ext cx="0" cy="0"/>
-          <a:chOff x="0" y="0"/>
-          <a:chExt cx="0" cy="0"/>
-        </a:xfrm>
-      </p:grpSpPr>
-      <p:sp>
-        <p:nvSpPr>
-          <p:cNvPr id="2" name="Title 1">
-            <a:extLst>
-              <a:ext uri="{FF2B5EF4-FFF2-40B4-BE49-F238E27FC236}">
-                <a16:creationId xmlns:a16="http://schemas.microsoft.com/office/drawing/2014/main" id="{B7E1FC21-692C-F303-3A37-C82517BB51E0}"/>
-              </a:ext>
-            </a:extLst>
-          </p:cNvPr>
-          <p:cNvSpPr>
-            <a:spLocks noGrp="1"/>
-          </p:cNvSpPr>
-          <p:nvPr>
-            <p:ph type="title"/>
-          </p:nvPr>
-        </p:nvSpPr>
-        <p:spPr/>
-        <p:txBody>
-          <a:bodyPr/>
-          <a:lstStyle/>
-          <a:p>
-            <a:endParaRPr lang="hu-HU"/>
-          </a:p>
-        </p:txBody>
-      </p:sp>
-      <p:sp>
-        <p:nvSpPr>
-          <p:cNvPr id="3" name="Text Placeholder 2">
-            <a:extLst>
-              <a:ext uri="{FF2B5EF4-FFF2-40B4-BE49-F238E27FC236}">
-                <a16:creationId xmlns:a16="http://schemas.microsoft.com/office/drawing/2014/main" id="{23BCAC2F-B992-57E9-EE16-948B9BB2DCC8}"/>
-              </a:ext>
-            </a:extLst>
-          </p:cNvPr>
-          <p:cNvSpPr>
-            <a:spLocks noGrp="1"/>
-          </p:cNvSpPr>
-          <p:nvPr>
-            <p:ph type="body" idx="1"/>
-          </p:nvPr>
-        </p:nvSpPr>
-        <p:spPr/>
-        <p:txBody>
-          <a:bodyPr/>
-          <a:lstStyle/>
-          <a:p>
-            <a:r>
-              <a:rPr lang="en-US" dirty="0" err="1"/>
-              <a:t>Menü</a:t>
-            </a:r>
-            <a:r>
-              <a:rPr lang="en-US" dirty="0"/>
-              <a:t> </a:t>
-            </a:r>
-            <a:r>
-              <a:rPr lang="en-US" dirty="0" err="1"/>
-              <a:t>rendszer</a:t>
-            </a:r>
-            <a:endParaRPr lang="hu-HU" dirty="0"/>
-          </a:p>
-        </p:txBody>
-      </p:sp>
-      <p:pic>
-        <p:nvPicPr>
-          <p:cNvPr id="8" name="Content Placeholder 7">
-            <a:extLst>
-              <a:ext uri="{FF2B5EF4-FFF2-40B4-BE49-F238E27FC236}">
-                <a16:creationId xmlns:a16="http://schemas.microsoft.com/office/drawing/2014/main" id="{33F118BF-C71A-1830-30C1-35834707A47E}"/>
-              </a:ext>
-            </a:extLst>
-          </p:cNvPr>
-          <p:cNvPicPr>
-            <a:picLocks noGrp="1" noChangeAspect="1"/>
-          </p:cNvPicPr>
-          <p:nvPr>
-            <p:ph sz="half" idx="2"/>
-          </p:nvPr>
-        </p:nvPicPr>
-        <p:blipFill>
-          <a:blip r:embed="rId3"/>
-          <a:stretch>
-            <a:fillRect/>
-          </a:stretch>
-        </p:blipFill>
-        <p:spPr>
-          <a:xfrm>
-            <a:off x="729538" y="2925763"/>
-            <a:ext cx="5095711" cy="2935287"/>
-          </a:xfrm>
-        </p:spPr>
-      </p:pic>
-      <p:sp>
-        <p:nvSpPr>
-          <p:cNvPr id="5" name="Text Placeholder 4">
-            <a:extLst>
-              <a:ext uri="{FF2B5EF4-FFF2-40B4-BE49-F238E27FC236}">
-                <a16:creationId xmlns:a16="http://schemas.microsoft.com/office/drawing/2014/main" id="{2CB14778-06D6-CE8F-6DE5-D06A1DEEA4F9}"/>
-              </a:ext>
-            </a:extLst>
-          </p:cNvPr>
-          <p:cNvSpPr>
-            <a:spLocks noGrp="1"/>
-          </p:cNvSpPr>
-          <p:nvPr>
-            <p:ph type="body" sz="quarter" idx="3"/>
-          </p:nvPr>
-        </p:nvSpPr>
-        <p:spPr/>
-        <p:txBody>
-          <a:bodyPr/>
-          <a:lstStyle/>
-          <a:p>
-            <a:r>
-              <a:rPr lang="en-US" dirty="0" err="1"/>
-              <a:t>Torna</a:t>
-            </a:r>
-            <a:r>
-              <a:rPr lang="en-US" dirty="0"/>
-              <a:t> </a:t>
-            </a:r>
-            <a:r>
-              <a:rPr lang="en-US" dirty="0" err="1"/>
-              <a:t>választó</a:t>
-            </a:r>
-            <a:endParaRPr lang="hu-HU" dirty="0"/>
-          </a:p>
-        </p:txBody>
-      </p:sp>
-      <p:pic>
-        <p:nvPicPr>
-          <p:cNvPr id="10" name="Content Placeholder 9">
-            <a:extLst>
-              <a:ext uri="{FF2B5EF4-FFF2-40B4-BE49-F238E27FC236}">
-                <a16:creationId xmlns:a16="http://schemas.microsoft.com/office/drawing/2014/main" id="{10D9E2CB-2190-030A-AFDD-93DAB93188E3}"/>
-              </a:ext>
-            </a:extLst>
-          </p:cNvPr>
-          <p:cNvPicPr>
-            <a:picLocks noGrp="1" noChangeAspect="1"/>
-          </p:cNvPicPr>
-          <p:nvPr>
-            <p:ph sz="quarter" idx="4"/>
-          </p:nvPr>
-        </p:nvPicPr>
-        <p:blipFill>
-          <a:blip r:embed="rId4"/>
-          <a:stretch>
-            <a:fillRect/>
-          </a:stretch>
-        </p:blipFill>
-        <p:spPr>
-          <a:xfrm>
-            <a:off x="6325430" y="2925763"/>
-            <a:ext cx="5178352" cy="2935287"/>
-          </a:xfrm>
-        </p:spPr>
-      </p:pic>
-    </p:spTree>
-    <p:extLst>
-      <p:ext uri="{BB962C8B-B14F-4D97-AF65-F5344CB8AC3E}">
-        <p14:creationId xmlns:p14="http://schemas.microsoft.com/office/powerpoint/2010/main" val="4004072810"/>
-      </p:ext>
-    </p:extLst>
-  </p:cSld>
-  <p:clrMapOvr>
-    <a:masterClrMapping/>
-  </p:clrMapOvr>
-</p:sld>
-</file>
-
-<file path=ppt/slides/slide5.xml><?xml version="1.0" encoding="utf-8"?>
-<p:sld xmlns:a="http://schemas.openxmlformats.org/drawingml/2006/main" xmlns:r="http://schemas.openxmlformats.org/officeDocument/2006/relationships" xmlns:p="http://schemas.openxmlformats.org/presentationml/2006/main">
-  <p:cSld>
-    <p:spTree>
-      <p:nvGrpSpPr>
-        <p:cNvPr id="1" name=""/>
-        <p:cNvGrpSpPr/>
-        <p:nvPr/>
-      </p:nvGrpSpPr>
-      <p:grpSpPr>
-        <a:xfrm>
-          <a:off x="0" y="0"/>
-          <a:ext cx="0" cy="0"/>
-          <a:chOff x="0" y="0"/>
-          <a:chExt cx="0" cy="0"/>
-        </a:xfrm>
-      </p:grpSpPr>
-      <p:sp>
-        <p:nvSpPr>
-          <p:cNvPr id="2" name="Title 1">
-            <a:extLst>
-              <a:ext uri="{FF2B5EF4-FFF2-40B4-BE49-F238E27FC236}">
-                <a16:creationId xmlns:a16="http://schemas.microsoft.com/office/drawing/2014/main" id="{0FF05CC1-C841-E6B0-A299-23BE9DA3E863}"/>
-              </a:ext>
-            </a:extLst>
-          </p:cNvPr>
-          <p:cNvSpPr>
-            <a:spLocks noGrp="1"/>
-          </p:cNvSpPr>
-          <p:nvPr>
-            <p:ph type="title"/>
-          </p:nvPr>
-        </p:nvSpPr>
-        <p:spPr/>
-        <p:txBody>
-          <a:bodyPr/>
-          <a:lstStyle/>
-          <a:p>
-            <a:r>
-              <a:rPr lang="en-US" dirty="0" err="1"/>
-              <a:t>Menük</a:t>
-            </a:r>
-            <a:endParaRPr lang="hu-HU" dirty="0"/>
-          </a:p>
-        </p:txBody>
-      </p:sp>
-      <p:sp>
-        <p:nvSpPr>
-          <p:cNvPr id="3" name="Content Placeholder 2">
-            <a:extLst>
-              <a:ext uri="{FF2B5EF4-FFF2-40B4-BE49-F238E27FC236}">
-                <a16:creationId xmlns:a16="http://schemas.microsoft.com/office/drawing/2014/main" id="{9FF48C56-CE00-C5B3-E610-9B4599F4770F}"/>
-              </a:ext>
-            </a:extLst>
-          </p:cNvPr>
-          <p:cNvSpPr>
-            <a:spLocks noGrp="1"/>
-          </p:cNvSpPr>
-          <p:nvPr>
-            <p:ph idx="1"/>
-          </p:nvPr>
-        </p:nvSpPr>
-        <p:spPr/>
-        <p:txBody>
-          <a:bodyPr/>
-          <a:lstStyle/>
-          <a:p>
-            <a:r>
-              <a:rPr lang="en-US" dirty="0" err="1"/>
-              <a:t>Nem</a:t>
-            </a:r>
-            <a:r>
-              <a:rPr lang="en-US" dirty="0"/>
-              <a:t> a UI </a:t>
-            </a:r>
-            <a:r>
-              <a:rPr lang="en-US" dirty="0" err="1"/>
-              <a:t>része</a:t>
-            </a:r>
-            <a:r>
-              <a:rPr lang="en-US" dirty="0"/>
-              <a:t>, </a:t>
-            </a:r>
-            <a:r>
-              <a:rPr lang="en-US" dirty="0" err="1"/>
-              <a:t>mivel</a:t>
-            </a:r>
-            <a:r>
-              <a:rPr lang="en-US" dirty="0"/>
-              <a:t> VR-ben </a:t>
-            </a:r>
-            <a:r>
-              <a:rPr lang="en-US" dirty="0" err="1"/>
-              <a:t>nincs</a:t>
-            </a:r>
-            <a:r>
-              <a:rPr lang="en-US" dirty="0"/>
-              <a:t> </a:t>
-            </a:r>
-            <a:r>
-              <a:rPr lang="en-US" dirty="0" err="1"/>
-              <a:t>kurzor</a:t>
-            </a:r>
-            <a:endParaRPr lang="en-US" dirty="0"/>
-          </a:p>
-          <a:p>
-            <a:r>
-              <a:rPr lang="en-US" dirty="0" err="1"/>
-              <a:t>Térben</a:t>
-            </a:r>
-            <a:r>
-              <a:rPr lang="en-US" dirty="0"/>
-              <a:t> </a:t>
-            </a:r>
-            <a:r>
-              <a:rPr lang="en-US" dirty="0" err="1"/>
-              <a:t>lévő</a:t>
-            </a:r>
-            <a:r>
-              <a:rPr lang="en-US" dirty="0"/>
-              <a:t> </a:t>
-            </a:r>
-            <a:r>
-              <a:rPr lang="en-US" dirty="0" err="1"/>
-              <a:t>objektumok</a:t>
-            </a:r>
-            <a:r>
-              <a:rPr lang="en-US" dirty="0"/>
-              <a:t>, </a:t>
-            </a:r>
-            <a:r>
-              <a:rPr lang="en-US" dirty="0" err="1"/>
-              <a:t>raycasting</a:t>
-            </a:r>
-            <a:r>
-              <a:rPr lang="en-US" dirty="0"/>
-              <a:t> </a:t>
-            </a:r>
-            <a:r>
-              <a:rPr lang="en-US" dirty="0" err="1"/>
-              <a:t>segítségével</a:t>
-            </a:r>
-            <a:r>
-              <a:rPr lang="en-US" dirty="0"/>
-              <a:t> “</a:t>
-            </a:r>
-            <a:r>
-              <a:rPr lang="en-US" dirty="0" err="1"/>
-              <a:t>kattintunk</a:t>
-            </a:r>
-            <a:r>
-              <a:rPr lang="en-US" dirty="0"/>
-              <a:t>”</a:t>
-            </a:r>
-          </a:p>
-          <a:p>
-            <a:r>
-              <a:rPr lang="en-US" dirty="0" err="1"/>
-              <a:t>Dinamikusan</a:t>
-            </a:r>
-            <a:r>
-              <a:rPr lang="en-US" dirty="0"/>
-              <a:t> </a:t>
-            </a:r>
-            <a:r>
-              <a:rPr lang="en-US" dirty="0" err="1"/>
-              <a:t>hozzuk</a:t>
-            </a:r>
-            <a:r>
-              <a:rPr lang="en-US" dirty="0"/>
-              <a:t> </a:t>
-            </a:r>
-            <a:r>
-              <a:rPr lang="en-US" dirty="0" err="1"/>
-              <a:t>őket</a:t>
-            </a:r>
-            <a:r>
-              <a:rPr lang="en-US" dirty="0"/>
-              <a:t> </a:t>
-            </a:r>
-            <a:r>
-              <a:rPr lang="en-US" dirty="0" err="1"/>
-              <a:t>létre</a:t>
-            </a:r>
-            <a:r>
-              <a:rPr lang="en-US" dirty="0"/>
-              <a:t> </a:t>
-            </a:r>
-            <a:r>
-              <a:rPr lang="en-US" dirty="0" err="1"/>
-              <a:t>és</a:t>
-            </a:r>
-            <a:r>
-              <a:rPr lang="en-US" dirty="0"/>
-              <a:t> </a:t>
-            </a:r>
-            <a:r>
-              <a:rPr lang="en-US" dirty="0" err="1"/>
-              <a:t>töröljük</a:t>
-            </a:r>
-            <a:r>
-              <a:rPr lang="en-US" dirty="0"/>
-              <a:t> </a:t>
-            </a:r>
-            <a:r>
-              <a:rPr lang="en-US" dirty="0" err="1"/>
-              <a:t>őket</a:t>
-            </a:r>
-            <a:r>
-              <a:rPr lang="en-US" dirty="0"/>
-              <a:t> (</a:t>
-            </a:r>
-            <a:r>
-              <a:rPr lang="en-US" dirty="0" err="1"/>
-              <a:t>tudnunk</a:t>
-            </a:r>
-            <a:r>
-              <a:rPr lang="en-US" dirty="0"/>
-              <a:t> </a:t>
-            </a:r>
-            <a:r>
-              <a:rPr lang="en-US" dirty="0" err="1"/>
-              <a:t>kell</a:t>
-            </a:r>
-            <a:r>
-              <a:rPr lang="en-US" dirty="0"/>
-              <a:t> a </a:t>
-            </a:r>
-            <a:r>
-              <a:rPr lang="en-US" dirty="0" err="1"/>
-              <a:t>pozíciót</a:t>
-            </a:r>
-            <a:r>
-              <a:rPr lang="en-US" dirty="0"/>
-              <a:t>, </a:t>
-            </a:r>
-            <a:r>
-              <a:rPr lang="en-US" dirty="0" err="1"/>
-              <a:t>és</a:t>
-            </a:r>
-            <a:r>
-              <a:rPr lang="en-US" dirty="0"/>
-              <a:t> </a:t>
-            </a:r>
-            <a:r>
-              <a:rPr lang="en-US" dirty="0" err="1"/>
-              <a:t>összerakni</a:t>
-            </a:r>
-            <a:r>
-              <a:rPr lang="en-US" dirty="0"/>
-              <a:t> </a:t>
-            </a:r>
-            <a:r>
-              <a:rPr lang="en-US" dirty="0" err="1"/>
-              <a:t>az</a:t>
-            </a:r>
-            <a:r>
-              <a:rPr lang="en-US" dirty="0"/>
-              <a:t> </a:t>
-            </a:r>
-            <a:r>
-              <a:rPr lang="en-US" dirty="0" err="1"/>
-              <a:t>objektumot</a:t>
-            </a:r>
-            <a:r>
-              <a:rPr lang="en-US" dirty="0"/>
-              <a:t>)</a:t>
-            </a:r>
-          </a:p>
-        </p:txBody>
-      </p:sp>
-    </p:spTree>
-    <p:extLst>
-      <p:ext uri="{BB962C8B-B14F-4D97-AF65-F5344CB8AC3E}">
-        <p14:creationId xmlns:p14="http://schemas.microsoft.com/office/powerpoint/2010/main" val="3369481416"/>
-      </p:ext>
-    </p:extLst>
-  </p:cSld>
-  <p:clrMapOvr>
-    <a:masterClrMapping/>
-  </p:clrMapOvr>
-</p:sld>
-</file>
-
-<file path=ppt/slides/slide6.xml><?xml version="1.0" encoding="utf-8"?>
-<p:sld xmlns:a="http://schemas.openxmlformats.org/drawingml/2006/main" xmlns:r="http://schemas.openxmlformats.org/officeDocument/2006/relationships" xmlns:p="http://schemas.openxmlformats.org/presentationml/2006/main">
-  <p:cSld>
-    <p:spTree>
-      <p:nvGrpSpPr>
-        <p:cNvPr id="1" name=""/>
-        <p:cNvGrpSpPr/>
-        <p:nvPr/>
-      </p:nvGrpSpPr>
-      <p:grpSpPr>
-        <a:xfrm>
-          <a:off x="0" y="0"/>
-          <a:ext cx="0" cy="0"/>
-          <a:chOff x="0" y="0"/>
-          <a:chExt cx="0" cy="0"/>
-        </a:xfrm>
-      </p:grpSpPr>
-      <p:sp>
-        <p:nvSpPr>
-          <p:cNvPr id="2" name="Title 1">
-            <a:extLst>
-              <a:ext uri="{FF2B5EF4-FFF2-40B4-BE49-F238E27FC236}">
-                <a16:creationId xmlns:a16="http://schemas.microsoft.com/office/drawing/2014/main" id="{B7E1FC21-692C-F303-3A37-C82517BB51E0}"/>
-              </a:ext>
-            </a:extLst>
-          </p:cNvPr>
-          <p:cNvSpPr>
-            <a:spLocks noGrp="1"/>
-          </p:cNvSpPr>
-          <p:nvPr>
-            <p:ph type="title"/>
-          </p:nvPr>
-        </p:nvSpPr>
-        <p:spPr/>
-        <p:txBody>
-          <a:bodyPr/>
-          <a:lstStyle/>
-          <a:p>
-            <a:endParaRPr lang="hu-HU" dirty="0"/>
-          </a:p>
-        </p:txBody>
-      </p:sp>
-      <p:sp>
-        <p:nvSpPr>
-          <p:cNvPr id="3" name="Text Placeholder 2">
-            <a:extLst>
-              <a:ext uri="{FF2B5EF4-FFF2-40B4-BE49-F238E27FC236}">
-                <a16:creationId xmlns:a16="http://schemas.microsoft.com/office/drawing/2014/main" id="{23BCAC2F-B992-57E9-EE16-948B9BB2DCC8}"/>
-              </a:ext>
-            </a:extLst>
-          </p:cNvPr>
-          <p:cNvSpPr>
-            <a:spLocks noGrp="1"/>
-          </p:cNvSpPr>
-          <p:nvPr>
-            <p:ph type="body" idx="1"/>
-          </p:nvPr>
-        </p:nvSpPr>
-        <p:spPr/>
-        <p:txBody>
-          <a:bodyPr/>
-          <a:lstStyle/>
-          <a:p>
-            <a:r>
-              <a:rPr lang="en-US" dirty="0" err="1"/>
-              <a:t>Torna</a:t>
-            </a:r>
-            <a:r>
-              <a:rPr lang="en-US" dirty="0"/>
-              <a:t> </a:t>
-            </a:r>
-            <a:r>
-              <a:rPr lang="en-US" dirty="0" err="1"/>
-              <a:t>készítő</a:t>
-            </a:r>
-            <a:r>
-              <a:rPr lang="en-US" dirty="0"/>
-              <a:t> </a:t>
-            </a:r>
-            <a:r>
-              <a:rPr lang="en-US" dirty="0" err="1"/>
-              <a:t>mód</a:t>
-            </a:r>
-            <a:endParaRPr lang="hu-HU" dirty="0"/>
-          </a:p>
-        </p:txBody>
-      </p:sp>
-      <p:sp>
-        <p:nvSpPr>
-          <p:cNvPr id="5" name="Text Placeholder 4">
-            <a:extLst>
-              <a:ext uri="{FF2B5EF4-FFF2-40B4-BE49-F238E27FC236}">
-                <a16:creationId xmlns:a16="http://schemas.microsoft.com/office/drawing/2014/main" id="{2CB14778-06D6-CE8F-6DE5-D06A1DEEA4F9}"/>
-              </a:ext>
-            </a:extLst>
-          </p:cNvPr>
-          <p:cNvSpPr>
-            <a:spLocks noGrp="1"/>
-          </p:cNvSpPr>
-          <p:nvPr>
-            <p:ph type="body" sz="quarter" idx="3"/>
-          </p:nvPr>
-        </p:nvSpPr>
-        <p:spPr/>
-        <p:txBody>
-          <a:bodyPr/>
-          <a:lstStyle/>
-          <a:p>
-            <a:r>
-              <a:rPr lang="en-US" dirty="0" err="1"/>
-              <a:t>Játék</a:t>
-            </a:r>
-            <a:r>
-              <a:rPr lang="en-US" dirty="0"/>
-              <a:t> </a:t>
-            </a:r>
-            <a:r>
-              <a:rPr lang="en-US" dirty="0" err="1"/>
-              <a:t>mód</a:t>
-            </a:r>
-            <a:endParaRPr lang="hu-HU" dirty="0"/>
-          </a:p>
-        </p:txBody>
-      </p:sp>
-      <p:pic>
-        <p:nvPicPr>
-          <p:cNvPr id="12" name="Content Placeholder 11">
-            <a:extLst>
-              <a:ext uri="{FF2B5EF4-FFF2-40B4-BE49-F238E27FC236}">
-                <a16:creationId xmlns:a16="http://schemas.microsoft.com/office/drawing/2014/main" id="{FADFDF8C-7C6F-67EA-7E4E-7191017E2197}"/>
-              </a:ext>
-            </a:extLst>
-          </p:cNvPr>
-          <p:cNvPicPr>
-            <a:picLocks noGrp="1" noChangeAspect="1"/>
-          </p:cNvPicPr>
-          <p:nvPr>
-            <p:ph sz="half" idx="2"/>
-          </p:nvPr>
-        </p:nvPicPr>
-        <p:blipFill>
-          <a:blip r:embed="rId3"/>
-          <a:stretch>
-            <a:fillRect/>
-          </a:stretch>
-        </p:blipFill>
-        <p:spPr>
-          <a:xfrm>
-            <a:off x="694874" y="2925763"/>
-            <a:ext cx="5165040" cy="2935287"/>
-          </a:xfrm>
-        </p:spPr>
-      </p:pic>
-      <p:pic>
-        <p:nvPicPr>
-          <p:cNvPr id="14" name="Content Placeholder 13">
-            <a:extLst>
-              <a:ext uri="{FF2B5EF4-FFF2-40B4-BE49-F238E27FC236}">
-                <a16:creationId xmlns:a16="http://schemas.microsoft.com/office/drawing/2014/main" id="{863C7ADD-BD02-83C2-9B75-45B2F6C0B8D3}"/>
-              </a:ext>
-            </a:extLst>
-          </p:cNvPr>
-          <p:cNvPicPr>
-            <a:picLocks noGrp="1" noChangeAspect="1"/>
-          </p:cNvPicPr>
-          <p:nvPr>
-            <p:ph sz="quarter" idx="4"/>
-          </p:nvPr>
-        </p:nvPicPr>
-        <p:blipFill>
-          <a:blip r:embed="rId4"/>
-          <a:stretch>
-            <a:fillRect/>
-          </a:stretch>
-        </p:blipFill>
-        <p:spPr>
-          <a:xfrm>
-            <a:off x="6352002" y="2925763"/>
-            <a:ext cx="5125208" cy="2935287"/>
-          </a:xfrm>
-        </p:spPr>
-      </p:pic>
-    </p:spTree>
-    <p:extLst>
-      <p:ext uri="{BB962C8B-B14F-4D97-AF65-F5344CB8AC3E}">
-        <p14:creationId xmlns:p14="http://schemas.microsoft.com/office/powerpoint/2010/main" val="500738798"/>
-      </p:ext>
-    </p:extLst>
-  </p:cSld>
-  <p:clrMapOvr>
-    <a:masterClrMapping/>
-  </p:clrMapOvr>
-</p:sld>
-</file>
-
-<file path=ppt/slides/slide7.xml><?xml version="1.0" encoding="utf-8"?>
-<p:sld xmlns:a="http://schemas.openxmlformats.org/drawingml/2006/main" xmlns:r="http://schemas.openxmlformats.org/officeDocument/2006/relationships" xmlns:p="http://schemas.openxmlformats.org/presentationml/2006/main">
-  <p:cSld>
-    <p:spTree>
-      <p:nvGrpSpPr>
-        <p:cNvPr id="1" name=""/>
-        <p:cNvGrpSpPr/>
-        <p:nvPr/>
-      </p:nvGrpSpPr>
-      <p:grpSpPr>
-        <a:xfrm>
-          <a:off x="0" y="0"/>
-          <a:ext cx="0" cy="0"/>
-          <a:chOff x="0" y="0"/>
-          <a:chExt cx="0" cy="0"/>
-        </a:xfrm>
-      </p:grpSpPr>
-      <p:sp>
-        <p:nvSpPr>
-          <p:cNvPr id="2" name="Title 1">
-            <a:extLst>
-              <a:ext uri="{FF2B5EF4-FFF2-40B4-BE49-F238E27FC236}">
-                <a16:creationId xmlns:a16="http://schemas.microsoft.com/office/drawing/2014/main" id="{B19F33FC-0D90-D0C8-7BCE-1204EC61FCE6}"/>
-              </a:ext>
-            </a:extLst>
-          </p:cNvPr>
-          <p:cNvSpPr>
-            <a:spLocks noGrp="1"/>
-          </p:cNvSpPr>
-          <p:nvPr>
-            <p:ph type="title"/>
-          </p:nvPr>
-        </p:nvSpPr>
-        <p:spPr/>
-        <p:txBody>
-          <a:bodyPr/>
-          <a:lstStyle/>
-          <a:p>
-            <a:endParaRPr lang="hu-HU"/>
-          </a:p>
-        </p:txBody>
-      </p:sp>
-      <p:sp>
-        <p:nvSpPr>
-          <p:cNvPr id="3" name="Content Placeholder 2">
-            <a:extLst>
-              <a:ext uri="{FF2B5EF4-FFF2-40B4-BE49-F238E27FC236}">
-                <a16:creationId xmlns:a16="http://schemas.microsoft.com/office/drawing/2014/main" id="{0CD5140A-4694-45E4-CAD6-72E80A60BEEB}"/>
-              </a:ext>
-            </a:extLst>
-          </p:cNvPr>
-          <p:cNvSpPr>
-            <a:spLocks noGrp="1"/>
-          </p:cNvSpPr>
-          <p:nvPr>
-            <p:ph idx="1"/>
-          </p:nvPr>
-        </p:nvSpPr>
-        <p:spPr/>
-        <p:txBody>
-          <a:bodyPr/>
-          <a:lstStyle/>
-          <a:p>
-            <a:r>
-              <a:rPr lang="en-US" dirty="0" err="1"/>
-              <a:t>Objektumok</a:t>
-            </a:r>
-            <a:r>
-              <a:rPr lang="en-US" dirty="0"/>
-              <a:t> “</a:t>
-            </a:r>
-            <a:r>
-              <a:rPr lang="en-US" dirty="0" err="1"/>
-              <a:t>lerakása</a:t>
-            </a:r>
-            <a:r>
-              <a:rPr lang="en-US" dirty="0"/>
-              <a:t>” </a:t>
-            </a:r>
-            <a:r>
-              <a:rPr lang="en-US" dirty="0" err="1"/>
-              <a:t>Torna</a:t>
-            </a:r>
-            <a:r>
-              <a:rPr lang="en-US" dirty="0"/>
-              <a:t> </a:t>
-            </a:r>
-            <a:r>
-              <a:rPr lang="en-US" dirty="0" err="1"/>
-              <a:t>készítőben</a:t>
-            </a:r>
-            <a:r>
-              <a:rPr lang="en-US" dirty="0"/>
-              <a:t> </a:t>
-            </a:r>
-          </a:p>
-          <a:p>
-            <a:endParaRPr lang="en-US" dirty="0"/>
-          </a:p>
-          <a:p>
-            <a:r>
-              <a:rPr lang="en-US" dirty="0" err="1"/>
-              <a:t>Kamera</a:t>
-            </a:r>
-            <a:r>
-              <a:rPr lang="en-US" dirty="0"/>
-              <a:t> </a:t>
-            </a:r>
-            <a:r>
-              <a:rPr lang="en-US" dirty="0" err="1"/>
-              <a:t>pozíciója</a:t>
-            </a:r>
-            <a:r>
-              <a:rPr lang="en-US" dirty="0"/>
-              <a:t> + </a:t>
-            </a:r>
-            <a:r>
-              <a:rPr lang="en-US" dirty="0" err="1"/>
-              <a:t>kamera</a:t>
-            </a:r>
-            <a:r>
-              <a:rPr lang="en-US" dirty="0"/>
-              <a:t> </a:t>
-            </a:r>
-            <a:r>
-              <a:rPr lang="en-US" dirty="0" err="1"/>
-              <a:t>irány</a:t>
-            </a:r>
-            <a:r>
-              <a:rPr lang="en-US" dirty="0"/>
-              <a:t> </a:t>
-            </a:r>
-            <a:r>
-              <a:rPr lang="en-US" dirty="0" err="1"/>
-              <a:t>vektora</a:t>
-            </a:r>
-            <a:r>
-              <a:rPr lang="en-US" dirty="0"/>
-              <a:t> * </a:t>
-            </a:r>
-            <a:r>
-              <a:rPr lang="en-US" dirty="0" err="1"/>
-              <a:t>Távolság</a:t>
-            </a:r>
-            <a:r>
-              <a:rPr lang="en-US" dirty="0"/>
-              <a:t> (</a:t>
-            </a:r>
-            <a:r>
-              <a:rPr lang="en-US" dirty="0" err="1"/>
-              <a:t>Jelenleg</a:t>
-            </a:r>
-            <a:r>
-              <a:rPr lang="en-US" dirty="0"/>
-              <a:t> 60 </a:t>
-            </a:r>
-            <a:r>
-              <a:rPr lang="en-US" dirty="0" err="1"/>
-              <a:t>egység</a:t>
-            </a:r>
-            <a:r>
-              <a:rPr lang="en-US" dirty="0"/>
-              <a:t> de </a:t>
-            </a:r>
-            <a:r>
-              <a:rPr lang="en-US" dirty="0" err="1"/>
-              <a:t>módosítható</a:t>
-            </a:r>
-            <a:r>
-              <a:rPr lang="en-US" dirty="0"/>
-              <a:t>)</a:t>
-            </a:r>
-            <a:endParaRPr lang="hu-HU" dirty="0"/>
-          </a:p>
-        </p:txBody>
-      </p:sp>
-      <p:pic>
-        <p:nvPicPr>
-          <p:cNvPr id="5" name="Picture 4">
-            <a:extLst>
-              <a:ext uri="{FF2B5EF4-FFF2-40B4-BE49-F238E27FC236}">
-                <a16:creationId xmlns:a16="http://schemas.microsoft.com/office/drawing/2014/main" id="{39A681E8-74AE-60FB-75C6-577A56030C9D}"/>
-              </a:ext>
-            </a:extLst>
-          </p:cNvPr>
-          <p:cNvPicPr>
-            <a:picLocks noChangeAspect="1"/>
-          </p:cNvPicPr>
-          <p:nvPr/>
-        </p:nvPicPr>
-        <p:blipFill>
-          <a:blip r:embed="rId2"/>
-          <a:stretch>
-            <a:fillRect/>
-          </a:stretch>
-        </p:blipFill>
-        <p:spPr>
-          <a:xfrm>
-            <a:off x="729373" y="3881515"/>
-            <a:ext cx="10574226" cy="276264"/>
-          </a:xfrm>
-          <a:prstGeom prst="rect">
-            <a:avLst/>
-          </a:prstGeom>
-        </p:spPr>
-      </p:pic>
-    </p:spTree>
-    <p:extLst>
-      <p:ext uri="{BB962C8B-B14F-4D97-AF65-F5344CB8AC3E}">
-        <p14:creationId xmlns:p14="http://schemas.microsoft.com/office/powerpoint/2010/main" val="56409521"/>
-      </p:ext>
-    </p:extLst>
-  </p:cSld>
-  <p:clrMapOvr>
-    <a:masterClrMapping/>
-  </p:clrMapOvr>
-</p:sld>
-</file>
-
-<file path=ppt/slides/slide8.xml><?xml version="1.0" encoding="utf-8"?>
-<p:sld xmlns:a="http://schemas.openxmlformats.org/drawingml/2006/main" xmlns:r="http://schemas.openxmlformats.org/officeDocument/2006/relationships" xmlns:p="http://schemas.openxmlformats.org/presentationml/2006/main">
-  <p:cSld>
-    <p:bg>
-      <p:bgPr>
-        <a:solidFill>
-          <a:schemeClr val="bg2"/>
-        </a:solidFill>
-        <a:effectLst/>
-      </p:bgPr>
-    </p:bg>
-    <p:spTree>
-      <p:nvGrpSpPr>
-        <p:cNvPr id="1" name=""/>
-        <p:cNvGrpSpPr/>
-        <p:nvPr/>
-      </p:nvGrpSpPr>
-      <p:grpSpPr>
-        <a:xfrm>
-          <a:off x="0" y="0"/>
-          <a:ext cx="0" cy="0"/>
-          <a:chOff x="0" y="0"/>
-          <a:chExt cx="0" cy="0"/>
-        </a:xfrm>
-      </p:grpSpPr>
-      <p:sp>
-        <p:nvSpPr>
-          <p:cNvPr id="29" name="Rectangle 28">
-            <a:extLst>
-              <a:ext uri="{FF2B5EF4-FFF2-40B4-BE49-F238E27FC236}">
-                <a16:creationId xmlns:a16="http://schemas.microsoft.com/office/drawing/2014/main" id="{00401440-1DC9-4C9E-A3BA-4DECEEB46503}"/>
-              </a:ext>
-              <a:ext uri="{C183D7F6-B498-43B3-948B-1728B52AA6E4}">
-                <adec:decorative xmlns:adec="http://schemas.microsoft.com/office/drawing/2017/decorative" val="1"/>
-              </a:ext>
-            </a:extLst>
-          </p:cNvPr>
-          <p:cNvSpPr>
-            <a:spLocks noGrp="1" noRot="1" noChangeAspect="1" noMove="1" noResize="1" noEditPoints="1" noAdjustHandles="1" noChangeArrowheads="1" noChangeShapeType="1" noTextEdit="1"/>
-          </p:cNvSpPr>
-          <p:nvPr>
-            <p:extLst>
-              <p:ext uri="{386F3935-93C4-4BCD-93E2-E3B085C9AB24}">
-                <p16:designElem xmlns:p16="http://schemas.microsoft.com/office/powerpoint/2015/main" val="1"/>
-              </p:ext>
-            </p:extLst>
-          </p:nvPr>
-        </p:nvSpPr>
-        <p:spPr>
-          <a:xfrm>
-            <a:off x="0" y="0"/>
-            <a:ext cx="12192000" cy="6858000"/>
-          </a:xfrm>
-          <a:prstGeom prst="rect">
-            <a:avLst/>
-          </a:prstGeom>
-          <a:solidFill>
-            <a:srgbClr val="FFFFFF"/>
-          </a:solidFill>
-          <a:ln>
-            <a:noFill/>
-          </a:ln>
-        </p:spPr>
-        <p:style>
-          <a:lnRef idx="2">
-            <a:schemeClr val="accent1">
-              <a:shade val="50000"/>
-            </a:schemeClr>
-          </a:lnRef>
-          <a:fillRef idx="1">
-            <a:schemeClr val="accent1"/>
-          </a:fillRef>
-          <a:effectRef idx="0">
-            <a:schemeClr val="accent1"/>
-          </a:effectRef>
-          <a:fontRef idx="minor">
-            <a:schemeClr val="lt1"/>
-          </a:fontRef>
-        </p:style>
-        <p:txBody>
-          <a:bodyPr rtlCol="0" anchor="ctr"/>
-          <a:lstStyle/>
-          <a:p>
-            <a:pPr algn="ctr"/>
-            <a:endParaRPr lang="en-US" dirty="0"/>
-          </a:p>
-        </p:txBody>
-      </p:sp>
-      <p:pic>
-        <p:nvPicPr>
-          <p:cNvPr id="5" name="Picture 4" descr="Chart, line chart&#10;&#10;Description automatically generated">
-            <a:extLst>
-              <a:ext uri="{FF2B5EF4-FFF2-40B4-BE49-F238E27FC236}">
-                <a16:creationId xmlns:a16="http://schemas.microsoft.com/office/drawing/2014/main" id="{144182CF-6FF3-2142-06E4-3A390F4ACC80}"/>
-              </a:ext>
-            </a:extLst>
-          </p:cNvPr>
-          <p:cNvPicPr>
-            <a:picLocks noChangeAspect="1"/>
-          </p:cNvPicPr>
-          <p:nvPr/>
-        </p:nvPicPr>
-        <p:blipFill>
-          <a:blip r:embed="rId3"/>
-          <a:stretch>
-            <a:fillRect/>
-          </a:stretch>
-        </p:blipFill>
-        <p:spPr>
-          <a:xfrm>
-            <a:off x="625217" y="541064"/>
-            <a:ext cx="5147403" cy="3435892"/>
-          </a:xfrm>
-          <a:prstGeom prst="rect">
-            <a:avLst/>
-          </a:prstGeom>
-        </p:spPr>
-      </p:pic>
-      <p:cxnSp>
-        <p:nvCxnSpPr>
-          <p:cNvPr id="31" name="Straight Connector 30">
-            <a:extLst>
-              <a:ext uri="{FF2B5EF4-FFF2-40B4-BE49-F238E27FC236}">
-                <a16:creationId xmlns:a16="http://schemas.microsoft.com/office/drawing/2014/main" id="{EEE3F140-02CB-4BBC-ABC0-8BF046C9D1B8}"/>
-              </a:ext>
-              <a:ext uri="{C183D7F6-B498-43B3-948B-1728B52AA6E4}">
-                <adec:decorative xmlns:adec="http://schemas.microsoft.com/office/drawing/2017/decorative" val="1"/>
-              </a:ext>
-            </a:extLst>
-          </p:cNvPr>
-          <p:cNvCxnSpPr>
-            <a:cxnSpLocks noGrp="1" noRot="1" noChangeAspect="1" noMove="1" noResize="1" noEditPoints="1" noAdjustHandles="1" noChangeArrowheads="1" noChangeShapeType="1"/>
-          </p:cNvCxnSpPr>
-          <p:nvPr>
-            <p:extLst>
-              <p:ext uri="{386F3935-93C4-4BCD-93E2-E3B085C9AB24}">
-                <p16:designElem xmlns:p16="http://schemas.microsoft.com/office/powerpoint/2015/main" val="1"/>
-              </p:ext>
-            </p:extLst>
-          </p:nvPr>
-        </p:nvCxnSpPr>
-        <p:spPr>
-          <a:xfrm>
-            <a:off x="6096000" y="1436050"/>
-            <a:ext cx="0" cy="1645920"/>
-          </a:xfrm>
-          <a:prstGeom prst="line">
-            <a:avLst/>
-          </a:prstGeom>
-          <a:ln w="19050">
-            <a:solidFill>
-              <a:srgbClr val="465359"/>
-            </a:solidFill>
-          </a:ln>
-        </p:spPr>
-        <p:style>
-          <a:lnRef idx="1">
-            <a:schemeClr val="accent1"/>
-          </a:lnRef>
-          <a:fillRef idx="0">
-            <a:schemeClr val="accent1"/>
-          </a:fillRef>
-          <a:effectRef idx="0">
-            <a:schemeClr val="accent1"/>
-          </a:effectRef>
-          <a:fontRef idx="minor">
-            <a:schemeClr val="tx1"/>
-          </a:fontRef>
-        </p:style>
-      </p:cxnSp>
-      <p:pic>
-        <p:nvPicPr>
-          <p:cNvPr id="7" name="Picture 6" descr="Text&#10;&#10;Description automatically generated">
-            <a:extLst>
-              <a:ext uri="{FF2B5EF4-FFF2-40B4-BE49-F238E27FC236}">
-                <a16:creationId xmlns:a16="http://schemas.microsoft.com/office/drawing/2014/main" id="{DEB49B64-BEF8-60B8-023A-34547D2DA4BB}"/>
-              </a:ext>
-            </a:extLst>
-          </p:cNvPr>
-          <p:cNvPicPr>
-            <a:picLocks noChangeAspect="1"/>
-          </p:cNvPicPr>
-          <p:nvPr/>
-        </p:nvPicPr>
-        <p:blipFill>
-          <a:blip r:embed="rId4"/>
-          <a:stretch>
-            <a:fillRect/>
-          </a:stretch>
-        </p:blipFill>
-        <p:spPr>
-          <a:xfrm>
-            <a:off x="6417735" y="541064"/>
-            <a:ext cx="4363037" cy="3435892"/>
-          </a:xfrm>
-          <a:prstGeom prst="rect">
-            <a:avLst/>
-          </a:prstGeom>
-        </p:spPr>
-      </p:pic>
-      <p:sp useBgFill="1">
-        <p:nvSpPr>
-          <p:cNvPr id="33" name="Rectangle 32">
-            <a:extLst>
-              <a:ext uri="{FF2B5EF4-FFF2-40B4-BE49-F238E27FC236}">
-                <a16:creationId xmlns:a16="http://schemas.microsoft.com/office/drawing/2014/main" id="{36B822CC-7DA9-4417-AA94-64CEB676F0B8}"/>
-              </a:ext>
-              <a:ext uri="{C183D7F6-B498-43B3-948B-1728B52AA6E4}">
-                <adec:decorative xmlns:adec="http://schemas.microsoft.com/office/drawing/2017/decorative" val="1"/>
-              </a:ext>
-            </a:extLst>
-          </p:cNvPr>
-          <p:cNvSpPr>
-            <a:spLocks noGrp="1" noRot="1" noChangeAspect="1" noMove="1" noResize="1" noEditPoints="1" noAdjustHandles="1" noChangeArrowheads="1" noChangeShapeType="1" noTextEdit="1"/>
-          </p:cNvSpPr>
-          <p:nvPr>
-            <p:extLst>
-              <p:ext uri="{386F3935-93C4-4BCD-93E2-E3B085C9AB24}">
-                <p16:designElem xmlns:p16="http://schemas.microsoft.com/office/powerpoint/2015/main" val="1"/>
-              </p:ext>
-            </p:extLst>
-          </p:nvPr>
-        </p:nvSpPr>
-        <p:spPr>
-          <a:xfrm>
-            <a:off x="447234" y="4219240"/>
-            <a:ext cx="11301984" cy="94997"/>
-          </a:xfrm>
-          <a:prstGeom prst="rect">
-            <a:avLst/>
-          </a:prstGeom>
-          <a:ln>
-            <a:noFill/>
-          </a:ln>
-          <a:effectLst/>
-        </p:spPr>
-        <p:style>
-          <a:lnRef idx="1">
-            <a:schemeClr val="accent1"/>
-          </a:lnRef>
-          <a:fillRef idx="3">
-            <a:schemeClr val="accent1"/>
-          </a:fillRef>
-          <a:effectRef idx="2">
-            <a:schemeClr val="accent1"/>
-          </a:effectRef>
-          <a:fontRef idx="minor">
-            <a:schemeClr val="lt1"/>
-          </a:fontRef>
-        </p:style>
-      </p:sp>
-      <p:sp useBgFill="1">
-        <p:nvSpPr>
-          <p:cNvPr id="35" name="Rectangle 34">
-            <a:extLst>
-              <a:ext uri="{FF2B5EF4-FFF2-40B4-BE49-F238E27FC236}">
-                <a16:creationId xmlns:a16="http://schemas.microsoft.com/office/drawing/2014/main" id="{AFA01E88-71CC-4FF3-9E81-51E0C32B45E4}"/>
-              </a:ext>
-              <a:ext uri="{C183D7F6-B498-43B3-948B-1728B52AA6E4}">
-                <adec:decorative xmlns:adec="http://schemas.microsoft.com/office/drawing/2017/decorative" val="1"/>
-              </a:ext>
-            </a:extLst>
-          </p:cNvPr>
-          <p:cNvSpPr>
-            <a:spLocks noGrp="1" noRot="1" noChangeAspect="1" noMove="1" noResize="1" noEditPoints="1" noAdjustHandles="1" noChangeArrowheads="1" noChangeShapeType="1" noTextEdit="1"/>
-          </p:cNvSpPr>
-          <p:nvPr>
-            <p:extLst>
-              <p:ext uri="{386F3935-93C4-4BCD-93E2-E3B085C9AB24}">
-                <p16:designElem xmlns:p16="http://schemas.microsoft.com/office/powerpoint/2015/main" val="1"/>
-              </p:ext>
-            </p:extLst>
-          </p:nvPr>
-        </p:nvSpPr>
-        <p:spPr>
-          <a:xfrm>
-            <a:off x="447234" y="4359623"/>
-            <a:ext cx="11303626" cy="2051143"/>
-          </a:xfrm>
-          <a:prstGeom prst="rect">
-            <a:avLst/>
-          </a:prstGeom>
-          <a:ln w="6350" cmpd="sng">
-            <a:noFill/>
-          </a:ln>
-          <a:effectLst/>
-        </p:spPr>
-        <p:style>
-          <a:lnRef idx="1">
-            <a:schemeClr val="accent1"/>
-          </a:lnRef>
-          <a:fillRef idx="3">
-            <a:schemeClr val="accent1"/>
-          </a:fillRef>
-          <a:effectRef idx="2">
-            <a:schemeClr val="accent1"/>
-          </a:effectRef>
-          <a:fontRef idx="minor">
-            <a:schemeClr val="lt1"/>
-          </a:fontRef>
-        </p:style>
-      </p:sp>
-      <p:sp>
-        <p:nvSpPr>
-          <p:cNvPr id="2" name="Title 1">
-            <a:extLst>
-              <a:ext uri="{FF2B5EF4-FFF2-40B4-BE49-F238E27FC236}">
-                <a16:creationId xmlns:a16="http://schemas.microsoft.com/office/drawing/2014/main" id="{0FF05CC1-C841-E6B0-A299-23BE9DA3E863}"/>
-              </a:ext>
-            </a:extLst>
-          </p:cNvPr>
-          <p:cNvSpPr>
-            <a:spLocks noGrp="1"/>
-          </p:cNvSpPr>
-          <p:nvPr>
-            <p:ph type="title"/>
-          </p:nvPr>
-        </p:nvSpPr>
-        <p:spPr>
-          <a:xfrm>
-            <a:off x="679600" y="4596992"/>
-            <a:ext cx="3353432" cy="1607013"/>
-          </a:xfrm>
-        </p:spPr>
-        <p:txBody>
-          <a:bodyPr anchor="ctr">
-            <a:normAutofit/>
-          </a:bodyPr>
-          <a:lstStyle/>
-          <a:p>
-            <a:r>
-              <a:rPr lang="en-US" dirty="0" err="1">
-                <a:solidFill>
-                  <a:schemeClr val="tx2"/>
-                </a:solidFill>
-              </a:rPr>
-              <a:t>Játék</a:t>
-            </a:r>
-            <a:r>
-              <a:rPr lang="en-US" dirty="0">
-                <a:solidFill>
-                  <a:schemeClr val="tx2"/>
-                </a:solidFill>
-              </a:rPr>
-              <a:t> </a:t>
-            </a:r>
-            <a:r>
-              <a:rPr lang="en-US" dirty="0" err="1">
-                <a:solidFill>
-                  <a:schemeClr val="tx2"/>
-                </a:solidFill>
-              </a:rPr>
-              <a:t>mód</a:t>
-            </a:r>
-            <a:endParaRPr lang="hu-HU" dirty="0">
-              <a:solidFill>
-                <a:schemeClr val="tx2"/>
-              </a:solidFill>
-            </a:endParaRPr>
-          </a:p>
-        </p:txBody>
-      </p:sp>
-      <p:sp>
-        <p:nvSpPr>
-          <p:cNvPr id="3" name="Content Placeholder 2">
-            <a:extLst>
-              <a:ext uri="{FF2B5EF4-FFF2-40B4-BE49-F238E27FC236}">
-                <a16:creationId xmlns:a16="http://schemas.microsoft.com/office/drawing/2014/main" id="{9FF48C56-CE00-C5B3-E610-9B4599F4770F}"/>
-              </a:ext>
-            </a:extLst>
-          </p:cNvPr>
-          <p:cNvSpPr>
-            <a:spLocks noGrp="1"/>
-          </p:cNvSpPr>
-          <p:nvPr>
-            <p:ph idx="1"/>
-          </p:nvPr>
-        </p:nvSpPr>
-        <p:spPr>
-          <a:xfrm>
-            <a:off x="4271491" y="4596992"/>
-            <a:ext cx="7240909" cy="1607012"/>
-          </a:xfrm>
-        </p:spPr>
-        <p:txBody>
-          <a:bodyPr>
-            <a:normAutofit/>
-          </a:bodyPr>
-          <a:lstStyle/>
-          <a:p>
-            <a:r>
-              <a:rPr lang="en-US" dirty="0"/>
-              <a:t>A </a:t>
-            </a:r>
-            <a:r>
-              <a:rPr lang="en-US" dirty="0" err="1"/>
-              <a:t>játék</a:t>
-            </a:r>
-            <a:r>
-              <a:rPr lang="en-US" dirty="0"/>
-              <a:t> </a:t>
-            </a:r>
-            <a:r>
-              <a:rPr lang="en-US" dirty="0" err="1"/>
-              <a:t>sárga</a:t>
-            </a:r>
-            <a:r>
-              <a:rPr lang="en-US" dirty="0"/>
-              <a:t> </a:t>
-            </a:r>
-            <a:r>
-              <a:rPr lang="en-US" dirty="0" err="1"/>
-              <a:t>gömbökkel</a:t>
-            </a:r>
-            <a:r>
-              <a:rPr lang="en-US" dirty="0"/>
-              <a:t> </a:t>
-            </a:r>
-            <a:r>
-              <a:rPr lang="en-US" dirty="0" err="1"/>
-              <a:t>vezet</a:t>
-            </a:r>
-            <a:r>
-              <a:rPr lang="en-US" dirty="0"/>
-              <a:t> </a:t>
-            </a:r>
-            <a:r>
-              <a:rPr lang="en-US" dirty="0" err="1"/>
-              <a:t>végig</a:t>
-            </a:r>
-            <a:r>
-              <a:rPr lang="en-US" dirty="0"/>
-              <a:t> a </a:t>
-            </a:r>
-            <a:r>
-              <a:rPr lang="en-US" dirty="0" err="1"/>
-              <a:t>tornán</a:t>
-            </a:r>
-            <a:endParaRPr lang="en-US" dirty="0"/>
-          </a:p>
-          <a:p>
-            <a:r>
-              <a:rPr lang="en-US" dirty="0" err="1"/>
-              <a:t>Raycasting</a:t>
-            </a:r>
-            <a:r>
-              <a:rPr lang="en-US" dirty="0"/>
-              <a:t>-al </a:t>
-            </a:r>
-            <a:r>
-              <a:rPr lang="en-US" dirty="0" err="1"/>
-              <a:t>tudjuk</a:t>
-            </a:r>
-            <a:r>
-              <a:rPr lang="en-US" dirty="0"/>
-              <a:t> </a:t>
-            </a:r>
-            <a:r>
-              <a:rPr lang="en-US" dirty="0" err="1"/>
-              <a:t>hogy</a:t>
-            </a:r>
-            <a:r>
-              <a:rPr lang="en-US" dirty="0"/>
-              <a:t> </a:t>
-            </a:r>
-            <a:r>
-              <a:rPr lang="en-US" dirty="0" err="1"/>
-              <a:t>ránézett</a:t>
-            </a:r>
-            <a:r>
-              <a:rPr lang="en-US" dirty="0"/>
-              <a:t>-e a </a:t>
-            </a:r>
-            <a:r>
-              <a:rPr lang="en-US" dirty="0" err="1"/>
-              <a:t>felhasználó</a:t>
-            </a:r>
-            <a:r>
-              <a:rPr lang="en-US" dirty="0"/>
-              <a:t> a </a:t>
-            </a:r>
-            <a:r>
-              <a:rPr lang="en-US" dirty="0" err="1"/>
-              <a:t>megfelelő</a:t>
-            </a:r>
-            <a:r>
-              <a:rPr lang="en-US" dirty="0"/>
-              <a:t> </a:t>
-            </a:r>
-            <a:r>
-              <a:rPr lang="en-US" dirty="0" err="1"/>
-              <a:t>gömbre</a:t>
-            </a:r>
-            <a:endParaRPr lang="en-US" dirty="0"/>
-          </a:p>
-          <a:p>
-            <a:endParaRPr lang="en-US" dirty="0"/>
-          </a:p>
-        </p:txBody>
-      </p:sp>
-    </p:spTree>
-    <p:extLst>
-      <p:ext uri="{BB962C8B-B14F-4D97-AF65-F5344CB8AC3E}">
-        <p14:creationId xmlns:p14="http://schemas.microsoft.com/office/powerpoint/2010/main" val="3082300299"/>
-      </p:ext>
-    </p:extLst>
-  </p:cSld>
-  <p:clrMapOvr>
-    <a:overrideClrMapping bg1="dk1" tx1="lt1" bg2="dk2" tx2="lt2" accent1="accent1" accent2="accent2" accent3="accent3" accent4="accent4" accent5="accent5" accent6="accent6" hlink="hlink" folHlink="folHlink"/>
-  </p:clrMapOvr>
-</p:sld>
-</file>
-
-<file path=ppt/slides/slide9.xml><?xml version="1.0" encoding="utf-8"?>
-<p:sld xmlns:a="http://schemas.openxmlformats.org/drawingml/2006/main" xmlns:r="http://schemas.openxmlformats.org/officeDocument/2006/relationships" xmlns:p="http://schemas.openxmlformats.org/presentationml/2006/main">
-  <p:cSld>
-    <p:bg>
-      <p:bgPr>
-        <a:solidFill>
-          <a:schemeClr val="bg1"/>
-        </a:solidFill>
-        <a:effectLst/>
-      </p:bgPr>
-    </p:bg>
-    <p:spTree>
-      <p:nvGrpSpPr>
-        <p:cNvPr id="1" name=""/>
-        <p:cNvGrpSpPr/>
-        <p:nvPr/>
-      </p:nvGrpSpPr>
-      <p:grpSpPr>
-        <a:xfrm>
-          <a:off x="0" y="0"/>
-          <a:ext cx="0" cy="0"/>
-          <a:chOff x="0" y="0"/>
-          <a:chExt cx="0" cy="0"/>
-        </a:xfrm>
-      </p:grpSpPr>
-      <p:sp>
-        <p:nvSpPr>
-          <p:cNvPr id="11" name="Rectangle 10">
-            <a:extLst>
-              <a:ext uri="{FF2B5EF4-FFF2-40B4-BE49-F238E27FC236}">
-                <a16:creationId xmlns:a16="http://schemas.microsoft.com/office/drawing/2014/main" id="{DB691D59-8F51-4DD8-AD41-D568D29B08F8}"/>
-              </a:ext>
-              <a:ext uri="{C183D7F6-B498-43B3-948B-1728B52AA6E4}">
-                <adec:decorative xmlns:adec="http://schemas.microsoft.com/office/drawing/2017/decorative" val="1"/>
-              </a:ext>
-            </a:extLst>
-          </p:cNvPr>
-          <p:cNvSpPr>
-            <a:spLocks noGrp="1" noRot="1" noChangeAspect="1" noMove="1" noResize="1" noEditPoints="1" noAdjustHandles="1" noChangeArrowheads="1" noChangeShapeType="1" noTextEdit="1"/>
-          </p:cNvSpPr>
-          <p:nvPr>
-            <p:extLst>
-              <p:ext uri="{386F3935-93C4-4BCD-93E2-E3B085C9AB24}">
-                <p16:designElem xmlns:p16="http://schemas.microsoft.com/office/powerpoint/2015/main" val="1"/>
-              </p:ext>
-            </p:extLst>
-          </p:nvPr>
-        </p:nvSpPr>
-        <p:spPr>
-          <a:xfrm>
-            <a:off x="446534" y="457200"/>
-            <a:ext cx="3703320" cy="94997"/>
-          </a:xfrm>
-          <a:prstGeom prst="rect">
-            <a:avLst/>
-          </a:prstGeom>
-          <a:solidFill>
-            <a:schemeClr val="accent1"/>
-          </a:solidFill>
-          <a:ln>
-            <a:noFill/>
-          </a:ln>
-          <a:effectLst/>
-        </p:spPr>
-        <p:style>
-          <a:lnRef idx="1">
-            <a:schemeClr val="accent1"/>
-          </a:lnRef>
-          <a:fillRef idx="3">
-            <a:schemeClr val="accent1"/>
-          </a:fillRef>
-          <a:effectRef idx="2">
-            <a:schemeClr val="accent1"/>
-          </a:effectRef>
-          <a:fontRef idx="minor">
-            <a:schemeClr val="lt1"/>
-          </a:fontRef>
-        </p:style>
-      </p:sp>
-      <p:sp>
-        <p:nvSpPr>
-          <p:cNvPr id="13" name="Rectangle 12">
-            <a:extLst>
-              <a:ext uri="{FF2B5EF4-FFF2-40B4-BE49-F238E27FC236}">
-                <a16:creationId xmlns:a16="http://schemas.microsoft.com/office/drawing/2014/main" id="{204AEF18-0627-48F3-9B3D-F7E8F050B1D4}"/>
-              </a:ext>
-              <a:ext uri="{C183D7F6-B498-43B3-948B-1728B52AA6E4}">
-                <adec:decorative xmlns:adec="http://schemas.microsoft.com/office/drawing/2017/decorative" val="1"/>
-              </a:ext>
-            </a:extLst>
-          </p:cNvPr>
-          <p:cNvSpPr>
-            <a:spLocks noGrp="1" noRot="1" noChangeAspect="1" noMove="1" noResize="1" noEditPoints="1" noAdjustHandles="1" noChangeArrowheads="1" noChangeShapeType="1" noTextEdit="1"/>
-          </p:cNvSpPr>
-          <p:nvPr>
-            <p:extLst>
-              <p:ext uri="{386F3935-93C4-4BCD-93E2-E3B085C9AB24}">
-                <p16:designElem xmlns:p16="http://schemas.microsoft.com/office/powerpoint/2015/main" val="1"/>
-              </p:ext>
-            </p:extLst>
-          </p:nvPr>
-        </p:nvSpPr>
-        <p:spPr>
-          <a:xfrm>
-            <a:off x="8042147" y="453643"/>
-            <a:ext cx="3703320" cy="98554"/>
-          </a:xfrm>
-          <a:prstGeom prst="rect">
-            <a:avLst/>
-          </a:prstGeom>
-          <a:solidFill>
-            <a:schemeClr val="accent4"/>
-          </a:solidFill>
-          <a:ln>
-            <a:noFill/>
-          </a:ln>
-          <a:effectLst/>
-        </p:spPr>
-        <p:style>
-          <a:lnRef idx="1">
-            <a:schemeClr val="accent1"/>
-          </a:lnRef>
-          <a:fillRef idx="3">
-            <a:schemeClr val="accent1"/>
-          </a:fillRef>
-          <a:effectRef idx="2">
-            <a:schemeClr val="accent1"/>
-          </a:effectRef>
-          <a:fontRef idx="minor">
-            <a:schemeClr val="lt1"/>
-          </a:fontRef>
-        </p:style>
-      </p:sp>
-      <p:sp>
-        <p:nvSpPr>
-          <p:cNvPr id="15" name="Rectangle 14">
-            <a:extLst>
-              <a:ext uri="{FF2B5EF4-FFF2-40B4-BE49-F238E27FC236}">
-                <a16:creationId xmlns:a16="http://schemas.microsoft.com/office/drawing/2014/main" id="{CEAEE08A-C572-438F-9753-B0D527A515A7}"/>
-              </a:ext>
-              <a:ext uri="{C183D7F6-B498-43B3-948B-1728B52AA6E4}">
-                <adec:decorative xmlns:adec="http://schemas.microsoft.com/office/drawing/2017/decorative" val="1"/>
-              </a:ext>
-            </a:extLst>
-          </p:cNvPr>
-          <p:cNvSpPr>
-            <a:spLocks noGrp="1" noRot="1" noChangeAspect="1" noMove="1" noResize="1" noEditPoints="1" noAdjustHandles="1" noChangeArrowheads="1" noChangeShapeType="1" noTextEdit="1"/>
-          </p:cNvSpPr>
-          <p:nvPr>
-            <p:extLst>
-              <p:ext uri="{386F3935-93C4-4BCD-93E2-E3B085C9AB24}">
-                <p16:designElem xmlns:p16="http://schemas.microsoft.com/office/powerpoint/2015/main" val="1"/>
-              </p:ext>
-            </p:extLst>
-          </p:nvPr>
-        </p:nvSpPr>
-        <p:spPr>
-          <a:xfrm>
-            <a:off x="4241830" y="457200"/>
-            <a:ext cx="3703320" cy="91440"/>
-          </a:xfrm>
-          <a:prstGeom prst="rect">
-            <a:avLst/>
-          </a:prstGeom>
-          <a:solidFill>
-            <a:schemeClr val="accent2"/>
-          </a:solidFill>
-          <a:ln>
-            <a:noFill/>
-          </a:ln>
-          <a:effectLst/>
-        </p:spPr>
-        <p:style>
-          <a:lnRef idx="1">
-            <a:schemeClr val="accent1"/>
-          </a:lnRef>
-          <a:fillRef idx="3">
-            <a:schemeClr val="accent1"/>
-          </a:fillRef>
-          <a:effectRef idx="2">
-            <a:schemeClr val="accent1"/>
-          </a:effectRef>
-          <a:fontRef idx="minor">
-            <a:schemeClr val="lt1"/>
-          </a:fontRef>
-        </p:style>
-      </p:sp>
-      <p:sp>
-        <p:nvSpPr>
-          <p:cNvPr id="17" name="Rectangle 16">
-            <a:extLst>
-              <a:ext uri="{FF2B5EF4-FFF2-40B4-BE49-F238E27FC236}">
-                <a16:creationId xmlns:a16="http://schemas.microsoft.com/office/drawing/2014/main" id="{993F09C6-4F57-4B05-9592-E253D8BC6286}"/>
-              </a:ext>
-              <a:ext uri="{C183D7F6-B498-43B3-948B-1728B52AA6E4}">
-                <adec:decorative xmlns:adec="http://schemas.microsoft.com/office/drawing/2017/decorative" val="1"/>
-              </a:ext>
-            </a:extLst>
-          </p:cNvPr>
-          <p:cNvSpPr>
-            <a:spLocks noGrp="1" noRot="1" noChangeAspect="1" noMove="1" noResize="1" noEditPoints="1" noAdjustHandles="1" noChangeArrowheads="1" noChangeShapeType="1" noTextEdit="1"/>
-          </p:cNvSpPr>
-          <p:nvPr>
-            <p:extLst>
-              <p:ext uri="{386F3935-93C4-4BCD-93E2-E3B085C9AB24}">
-                <p16:designElem xmlns:p16="http://schemas.microsoft.com/office/powerpoint/2015/main" val="1"/>
-              </p:ext>
-            </p:extLst>
-          </p:nvPr>
-        </p:nvSpPr>
-        <p:spPr>
-          <a:xfrm>
-            <a:off x="440286" y="614407"/>
-            <a:ext cx="11309338" cy="1189298"/>
-          </a:xfrm>
-          <a:prstGeom prst="rect">
-            <a:avLst/>
-          </a:prstGeom>
-          <a:solidFill>
-            <a:schemeClr val="accent1"/>
-          </a:solidFill>
-          <a:ln>
-            <a:noFill/>
-          </a:ln>
-          <a:effectLst/>
-        </p:spPr>
-        <p:style>
-          <a:lnRef idx="1">
-            <a:schemeClr val="accent1"/>
-          </a:lnRef>
-          <a:fillRef idx="3">
-            <a:schemeClr val="accent1"/>
-          </a:fillRef>
-          <a:effectRef idx="2">
-            <a:schemeClr val="accent1"/>
-          </a:effectRef>
-          <a:fontRef idx="minor">
-            <a:schemeClr val="lt1"/>
-          </a:fontRef>
-        </p:style>
-      </p:sp>
-      <p:sp>
-        <p:nvSpPr>
-          <p:cNvPr id="19" name="Rectangle 18">
-            <a:extLst>
-              <a:ext uri="{FF2B5EF4-FFF2-40B4-BE49-F238E27FC236}">
-                <a16:creationId xmlns:a16="http://schemas.microsoft.com/office/drawing/2014/main" id="{879A26B8-6C4E-452B-ADD3-ED324A7AB7E8}"/>
-              </a:ext>
-              <a:ext uri="{C183D7F6-B498-43B3-948B-1728B52AA6E4}">
-                <adec:decorative xmlns:adec="http://schemas.microsoft.com/office/drawing/2017/decorative" val="1"/>
-              </a:ext>
-            </a:extLst>
-          </p:cNvPr>
-          <p:cNvSpPr>
-            <a:spLocks noGrp="1" noRot="1" noChangeAspect="1" noMove="1" noResize="1" noEditPoints="1" noAdjustHandles="1" noChangeArrowheads="1" noChangeShapeType="1" noTextEdit="1"/>
-          </p:cNvSpPr>
-          <p:nvPr>
-            <p:extLst>
-              <p:ext uri="{386F3935-93C4-4BCD-93E2-E3B085C9AB24}">
-                <p16:designElem xmlns:p16="http://schemas.microsoft.com/office/powerpoint/2015/main" val="1"/>
-              </p:ext>
-            </p:extLst>
-          </p:nvPr>
-        </p:nvSpPr>
-        <p:spPr>
-          <a:xfrm>
-            <a:off x="0" y="0"/>
-            <a:ext cx="12192000" cy="6857999"/>
-          </a:xfrm>
-          <a:prstGeom prst="rect">
-            <a:avLst/>
-          </a:prstGeom>
-          <a:solidFill>
-            <a:schemeClr val="tx1"/>
-          </a:solidFill>
-          <a:ln>
-            <a:noFill/>
-          </a:ln>
-        </p:spPr>
-        <p:style>
-          <a:lnRef idx="2">
-            <a:schemeClr val="accent1">
-              <a:shade val="50000"/>
-            </a:schemeClr>
-          </a:lnRef>
-          <a:fillRef idx="1">
-            <a:schemeClr val="accent1"/>
-          </a:fillRef>
-          <a:effectRef idx="0">
-            <a:schemeClr val="accent1"/>
-          </a:effectRef>
-          <a:fontRef idx="minor">
-            <a:schemeClr val="lt1"/>
-          </a:fontRef>
-        </p:style>
-        <p:txBody>
-          <a:bodyPr rtlCol="0" anchor="ctr"/>
-          <a:lstStyle/>
-          <a:p>
-            <a:pPr algn="ctr"/>
-            <a:endParaRPr lang="en-US"/>
-          </a:p>
-        </p:txBody>
-      </p:sp>
-      <p:sp>
-        <p:nvSpPr>
-          <p:cNvPr id="21" name="Rectangle 20">
-            <a:extLst>
-              <a:ext uri="{FF2B5EF4-FFF2-40B4-BE49-F238E27FC236}">
-                <a16:creationId xmlns:a16="http://schemas.microsoft.com/office/drawing/2014/main" id="{9B4167E1-E2B0-4192-8DA2-6967DDFF87A5}"/>
-              </a:ext>
-              <a:ext uri="{C183D7F6-B498-43B3-948B-1728B52AA6E4}">
-                <adec:decorative xmlns:adec="http://schemas.microsoft.com/office/drawing/2017/decorative" val="1"/>
-              </a:ext>
-            </a:extLst>
-          </p:cNvPr>
-          <p:cNvSpPr>
-            <a:spLocks noGrp="1" noRot="1" noChangeAspect="1" noMove="1" noResize="1" noEditPoints="1" noAdjustHandles="1" noChangeArrowheads="1" noChangeShapeType="1" noTextEdit="1"/>
-          </p:cNvSpPr>
-          <p:nvPr>
-            <p:extLst>
-              <p:ext uri="{386F3935-93C4-4BCD-93E2-E3B085C9AB24}">
-                <p16:designElem xmlns:p16="http://schemas.microsoft.com/office/powerpoint/2015/main" val="1"/>
-              </p:ext>
-            </p:extLst>
-          </p:nvPr>
-        </p:nvSpPr>
-        <p:spPr>
-          <a:xfrm>
-            <a:off x="442377" y="614407"/>
-            <a:ext cx="5609967" cy="5611772"/>
-          </a:xfrm>
-          <a:prstGeom prst="rect">
-            <a:avLst/>
-          </a:prstGeom>
-          <a:solidFill>
-            <a:schemeClr val="accent1"/>
-          </a:solidFill>
-          <a:ln>
-            <a:noFill/>
-          </a:ln>
-          <a:effectLst/>
-        </p:spPr>
-        <p:style>
-          <a:lnRef idx="1">
-            <a:schemeClr val="accent1"/>
-          </a:lnRef>
-          <a:fillRef idx="3">
-            <a:schemeClr val="accent1"/>
-          </a:fillRef>
-          <a:effectRef idx="2">
-            <a:schemeClr val="accent1"/>
-          </a:effectRef>
-          <a:fontRef idx="minor">
-            <a:schemeClr val="lt1"/>
-          </a:fontRef>
-        </p:style>
-      </p:sp>
-      <p:sp>
-        <p:nvSpPr>
-          <p:cNvPr id="2" name="Title 1">
-            <a:extLst>
-              <a:ext uri="{FF2B5EF4-FFF2-40B4-BE49-F238E27FC236}">
-                <a16:creationId xmlns:a16="http://schemas.microsoft.com/office/drawing/2014/main" id="{0BA7E878-9BA1-8FD9-FCE3-4C7996DEEFF6}"/>
-              </a:ext>
-            </a:extLst>
-          </p:cNvPr>
-          <p:cNvSpPr>
-            <a:spLocks noGrp="1"/>
-          </p:cNvSpPr>
-          <p:nvPr>
-            <p:ph type="title"/>
-          </p:nvPr>
-        </p:nvSpPr>
-        <p:spPr>
-          <a:xfrm>
-            <a:off x="762121" y="960723"/>
-            <a:ext cx="4968489" cy="1013800"/>
-          </a:xfrm>
-        </p:spPr>
-        <p:txBody>
-          <a:bodyPr vert="horz" lIns="91440" tIns="45720" rIns="91440" bIns="45720" rtlCol="0" anchor="b">
-            <a:normAutofit/>
-          </a:bodyPr>
-          <a:lstStyle/>
-          <a:p>
-            <a:endParaRPr lang="en-US">
-              <a:solidFill>
-                <a:srgbClr val="FFFFFF"/>
-              </a:solidFill>
-            </a:endParaRPr>
-          </a:p>
-        </p:txBody>
-      </p:sp>
-      <p:sp>
-        <p:nvSpPr>
-          <p:cNvPr id="23" name="Rectangle 22">
-            <a:extLst>
-              <a:ext uri="{FF2B5EF4-FFF2-40B4-BE49-F238E27FC236}">
-                <a16:creationId xmlns:a16="http://schemas.microsoft.com/office/drawing/2014/main" id="{D03E4FEE-2E6A-44AB-B6BA-C1AD0CD6D93B}"/>
-              </a:ext>
-              <a:ext uri="{C183D7F6-B498-43B3-948B-1728B52AA6E4}">
-                <adec:decorative xmlns:adec="http://schemas.microsoft.com/office/drawing/2017/decorative" val="1"/>
-              </a:ext>
-            </a:extLst>
-          </p:cNvPr>
-          <p:cNvSpPr>
-            <a:spLocks noGrp="1" noRot="1" noChangeAspect="1" noMove="1" noResize="1" noEditPoints="1" noAdjustHandles="1" noChangeArrowheads="1" noChangeShapeType="1" noTextEdit="1"/>
-          </p:cNvSpPr>
-          <p:nvPr>
-            <p:extLst>
-              <p:ext uri="{386F3935-93C4-4BCD-93E2-E3B085C9AB24}">
-                <p16:designElem xmlns:p16="http://schemas.microsoft.com/office/powerpoint/2015/main" val="1"/>
-              </p:ext>
-            </p:extLst>
-          </p:nvPr>
-        </p:nvSpPr>
-        <p:spPr>
-          <a:xfrm>
-            <a:off x="446534" y="457200"/>
-            <a:ext cx="5605810" cy="94997"/>
-          </a:xfrm>
-          <a:prstGeom prst="rect">
-            <a:avLst/>
-          </a:prstGeom>
-          <a:solidFill>
-            <a:schemeClr val="accent1"/>
-          </a:solidFill>
-          <a:ln>
-            <a:noFill/>
-          </a:ln>
-          <a:effectLst/>
-        </p:spPr>
-        <p:style>
-          <a:lnRef idx="1">
-            <a:schemeClr val="accent1"/>
-          </a:lnRef>
-          <a:fillRef idx="3">
-            <a:schemeClr val="accent1"/>
-          </a:fillRef>
-          <a:effectRef idx="2">
-            <a:schemeClr val="accent1"/>
-          </a:effectRef>
-          <a:fontRef idx="minor">
-            <a:schemeClr val="lt1"/>
-          </a:fontRef>
-        </p:style>
-      </p:sp>
-      <p:sp>
-        <p:nvSpPr>
-          <p:cNvPr id="25" name="Rectangle 24">
-            <a:extLst>
-              <a:ext uri="{FF2B5EF4-FFF2-40B4-BE49-F238E27FC236}">
-                <a16:creationId xmlns:a16="http://schemas.microsoft.com/office/drawing/2014/main" id="{0817EB59-13B3-43DA-9B91-A7CC174A6069}"/>
-              </a:ext>
-              <a:ext uri="{C183D7F6-B498-43B3-948B-1728B52AA6E4}">
-                <adec:decorative xmlns:adec="http://schemas.microsoft.com/office/drawing/2017/decorative" val="1"/>
-              </a:ext>
-            </a:extLst>
-          </p:cNvPr>
-          <p:cNvSpPr>
-            <a:spLocks noGrp="1" noRot="1" noChangeAspect="1" noMove="1" noResize="1" noEditPoints="1" noAdjustHandles="1" noChangeArrowheads="1" noChangeShapeType="1" noTextEdit="1"/>
-          </p:cNvSpPr>
-          <p:nvPr>
-            <p:extLst>
-              <p:ext uri="{386F3935-93C4-4BCD-93E2-E3B085C9AB24}">
-                <p16:designElem xmlns:p16="http://schemas.microsoft.com/office/powerpoint/2015/main" val="1"/>
-              </p:ext>
-            </p:extLst>
-          </p:nvPr>
-        </p:nvSpPr>
-        <p:spPr>
-          <a:xfrm>
-            <a:off x="6144318" y="457200"/>
-            <a:ext cx="5600007" cy="91440"/>
-          </a:xfrm>
-          <a:prstGeom prst="rect">
-            <a:avLst/>
-          </a:prstGeom>
-          <a:solidFill>
-            <a:schemeClr val="accent2"/>
-          </a:solidFill>
-          <a:ln>
-            <a:noFill/>
-          </a:ln>
-          <a:effectLst/>
-        </p:spPr>
-        <p:style>
-          <a:lnRef idx="1">
-            <a:schemeClr val="accent1"/>
-          </a:lnRef>
-          <a:fillRef idx="3">
-            <a:schemeClr val="accent1"/>
-          </a:fillRef>
-          <a:effectRef idx="2">
-            <a:schemeClr val="accent1"/>
-          </a:effectRef>
-          <a:fontRef idx="minor">
-            <a:schemeClr val="lt1"/>
-          </a:fontRef>
-        </p:style>
-      </p:sp>
-      <p:sp>
-        <p:nvSpPr>
-          <p:cNvPr id="3" name="Content Placeholder 2">
-            <a:extLst>
-              <a:ext uri="{FF2B5EF4-FFF2-40B4-BE49-F238E27FC236}">
-                <a16:creationId xmlns:a16="http://schemas.microsoft.com/office/drawing/2014/main" id="{F339F554-3F38-828C-B895-F1FF78043B19}"/>
-              </a:ext>
-            </a:extLst>
-          </p:cNvPr>
-          <p:cNvSpPr>
-            <a:spLocks noGrp="1"/>
-          </p:cNvSpPr>
-          <p:nvPr>
-            <p:ph sz="half" idx="1"/>
-          </p:nvPr>
-        </p:nvSpPr>
-        <p:spPr>
-          <a:xfrm>
-            <a:off x="783387" y="2254102"/>
-            <a:ext cx="4947221" cy="3650344"/>
-          </a:xfrm>
-        </p:spPr>
-        <p:txBody>
-          <a:bodyPr vert="horz" lIns="91440" tIns="45720" rIns="91440" bIns="45720" rtlCol="0" anchor="ctr">
-            <a:normAutofit/>
-          </a:bodyPr>
-          <a:lstStyle/>
-          <a:p>
-            <a:r>
-              <a:rPr lang="en-US" dirty="0" err="1">
-                <a:solidFill>
-                  <a:srgbClr val="FFFFFF"/>
-                </a:solidFill>
-              </a:rPr>
-              <a:t>Futás</a:t>
-            </a:r>
-            <a:r>
-              <a:rPr lang="en-US" dirty="0">
-                <a:solidFill>
-                  <a:srgbClr val="FFFFFF"/>
-                </a:solidFill>
-              </a:rPr>
-              <a:t> </a:t>
-            </a:r>
-            <a:r>
-              <a:rPr lang="en-US" dirty="0" err="1">
-                <a:solidFill>
-                  <a:srgbClr val="FFFFFF"/>
-                </a:solidFill>
-              </a:rPr>
-              <a:t>közbenegy</a:t>
-            </a:r>
-            <a:r>
-              <a:rPr lang="en-US" dirty="0">
-                <a:solidFill>
-                  <a:srgbClr val="FFFFFF"/>
-                </a:solidFill>
-              </a:rPr>
-              <a:t> List&lt;List&lt;Vector3&gt;&gt; </a:t>
-            </a:r>
-            <a:r>
-              <a:rPr lang="en-US" dirty="0" err="1">
-                <a:solidFill>
-                  <a:srgbClr val="FFFFFF"/>
-                </a:solidFill>
-              </a:rPr>
-              <a:t>tárolja</a:t>
-            </a:r>
-            <a:r>
-              <a:rPr lang="en-US" dirty="0">
-                <a:solidFill>
-                  <a:srgbClr val="FFFFFF"/>
-                </a:solidFill>
-              </a:rPr>
-              <a:t> a </a:t>
-            </a:r>
-            <a:r>
-              <a:rPr lang="en-US" dirty="0" err="1">
-                <a:solidFill>
-                  <a:srgbClr val="FFFFFF"/>
-                </a:solidFill>
-              </a:rPr>
-              <a:t>tornákat</a:t>
-            </a:r>
-            <a:r>
-              <a:rPr lang="en-US" dirty="0">
-                <a:solidFill>
-                  <a:srgbClr val="FFFFFF"/>
-                </a:solidFill>
-              </a:rPr>
-              <a:t>, </a:t>
-            </a:r>
-            <a:r>
-              <a:rPr lang="en-US" dirty="0" err="1">
-                <a:solidFill>
-                  <a:srgbClr val="FFFFFF"/>
-                </a:solidFill>
-              </a:rPr>
-              <a:t>egy</a:t>
-            </a:r>
-            <a:r>
-              <a:rPr lang="en-US" dirty="0">
-                <a:solidFill>
-                  <a:srgbClr val="FFFFFF"/>
-                </a:solidFill>
-              </a:rPr>
-              <a:t> Singleton </a:t>
-            </a:r>
-            <a:r>
-              <a:rPr lang="en-US" dirty="0" err="1">
-                <a:solidFill>
-                  <a:srgbClr val="FFFFFF"/>
-                </a:solidFill>
-              </a:rPr>
-              <a:t>osztály</a:t>
-            </a:r>
-            <a:r>
-              <a:rPr lang="en-US" dirty="0">
-                <a:solidFill>
-                  <a:srgbClr val="FFFFFF"/>
-                </a:solidFill>
-              </a:rPr>
-              <a:t> </a:t>
-            </a:r>
-            <a:r>
-              <a:rPr lang="en-US" dirty="0" err="1">
-                <a:solidFill>
-                  <a:srgbClr val="FFFFFF"/>
-                </a:solidFill>
-              </a:rPr>
-              <a:t>tárolja</a:t>
-            </a:r>
-            <a:r>
-              <a:rPr lang="en-US" dirty="0">
-                <a:solidFill>
-                  <a:srgbClr val="FFFFFF"/>
-                </a:solidFill>
-              </a:rPr>
-              <a:t> a </a:t>
-            </a:r>
-            <a:r>
-              <a:rPr lang="en-US" dirty="0" err="1">
-                <a:solidFill>
-                  <a:srgbClr val="FFFFFF"/>
-                </a:solidFill>
-              </a:rPr>
-              <a:t>listát</a:t>
-            </a:r>
-            <a:r>
-              <a:rPr lang="en-US" dirty="0">
-                <a:solidFill>
-                  <a:srgbClr val="FFFFFF"/>
-                </a:solidFill>
-              </a:rPr>
-              <a:t> </a:t>
-            </a:r>
-            <a:r>
-              <a:rPr lang="en-US" dirty="0" err="1">
-                <a:solidFill>
-                  <a:srgbClr val="FFFFFF"/>
-                </a:solidFill>
-              </a:rPr>
-              <a:t>és</a:t>
-            </a:r>
-            <a:r>
-              <a:rPr lang="en-US" dirty="0">
-                <a:solidFill>
-                  <a:srgbClr val="FFFFFF"/>
-                </a:solidFill>
-              </a:rPr>
-              <a:t> a </a:t>
-            </a:r>
-            <a:r>
-              <a:rPr lang="en-US" dirty="0" err="1">
-                <a:solidFill>
-                  <a:srgbClr val="FFFFFF"/>
-                </a:solidFill>
-              </a:rPr>
-              <a:t>segéd</a:t>
-            </a:r>
-            <a:r>
-              <a:rPr lang="en-US" dirty="0">
-                <a:solidFill>
-                  <a:srgbClr val="FFFFFF"/>
-                </a:solidFill>
-              </a:rPr>
-              <a:t> </a:t>
-            </a:r>
-            <a:r>
-              <a:rPr lang="en-US" dirty="0" err="1">
-                <a:solidFill>
-                  <a:srgbClr val="FFFFFF"/>
-                </a:solidFill>
-              </a:rPr>
-              <a:t>függvényeket</a:t>
-            </a:r>
-            <a:endParaRPr lang="en-US" dirty="0">
-              <a:solidFill>
-                <a:srgbClr val="FFFFFF"/>
-              </a:solidFill>
-            </a:endParaRPr>
-          </a:p>
-          <a:p>
-            <a:r>
-              <a:rPr lang="en-US" dirty="0" err="1">
-                <a:solidFill>
-                  <a:srgbClr val="FFFFFF"/>
-                </a:solidFill>
-              </a:rPr>
-              <a:t>Tornák</a:t>
-            </a:r>
-            <a:r>
-              <a:rPr lang="en-US" dirty="0">
-                <a:solidFill>
-                  <a:srgbClr val="FFFFFF"/>
-                </a:solidFill>
-              </a:rPr>
-              <a:t> </a:t>
-            </a:r>
-            <a:r>
-              <a:rPr lang="en-US" dirty="0" err="1">
-                <a:solidFill>
-                  <a:srgbClr val="FFFFFF"/>
-                </a:solidFill>
-              </a:rPr>
-              <a:t>tárolása</a:t>
-            </a:r>
-            <a:r>
-              <a:rPr lang="en-US" dirty="0">
-                <a:solidFill>
-                  <a:srgbClr val="FFFFFF"/>
-                </a:solidFill>
-              </a:rPr>
-              <a:t> JSON </a:t>
-            </a:r>
-            <a:r>
-              <a:rPr lang="en-US" dirty="0" err="1">
-                <a:solidFill>
-                  <a:srgbClr val="FFFFFF"/>
-                </a:solidFill>
-              </a:rPr>
-              <a:t>formátumban</a:t>
-            </a:r>
-            <a:r>
-              <a:rPr lang="en-US" dirty="0">
-                <a:solidFill>
-                  <a:srgbClr val="FFFFFF"/>
-                </a:solidFill>
-              </a:rPr>
-              <a:t> </a:t>
-            </a:r>
-            <a:r>
-              <a:rPr lang="en-US" dirty="0" err="1">
-                <a:solidFill>
-                  <a:srgbClr val="FFFFFF"/>
-                </a:solidFill>
-              </a:rPr>
-              <a:t>történik</a:t>
-            </a:r>
-            <a:r>
-              <a:rPr lang="en-US" dirty="0">
-                <a:solidFill>
-                  <a:srgbClr val="FFFFFF"/>
-                </a:solidFill>
-              </a:rPr>
-              <a:t> </a:t>
-            </a:r>
-            <a:r>
-              <a:rPr lang="en-US" dirty="0" err="1">
-                <a:solidFill>
-                  <a:srgbClr val="FFFFFF"/>
-                </a:solidFill>
-              </a:rPr>
-              <a:t>két</a:t>
-            </a:r>
-            <a:r>
-              <a:rPr lang="en-US" dirty="0">
-                <a:solidFill>
-                  <a:srgbClr val="FFFFFF"/>
-                </a:solidFill>
-              </a:rPr>
-              <a:t> </a:t>
-            </a:r>
-            <a:r>
-              <a:rPr lang="en-US" dirty="0" err="1">
-                <a:solidFill>
-                  <a:srgbClr val="FFFFFF"/>
-                </a:solidFill>
-              </a:rPr>
-              <a:t>futás</a:t>
-            </a:r>
-            <a:r>
-              <a:rPr lang="en-US" dirty="0">
-                <a:solidFill>
-                  <a:srgbClr val="FFFFFF"/>
-                </a:solidFill>
-              </a:rPr>
-              <a:t> </a:t>
-            </a:r>
-            <a:r>
-              <a:rPr lang="en-US" dirty="0" err="1">
-                <a:solidFill>
-                  <a:srgbClr val="FFFFFF"/>
-                </a:solidFill>
-              </a:rPr>
-              <a:t>között</a:t>
-            </a:r>
-            <a:endParaRPr lang="en-US" dirty="0">
-              <a:solidFill>
-                <a:srgbClr val="FFFFFF"/>
-              </a:solidFill>
-            </a:endParaRPr>
-          </a:p>
-          <a:p>
-            <a:r>
-              <a:rPr lang="en-US" dirty="0" err="1">
-                <a:solidFill>
-                  <a:srgbClr val="FFFFFF"/>
-                </a:solidFill>
-              </a:rPr>
-              <a:t>Saját</a:t>
-            </a:r>
-            <a:r>
-              <a:rPr lang="en-US" dirty="0">
-                <a:solidFill>
-                  <a:srgbClr val="FFFFFF"/>
-                </a:solidFill>
-              </a:rPr>
-              <a:t> </a:t>
-            </a:r>
-            <a:r>
-              <a:rPr lang="en-US" dirty="0" err="1">
-                <a:solidFill>
-                  <a:srgbClr val="FFFFFF"/>
-                </a:solidFill>
-              </a:rPr>
-              <a:t>megoldás</a:t>
-            </a:r>
-            <a:r>
-              <a:rPr lang="en-US" dirty="0">
-                <a:solidFill>
-                  <a:srgbClr val="FFFFFF"/>
-                </a:solidFill>
-              </a:rPr>
-              <a:t> </a:t>
-            </a:r>
-            <a:r>
-              <a:rPr lang="en-US" dirty="0" err="1">
-                <a:solidFill>
-                  <a:srgbClr val="FFFFFF"/>
-                </a:solidFill>
-              </a:rPr>
-              <a:t>szerializálásra</a:t>
-            </a:r>
-            <a:r>
-              <a:rPr lang="en-US" dirty="0">
-                <a:solidFill>
-                  <a:srgbClr val="FFFFFF"/>
-                </a:solidFill>
-              </a:rPr>
-              <a:t> </a:t>
-            </a:r>
-            <a:r>
-              <a:rPr lang="en-US" dirty="0" err="1">
-                <a:solidFill>
-                  <a:srgbClr val="FFFFFF"/>
-                </a:solidFill>
-              </a:rPr>
-              <a:t>és</a:t>
-            </a:r>
-            <a:r>
-              <a:rPr lang="en-US" dirty="0">
-                <a:solidFill>
-                  <a:srgbClr val="FFFFFF"/>
-                </a:solidFill>
-              </a:rPr>
-              <a:t> </a:t>
-            </a:r>
-            <a:r>
-              <a:rPr lang="en-US" dirty="0" err="1">
-                <a:solidFill>
-                  <a:srgbClr val="FFFFFF"/>
-                </a:solidFill>
-              </a:rPr>
-              <a:t>deszerializálásra</a:t>
-            </a:r>
-            <a:endParaRPr lang="en-US" dirty="0">
-              <a:solidFill>
-                <a:srgbClr val="FFFFFF"/>
-              </a:solidFill>
-            </a:endParaRPr>
-          </a:p>
-          <a:p>
-            <a:endParaRPr lang="en-US" dirty="0">
-              <a:solidFill>
-                <a:srgbClr val="FFFFFF"/>
-              </a:solidFill>
-            </a:endParaRPr>
-          </a:p>
-        </p:txBody>
-      </p:sp>
-      <p:pic>
-        <p:nvPicPr>
-          <p:cNvPr id="6" name="Content Placeholder 5">
-            <a:extLst>
-              <a:ext uri="{FF2B5EF4-FFF2-40B4-BE49-F238E27FC236}">
-                <a16:creationId xmlns:a16="http://schemas.microsoft.com/office/drawing/2014/main" id="{AF9E5B60-E9C9-9D28-39BA-3E91E268E8C8}"/>
-              </a:ext>
-            </a:extLst>
-          </p:cNvPr>
-          <p:cNvPicPr>
-            <a:picLocks noGrp="1" noChangeAspect="1"/>
-          </p:cNvPicPr>
-          <p:nvPr>
-            <p:ph sz="half" idx="2"/>
-          </p:nvPr>
-        </p:nvPicPr>
-        <p:blipFill>
-          <a:blip r:embed="rId3"/>
-          <a:stretch>
-            <a:fillRect/>
-          </a:stretch>
-        </p:blipFill>
-        <p:spPr>
-          <a:xfrm>
-            <a:off x="6758609" y="585716"/>
-            <a:ext cx="4333461" cy="5646205"/>
-          </a:xfrm>
-          <a:prstGeom prst="rect">
-            <a:avLst/>
-          </a:prstGeom>
-        </p:spPr>
-      </p:pic>
-    </p:spTree>
-    <p:extLst>
-      <p:ext uri="{BB962C8B-B14F-4D97-AF65-F5344CB8AC3E}">
-        <p14:creationId xmlns:p14="http://schemas.microsoft.com/office/powerpoint/2010/main" val="1237168981"/>
-      </p:ext>
-    </p:extLst>
-  </p:cSld>
-  <p:clrMapOvr>
-    <a:overrideClrMapping bg1="dk1" tx1="lt1" bg2="dk2" tx2="lt2" accent1="accent1" accent2="accent2" accent3="accent3" accent4="accent4" accent5="accent5" accent6="accent6" hlink="hlink" folHlink="folHlink"/>
   </p:clrMapOvr>
 </p:sld>
 </file>

--- a/Documents/VR játék fejlesztés Rehabilitációs célra.pptx
+++ b/Documents/VR játék fejlesztés Rehabilitációs célra.pptx
@@ -212,7 +212,7 @@
           <a:p>
             <a:fld id="{E607EDDE-985B-45DD-8AAF-A871EDB748D2}" type="datetimeFigureOut">
               <a:rPr lang="hu-HU" smtClean="0"/>
-              <a:t>2023. 06. 14.</a:t>
+              <a:t>2023. 06. 15.</a:t>
             </a:fld>
             <a:endParaRPr lang="hu-HU"/>
           </a:p>
@@ -949,12 +949,8 @@
           <a:lstStyle/>
           <a:p>
             <a:r>
-              <a:rPr lang="en-US" dirty="0" err="1"/>
-              <a:t>GearVR</a:t>
-            </a:r>
-            <a:r>
-              <a:rPr lang="en-US" dirty="0"/>
-              <a:t> </a:t>
+              <a:rPr lang="en-US" dirty="0"/>
+              <a:t>GearVR </a:t>
             </a:r>
             <a:r>
               <a:rPr lang="en-US" dirty="0" err="1"/>
@@ -1042,13 +1038,45 @@
             </a:r>
             <a:r>
               <a:rPr lang="en-US" dirty="0"/>
+              <a:t>, </a:t>
+            </a:r>
+            <a:r>
+              <a:rPr lang="en-US" dirty="0" err="1"/>
+              <a:t>agilis</a:t>
+            </a:r>
+            <a:r>
+              <a:rPr lang="en-US" dirty="0"/>
+              <a:t> </a:t>
+            </a:r>
+            <a:r>
+              <a:rPr lang="en-US" dirty="0" err="1"/>
+              <a:t>tud</a:t>
+            </a:r>
+            <a:r>
+              <a:rPr lang="en-US" dirty="0"/>
+              <a:t> </a:t>
+            </a:r>
+            <a:r>
+              <a:rPr lang="en-US" dirty="0" err="1"/>
+              <a:t>maradni</a:t>
+            </a:r>
+            <a:r>
+              <a:rPr lang="en-US" dirty="0"/>
+              <a:t> a </a:t>
+            </a:r>
+            <a:r>
+              <a:rPr lang="en-US" dirty="0" err="1"/>
+              <a:t>felhasználó</a:t>
+            </a:r>
+            <a:r>
+              <a:rPr lang="en-US" dirty="0"/>
               <a:t>.</a:t>
             </a:r>
           </a:p>
           <a:p>
             <a:r>
               <a:rPr lang="en-US" dirty="0"/>
-              <a:t>Unit engine – </a:t>
+              <a:t>Unity engine – </a:t>
             </a:r>
             <a:r>
               <a:rPr lang="en-US" dirty="0" err="1"/>
@@ -1328,302 +1356,6 @@
           <a:bodyPr/>
           <a:lstStyle/>
           <a:p>
-            <a:r>
-              <a:rPr lang="en-US" dirty="0" err="1"/>
-              <a:t>GearVR</a:t>
-            </a:r>
-            <a:r>
-              <a:rPr lang="en-US" dirty="0"/>
-              <a:t> </a:t>
-            </a:r>
-            <a:r>
-              <a:rPr lang="en-US" dirty="0" err="1"/>
-              <a:t>fizikálisan</a:t>
-            </a:r>
-            <a:r>
-              <a:rPr lang="en-US" dirty="0"/>
-              <a:t> </a:t>
-            </a:r>
-            <a:r>
-              <a:rPr lang="en-US" dirty="0" err="1"/>
-              <a:t>könnyű</a:t>
-            </a:r>
-            <a:r>
-              <a:rPr lang="en-US" dirty="0"/>
-              <a:t>, </a:t>
-            </a:r>
-            <a:r>
-              <a:rPr lang="en-US" dirty="0" err="1"/>
-              <a:t>könnyen</a:t>
-            </a:r>
-            <a:r>
-              <a:rPr lang="en-US" dirty="0"/>
-              <a:t> </a:t>
-            </a:r>
-            <a:r>
-              <a:rPr lang="en-US" dirty="0" err="1"/>
-              <a:t>lehet</a:t>
-            </a:r>
-            <a:r>
-              <a:rPr lang="en-US" dirty="0"/>
-              <a:t> </a:t>
-            </a:r>
-            <a:r>
-              <a:rPr lang="en-US" dirty="0" err="1"/>
-              <a:t>vele</a:t>
-            </a:r>
-            <a:r>
-              <a:rPr lang="en-US" dirty="0"/>
-              <a:t> </a:t>
-            </a:r>
-            <a:r>
-              <a:rPr lang="en-US" dirty="0" err="1"/>
-              <a:t>mozgatni</a:t>
-            </a:r>
-            <a:r>
-              <a:rPr lang="en-US" dirty="0"/>
-              <a:t> a </a:t>
-            </a:r>
-            <a:r>
-              <a:rPr lang="en-US" dirty="0" err="1"/>
-              <a:t>fejet</a:t>
-            </a:r>
-            <a:r>
-              <a:rPr lang="en-US" dirty="0"/>
-              <a:t>, </a:t>
-            </a:r>
-            <a:r>
-              <a:rPr lang="en-US" dirty="0" err="1"/>
-              <a:t>nincs</a:t>
-            </a:r>
-            <a:r>
-              <a:rPr lang="en-US" dirty="0"/>
-              <a:t> </a:t>
-            </a:r>
-            <a:r>
-              <a:rPr lang="en-US" dirty="0" err="1"/>
-              <a:t>kábel</a:t>
-            </a:r>
-            <a:r>
-              <a:rPr lang="en-US" dirty="0"/>
-              <a:t> </a:t>
-            </a:r>
-            <a:r>
-              <a:rPr lang="en-US" dirty="0" err="1"/>
-              <a:t>ami</a:t>
-            </a:r>
-            <a:r>
-              <a:rPr lang="en-US" dirty="0"/>
-              <a:t> </a:t>
-            </a:r>
-            <a:r>
-              <a:rPr lang="en-US" dirty="0" err="1"/>
-              <a:t>akadályozzon</a:t>
-            </a:r>
-            <a:r>
-              <a:rPr lang="en-US" dirty="0"/>
-              <a:t>.</a:t>
-            </a:r>
-          </a:p>
-          <a:p>
-            <a:r>
-              <a:rPr lang="en-US" dirty="0"/>
-              <a:t>Unit engine – </a:t>
-            </a:r>
-            <a:r>
-              <a:rPr lang="en-US" dirty="0" err="1"/>
-              <a:t>könnyen</a:t>
-            </a:r>
-            <a:r>
-              <a:rPr lang="en-US" dirty="0"/>
-              <a:t> be </a:t>
-            </a:r>
-            <a:r>
-              <a:rPr lang="en-US" dirty="0" err="1"/>
-              <a:t>lehet</a:t>
-            </a:r>
-            <a:r>
-              <a:rPr lang="en-US" dirty="0"/>
-              <a:t> </a:t>
-            </a:r>
-            <a:r>
-              <a:rPr lang="en-US" dirty="0" err="1"/>
-              <a:t>álítnai</a:t>
-            </a:r>
-            <a:r>
-              <a:rPr lang="en-US" dirty="0"/>
-              <a:t> </a:t>
-            </a:r>
-            <a:r>
-              <a:rPr lang="en-US" dirty="0" err="1"/>
-              <a:t>hogy</a:t>
-            </a:r>
-            <a:r>
-              <a:rPr lang="en-US" dirty="0"/>
-              <a:t> </a:t>
-            </a:r>
-            <a:r>
-              <a:rPr lang="en-US" dirty="0" err="1"/>
-              <a:t>androidra</a:t>
-            </a:r>
-            <a:r>
-              <a:rPr lang="en-US" dirty="0"/>
-              <a:t> </a:t>
-            </a:r>
-            <a:r>
-              <a:rPr lang="en-US" dirty="0" err="1"/>
-              <a:t>vagy</a:t>
-            </a:r>
-            <a:r>
-              <a:rPr lang="en-US" dirty="0"/>
-              <a:t> </a:t>
-            </a:r>
-            <a:r>
-              <a:rPr lang="en-US" dirty="0" err="1"/>
-              <a:t>windowsra</a:t>
-            </a:r>
-            <a:r>
-              <a:rPr lang="en-US" dirty="0"/>
-              <a:t> </a:t>
-            </a:r>
-            <a:r>
-              <a:rPr lang="en-US" dirty="0" err="1"/>
-              <a:t>szeretnénk</a:t>
-            </a:r>
-            <a:r>
-              <a:rPr lang="en-US" dirty="0"/>
-              <a:t> </a:t>
-            </a:r>
-            <a:r>
-              <a:rPr lang="en-US" dirty="0" err="1"/>
-              <a:t>épp</a:t>
-            </a:r>
-            <a:r>
-              <a:rPr lang="en-US" dirty="0"/>
-              <a:t> </a:t>
-            </a:r>
-            <a:r>
-              <a:rPr lang="en-US" dirty="0" err="1"/>
-              <a:t>buildelni</a:t>
-            </a:r>
-            <a:r>
-              <a:rPr lang="en-US" dirty="0"/>
-              <a:t> a </a:t>
-            </a:r>
-            <a:r>
-              <a:rPr lang="en-US" dirty="0" err="1"/>
-              <a:t>projektet</a:t>
-            </a:r>
-            <a:endParaRPr lang="en-US" dirty="0"/>
-          </a:p>
-          <a:p>
-            <a:r>
-              <a:rPr lang="en-US" dirty="0" err="1"/>
-              <a:t>Intelli</a:t>
-            </a:r>
-            <a:r>
-              <a:rPr lang="en-US" dirty="0"/>
-              <a:t> sense – </a:t>
-            </a:r>
-            <a:r>
-              <a:rPr lang="en-US" dirty="0" err="1"/>
-              <a:t>kód</a:t>
-            </a:r>
-            <a:r>
-              <a:rPr lang="en-US" dirty="0"/>
-              <a:t> </a:t>
-            </a:r>
-            <a:r>
-              <a:rPr lang="en-US" dirty="0" err="1"/>
-              <a:t>analizálás</a:t>
-            </a:r>
-            <a:r>
-              <a:rPr lang="en-US" dirty="0"/>
-              <a:t>, </a:t>
-            </a:r>
-            <a:r>
-              <a:rPr lang="en-US" dirty="0" err="1"/>
-              <a:t>kód</a:t>
-            </a:r>
-            <a:r>
-              <a:rPr lang="en-US" dirty="0"/>
-              <a:t> </a:t>
-            </a:r>
-            <a:r>
-              <a:rPr lang="en-US" dirty="0" err="1"/>
-              <a:t>kiegészítés</a:t>
-            </a:r>
-            <a:endParaRPr lang="en-US" dirty="0"/>
-          </a:p>
-          <a:p>
-            <a:r>
-              <a:rPr lang="en-US" dirty="0" err="1"/>
-              <a:t>Github</a:t>
-            </a:r>
-            <a:r>
-              <a:rPr lang="en-US" dirty="0"/>
-              <a:t> – </a:t>
-            </a:r>
-            <a:r>
-              <a:rPr lang="en-US" dirty="0" err="1"/>
-              <a:t>könnyen</a:t>
-            </a:r>
-            <a:r>
-              <a:rPr lang="en-US" dirty="0"/>
-              <a:t> </a:t>
-            </a:r>
-            <a:r>
-              <a:rPr lang="en-US" dirty="0" err="1"/>
-              <a:t>verziókezelhető</a:t>
-            </a:r>
-            <a:r>
-              <a:rPr lang="en-US" dirty="0"/>
-              <a:t> a projekt, </a:t>
-            </a:r>
-            <a:r>
-              <a:rPr lang="en-US" dirty="0" err="1"/>
-              <a:t>bármikor</a:t>
-            </a:r>
-            <a:r>
-              <a:rPr lang="en-US" dirty="0"/>
-              <a:t> </a:t>
-            </a:r>
-            <a:r>
-              <a:rPr lang="en-US" dirty="0" err="1"/>
-              <a:t>visszaforgatható</a:t>
-            </a:r>
-            <a:r>
-              <a:rPr lang="en-US" dirty="0"/>
-              <a:t> </a:t>
-            </a:r>
-            <a:r>
-              <a:rPr lang="en-US" dirty="0" err="1"/>
-              <a:t>egy</a:t>
-            </a:r>
-            <a:r>
-              <a:rPr lang="en-US" dirty="0"/>
-              <a:t> </a:t>
-            </a:r>
-            <a:r>
-              <a:rPr lang="en-US" dirty="0" err="1"/>
-              <a:t>változtatás</a:t>
-            </a:r>
-            <a:r>
-              <a:rPr lang="en-US" dirty="0"/>
-              <a:t> </a:t>
-            </a:r>
-            <a:r>
-              <a:rPr lang="en-US" dirty="0" err="1"/>
-              <a:t>korábbi</a:t>
-            </a:r>
-            <a:r>
-              <a:rPr lang="en-US" dirty="0"/>
-              <a:t> </a:t>
-            </a:r>
-            <a:r>
-              <a:rPr lang="en-US" dirty="0" err="1"/>
-              <a:t>verzióra</a:t>
-            </a:r>
             <a:endParaRPr lang="hu-HU" dirty="0"/>
           </a:p>
         </p:txBody>
@@ -3028,7 +2760,7 @@
             <a:fld id="{B61BEF0D-F0BB-DE4B-95CE-6DB70DBA9567}" type="datetimeFigureOut">
               <a:rPr lang="en-US" dirty="0"/>
               <a:pPr/>
-              <a:t>6/14/2023</a:t>
+              <a:t>6/15/2023</a:t>
             </a:fld>
             <a:endParaRPr lang="en-US" dirty="0"/>
           </a:p>
@@ -3287,7 +3019,7 @@
             <a:fld id="{B61BEF0D-F0BB-DE4B-95CE-6DB70DBA9567}" type="datetimeFigureOut">
               <a:rPr lang="en-US" dirty="0"/>
               <a:pPr/>
-              <a:t>6/14/2023</a:t>
+              <a:t>6/15/2023</a:t>
             </a:fld>
             <a:endParaRPr lang="en-US" dirty="0"/>
           </a:p>
@@ -3519,7 +3251,7 @@
             <a:fld id="{B61BEF0D-F0BB-DE4B-95CE-6DB70DBA9567}" type="datetimeFigureOut">
               <a:rPr lang="en-US" dirty="0"/>
               <a:pPr/>
-              <a:t>6/14/2023</a:t>
+              <a:t>6/15/2023</a:t>
             </a:fld>
             <a:endParaRPr lang="en-US" dirty="0"/>
           </a:p>
@@ -3756,7 +3488,7 @@
             <a:fld id="{B61BEF0D-F0BB-DE4B-95CE-6DB70DBA9567}" type="datetimeFigureOut">
               <a:rPr lang="en-US" dirty="0"/>
               <a:pPr/>
-              <a:t>6/14/2023</a:t>
+              <a:t>6/15/2023</a:t>
             </a:fld>
             <a:endParaRPr lang="en-US" dirty="0"/>
           </a:p>
@@ -4060,7 +3792,7 @@
             <a:fld id="{B61BEF0D-F0BB-DE4B-95CE-6DB70DBA9567}" type="datetimeFigureOut">
               <a:rPr lang="en-US" dirty="0"/>
               <a:pPr/>
-              <a:t>6/14/2023</a:t>
+              <a:t>6/15/2023</a:t>
             </a:fld>
             <a:endParaRPr lang="en-US" dirty="0"/>
           </a:p>
@@ -4359,7 +4091,7 @@
             <a:fld id="{B61BEF0D-F0BB-DE4B-95CE-6DB70DBA9567}" type="datetimeFigureOut">
               <a:rPr lang="en-US" dirty="0"/>
               <a:pPr/>
-              <a:t>6/14/2023</a:t>
+              <a:t>6/15/2023</a:t>
             </a:fld>
             <a:endParaRPr lang="en-US" dirty="0"/>
           </a:p>
@@ -4778,7 +4510,7 @@
             <a:fld id="{B61BEF0D-F0BB-DE4B-95CE-6DB70DBA9567}" type="datetimeFigureOut">
               <a:rPr lang="en-US" dirty="0"/>
               <a:pPr/>
-              <a:t>6/14/2023</a:t>
+              <a:t>6/15/2023</a:t>
             </a:fld>
             <a:endParaRPr lang="en-US" dirty="0"/>
           </a:p>
@@ -4937,7 +4669,7 @@
             <a:fld id="{B61BEF0D-F0BB-DE4B-95CE-6DB70DBA9567}" type="datetimeFigureOut">
               <a:rPr lang="en-US" dirty="0"/>
               <a:pPr/>
-              <a:t>6/14/2023</a:t>
+              <a:t>6/15/2023</a:t>
             </a:fld>
             <a:endParaRPr lang="en-US" dirty="0"/>
           </a:p>
@@ -5029,7 +4761,7 @@
             <a:fld id="{B61BEF0D-F0BB-DE4B-95CE-6DB70DBA9567}" type="datetimeFigureOut">
               <a:rPr lang="en-US" dirty="0"/>
               <a:pPr/>
-              <a:t>6/14/2023</a:t>
+              <a:t>6/15/2023</a:t>
             </a:fld>
             <a:endParaRPr lang="en-US" dirty="0"/>
           </a:p>
@@ -5404,7 +5136,7 @@
             <a:fld id="{B61BEF0D-F0BB-DE4B-95CE-6DB70DBA9567}" type="datetimeFigureOut">
               <a:rPr lang="en-US" dirty="0"/>
               <a:pPr/>
-              <a:t>6/14/2023</a:t>
+              <a:t>6/15/2023</a:t>
             </a:fld>
             <a:endParaRPr lang="en-US" dirty="0"/>
           </a:p>
@@ -5690,7 +5422,7 @@
             <a:fld id="{B61BEF0D-F0BB-DE4B-95CE-6DB70DBA9567}" type="datetimeFigureOut">
               <a:rPr lang="en-US" dirty="0"/>
               <a:pPr/>
-              <a:t>6/14/2023</a:t>
+              <a:t>6/15/2023</a:t>
             </a:fld>
             <a:endParaRPr lang="en-US" dirty="0"/>
           </a:p>
@@ -5898,7 +5630,7 @@
             <a:fld id="{B61BEF0D-F0BB-DE4B-95CE-6DB70DBA9567}" type="datetimeFigureOut">
               <a:rPr lang="en-US" dirty="0"/>
               <a:pPr/>
-              <a:t>6/14/2023</a:t>
+              <a:t>6/15/2023</a:t>
             </a:fld>
             <a:endParaRPr lang="en-US" dirty="0"/>
           </a:p>
@@ -8207,7 +7939,7 @@
             </a:r>
             <a:r>
               <a:rPr lang="en-US" dirty="0" err="1"/>
-              <a:t>applikáció</a:t>
+              <a:t>alkalmazás</a:t>
             </a:r>
             <a:r>
               <a:rPr lang="en-US" dirty="0"/>
@@ -8468,10 +8200,9 @@
           </a:p>
           <a:p>
             <a:r>
-              <a:rPr lang="en-US" dirty="0" err="1"/>
-              <a:t>GithHub</a:t>
-            </a:r>
-            <a:endParaRPr lang="en-US" dirty="0"/>
+              <a:rPr lang="en-US" dirty="0"/>
+              <a:t>GitHub</a:t>
+            </a:r>
           </a:p>
         </p:txBody>
       </p:sp>
